--- a/presentations/Finale Präsentation.pptx
+++ b/presentations/Finale Präsentation.pptx
@@ -5,30 +5,36 @@
     <p:sldMasterId id="2147483648" r:id="rId1"/>
   </p:sldMasterIdLst>
   <p:notesMasterIdLst>
-    <p:notesMasterId r:id="rId15"/>
+    <p:notesMasterId r:id="rId21"/>
   </p:notesMasterIdLst>
   <p:handoutMasterIdLst>
-    <p:handoutMasterId r:id="rId16"/>
+    <p:handoutMasterId r:id="rId22"/>
   </p:handoutMasterIdLst>
   <p:sldIdLst>
     <p:sldId id="258" r:id="rId2"/>
     <p:sldId id="364" r:id="rId3"/>
-    <p:sldId id="380" r:id="rId4"/>
-    <p:sldId id="381" r:id="rId5"/>
-    <p:sldId id="367" r:id="rId6"/>
-    <p:sldId id="376" r:id="rId7"/>
-    <p:sldId id="377" r:id="rId8"/>
-    <p:sldId id="378" r:id="rId9"/>
-    <p:sldId id="383" r:id="rId10"/>
-    <p:sldId id="375" r:id="rId11"/>
-    <p:sldId id="384" r:id="rId12"/>
-    <p:sldId id="382" r:id="rId13"/>
-    <p:sldId id="371" r:id="rId14"/>
+    <p:sldId id="388" r:id="rId4"/>
+    <p:sldId id="367" r:id="rId5"/>
+    <p:sldId id="376" r:id="rId6"/>
+    <p:sldId id="393" r:id="rId7"/>
+    <p:sldId id="378" r:id="rId8"/>
+    <p:sldId id="383" r:id="rId9"/>
+    <p:sldId id="375" r:id="rId10"/>
+    <p:sldId id="384" r:id="rId11"/>
+    <p:sldId id="385" r:id="rId12"/>
+    <p:sldId id="389" r:id="rId13"/>
+    <p:sldId id="386" r:id="rId14"/>
+    <p:sldId id="390" r:id="rId15"/>
+    <p:sldId id="387" r:id="rId16"/>
+    <p:sldId id="391" r:id="rId17"/>
+    <p:sldId id="392" r:id="rId18"/>
+    <p:sldId id="382" r:id="rId19"/>
+    <p:sldId id="371" r:id="rId20"/>
   </p:sldIdLst>
   <p:sldSz cx="12192000" cy="6858000"/>
   <p:notesSz cx="6799263" cy="9929813"/>
   <p:custDataLst>
-    <p:tags r:id="rId17"/>
+    <p:tags r:id="rId23"/>
   </p:custDataLst>
   <p:defaultTextStyle>
     <a:defPPr>
@@ -162,15 +168,21 @@
           <p14:sldIdLst>
             <p14:sldId id="258"/>
             <p14:sldId id="364"/>
-            <p14:sldId id="380"/>
-            <p14:sldId id="381"/>
+            <p14:sldId id="388"/>
             <p14:sldId id="367"/>
             <p14:sldId id="376"/>
-            <p14:sldId id="377"/>
+            <p14:sldId id="393"/>
             <p14:sldId id="378"/>
             <p14:sldId id="383"/>
             <p14:sldId id="375"/>
             <p14:sldId id="384"/>
+            <p14:sldId id="385"/>
+            <p14:sldId id="389"/>
+            <p14:sldId id="386"/>
+            <p14:sldId id="390"/>
+            <p14:sldId id="387"/>
+            <p14:sldId id="391"/>
+            <p14:sldId id="392"/>
             <p14:sldId id="382"/>
             <p14:sldId id="371"/>
           </p14:sldIdLst>
@@ -328,7 +340,7 @@
             <a:fld id="{A32DC80D-291A-4ABB-A78B-0417274A267C}" type="datetime4">
               <a:rPr lang="de-DE"/>
               <a:pPr/>
-              <a:t>3. Oktober 2023</a:t>
+              <a:t>11. Oktober 2023</a:t>
             </a:fld>
             <a:endParaRPr lang="de-DE"/>
           </a:p>
@@ -719,7 +731,7 @@
             <a:fld id="{065B079B-E513-489A-8A1B-D7C78493EA86}" type="datetime4">
               <a:rPr lang="de-DE"/>
               <a:pPr/>
-              <a:t>3. Oktober 2023</a:t>
+              <a:t>11. Oktober 2023</a:t>
             </a:fld>
             <a:endParaRPr lang="de-DE"/>
           </a:p>
@@ -1793,6 +1805,298 @@
 </p:notes>
 </file>
 
+<file path=ppt/notesSlides/notesSlide10.xml><?xml version="1.0" encoding="utf-8"?>
+<p:notes xmlns:a="http://schemas.openxmlformats.org/drawingml/2006/main" xmlns:r="http://schemas.openxmlformats.org/officeDocument/2006/relationships" xmlns:p="http://schemas.openxmlformats.org/presentationml/2006/main">
+  <p:cSld>
+    <p:spTree>
+      <p:nvGrpSpPr>
+        <p:cNvPr id="1" name=""/>
+        <p:cNvGrpSpPr/>
+        <p:nvPr/>
+      </p:nvGrpSpPr>
+      <p:grpSpPr>
+        <a:xfrm>
+          <a:off x="0" y="0"/>
+          <a:ext cx="0" cy="0"/>
+          <a:chOff x="0" y="0"/>
+          <a:chExt cx="0" cy="0"/>
+        </a:xfrm>
+      </p:grpSpPr>
+      <p:sp>
+        <p:nvSpPr>
+          <p:cNvPr id="2" name="Folienbildplatzhalter 1"/>
+          <p:cNvSpPr>
+            <a:spLocks noGrp="1" noRot="1" noChangeAspect="1"/>
+          </p:cNvSpPr>
+          <p:nvPr>
+            <p:ph type="sldImg"/>
+          </p:nvPr>
+        </p:nvSpPr>
+        <p:spPr/>
+      </p:sp>
+      <p:sp>
+        <p:nvSpPr>
+          <p:cNvPr id="3" name="Notizenplatzhalter 2"/>
+          <p:cNvSpPr>
+            <a:spLocks noGrp="1"/>
+          </p:cNvSpPr>
+          <p:nvPr>
+            <p:ph type="body" idx="1"/>
+          </p:nvPr>
+        </p:nvSpPr>
+        <p:spPr/>
+        <p:txBody>
+          <a:bodyPr/>
+          <a:lstStyle/>
+          <a:p>
+            <a:r>
+              <a:rPr lang="de-DE" dirty="0"/>
+              <a:t>Ladeleistung </a:t>
+            </a:r>
+            <a:r>
+              <a:rPr lang="de-DE" dirty="0" err="1"/>
+              <a:t>erlkären</a:t>
+            </a:r>
+            <a:endParaRPr lang="de-DE" dirty="0"/>
+          </a:p>
+          <a:p>
+            <a:r>
+              <a:rPr lang="de-DE" dirty="0"/>
+              <a:t>Anzahl an </a:t>
+            </a:r>
+            <a:r>
+              <a:rPr lang="de-DE" dirty="0" err="1"/>
+              <a:t>entities</a:t>
+            </a:r>
+            <a:r>
+              <a:rPr lang="de-DE" dirty="0"/>
+              <a:t> nennen</a:t>
+            </a:r>
+          </a:p>
+        </p:txBody>
+      </p:sp>
+      <p:sp>
+        <p:nvSpPr>
+          <p:cNvPr id="4" name="Datumsplatzhalter 3"/>
+          <p:cNvSpPr>
+            <a:spLocks noGrp="1"/>
+          </p:cNvSpPr>
+          <p:nvPr>
+            <p:ph type="dt" idx="1"/>
+          </p:nvPr>
+        </p:nvSpPr>
+        <p:spPr/>
+        <p:txBody>
+          <a:bodyPr/>
+          <a:lstStyle/>
+          <a:p>
+            <a:fld id="{065B079B-E513-489A-8A1B-D7C78493EA86}" type="datetime4">
+              <a:rPr lang="de-DE" smtClean="0"/>
+              <a:pPr/>
+              <a:t>11. Oktober 2023</a:t>
+            </a:fld>
+            <a:endParaRPr lang="de-DE"/>
+          </a:p>
+        </p:txBody>
+      </p:sp>
+      <p:sp>
+        <p:nvSpPr>
+          <p:cNvPr id="5" name="Fußzeilenplatzhalter 4"/>
+          <p:cNvSpPr>
+            <a:spLocks noGrp="1"/>
+          </p:cNvSpPr>
+          <p:nvPr>
+            <p:ph type="ftr" sz="quarter" idx="4"/>
+          </p:nvPr>
+        </p:nvSpPr>
+        <p:spPr/>
+        <p:txBody>
+          <a:bodyPr/>
+          <a:lstStyle/>
+          <a:p>
+            <a:r>
+              <a:rPr lang="de-DE"/>
+              <a:t>|  </a:t>
+            </a:r>
+          </a:p>
+        </p:txBody>
+      </p:sp>
+      <p:sp>
+        <p:nvSpPr>
+          <p:cNvPr id="6" name="Foliennummernplatzhalter 5"/>
+          <p:cNvSpPr>
+            <a:spLocks noGrp="1"/>
+          </p:cNvSpPr>
+          <p:nvPr>
+            <p:ph type="sldNum" sz="quarter" idx="5"/>
+          </p:nvPr>
+        </p:nvSpPr>
+        <p:spPr/>
+        <p:txBody>
+          <a:bodyPr/>
+          <a:lstStyle/>
+          <a:p>
+            <a:r>
+              <a:rPr lang="de-DE"/>
+              <a:t>|  </a:t>
+            </a:r>
+            <a:fld id="{C36AA9A4-5D0B-4134-89A6-D8B9DAA4F25C}" type="slidenum">
+              <a:rPr lang="de-DE" smtClean="0"/>
+              <a:pPr/>
+              <a:t>15</a:t>
+            </a:fld>
+            <a:endParaRPr lang="de-DE"/>
+          </a:p>
+        </p:txBody>
+      </p:sp>
+    </p:spTree>
+    <p:extLst>
+      <p:ext uri="{BB962C8B-B14F-4D97-AF65-F5344CB8AC3E}">
+        <p14:creationId xmlns:p14="http://schemas.microsoft.com/office/powerpoint/2010/main" val="64939673"/>
+      </p:ext>
+    </p:extLst>
+  </p:cSld>
+  <p:clrMapOvr>
+    <a:masterClrMapping/>
+  </p:clrMapOvr>
+</p:notes>
+</file>
+
+<file path=ppt/notesSlides/notesSlide11.xml><?xml version="1.0" encoding="utf-8"?>
+<p:notes xmlns:a="http://schemas.openxmlformats.org/drawingml/2006/main" xmlns:r="http://schemas.openxmlformats.org/officeDocument/2006/relationships" xmlns:p="http://schemas.openxmlformats.org/presentationml/2006/main">
+  <p:cSld>
+    <p:spTree>
+      <p:nvGrpSpPr>
+        <p:cNvPr id="1" name=""/>
+        <p:cNvGrpSpPr/>
+        <p:nvPr/>
+      </p:nvGrpSpPr>
+      <p:grpSpPr>
+        <a:xfrm>
+          <a:off x="0" y="0"/>
+          <a:ext cx="0" cy="0"/>
+          <a:chOff x="0" y="0"/>
+          <a:chExt cx="0" cy="0"/>
+        </a:xfrm>
+      </p:grpSpPr>
+      <p:sp>
+        <p:nvSpPr>
+          <p:cNvPr id="2" name="Folienbildplatzhalter 1"/>
+          <p:cNvSpPr>
+            <a:spLocks noGrp="1" noRot="1" noChangeAspect="1"/>
+          </p:cNvSpPr>
+          <p:nvPr>
+            <p:ph type="sldImg"/>
+          </p:nvPr>
+        </p:nvSpPr>
+        <p:spPr/>
+      </p:sp>
+      <p:sp>
+        <p:nvSpPr>
+          <p:cNvPr id="3" name="Notizenplatzhalter 2"/>
+          <p:cNvSpPr>
+            <a:spLocks noGrp="1"/>
+          </p:cNvSpPr>
+          <p:nvPr>
+            <p:ph type="body" idx="1"/>
+          </p:nvPr>
+        </p:nvSpPr>
+        <p:spPr/>
+        <p:txBody>
+          <a:bodyPr/>
+          <a:lstStyle/>
+          <a:p>
+            <a:endParaRPr lang="de-DE" dirty="0"/>
+          </a:p>
+        </p:txBody>
+      </p:sp>
+      <p:sp>
+        <p:nvSpPr>
+          <p:cNvPr id="4" name="Datumsplatzhalter 3"/>
+          <p:cNvSpPr>
+            <a:spLocks noGrp="1"/>
+          </p:cNvSpPr>
+          <p:nvPr>
+            <p:ph type="dt" idx="1"/>
+          </p:nvPr>
+        </p:nvSpPr>
+        <p:spPr/>
+        <p:txBody>
+          <a:bodyPr/>
+          <a:lstStyle/>
+          <a:p>
+            <a:fld id="{065B079B-E513-489A-8A1B-D7C78493EA86}" type="datetime4">
+              <a:rPr lang="de-DE" smtClean="0"/>
+              <a:pPr/>
+              <a:t>11. Oktober 2023</a:t>
+            </a:fld>
+            <a:endParaRPr lang="de-DE"/>
+          </a:p>
+        </p:txBody>
+      </p:sp>
+      <p:sp>
+        <p:nvSpPr>
+          <p:cNvPr id="5" name="Fußzeilenplatzhalter 4"/>
+          <p:cNvSpPr>
+            <a:spLocks noGrp="1"/>
+          </p:cNvSpPr>
+          <p:nvPr>
+            <p:ph type="ftr" sz="quarter" idx="4"/>
+          </p:nvPr>
+        </p:nvSpPr>
+        <p:spPr/>
+        <p:txBody>
+          <a:bodyPr/>
+          <a:lstStyle/>
+          <a:p>
+            <a:r>
+              <a:rPr lang="de-DE"/>
+              <a:t>|  </a:t>
+            </a:r>
+          </a:p>
+        </p:txBody>
+      </p:sp>
+      <p:sp>
+        <p:nvSpPr>
+          <p:cNvPr id="6" name="Foliennummernplatzhalter 5"/>
+          <p:cNvSpPr>
+            <a:spLocks noGrp="1"/>
+          </p:cNvSpPr>
+          <p:nvPr>
+            <p:ph type="sldNum" sz="quarter" idx="5"/>
+          </p:nvPr>
+        </p:nvSpPr>
+        <p:spPr/>
+        <p:txBody>
+          <a:bodyPr/>
+          <a:lstStyle/>
+          <a:p>
+            <a:r>
+              <a:rPr lang="de-DE"/>
+              <a:t>|  </a:t>
+            </a:r>
+            <a:fld id="{C36AA9A4-5D0B-4134-89A6-D8B9DAA4F25C}" type="slidenum">
+              <a:rPr lang="de-DE" smtClean="0"/>
+              <a:pPr/>
+              <a:t>17</a:t>
+            </a:fld>
+            <a:endParaRPr lang="de-DE"/>
+          </a:p>
+        </p:txBody>
+      </p:sp>
+    </p:spTree>
+    <p:extLst>
+      <p:ext uri="{BB962C8B-B14F-4D97-AF65-F5344CB8AC3E}">
+        <p14:creationId xmlns:p14="http://schemas.microsoft.com/office/powerpoint/2010/main" val="2237442223"/>
+      </p:ext>
+    </p:extLst>
+  </p:cSld>
+  <p:clrMapOvr>
+    <a:masterClrMapping/>
+  </p:clrMapOvr>
+</p:notes>
+</file>
+
 <file path=ppt/notesSlides/notesSlide2.xml><?xml version="1.0" encoding="utf-8"?>
 <p:notes xmlns:a="http://schemas.openxmlformats.org/drawingml/2006/main" xmlns:r="http://schemas.openxmlformats.org/officeDocument/2006/relationships" xmlns:p="http://schemas.openxmlformats.org/presentationml/2006/main">
   <p:cSld>
@@ -1837,6 +2141,14 @@
           <a:bodyPr/>
           <a:lstStyle/>
           <a:p>
+            <a:r>
+              <a:rPr lang="de-DE" dirty="0"/>
+              <a:t>Bessere </a:t>
+            </a:r>
+            <a:r>
+              <a:rPr lang="de-DE" dirty="0" err="1"/>
+              <a:t>storyline</a:t>
+            </a:r>
             <a:endParaRPr lang="de-DE" dirty="0"/>
           </a:p>
         </p:txBody>
@@ -1859,7 +2171,7 @@
             <a:fld id="{065B079B-E513-489A-8A1B-D7C78493EA86}" type="datetime4">
               <a:rPr lang="de-DE" smtClean="0"/>
               <a:pPr/>
-              <a:t>3. Oktober 2023</a:t>
+              <a:t>11. Oktober 2023</a:t>
             </a:fld>
             <a:endParaRPr lang="de-DE"/>
           </a:p>
@@ -1909,7 +2221,7 @@
             <a:fld id="{C36AA9A4-5D0B-4134-89A6-D8B9DAA4F25C}" type="slidenum">
               <a:rPr lang="de-DE" smtClean="0"/>
               <a:pPr/>
-              <a:t>3</a:t>
+              <a:t>2</a:t>
             </a:fld>
             <a:endParaRPr lang="de-DE"/>
           </a:p>
@@ -1918,7 +2230,7 @@
     </p:spTree>
     <p:extLst>
       <p:ext uri="{BB962C8B-B14F-4D97-AF65-F5344CB8AC3E}">
-        <p14:creationId xmlns:p14="http://schemas.microsoft.com/office/powerpoint/2010/main" val="2488654773"/>
+        <p14:creationId xmlns:p14="http://schemas.microsoft.com/office/powerpoint/2010/main" val="248390895"/>
       </p:ext>
     </p:extLst>
   </p:cSld>
@@ -1994,7 +2306,7 @@
             <a:fld id="{065B079B-E513-489A-8A1B-D7C78493EA86}" type="datetime4">
               <a:rPr lang="de-DE" smtClean="0"/>
               <a:pPr/>
-              <a:t>3. Oktober 2023</a:t>
+              <a:t>11. Oktober 2023</a:t>
             </a:fld>
             <a:endParaRPr lang="de-DE"/>
           </a:p>
@@ -2044,7 +2356,686 @@
             <a:fld id="{C36AA9A4-5D0B-4134-89A6-D8B9DAA4F25C}" type="slidenum">
               <a:rPr lang="de-DE" smtClean="0"/>
               <a:pPr/>
-              <a:t>9</a:t>
+              <a:t>3</a:t>
+            </a:fld>
+            <a:endParaRPr lang="de-DE"/>
+          </a:p>
+        </p:txBody>
+      </p:sp>
+    </p:spTree>
+    <p:extLst>
+      <p:ext uri="{BB962C8B-B14F-4D97-AF65-F5344CB8AC3E}">
+        <p14:creationId xmlns:p14="http://schemas.microsoft.com/office/powerpoint/2010/main" val="2987026827"/>
+      </p:ext>
+    </p:extLst>
+  </p:cSld>
+  <p:clrMapOvr>
+    <a:masterClrMapping/>
+  </p:clrMapOvr>
+</p:notes>
+</file>
+
+<file path=ppt/notesSlides/notesSlide4.xml><?xml version="1.0" encoding="utf-8"?>
+<p:notes xmlns:a="http://schemas.openxmlformats.org/drawingml/2006/main" xmlns:r="http://schemas.openxmlformats.org/officeDocument/2006/relationships" xmlns:p="http://schemas.openxmlformats.org/presentationml/2006/main">
+  <p:cSld>
+    <p:spTree>
+      <p:nvGrpSpPr>
+        <p:cNvPr id="1" name=""/>
+        <p:cNvGrpSpPr/>
+        <p:nvPr/>
+      </p:nvGrpSpPr>
+      <p:grpSpPr>
+        <a:xfrm>
+          <a:off x="0" y="0"/>
+          <a:ext cx="0" cy="0"/>
+          <a:chOff x="0" y="0"/>
+          <a:chExt cx="0" cy="0"/>
+        </a:xfrm>
+      </p:grpSpPr>
+      <p:sp>
+        <p:nvSpPr>
+          <p:cNvPr id="2" name="Folienbildplatzhalter 1"/>
+          <p:cNvSpPr>
+            <a:spLocks noGrp="1" noRot="1" noChangeAspect="1"/>
+          </p:cNvSpPr>
+          <p:nvPr>
+            <p:ph type="sldImg"/>
+          </p:nvPr>
+        </p:nvSpPr>
+        <p:spPr/>
+      </p:sp>
+      <p:sp>
+        <p:nvSpPr>
+          <p:cNvPr id="3" name="Notizenplatzhalter 2"/>
+          <p:cNvSpPr>
+            <a:spLocks noGrp="1"/>
+          </p:cNvSpPr>
+          <p:nvPr>
+            <p:ph type="body" idx="1"/>
+          </p:nvPr>
+        </p:nvSpPr>
+        <p:spPr/>
+        <p:txBody>
+          <a:bodyPr/>
+          <a:lstStyle/>
+          <a:p>
+            <a:r>
+              <a:rPr lang="de-DE" dirty="0"/>
+              <a:t>Modell genauer erklären -&gt; was ist meine </a:t>
+            </a:r>
+            <a:r>
+              <a:rPr lang="de-DE" dirty="0" err="1"/>
+              <a:t>contribution</a:t>
+            </a:r>
+            <a:endParaRPr lang="de-DE" dirty="0"/>
+          </a:p>
+          <a:p>
+            <a:endParaRPr lang="de-DE" dirty="0"/>
+          </a:p>
+          <a:p>
+            <a:r>
+              <a:rPr lang="de-DE" dirty="0" err="1"/>
+              <a:t>Gif</a:t>
+            </a:r>
+            <a:r>
+              <a:rPr lang="de-DE" dirty="0"/>
+              <a:t> von </a:t>
+            </a:r>
+            <a:r>
+              <a:rPr lang="de-DE" dirty="0" err="1"/>
+              <a:t>state</a:t>
+            </a:r>
+            <a:r>
+              <a:rPr lang="de-DE" dirty="0"/>
+              <a:t> </a:t>
+            </a:r>
+            <a:r>
+              <a:rPr lang="de-DE" dirty="0" err="1"/>
+              <a:t>changes</a:t>
+            </a:r>
+            <a:r>
+              <a:rPr lang="de-DE" dirty="0"/>
+              <a:t> </a:t>
+            </a:r>
+            <a:r>
+              <a:rPr lang="de-DE" dirty="0" err="1"/>
+              <a:t>sir</a:t>
+            </a:r>
+            <a:endParaRPr lang="de-DE" dirty="0"/>
+          </a:p>
+          <a:p>
+            <a:r>
+              <a:rPr lang="de-DE" dirty="0"/>
+              <a:t>Betonen: </a:t>
+            </a:r>
+            <a:r>
+              <a:rPr lang="de-DE" dirty="0" err="1"/>
+              <a:t>epidemologisches</a:t>
+            </a:r>
+            <a:r>
+              <a:rPr lang="de-DE" dirty="0"/>
+              <a:t> Modell -&gt; </a:t>
+            </a:r>
+            <a:r>
+              <a:rPr lang="de-DE" dirty="0" err="1"/>
+              <a:t>information</a:t>
+            </a:r>
+            <a:r>
+              <a:rPr lang="de-DE" dirty="0"/>
+              <a:t> ist eine </a:t>
+            </a:r>
+            <a:r>
+              <a:rPr lang="de-DE" dirty="0" err="1"/>
+              <a:t>infektion</a:t>
+            </a:r>
+            <a:endParaRPr lang="de-DE" dirty="0"/>
+          </a:p>
+        </p:txBody>
+      </p:sp>
+      <p:sp>
+        <p:nvSpPr>
+          <p:cNvPr id="4" name="Datumsplatzhalter 3"/>
+          <p:cNvSpPr>
+            <a:spLocks noGrp="1"/>
+          </p:cNvSpPr>
+          <p:nvPr>
+            <p:ph type="dt" idx="1"/>
+          </p:nvPr>
+        </p:nvSpPr>
+        <p:spPr/>
+        <p:txBody>
+          <a:bodyPr/>
+          <a:lstStyle/>
+          <a:p>
+            <a:fld id="{065B079B-E513-489A-8A1B-D7C78493EA86}" type="datetime4">
+              <a:rPr lang="de-DE" smtClean="0"/>
+              <a:pPr/>
+              <a:t>11. Oktober 2023</a:t>
+            </a:fld>
+            <a:endParaRPr lang="de-DE"/>
+          </a:p>
+        </p:txBody>
+      </p:sp>
+      <p:sp>
+        <p:nvSpPr>
+          <p:cNvPr id="5" name="Fußzeilenplatzhalter 4"/>
+          <p:cNvSpPr>
+            <a:spLocks noGrp="1"/>
+          </p:cNvSpPr>
+          <p:nvPr>
+            <p:ph type="ftr" sz="quarter" idx="4"/>
+          </p:nvPr>
+        </p:nvSpPr>
+        <p:spPr/>
+        <p:txBody>
+          <a:bodyPr/>
+          <a:lstStyle/>
+          <a:p>
+            <a:r>
+              <a:rPr lang="de-DE"/>
+              <a:t>|  </a:t>
+            </a:r>
+          </a:p>
+        </p:txBody>
+      </p:sp>
+      <p:sp>
+        <p:nvSpPr>
+          <p:cNvPr id="6" name="Foliennummernplatzhalter 5"/>
+          <p:cNvSpPr>
+            <a:spLocks noGrp="1"/>
+          </p:cNvSpPr>
+          <p:nvPr>
+            <p:ph type="sldNum" sz="quarter" idx="5"/>
+          </p:nvPr>
+        </p:nvSpPr>
+        <p:spPr/>
+        <p:txBody>
+          <a:bodyPr/>
+          <a:lstStyle/>
+          <a:p>
+            <a:r>
+              <a:rPr lang="de-DE"/>
+              <a:t>|  </a:t>
+            </a:r>
+            <a:fld id="{C36AA9A4-5D0B-4134-89A6-D8B9DAA4F25C}" type="slidenum">
+              <a:rPr lang="de-DE" smtClean="0"/>
+              <a:pPr/>
+              <a:t>5</a:t>
+            </a:fld>
+            <a:endParaRPr lang="de-DE"/>
+          </a:p>
+        </p:txBody>
+      </p:sp>
+    </p:spTree>
+    <p:extLst>
+      <p:ext uri="{BB962C8B-B14F-4D97-AF65-F5344CB8AC3E}">
+        <p14:creationId xmlns:p14="http://schemas.microsoft.com/office/powerpoint/2010/main" val="179461611"/>
+      </p:ext>
+    </p:extLst>
+  </p:cSld>
+  <p:clrMapOvr>
+    <a:masterClrMapping/>
+  </p:clrMapOvr>
+</p:notes>
+</file>
+
+<file path=ppt/notesSlides/notesSlide5.xml><?xml version="1.0" encoding="utf-8"?>
+<p:notes xmlns:a="http://schemas.openxmlformats.org/drawingml/2006/main" xmlns:r="http://schemas.openxmlformats.org/officeDocument/2006/relationships" xmlns:p="http://schemas.openxmlformats.org/presentationml/2006/main">
+  <p:cSld>
+    <p:spTree>
+      <p:nvGrpSpPr>
+        <p:cNvPr id="1" name=""/>
+        <p:cNvGrpSpPr/>
+        <p:nvPr/>
+      </p:nvGrpSpPr>
+      <p:grpSpPr>
+        <a:xfrm>
+          <a:off x="0" y="0"/>
+          <a:ext cx="0" cy="0"/>
+          <a:chOff x="0" y="0"/>
+          <a:chExt cx="0" cy="0"/>
+        </a:xfrm>
+      </p:grpSpPr>
+      <p:sp>
+        <p:nvSpPr>
+          <p:cNvPr id="2" name="Folienbildplatzhalter 1"/>
+          <p:cNvSpPr>
+            <a:spLocks noGrp="1" noRot="1" noChangeAspect="1"/>
+          </p:cNvSpPr>
+          <p:nvPr>
+            <p:ph type="sldImg"/>
+          </p:nvPr>
+        </p:nvSpPr>
+        <p:spPr/>
+      </p:sp>
+      <p:sp>
+        <p:nvSpPr>
+          <p:cNvPr id="3" name="Notizenplatzhalter 2"/>
+          <p:cNvSpPr>
+            <a:spLocks noGrp="1"/>
+          </p:cNvSpPr>
+          <p:nvPr>
+            <p:ph type="body" idx="1"/>
+          </p:nvPr>
+        </p:nvSpPr>
+        <p:spPr/>
+        <p:txBody>
+          <a:bodyPr/>
+          <a:lstStyle/>
+          <a:p>
+            <a:r>
+              <a:rPr lang="de-DE" dirty="0" err="1"/>
+              <a:t>Graphbasiertes</a:t>
+            </a:r>
+            <a:r>
+              <a:rPr lang="de-DE" dirty="0"/>
+              <a:t> </a:t>
+            </a:r>
+            <a:r>
+              <a:rPr lang="de-DE" dirty="0" err="1"/>
+              <a:t>sir</a:t>
+            </a:r>
+            <a:r>
+              <a:rPr lang="de-DE" dirty="0"/>
+              <a:t> erklären</a:t>
+            </a:r>
+          </a:p>
+        </p:txBody>
+      </p:sp>
+      <p:sp>
+        <p:nvSpPr>
+          <p:cNvPr id="4" name="Datumsplatzhalter 3"/>
+          <p:cNvSpPr>
+            <a:spLocks noGrp="1"/>
+          </p:cNvSpPr>
+          <p:nvPr>
+            <p:ph type="dt" idx="1"/>
+          </p:nvPr>
+        </p:nvSpPr>
+        <p:spPr/>
+        <p:txBody>
+          <a:bodyPr/>
+          <a:lstStyle/>
+          <a:p>
+            <a:fld id="{065B079B-E513-489A-8A1B-D7C78493EA86}" type="datetime4">
+              <a:rPr lang="de-DE" smtClean="0"/>
+              <a:pPr/>
+              <a:t>11. Oktober 2023</a:t>
+            </a:fld>
+            <a:endParaRPr lang="de-DE"/>
+          </a:p>
+        </p:txBody>
+      </p:sp>
+      <p:sp>
+        <p:nvSpPr>
+          <p:cNvPr id="5" name="Fußzeilenplatzhalter 4"/>
+          <p:cNvSpPr>
+            <a:spLocks noGrp="1"/>
+          </p:cNvSpPr>
+          <p:nvPr>
+            <p:ph type="ftr" sz="quarter" idx="4"/>
+          </p:nvPr>
+        </p:nvSpPr>
+        <p:spPr/>
+        <p:txBody>
+          <a:bodyPr/>
+          <a:lstStyle/>
+          <a:p>
+            <a:r>
+              <a:rPr lang="de-DE"/>
+              <a:t>|  </a:t>
+            </a:r>
+          </a:p>
+        </p:txBody>
+      </p:sp>
+      <p:sp>
+        <p:nvSpPr>
+          <p:cNvPr id="6" name="Foliennummernplatzhalter 5"/>
+          <p:cNvSpPr>
+            <a:spLocks noGrp="1"/>
+          </p:cNvSpPr>
+          <p:nvPr>
+            <p:ph type="sldNum" sz="quarter" idx="5"/>
+          </p:nvPr>
+        </p:nvSpPr>
+        <p:spPr/>
+        <p:txBody>
+          <a:bodyPr/>
+          <a:lstStyle/>
+          <a:p>
+            <a:r>
+              <a:rPr lang="de-DE"/>
+              <a:t>|  </a:t>
+            </a:r>
+            <a:fld id="{C36AA9A4-5D0B-4134-89A6-D8B9DAA4F25C}" type="slidenum">
+              <a:rPr lang="de-DE" smtClean="0"/>
+              <a:pPr/>
+              <a:t>6</a:t>
+            </a:fld>
+            <a:endParaRPr lang="de-DE"/>
+          </a:p>
+        </p:txBody>
+      </p:sp>
+    </p:spTree>
+    <p:extLst>
+      <p:ext uri="{BB962C8B-B14F-4D97-AF65-F5344CB8AC3E}">
+        <p14:creationId xmlns:p14="http://schemas.microsoft.com/office/powerpoint/2010/main" val="904387550"/>
+      </p:ext>
+    </p:extLst>
+  </p:cSld>
+  <p:clrMapOvr>
+    <a:masterClrMapping/>
+  </p:clrMapOvr>
+</p:notes>
+</file>
+
+<file path=ppt/notesSlides/notesSlide6.xml><?xml version="1.0" encoding="utf-8"?>
+<p:notes xmlns:a="http://schemas.openxmlformats.org/drawingml/2006/main" xmlns:r="http://schemas.openxmlformats.org/officeDocument/2006/relationships" xmlns:p="http://schemas.openxmlformats.org/presentationml/2006/main">
+  <p:cSld>
+    <p:spTree>
+      <p:nvGrpSpPr>
+        <p:cNvPr id="1" name=""/>
+        <p:cNvGrpSpPr/>
+        <p:nvPr/>
+      </p:nvGrpSpPr>
+      <p:grpSpPr>
+        <a:xfrm>
+          <a:off x="0" y="0"/>
+          <a:ext cx="0" cy="0"/>
+          <a:chOff x="0" y="0"/>
+          <a:chExt cx="0" cy="0"/>
+        </a:xfrm>
+      </p:grpSpPr>
+      <p:sp>
+        <p:nvSpPr>
+          <p:cNvPr id="2" name="Folienbildplatzhalter 1"/>
+          <p:cNvSpPr>
+            <a:spLocks noGrp="1" noRot="1" noChangeAspect="1"/>
+          </p:cNvSpPr>
+          <p:nvPr>
+            <p:ph type="sldImg"/>
+          </p:nvPr>
+        </p:nvSpPr>
+        <p:spPr/>
+      </p:sp>
+      <p:sp>
+        <p:nvSpPr>
+          <p:cNvPr id="3" name="Notizenplatzhalter 2"/>
+          <p:cNvSpPr>
+            <a:spLocks noGrp="1"/>
+          </p:cNvSpPr>
+          <p:nvPr>
+            <p:ph type="body" idx="1"/>
+          </p:nvPr>
+        </p:nvSpPr>
+        <p:spPr/>
+        <p:txBody>
+          <a:bodyPr/>
+          <a:lstStyle/>
+          <a:p>
+            <a:r>
+              <a:rPr lang="de-DE" dirty="0"/>
+              <a:t>Power </a:t>
+            </a:r>
+            <a:r>
+              <a:rPr lang="de-DE" dirty="0" err="1"/>
+              <a:t>calculation</a:t>
+            </a:r>
+            <a:r>
+              <a:rPr lang="de-DE" dirty="0"/>
+              <a:t> auch gut erklären</a:t>
+            </a:r>
+          </a:p>
+          <a:p>
+            <a:r>
+              <a:rPr lang="de-DE" dirty="0"/>
+              <a:t>Und </a:t>
+            </a:r>
+            <a:r>
+              <a:rPr lang="de-DE" dirty="0" err="1"/>
+              <a:t>assumption</a:t>
+            </a:r>
+            <a:endParaRPr lang="de-DE" dirty="0"/>
+          </a:p>
+          <a:p>
+            <a:endParaRPr lang="de-DE" dirty="0"/>
+          </a:p>
+          <a:p>
+            <a:r>
+              <a:rPr lang="de-DE" dirty="0"/>
+              <a:t>Zweite </a:t>
+            </a:r>
+            <a:r>
+              <a:rPr lang="de-DE" dirty="0" err="1"/>
+              <a:t>assumption</a:t>
+            </a:r>
+            <a:r>
+              <a:rPr lang="de-DE" dirty="0"/>
+              <a:t> nicht erklären</a:t>
+            </a:r>
+          </a:p>
+        </p:txBody>
+      </p:sp>
+      <p:sp>
+        <p:nvSpPr>
+          <p:cNvPr id="4" name="Datumsplatzhalter 3"/>
+          <p:cNvSpPr>
+            <a:spLocks noGrp="1"/>
+          </p:cNvSpPr>
+          <p:nvPr>
+            <p:ph type="dt" idx="1"/>
+          </p:nvPr>
+        </p:nvSpPr>
+        <p:spPr/>
+        <p:txBody>
+          <a:bodyPr/>
+          <a:lstStyle/>
+          <a:p>
+            <a:fld id="{065B079B-E513-489A-8A1B-D7C78493EA86}" type="datetime4">
+              <a:rPr lang="de-DE" smtClean="0"/>
+              <a:pPr/>
+              <a:t>11. Oktober 2023</a:t>
+            </a:fld>
+            <a:endParaRPr lang="de-DE"/>
+          </a:p>
+        </p:txBody>
+      </p:sp>
+      <p:sp>
+        <p:nvSpPr>
+          <p:cNvPr id="5" name="Fußzeilenplatzhalter 4"/>
+          <p:cNvSpPr>
+            <a:spLocks noGrp="1"/>
+          </p:cNvSpPr>
+          <p:nvPr>
+            <p:ph type="ftr" sz="quarter" idx="4"/>
+          </p:nvPr>
+        </p:nvSpPr>
+        <p:spPr/>
+        <p:txBody>
+          <a:bodyPr/>
+          <a:lstStyle/>
+          <a:p>
+            <a:r>
+              <a:rPr lang="de-DE"/>
+              <a:t>|  </a:t>
+            </a:r>
+          </a:p>
+        </p:txBody>
+      </p:sp>
+      <p:sp>
+        <p:nvSpPr>
+          <p:cNvPr id="6" name="Foliennummernplatzhalter 5"/>
+          <p:cNvSpPr>
+            <a:spLocks noGrp="1"/>
+          </p:cNvSpPr>
+          <p:nvPr>
+            <p:ph type="sldNum" sz="quarter" idx="5"/>
+          </p:nvPr>
+        </p:nvSpPr>
+        <p:spPr/>
+        <p:txBody>
+          <a:bodyPr/>
+          <a:lstStyle/>
+          <a:p>
+            <a:r>
+              <a:rPr lang="de-DE"/>
+              <a:t>|  </a:t>
+            </a:r>
+            <a:fld id="{C36AA9A4-5D0B-4134-89A6-D8B9DAA4F25C}" type="slidenum">
+              <a:rPr lang="de-DE" smtClean="0"/>
+              <a:pPr/>
+              <a:t>7</a:t>
+            </a:fld>
+            <a:endParaRPr lang="de-DE"/>
+          </a:p>
+        </p:txBody>
+      </p:sp>
+    </p:spTree>
+    <p:extLst>
+      <p:ext uri="{BB962C8B-B14F-4D97-AF65-F5344CB8AC3E}">
+        <p14:creationId xmlns:p14="http://schemas.microsoft.com/office/powerpoint/2010/main" val="528525115"/>
+      </p:ext>
+    </p:extLst>
+  </p:cSld>
+  <p:clrMapOvr>
+    <a:masterClrMapping/>
+  </p:clrMapOvr>
+</p:notes>
+</file>
+
+<file path=ppt/notesSlides/notesSlide7.xml><?xml version="1.0" encoding="utf-8"?>
+<p:notes xmlns:a="http://schemas.openxmlformats.org/drawingml/2006/main" xmlns:r="http://schemas.openxmlformats.org/officeDocument/2006/relationships" xmlns:p="http://schemas.openxmlformats.org/presentationml/2006/main">
+  <p:cSld>
+    <p:spTree>
+      <p:nvGrpSpPr>
+        <p:cNvPr id="1" name=""/>
+        <p:cNvGrpSpPr/>
+        <p:nvPr/>
+      </p:nvGrpSpPr>
+      <p:grpSpPr>
+        <a:xfrm>
+          <a:off x="0" y="0"/>
+          <a:ext cx="0" cy="0"/>
+          <a:chOff x="0" y="0"/>
+          <a:chExt cx="0" cy="0"/>
+        </a:xfrm>
+      </p:grpSpPr>
+      <p:sp>
+        <p:nvSpPr>
+          <p:cNvPr id="2" name="Folienbildplatzhalter 1"/>
+          <p:cNvSpPr>
+            <a:spLocks noGrp="1" noRot="1" noChangeAspect="1"/>
+          </p:cNvSpPr>
+          <p:nvPr>
+            <p:ph type="sldImg"/>
+          </p:nvPr>
+        </p:nvSpPr>
+        <p:spPr/>
+      </p:sp>
+      <p:sp>
+        <p:nvSpPr>
+          <p:cNvPr id="3" name="Notizenplatzhalter 2"/>
+          <p:cNvSpPr>
+            <a:spLocks noGrp="1"/>
+          </p:cNvSpPr>
+          <p:nvPr>
+            <p:ph type="body" idx="1"/>
+          </p:nvPr>
+        </p:nvSpPr>
+        <p:spPr/>
+        <p:txBody>
+          <a:bodyPr/>
+          <a:lstStyle/>
+          <a:p>
+            <a:r>
+              <a:rPr lang="de-DE" dirty="0"/>
+              <a:t>Mean </a:t>
+            </a:r>
+            <a:r>
+              <a:rPr lang="de-DE" dirty="0" err="1"/>
+              <a:t>field</a:t>
+            </a:r>
+            <a:r>
+              <a:rPr lang="de-DE" dirty="0"/>
+              <a:t> </a:t>
+            </a:r>
+            <a:r>
+              <a:rPr lang="de-DE" dirty="0" err="1"/>
+              <a:t>theory</a:t>
+            </a:r>
+            <a:endParaRPr lang="de-DE" dirty="0"/>
+          </a:p>
+        </p:txBody>
+      </p:sp>
+      <p:sp>
+        <p:nvSpPr>
+          <p:cNvPr id="4" name="Datumsplatzhalter 3"/>
+          <p:cNvSpPr>
+            <a:spLocks noGrp="1"/>
+          </p:cNvSpPr>
+          <p:nvPr>
+            <p:ph type="dt" idx="1"/>
+          </p:nvPr>
+        </p:nvSpPr>
+        <p:spPr/>
+        <p:txBody>
+          <a:bodyPr/>
+          <a:lstStyle/>
+          <a:p>
+            <a:fld id="{065B079B-E513-489A-8A1B-D7C78493EA86}" type="datetime4">
+              <a:rPr lang="de-DE" smtClean="0"/>
+              <a:pPr/>
+              <a:t>11. Oktober 2023</a:t>
+            </a:fld>
+            <a:endParaRPr lang="de-DE"/>
+          </a:p>
+        </p:txBody>
+      </p:sp>
+      <p:sp>
+        <p:nvSpPr>
+          <p:cNvPr id="5" name="Fußzeilenplatzhalter 4"/>
+          <p:cNvSpPr>
+            <a:spLocks noGrp="1"/>
+          </p:cNvSpPr>
+          <p:nvPr>
+            <p:ph type="ftr" sz="quarter" idx="4"/>
+          </p:nvPr>
+        </p:nvSpPr>
+        <p:spPr/>
+        <p:txBody>
+          <a:bodyPr/>
+          <a:lstStyle/>
+          <a:p>
+            <a:r>
+              <a:rPr lang="de-DE"/>
+              <a:t>|  </a:t>
+            </a:r>
+          </a:p>
+        </p:txBody>
+      </p:sp>
+      <p:sp>
+        <p:nvSpPr>
+          <p:cNvPr id="6" name="Foliennummernplatzhalter 5"/>
+          <p:cNvSpPr>
+            <a:spLocks noGrp="1"/>
+          </p:cNvSpPr>
+          <p:nvPr>
+            <p:ph type="sldNum" sz="quarter" idx="5"/>
+          </p:nvPr>
+        </p:nvSpPr>
+        <p:spPr/>
+        <p:txBody>
+          <a:bodyPr/>
+          <a:lstStyle/>
+          <a:p>
+            <a:r>
+              <a:rPr lang="de-DE"/>
+              <a:t>|  </a:t>
+            </a:r>
+            <a:fld id="{C36AA9A4-5D0B-4134-89A6-D8B9DAA4F25C}" type="slidenum">
+              <a:rPr lang="de-DE" smtClean="0"/>
+              <a:pPr/>
+              <a:t>8</a:t>
             </a:fld>
             <a:endParaRPr lang="de-DE"/>
           </a:p>
@@ -2054,6 +3045,290 @@
     <p:extLst>
       <p:ext uri="{BB962C8B-B14F-4D97-AF65-F5344CB8AC3E}">
         <p14:creationId xmlns:p14="http://schemas.microsoft.com/office/powerpoint/2010/main" val="3866831291"/>
+      </p:ext>
+    </p:extLst>
+  </p:cSld>
+  <p:clrMapOvr>
+    <a:masterClrMapping/>
+  </p:clrMapOvr>
+</p:notes>
+</file>
+
+<file path=ppt/notesSlides/notesSlide8.xml><?xml version="1.0" encoding="utf-8"?>
+<p:notes xmlns:a="http://schemas.openxmlformats.org/drawingml/2006/main" xmlns:r="http://schemas.openxmlformats.org/officeDocument/2006/relationships" xmlns:p="http://schemas.openxmlformats.org/presentationml/2006/main">
+  <p:cSld>
+    <p:spTree>
+      <p:nvGrpSpPr>
+        <p:cNvPr id="1" name=""/>
+        <p:cNvGrpSpPr/>
+        <p:nvPr/>
+      </p:nvGrpSpPr>
+      <p:grpSpPr>
+        <a:xfrm>
+          <a:off x="0" y="0"/>
+          <a:ext cx="0" cy="0"/>
+          <a:chOff x="0" y="0"/>
+          <a:chExt cx="0" cy="0"/>
+        </a:xfrm>
+      </p:grpSpPr>
+      <p:sp>
+        <p:nvSpPr>
+          <p:cNvPr id="2" name="Folienbildplatzhalter 1"/>
+          <p:cNvSpPr>
+            <a:spLocks noGrp="1" noRot="1" noChangeAspect="1"/>
+          </p:cNvSpPr>
+          <p:nvPr>
+            <p:ph type="sldImg"/>
+          </p:nvPr>
+        </p:nvSpPr>
+        <p:spPr/>
+      </p:sp>
+      <p:sp>
+        <p:nvSpPr>
+          <p:cNvPr id="3" name="Notizenplatzhalter 2"/>
+          <p:cNvSpPr>
+            <a:spLocks noGrp="1"/>
+          </p:cNvSpPr>
+          <p:nvPr>
+            <p:ph type="body" idx="1"/>
+          </p:nvPr>
+        </p:nvSpPr>
+        <p:spPr/>
+        <p:txBody>
+          <a:bodyPr/>
+          <a:lstStyle/>
+          <a:p>
+            <a:r>
+              <a:rPr lang="de-DE" dirty="0"/>
+              <a:t>Twitter </a:t>
+            </a:r>
+            <a:r>
+              <a:rPr lang="de-DE" dirty="0" err="1"/>
+              <a:t>posts</a:t>
+            </a:r>
+            <a:r>
+              <a:rPr lang="de-DE" dirty="0"/>
+              <a:t> reinmachen</a:t>
+            </a:r>
+          </a:p>
+        </p:txBody>
+      </p:sp>
+      <p:sp>
+        <p:nvSpPr>
+          <p:cNvPr id="4" name="Datumsplatzhalter 3"/>
+          <p:cNvSpPr>
+            <a:spLocks noGrp="1"/>
+          </p:cNvSpPr>
+          <p:nvPr>
+            <p:ph type="dt" idx="1"/>
+          </p:nvPr>
+        </p:nvSpPr>
+        <p:spPr/>
+        <p:txBody>
+          <a:bodyPr/>
+          <a:lstStyle/>
+          <a:p>
+            <a:fld id="{065B079B-E513-489A-8A1B-D7C78493EA86}" type="datetime4">
+              <a:rPr lang="de-DE" smtClean="0"/>
+              <a:pPr/>
+              <a:t>11. Oktober 2023</a:t>
+            </a:fld>
+            <a:endParaRPr lang="de-DE"/>
+          </a:p>
+        </p:txBody>
+      </p:sp>
+      <p:sp>
+        <p:nvSpPr>
+          <p:cNvPr id="5" name="Fußzeilenplatzhalter 4"/>
+          <p:cNvSpPr>
+            <a:spLocks noGrp="1"/>
+          </p:cNvSpPr>
+          <p:nvPr>
+            <p:ph type="ftr" sz="quarter" idx="4"/>
+          </p:nvPr>
+        </p:nvSpPr>
+        <p:spPr/>
+        <p:txBody>
+          <a:bodyPr/>
+          <a:lstStyle/>
+          <a:p>
+            <a:r>
+              <a:rPr lang="de-DE"/>
+              <a:t>|  </a:t>
+            </a:r>
+          </a:p>
+        </p:txBody>
+      </p:sp>
+      <p:sp>
+        <p:nvSpPr>
+          <p:cNvPr id="6" name="Foliennummernplatzhalter 5"/>
+          <p:cNvSpPr>
+            <a:spLocks noGrp="1"/>
+          </p:cNvSpPr>
+          <p:nvPr>
+            <p:ph type="sldNum" sz="quarter" idx="5"/>
+          </p:nvPr>
+        </p:nvSpPr>
+        <p:spPr/>
+        <p:txBody>
+          <a:bodyPr/>
+          <a:lstStyle/>
+          <a:p>
+            <a:r>
+              <a:rPr lang="de-DE"/>
+              <a:t>|  </a:t>
+            </a:r>
+            <a:fld id="{C36AA9A4-5D0B-4134-89A6-D8B9DAA4F25C}" type="slidenum">
+              <a:rPr lang="de-DE" smtClean="0"/>
+              <a:pPr/>
+              <a:t>11</a:t>
+            </a:fld>
+            <a:endParaRPr lang="de-DE"/>
+          </a:p>
+        </p:txBody>
+      </p:sp>
+    </p:spTree>
+    <p:extLst>
+      <p:ext uri="{BB962C8B-B14F-4D97-AF65-F5344CB8AC3E}">
+        <p14:creationId xmlns:p14="http://schemas.microsoft.com/office/powerpoint/2010/main" val="308804169"/>
+      </p:ext>
+    </p:extLst>
+  </p:cSld>
+  <p:clrMapOvr>
+    <a:masterClrMapping/>
+  </p:clrMapOvr>
+</p:notes>
+</file>
+
+<file path=ppt/notesSlides/notesSlide9.xml><?xml version="1.0" encoding="utf-8"?>
+<p:notes xmlns:a="http://schemas.openxmlformats.org/drawingml/2006/main" xmlns:r="http://schemas.openxmlformats.org/officeDocument/2006/relationships" xmlns:p="http://schemas.openxmlformats.org/presentationml/2006/main">
+  <p:cSld>
+    <p:spTree>
+      <p:nvGrpSpPr>
+        <p:cNvPr id="1" name=""/>
+        <p:cNvGrpSpPr/>
+        <p:nvPr/>
+      </p:nvGrpSpPr>
+      <p:grpSpPr>
+        <a:xfrm>
+          <a:off x="0" y="0"/>
+          <a:ext cx="0" cy="0"/>
+          <a:chOff x="0" y="0"/>
+          <a:chExt cx="0" cy="0"/>
+        </a:xfrm>
+      </p:grpSpPr>
+      <p:sp>
+        <p:nvSpPr>
+          <p:cNvPr id="2" name="Folienbildplatzhalter 1"/>
+          <p:cNvSpPr>
+            <a:spLocks noGrp="1" noRot="1" noChangeAspect="1"/>
+          </p:cNvSpPr>
+          <p:nvPr>
+            <p:ph type="sldImg"/>
+          </p:nvPr>
+        </p:nvSpPr>
+        <p:spPr/>
+      </p:sp>
+      <p:sp>
+        <p:nvSpPr>
+          <p:cNvPr id="3" name="Notizenplatzhalter 2"/>
+          <p:cNvSpPr>
+            <a:spLocks noGrp="1"/>
+          </p:cNvSpPr>
+          <p:nvPr>
+            <p:ph type="body" idx="1"/>
+          </p:nvPr>
+        </p:nvSpPr>
+        <p:spPr/>
+        <p:txBody>
+          <a:bodyPr/>
+          <a:lstStyle/>
+          <a:p>
+            <a:r>
+              <a:rPr lang="de-DE" dirty="0"/>
+              <a:t>Animation wegmachen :( </a:t>
+            </a:r>
+          </a:p>
+        </p:txBody>
+      </p:sp>
+      <p:sp>
+        <p:nvSpPr>
+          <p:cNvPr id="4" name="Datumsplatzhalter 3"/>
+          <p:cNvSpPr>
+            <a:spLocks noGrp="1"/>
+          </p:cNvSpPr>
+          <p:nvPr>
+            <p:ph type="dt" idx="1"/>
+          </p:nvPr>
+        </p:nvSpPr>
+        <p:spPr/>
+        <p:txBody>
+          <a:bodyPr/>
+          <a:lstStyle/>
+          <a:p>
+            <a:fld id="{065B079B-E513-489A-8A1B-D7C78493EA86}" type="datetime4">
+              <a:rPr lang="de-DE" smtClean="0"/>
+              <a:pPr/>
+              <a:t>11. Oktober 2023</a:t>
+            </a:fld>
+            <a:endParaRPr lang="de-DE"/>
+          </a:p>
+        </p:txBody>
+      </p:sp>
+      <p:sp>
+        <p:nvSpPr>
+          <p:cNvPr id="5" name="Fußzeilenplatzhalter 4"/>
+          <p:cNvSpPr>
+            <a:spLocks noGrp="1"/>
+          </p:cNvSpPr>
+          <p:nvPr>
+            <p:ph type="ftr" sz="quarter" idx="4"/>
+          </p:nvPr>
+        </p:nvSpPr>
+        <p:spPr/>
+        <p:txBody>
+          <a:bodyPr/>
+          <a:lstStyle/>
+          <a:p>
+            <a:r>
+              <a:rPr lang="de-DE"/>
+              <a:t>|  </a:t>
+            </a:r>
+          </a:p>
+        </p:txBody>
+      </p:sp>
+      <p:sp>
+        <p:nvSpPr>
+          <p:cNvPr id="6" name="Foliennummernplatzhalter 5"/>
+          <p:cNvSpPr>
+            <a:spLocks noGrp="1"/>
+          </p:cNvSpPr>
+          <p:nvPr>
+            <p:ph type="sldNum" sz="quarter" idx="5"/>
+          </p:nvPr>
+        </p:nvSpPr>
+        <p:spPr/>
+        <p:txBody>
+          <a:bodyPr/>
+          <a:lstStyle/>
+          <a:p>
+            <a:r>
+              <a:rPr lang="de-DE"/>
+              <a:t>|  </a:t>
+            </a:r>
+            <a:fld id="{C36AA9A4-5D0B-4134-89A6-D8B9DAA4F25C}" type="slidenum">
+              <a:rPr lang="de-DE" smtClean="0"/>
+              <a:pPr/>
+              <a:t>12</a:t>
+            </a:fld>
+            <a:endParaRPr lang="de-DE"/>
+          </a:p>
+        </p:txBody>
+      </p:sp>
+    </p:spTree>
+    <p:extLst>
+      <p:ext uri="{BB962C8B-B14F-4D97-AF65-F5344CB8AC3E}">
+        <p14:creationId xmlns:p14="http://schemas.microsoft.com/office/powerpoint/2010/main" val="3877984825"/>
       </p:ext>
     </p:extLst>
   </p:cSld>
@@ -4470,7 +5745,7 @@
           <p:cNvPr id="2" name="Titel 1">
             <a:extLst>
               <a:ext uri="{FF2B5EF4-FFF2-40B4-BE49-F238E27FC236}">
-                <a16:creationId xmlns:a16="http://schemas.microsoft.com/office/drawing/2014/main" id="{A7F701A3-2404-A9B8-5FC9-0D63435EEFB5}"/>
+                <a16:creationId xmlns:a16="http://schemas.microsoft.com/office/drawing/2014/main" id="{1B4E87CA-8FA7-CF05-AD3F-6B6FF62444A7}"/>
               </a:ext>
             </a:extLst>
           </p:cNvPr>
@@ -4483,399 +5758,32 @@
         </p:nvSpPr>
         <p:spPr>
           <a:xfrm>
-            <a:off x="478366" y="488950"/>
-            <a:ext cx="9506065" cy="838200"/>
+            <a:off x="839416" y="3044830"/>
+            <a:ext cx="8561940" cy="1362075"/>
           </a:xfrm>
         </p:spPr>
         <p:txBody>
           <a:bodyPr/>
           <a:lstStyle/>
           <a:p>
-            <a:r>
-              <a:rPr lang="en-US" dirty="0"/>
-              <a:t>Proposal for a Prediction Framework</a:t>
-            </a:r>
-          </a:p>
-        </p:txBody>
-      </p:sp>
-      <p:sp>
-        <p:nvSpPr>
-          <p:cNvPr id="11" name="Rechteck: abgerundete Ecken 10">
-            <a:extLst>
-              <a:ext uri="{FF2B5EF4-FFF2-40B4-BE49-F238E27FC236}">
-                <a16:creationId xmlns:a16="http://schemas.microsoft.com/office/drawing/2014/main" id="{B28EB07E-CC38-E24E-53EC-81F655433E4E}"/>
-              </a:ext>
-            </a:extLst>
-          </p:cNvPr>
-          <p:cNvSpPr/>
-          <p:nvPr/>
-        </p:nvSpPr>
-        <p:spPr>
-          <a:xfrm>
-            <a:off x="3359696" y="3163463"/>
-            <a:ext cx="2232248" cy="963726"/>
-          </a:xfrm>
-          <a:prstGeom prst="roundRect">
-            <a:avLst/>
-          </a:prstGeom>
-        </p:spPr>
-        <p:style>
-          <a:lnRef idx="2">
-            <a:schemeClr val="accent1"/>
-          </a:lnRef>
-          <a:fillRef idx="1">
-            <a:schemeClr val="lt1"/>
-          </a:fillRef>
-          <a:effectRef idx="0">
-            <a:schemeClr val="accent1"/>
-          </a:effectRef>
-          <a:fontRef idx="minor">
-            <a:schemeClr val="dk1"/>
-          </a:fontRef>
-        </p:style>
-        <p:txBody>
-          <a:bodyPr rot="0" spcFirstLastPara="0" vertOverflow="overflow" horzOverflow="overflow" vert="horz" wrap="square" lIns="91440" tIns="45720" rIns="91440" bIns="45720" numCol="1" spcCol="0" rtlCol="0" fromWordArt="0" anchor="ctr" anchorCtr="0" forceAA="0" compatLnSpc="1">
-            <a:prstTxWarp prst="textNoShape">
-              <a:avLst/>
-            </a:prstTxWarp>
-            <a:noAutofit/>
-          </a:bodyPr>
-          <a:lstStyle/>
-          <a:p>
-            <a:pPr algn="ctr"/>
-            <a:r>
-              <a:rPr lang="de-DE" dirty="0" err="1"/>
-              <a:t>Predict</a:t>
-            </a:r>
-            <a:r>
+            <a:br>
               <a:rPr lang="de-DE" dirty="0"/>
-              <a:t> Model Parameters</a:t>
-            </a:r>
-          </a:p>
-        </p:txBody>
-      </p:sp>
-      <p:sp>
-        <p:nvSpPr>
-          <p:cNvPr id="16" name="Rechteck: abgerundete Ecken 15">
-            <a:extLst>
-              <a:ext uri="{FF2B5EF4-FFF2-40B4-BE49-F238E27FC236}">
-                <a16:creationId xmlns:a16="http://schemas.microsoft.com/office/drawing/2014/main" id="{BB0B4EA5-878D-8271-7D1C-1A082934784C}"/>
-              </a:ext>
-            </a:extLst>
-          </p:cNvPr>
-          <p:cNvSpPr/>
-          <p:nvPr/>
-        </p:nvSpPr>
-        <p:spPr>
-          <a:xfrm>
-            <a:off x="5935284" y="3163463"/>
-            <a:ext cx="2232248" cy="963726"/>
-          </a:xfrm>
-          <a:prstGeom prst="roundRect">
-            <a:avLst/>
-          </a:prstGeom>
-        </p:spPr>
-        <p:style>
-          <a:lnRef idx="2">
-            <a:schemeClr val="accent1"/>
-          </a:lnRef>
-          <a:fillRef idx="1">
-            <a:schemeClr val="lt1"/>
-          </a:fillRef>
-          <a:effectRef idx="0">
-            <a:schemeClr val="accent1"/>
-          </a:effectRef>
-          <a:fontRef idx="minor">
-            <a:schemeClr val="dk1"/>
-          </a:fontRef>
-        </p:style>
-        <p:txBody>
-          <a:bodyPr rot="0" spcFirstLastPara="0" vertOverflow="overflow" horzOverflow="overflow" vert="horz" wrap="square" lIns="91440" tIns="45720" rIns="91440" bIns="45720" numCol="1" spcCol="0" rtlCol="0" fromWordArt="0" anchor="ctr" anchorCtr="0" forceAA="0" compatLnSpc="1">
-            <a:prstTxWarp prst="textNoShape">
-              <a:avLst/>
-            </a:prstTxWarp>
-            <a:noAutofit/>
-          </a:bodyPr>
-          <a:lstStyle/>
-          <a:p>
-            <a:pPr algn="ctr"/>
+            </a:br>
             <a:r>
               <a:rPr lang="de-DE" dirty="0"/>
-              <a:t>Run Simulation</a:t>
-            </a:r>
-          </a:p>
-        </p:txBody>
-      </p:sp>
-      <p:sp>
-        <p:nvSpPr>
-          <p:cNvPr id="17" name="Rechteck: abgerundete Ecken 16">
-            <a:extLst>
-              <a:ext uri="{FF2B5EF4-FFF2-40B4-BE49-F238E27FC236}">
-                <a16:creationId xmlns:a16="http://schemas.microsoft.com/office/drawing/2014/main" id="{3449728B-672D-7AB6-C2EF-B996874FD672}"/>
-              </a:ext>
-            </a:extLst>
-          </p:cNvPr>
-          <p:cNvSpPr/>
-          <p:nvPr/>
-        </p:nvSpPr>
-        <p:spPr>
-          <a:xfrm>
-            <a:off x="8510872" y="3163463"/>
-            <a:ext cx="2825012" cy="963726"/>
-          </a:xfrm>
-          <a:prstGeom prst="roundRect">
-            <a:avLst/>
-          </a:prstGeom>
-        </p:spPr>
-        <p:style>
-          <a:lnRef idx="2">
-            <a:schemeClr val="accent1"/>
-          </a:lnRef>
-          <a:fillRef idx="1">
-            <a:schemeClr val="lt1"/>
-          </a:fillRef>
-          <a:effectRef idx="0">
-            <a:schemeClr val="accent1"/>
-          </a:effectRef>
-          <a:fontRef idx="minor">
-            <a:schemeClr val="dk1"/>
-          </a:fontRef>
-        </p:style>
-        <p:txBody>
-          <a:bodyPr rot="0" spcFirstLastPara="0" vertOverflow="overflow" horzOverflow="overflow" vert="horz" wrap="square" lIns="91440" tIns="45720" rIns="91440" bIns="45720" numCol="1" spcCol="0" rtlCol="0" fromWordArt="0" anchor="ctr" anchorCtr="0" forceAA="0" compatLnSpc="1">
-            <a:prstTxWarp prst="textNoShape">
-              <a:avLst/>
-            </a:prstTxWarp>
-            <a:noAutofit/>
-          </a:bodyPr>
-          <a:lstStyle/>
-          <a:p>
-            <a:pPr algn="ctr"/>
-            <a:r>
+              <a:t>Case Studies</a:t>
+            </a:r>
+            <a:br>
               <a:rPr lang="de-DE" dirty="0"/>
-              <a:t>Power Demand </a:t>
-            </a:r>
-            <a:r>
-              <a:rPr lang="de-DE" dirty="0" err="1"/>
-              <a:t>critical</a:t>
-            </a:r>
-            <a:r>
-              <a:rPr lang="de-DE" dirty="0"/>
-              <a:t>?</a:t>
-            </a:r>
-          </a:p>
-          <a:p>
-            <a:pPr algn="ctr"/>
-            <a:r>
-              <a:rPr lang="de-DE" dirty="0"/>
-              <a:t>Yes/</a:t>
-            </a:r>
-            <a:r>
-              <a:rPr lang="de-DE" dirty="0" err="1"/>
-              <a:t>No</a:t>
-            </a:r>
-            <a:r>
-              <a:rPr lang="de-DE" dirty="0"/>
-              <a:t> </a:t>
-            </a:r>
-          </a:p>
-        </p:txBody>
-      </p:sp>
-      <p:cxnSp>
-        <p:nvCxnSpPr>
-          <p:cNvPr id="19" name="Gerade Verbindung mit Pfeil 18">
-            <a:extLst>
-              <a:ext uri="{FF2B5EF4-FFF2-40B4-BE49-F238E27FC236}">
-                <a16:creationId xmlns:a16="http://schemas.microsoft.com/office/drawing/2014/main" id="{A107CD90-56BD-70A1-F07C-BAEB2EE1908E}"/>
-              </a:ext>
-            </a:extLst>
-          </p:cNvPr>
-          <p:cNvCxnSpPr>
-            <a:stCxn id="11" idx="3"/>
-            <a:endCxn id="16" idx="1"/>
-          </p:cNvCxnSpPr>
-          <p:nvPr/>
-        </p:nvCxnSpPr>
-        <p:spPr>
-          <a:xfrm>
-            <a:off x="5591944" y="3645326"/>
-            <a:ext cx="343340" cy="0"/>
-          </a:xfrm>
-          <a:prstGeom prst="straightConnector1">
-            <a:avLst/>
-          </a:prstGeom>
-          <a:ln w="12700">
-            <a:tailEnd type="triangle"/>
-          </a:ln>
-        </p:spPr>
-        <p:style>
-          <a:lnRef idx="1">
-            <a:schemeClr val="accent1"/>
-          </a:lnRef>
-          <a:fillRef idx="0">
-            <a:schemeClr val="accent1"/>
-          </a:fillRef>
-          <a:effectRef idx="0">
-            <a:schemeClr val="accent1"/>
-          </a:effectRef>
-          <a:fontRef idx="minor">
-            <a:schemeClr val="tx1"/>
-          </a:fontRef>
-        </p:style>
-      </p:cxnSp>
-      <p:cxnSp>
-        <p:nvCxnSpPr>
-          <p:cNvPr id="20" name="Gerade Verbindung mit Pfeil 19">
-            <a:extLst>
-              <a:ext uri="{FF2B5EF4-FFF2-40B4-BE49-F238E27FC236}">
-                <a16:creationId xmlns:a16="http://schemas.microsoft.com/office/drawing/2014/main" id="{87012A44-74F4-634C-DE6C-BF6BEEF6118B}"/>
-              </a:ext>
-            </a:extLst>
-          </p:cNvPr>
-          <p:cNvCxnSpPr>
-            <a:cxnSpLocks/>
-            <a:stCxn id="16" idx="3"/>
-            <a:endCxn id="17" idx="1"/>
-          </p:cNvCxnSpPr>
-          <p:nvPr/>
-        </p:nvCxnSpPr>
-        <p:spPr>
-          <a:xfrm>
-            <a:off x="8167532" y="3645326"/>
-            <a:ext cx="343340" cy="0"/>
-          </a:xfrm>
-          <a:prstGeom prst="straightConnector1">
-            <a:avLst/>
-          </a:prstGeom>
-          <a:ln w="12700">
-            <a:tailEnd type="triangle"/>
-          </a:ln>
-        </p:spPr>
-        <p:style>
-          <a:lnRef idx="1">
-            <a:schemeClr val="accent1"/>
-          </a:lnRef>
-          <a:fillRef idx="0">
-            <a:schemeClr val="accent1"/>
-          </a:fillRef>
-          <a:effectRef idx="0">
-            <a:schemeClr val="accent1"/>
-          </a:effectRef>
-          <a:fontRef idx="minor">
-            <a:schemeClr val="tx1"/>
-          </a:fontRef>
-        </p:style>
-      </p:cxnSp>
-      <p:sp>
-        <p:nvSpPr>
-          <p:cNvPr id="9" name="Rechteck: abgerundete Ecken 8">
-            <a:extLst>
-              <a:ext uri="{FF2B5EF4-FFF2-40B4-BE49-F238E27FC236}">
-                <a16:creationId xmlns:a16="http://schemas.microsoft.com/office/drawing/2014/main" id="{BCF21B9B-E3F0-3CAD-6880-898CD2388701}"/>
-              </a:ext>
-            </a:extLst>
-          </p:cNvPr>
-          <p:cNvSpPr/>
-          <p:nvPr/>
-        </p:nvSpPr>
-        <p:spPr>
-          <a:xfrm>
-            <a:off x="784108" y="3163463"/>
-            <a:ext cx="2232248" cy="963726"/>
-          </a:xfrm>
-          <a:prstGeom prst="roundRect">
-            <a:avLst/>
-          </a:prstGeom>
-        </p:spPr>
-        <p:style>
-          <a:lnRef idx="2">
-            <a:schemeClr val="accent1"/>
-          </a:lnRef>
-          <a:fillRef idx="1">
-            <a:schemeClr val="lt1"/>
-          </a:fillRef>
-          <a:effectRef idx="0">
-            <a:schemeClr val="accent1"/>
-          </a:effectRef>
-          <a:fontRef idx="minor">
-            <a:schemeClr val="dk1"/>
-          </a:fontRef>
-        </p:style>
-        <p:txBody>
-          <a:bodyPr rot="0" spcFirstLastPara="0" vertOverflow="overflow" horzOverflow="overflow" vert="horz" wrap="square" lIns="91440" tIns="45720" rIns="91440" bIns="45720" numCol="1" spcCol="0" rtlCol="0" fromWordArt="0" anchor="ctr" anchorCtr="0" forceAA="0" compatLnSpc="1">
-            <a:prstTxWarp prst="textNoShape">
-              <a:avLst/>
-            </a:prstTxWarp>
-            <a:noAutofit/>
-          </a:bodyPr>
-          <a:lstStyle/>
-          <a:p>
-            <a:pPr algn="ctr"/>
-            <a:r>
-              <a:rPr lang="de-DE" dirty="0" err="1"/>
-              <a:t>Collect</a:t>
-            </a:r>
-            <a:r>
-              <a:rPr lang="de-DE" dirty="0"/>
-              <a:t> </a:t>
-            </a:r>
-            <a:r>
-              <a:rPr lang="de-DE" dirty="0" err="1"/>
-              <a:t>Social</a:t>
-            </a:r>
-            <a:r>
-              <a:rPr lang="de-DE" dirty="0"/>
-              <a:t> Media Posts</a:t>
-            </a:r>
-          </a:p>
-        </p:txBody>
-      </p:sp>
-      <p:cxnSp>
-        <p:nvCxnSpPr>
-          <p:cNvPr id="12" name="Gerade Verbindung mit Pfeil 11">
-            <a:extLst>
-              <a:ext uri="{FF2B5EF4-FFF2-40B4-BE49-F238E27FC236}">
-                <a16:creationId xmlns:a16="http://schemas.microsoft.com/office/drawing/2014/main" id="{C70F2CF7-B3EA-D2E6-B8EB-9E63240484BB}"/>
-              </a:ext>
-            </a:extLst>
-          </p:cNvPr>
-          <p:cNvCxnSpPr>
-            <a:stCxn id="9" idx="3"/>
-            <a:endCxn id="11" idx="1"/>
-          </p:cNvCxnSpPr>
-          <p:nvPr/>
-        </p:nvCxnSpPr>
-        <p:spPr>
-          <a:xfrm>
-            <a:off x="3016356" y="3645326"/>
-            <a:ext cx="343340" cy="0"/>
-          </a:xfrm>
-          <a:prstGeom prst="straightConnector1">
-            <a:avLst/>
-          </a:prstGeom>
-          <a:ln>
-            <a:tailEnd type="triangle"/>
-          </a:ln>
-        </p:spPr>
-        <p:style>
-          <a:lnRef idx="1">
-            <a:schemeClr val="accent1"/>
-          </a:lnRef>
-          <a:fillRef idx="0">
-            <a:schemeClr val="accent1"/>
-          </a:fillRef>
-          <a:effectRef idx="0">
-            <a:schemeClr val="accent1"/>
-          </a:effectRef>
-          <a:fontRef idx="minor">
-            <a:schemeClr val="tx1"/>
-          </a:fontRef>
-        </p:style>
-      </p:cxnSp>
+            </a:br>
+            <a:endParaRPr lang="en-US" dirty="0"/>
+          </a:p>
+        </p:txBody>
+      </p:sp>
     </p:spTree>
     <p:extLst>
       <p:ext uri="{BB962C8B-B14F-4D97-AF65-F5344CB8AC3E}">
-        <p14:creationId xmlns:p14="http://schemas.microsoft.com/office/powerpoint/2010/main" val="1747414230"/>
+        <p14:creationId xmlns:p14="http://schemas.microsoft.com/office/powerpoint/2010/main" val="1397596427"/>
       </p:ext>
     </p:extLst>
   </p:cSld>
@@ -4907,7 +5815,7 @@
           <p:cNvPr id="2" name="Titel 1">
             <a:extLst>
               <a:ext uri="{FF2B5EF4-FFF2-40B4-BE49-F238E27FC236}">
-                <a16:creationId xmlns:a16="http://schemas.microsoft.com/office/drawing/2014/main" id="{1B4E87CA-8FA7-CF05-AD3F-6B6FF62444A7}"/>
+                <a16:creationId xmlns:a16="http://schemas.microsoft.com/office/drawing/2014/main" id="{2167283E-B13C-D7A0-C0E6-63BAA8FC9A3E}"/>
               </a:ext>
             </a:extLst>
           </p:cNvPr>
@@ -4918,34 +5826,440 @@
             <p:ph type="title"/>
           </p:nvPr>
         </p:nvSpPr>
+        <p:spPr/>
+        <p:txBody>
+          <a:bodyPr/>
+          <a:lstStyle/>
+          <a:p>
+            <a:r>
+              <a:rPr lang="de-DE" dirty="0"/>
+              <a:t>Scenario 1: </a:t>
+            </a:r>
+            <a:r>
+              <a:rPr lang="en-US" sz="2400" b="1" dirty="0"/>
+              <a:t>Demand Response Scenario</a:t>
+            </a:r>
+            <a:r>
+              <a:rPr lang="de-DE" dirty="0"/>
+              <a:t> </a:t>
+            </a:r>
+          </a:p>
+        </p:txBody>
+      </p:sp>
+      <p:sp>
+        <p:nvSpPr>
+          <p:cNvPr id="5" name="Rechteck: abgerundete Ecken 4">
+            <a:extLst>
+              <a:ext uri="{FF2B5EF4-FFF2-40B4-BE49-F238E27FC236}">
+                <a16:creationId xmlns:a16="http://schemas.microsoft.com/office/drawing/2014/main" id="{800B1B94-8F1F-F96B-98A2-A38B461F6DF3}"/>
+              </a:ext>
+            </a:extLst>
+          </p:cNvPr>
+          <p:cNvSpPr/>
+          <p:nvPr/>
+        </p:nvSpPr>
         <p:spPr>
           <a:xfrm>
-            <a:off x="839416" y="3044830"/>
-            <a:ext cx="8561940" cy="1362075"/>
+            <a:off x="464433" y="1988840"/>
+            <a:ext cx="2808312" cy="3987324"/>
           </a:xfrm>
+          <a:prstGeom prst="roundRect">
+            <a:avLst/>
+          </a:prstGeom>
         </p:spPr>
-        <p:txBody>
-          <a:bodyPr/>
+        <p:style>
+          <a:lnRef idx="2">
+            <a:schemeClr val="accent1"/>
+          </a:lnRef>
+          <a:fillRef idx="1">
+            <a:schemeClr val="lt1"/>
+          </a:fillRef>
+          <a:effectRef idx="0">
+            <a:schemeClr val="accent1"/>
+          </a:effectRef>
+          <a:fontRef idx="minor">
+            <a:schemeClr val="dk1"/>
+          </a:fontRef>
+        </p:style>
+        <p:txBody>
+          <a:bodyPr rot="0" spcFirstLastPara="0" vertOverflow="overflow" horzOverflow="overflow" vert="horz" wrap="square" lIns="91440" tIns="45720" rIns="91440" bIns="45720" numCol="1" spcCol="0" rtlCol="0" fromWordArt="0" anchor="ctr" anchorCtr="0" forceAA="0" compatLnSpc="1">
+            <a:prstTxWarp prst="textNoShape">
+              <a:avLst/>
+            </a:prstTxWarp>
+            <a:noAutofit/>
+          </a:bodyPr>
           <a:lstStyle/>
           <a:p>
-            <a:br>
-              <a:rPr lang="de-DE" dirty="0"/>
-            </a:br>
-            <a:r>
-              <a:rPr lang="de-DE" dirty="0"/>
-              <a:t>Case Studies</a:t>
-            </a:r>
-            <a:br>
-              <a:rPr lang="de-DE" dirty="0"/>
-            </a:br>
+            <a:pPr marL="180000">
+              <a:spcBef>
+                <a:spcPts val="200"/>
+              </a:spcBef>
+              <a:spcAft>
+                <a:spcPts val="230"/>
+              </a:spcAft>
+            </a:pPr>
+            <a:endParaRPr lang="en-US" sz="1800" b="0" dirty="0"/>
+          </a:p>
+          <a:p>
+            <a:pPr marL="180000">
+              <a:spcBef>
+                <a:spcPts val="200"/>
+              </a:spcBef>
+              <a:spcAft>
+                <a:spcPts val="230"/>
+              </a:spcAft>
+            </a:pPr>
+            <a:r>
+              <a:rPr lang="en-US" sz="1800" b="1" dirty="0"/>
+              <a:t>Demand Response Scenario: </a:t>
+            </a:r>
             <a:endParaRPr lang="en-US" dirty="0"/>
+          </a:p>
+          <a:p>
+            <a:pPr marL="180000">
+              <a:spcBef>
+                <a:spcPts val="200"/>
+              </a:spcBef>
+              <a:spcAft>
+                <a:spcPts val="230"/>
+              </a:spcAft>
+            </a:pPr>
+            <a:r>
+              <a:rPr lang="en-US" sz="1800" b="0" dirty="0"/>
+              <a:t>A false advertisement for reduced electricity price for a limited time </a:t>
+            </a:r>
+            <a:r>
+              <a:rPr lang="en-US" dirty="0"/>
+              <a:t>spreads through social media.</a:t>
+            </a:r>
+          </a:p>
+          <a:p>
+            <a:pPr marL="180000">
+              <a:spcBef>
+                <a:spcPts val="200"/>
+              </a:spcBef>
+              <a:spcAft>
+                <a:spcPts val="230"/>
+              </a:spcAft>
+            </a:pPr>
+            <a:endParaRPr lang="de-DE" sz="1800" b="0" dirty="0"/>
+          </a:p>
+          <a:p>
+            <a:pPr marL="285750" indent="-285750">
+              <a:buFont typeface="Wingdings" panose="05000000000000000000" pitchFamily="2" charset="2"/>
+              <a:buChar char="è"/>
+            </a:pPr>
+            <a:endParaRPr lang="de-DE" dirty="0"/>
+          </a:p>
+          <a:p>
+            <a:pPr marL="285750" indent="-285750">
+              <a:buFont typeface="Wingdings" panose="05000000000000000000" pitchFamily="2" charset="2"/>
+              <a:buChar char="è"/>
+            </a:pPr>
+            <a:endParaRPr lang="de-DE" dirty="0"/>
+          </a:p>
+          <a:p>
+            <a:pPr marL="285750" indent="-285750">
+              <a:buFont typeface="Wingdings" panose="05000000000000000000" pitchFamily="2" charset="2"/>
+              <a:buChar char="è"/>
+            </a:pPr>
+            <a:endParaRPr lang="de-DE" sz="1800" b="0" dirty="0"/>
+          </a:p>
+          <a:p>
+            <a:pPr marL="285750" indent="-285750">
+              <a:buFont typeface="Wingdings" panose="05000000000000000000" pitchFamily="2" charset="2"/>
+              <a:buChar char="è"/>
+            </a:pPr>
+            <a:endParaRPr lang="de-DE" sz="1800" b="0" dirty="0"/>
+          </a:p>
+        </p:txBody>
+      </p:sp>
+      <p:sp>
+        <p:nvSpPr>
+          <p:cNvPr id="6" name="Rechteck: abgerundete Ecken 5">
+            <a:extLst>
+              <a:ext uri="{FF2B5EF4-FFF2-40B4-BE49-F238E27FC236}">
+                <a16:creationId xmlns:a16="http://schemas.microsoft.com/office/drawing/2014/main" id="{B14AAEB7-AE9A-CED3-5CB3-B73B8C9A10D3}"/>
+              </a:ext>
+            </a:extLst>
+          </p:cNvPr>
+          <p:cNvSpPr/>
+          <p:nvPr/>
+        </p:nvSpPr>
+        <p:spPr>
+          <a:xfrm>
+            <a:off x="3950703" y="1988840"/>
+            <a:ext cx="7617905" cy="3987324"/>
+          </a:xfrm>
+          <a:prstGeom prst="roundRect">
+            <a:avLst/>
+          </a:prstGeom>
+        </p:spPr>
+        <p:style>
+          <a:lnRef idx="2">
+            <a:schemeClr val="accent1"/>
+          </a:lnRef>
+          <a:fillRef idx="1">
+            <a:schemeClr val="lt1"/>
+          </a:fillRef>
+          <a:effectRef idx="0">
+            <a:schemeClr val="accent1"/>
+          </a:effectRef>
+          <a:fontRef idx="minor">
+            <a:schemeClr val="dk1"/>
+          </a:fontRef>
+        </p:style>
+        <p:txBody>
+          <a:bodyPr rot="0" spcFirstLastPara="0" vertOverflow="overflow" horzOverflow="overflow" vert="horz" wrap="square" lIns="91440" tIns="45720" rIns="91440" bIns="45720" numCol="1" spcCol="0" rtlCol="0" fromWordArt="0" anchor="ctr" anchorCtr="0" forceAA="0" compatLnSpc="1">
+            <a:prstTxWarp prst="textNoShape">
+              <a:avLst/>
+            </a:prstTxWarp>
+            <a:noAutofit/>
+          </a:bodyPr>
+          <a:lstStyle/>
+          <a:p>
+            <a:pPr marL="180000">
+              <a:spcBef>
+                <a:spcPts val="200"/>
+              </a:spcBef>
+              <a:spcAft>
+                <a:spcPts val="230"/>
+              </a:spcAft>
+            </a:pPr>
+            <a:endParaRPr lang="en-US" sz="1800" b="0" dirty="0"/>
+          </a:p>
+          <a:p>
+            <a:pPr marL="180000">
+              <a:spcBef>
+                <a:spcPts val="200"/>
+              </a:spcBef>
+              <a:spcAft>
+                <a:spcPts val="230"/>
+              </a:spcAft>
+            </a:pPr>
+            <a:endParaRPr lang="en-US" sz="1800" b="1" dirty="0"/>
+          </a:p>
+          <a:p>
+            <a:pPr marL="180000">
+              <a:spcBef>
+                <a:spcPts val="200"/>
+              </a:spcBef>
+              <a:spcAft>
+                <a:spcPts val="230"/>
+              </a:spcAft>
+            </a:pPr>
+            <a:endParaRPr lang="en-US" sz="1800" b="1" dirty="0"/>
+          </a:p>
+          <a:p>
+            <a:pPr marL="180000">
+              <a:spcBef>
+                <a:spcPts val="200"/>
+              </a:spcBef>
+              <a:spcAft>
+                <a:spcPts val="230"/>
+              </a:spcAft>
+            </a:pPr>
+            <a:endParaRPr lang="en-US" b="1" dirty="0"/>
+          </a:p>
+          <a:p>
+            <a:pPr marL="180000">
+              <a:spcBef>
+                <a:spcPts val="200"/>
+              </a:spcBef>
+              <a:spcAft>
+                <a:spcPts val="230"/>
+              </a:spcAft>
+            </a:pPr>
+            <a:r>
+              <a:rPr lang="en-US" sz="1800" b="1" dirty="0"/>
+              <a:t>Assumptions: </a:t>
+            </a:r>
+          </a:p>
+          <a:p>
+            <a:pPr marL="465750" indent="-285750">
+              <a:spcBef>
+                <a:spcPts val="200"/>
+              </a:spcBef>
+              <a:spcAft>
+                <a:spcPts val="230"/>
+              </a:spcAft>
+              <a:buFont typeface="Arial" panose="020B0604020202020204" pitchFamily="34" charset="0"/>
+              <a:buChar char="•"/>
+            </a:pPr>
+            <a:r>
+              <a:rPr lang="en-US" dirty="0"/>
+              <a:t>Many people believe and will act on the information</a:t>
+            </a:r>
+          </a:p>
+          <a:p>
+            <a:pPr marL="465750" indent="-285750">
+              <a:spcBef>
+                <a:spcPts val="200"/>
+              </a:spcBef>
+              <a:spcAft>
+                <a:spcPts val="230"/>
+              </a:spcAft>
+              <a:buFont typeface="Arial" panose="020B0604020202020204" pitchFamily="34" charset="0"/>
+              <a:buChar char="•"/>
+            </a:pPr>
+            <a:r>
+              <a:rPr lang="en-US" dirty="0"/>
+              <a:t>Infected entities have a delayed response, acting after the time specified in the social media message</a:t>
+            </a:r>
+          </a:p>
+          <a:p>
+            <a:pPr marL="465750" indent="-285750">
+              <a:spcBef>
+                <a:spcPts val="200"/>
+              </a:spcBef>
+              <a:spcAft>
+                <a:spcPts val="230"/>
+              </a:spcAft>
+              <a:buFont typeface="Arial" panose="020B0604020202020204" pitchFamily="34" charset="0"/>
+              <a:buChar char="•"/>
+            </a:pPr>
+            <a:r>
+              <a:rPr lang="en-US" dirty="0"/>
+              <a:t>Infected entities will turn on many energy-intensive appliances (dishwasher, washing machine, …) in their households</a:t>
+            </a:r>
+          </a:p>
+          <a:p>
+            <a:pPr marL="465750" indent="-285750">
+              <a:spcBef>
+                <a:spcPts val="200"/>
+              </a:spcBef>
+              <a:spcAft>
+                <a:spcPts val="230"/>
+              </a:spcAft>
+              <a:buFont typeface="Arial" panose="020B0604020202020204" pitchFamily="34" charset="0"/>
+              <a:buChar char="•"/>
+            </a:pPr>
+            <a:r>
+              <a:rPr lang="en-US" dirty="0"/>
+              <a:t>Number of entities: 1000, time resolution: 15 minutes</a:t>
+            </a:r>
+          </a:p>
+          <a:p>
+            <a:pPr marL="180000">
+              <a:spcBef>
+                <a:spcPts val="200"/>
+              </a:spcBef>
+              <a:spcAft>
+                <a:spcPts val="230"/>
+              </a:spcAft>
+            </a:pPr>
+            <a:endParaRPr lang="en-US" b="1" dirty="0"/>
+          </a:p>
+          <a:p>
+            <a:pPr marL="180000">
+              <a:spcBef>
+                <a:spcPts val="200"/>
+              </a:spcBef>
+              <a:spcAft>
+                <a:spcPts val="230"/>
+              </a:spcAft>
+            </a:pPr>
+            <a:r>
+              <a:rPr lang="en-US" dirty="0"/>
+              <a:t>Social media data is used to estimate the information propagation parameters</a:t>
+            </a:r>
+          </a:p>
+          <a:p>
+            <a:pPr marL="180000">
+              <a:spcBef>
+                <a:spcPts val="200"/>
+              </a:spcBef>
+              <a:spcAft>
+                <a:spcPts val="230"/>
+              </a:spcAft>
+            </a:pPr>
+            <a:endParaRPr lang="de-DE" sz="1800" b="0" dirty="0"/>
+          </a:p>
+          <a:p>
+            <a:pPr marL="285750" indent="-285750">
+              <a:buFont typeface="Wingdings" panose="05000000000000000000" pitchFamily="2" charset="2"/>
+              <a:buChar char="è"/>
+            </a:pPr>
+            <a:endParaRPr lang="de-DE" dirty="0"/>
+          </a:p>
+          <a:p>
+            <a:pPr marL="285750" indent="-285750">
+              <a:buFont typeface="Wingdings" panose="05000000000000000000" pitchFamily="2" charset="2"/>
+              <a:buChar char="è"/>
+            </a:pPr>
+            <a:endParaRPr lang="de-DE" dirty="0"/>
+          </a:p>
+          <a:p>
+            <a:pPr marL="285750" indent="-285750">
+              <a:buFont typeface="Wingdings" panose="05000000000000000000" pitchFamily="2" charset="2"/>
+              <a:buChar char="è"/>
+            </a:pPr>
+            <a:endParaRPr lang="de-DE" sz="1800" b="0" dirty="0"/>
+          </a:p>
+          <a:p>
+            <a:pPr marL="285750" indent="-285750">
+              <a:buFont typeface="Wingdings" panose="05000000000000000000" pitchFamily="2" charset="2"/>
+              <a:buChar char="è"/>
+            </a:pPr>
+            <a:endParaRPr lang="de-DE" sz="1800" b="0" dirty="0"/>
+          </a:p>
+        </p:txBody>
+      </p:sp>
+      <p:sp>
+        <p:nvSpPr>
+          <p:cNvPr id="7" name="Pfeil: nach rechts 6">
+            <a:extLst>
+              <a:ext uri="{FF2B5EF4-FFF2-40B4-BE49-F238E27FC236}">
+                <a16:creationId xmlns:a16="http://schemas.microsoft.com/office/drawing/2014/main" id="{EE71F729-7DAA-E052-E530-770FA729F4A5}"/>
+              </a:ext>
+            </a:extLst>
+          </p:cNvPr>
+          <p:cNvSpPr/>
+          <p:nvPr/>
+        </p:nvSpPr>
+        <p:spPr>
+          <a:xfrm>
+            <a:off x="3359696" y="3714024"/>
+            <a:ext cx="504056" cy="432048"/>
+          </a:xfrm>
+          <a:prstGeom prst="rightArrow">
+            <a:avLst/>
+          </a:prstGeom>
+        </p:spPr>
+        <p:style>
+          <a:lnRef idx="2">
+            <a:schemeClr val="accent1">
+              <a:shade val="50000"/>
+            </a:schemeClr>
+          </a:lnRef>
+          <a:fillRef idx="1">
+            <a:schemeClr val="accent1"/>
+          </a:fillRef>
+          <a:effectRef idx="0">
+            <a:schemeClr val="accent1"/>
+          </a:effectRef>
+          <a:fontRef idx="minor">
+            <a:schemeClr val="lt1"/>
+          </a:fontRef>
+        </p:style>
+        <p:txBody>
+          <a:bodyPr rot="0" spcFirstLastPara="0" vertOverflow="overflow" horzOverflow="overflow" vert="horz" wrap="square" lIns="91440" tIns="45720" rIns="91440" bIns="45720" numCol="1" spcCol="0" rtlCol="0" fromWordArt="0" anchor="ctr" anchorCtr="0" forceAA="0" compatLnSpc="1">
+            <a:prstTxWarp prst="textNoShape">
+              <a:avLst/>
+            </a:prstTxWarp>
+            <a:noAutofit/>
+          </a:bodyPr>
+          <a:lstStyle/>
+          <a:p>
+            <a:pPr algn="ctr"/>
+            <a:endParaRPr lang="de-DE"/>
           </a:p>
         </p:txBody>
       </p:sp>
     </p:spTree>
     <p:extLst>
       <p:ext uri="{BB962C8B-B14F-4D97-AF65-F5344CB8AC3E}">
-        <p14:creationId xmlns:p14="http://schemas.microsoft.com/office/powerpoint/2010/main" val="1397596427"/>
+        <p14:creationId xmlns:p14="http://schemas.microsoft.com/office/powerpoint/2010/main" val="2861065865"/>
       </p:ext>
     </p:extLst>
   </p:cSld>
@@ -4977,6 +6291,1557 @@
           <p:cNvPr id="2" name="Titel 1">
             <a:extLst>
               <a:ext uri="{FF2B5EF4-FFF2-40B4-BE49-F238E27FC236}">
+                <a16:creationId xmlns:a16="http://schemas.microsoft.com/office/drawing/2014/main" id="{2167283E-B13C-D7A0-C0E6-63BAA8FC9A3E}"/>
+              </a:ext>
+            </a:extLst>
+          </p:cNvPr>
+          <p:cNvSpPr>
+            <a:spLocks noGrp="1"/>
+          </p:cNvSpPr>
+          <p:nvPr>
+            <p:ph type="title"/>
+          </p:nvPr>
+        </p:nvSpPr>
+        <p:spPr/>
+        <p:txBody>
+          <a:bodyPr/>
+          <a:lstStyle/>
+          <a:p>
+            <a:r>
+              <a:rPr lang="de-DE" dirty="0"/>
+              <a:t>Scenario 1: </a:t>
+            </a:r>
+            <a:r>
+              <a:rPr lang="en-US" sz="2400" b="1" dirty="0"/>
+              <a:t>Demand Response Scenario</a:t>
+            </a:r>
+            <a:r>
+              <a:rPr lang="de-DE" dirty="0"/>
+              <a:t> </a:t>
+            </a:r>
+          </a:p>
+        </p:txBody>
+      </p:sp>
+      <p:pic>
+        <p:nvPicPr>
+          <p:cNvPr id="7" name="Grafik 6" descr="Ein Bild, das Text, Diagramm, Reihe, Screenshot enthält.&#10;&#10;Automatisch generierte Beschreibung">
+            <a:extLst>
+              <a:ext uri="{FF2B5EF4-FFF2-40B4-BE49-F238E27FC236}">
+                <a16:creationId xmlns:a16="http://schemas.microsoft.com/office/drawing/2014/main" id="{AF42D3F5-D53F-F6CD-6ADA-CF9D5693B9FE}"/>
+              </a:ext>
+            </a:extLst>
+          </p:cNvPr>
+          <p:cNvPicPr>
+            <a:picLocks noChangeAspect="1"/>
+          </p:cNvPicPr>
+          <p:nvPr/>
+        </p:nvPicPr>
+        <p:blipFill rotWithShape="1">
+          <a:blip r:embed="rId3">
+            <a:extLst>
+              <a:ext uri="{28A0092B-C50C-407E-A947-70E740481C1C}">
+                <a14:useLocalDpi xmlns:a14="http://schemas.microsoft.com/office/drawing/2010/main" val="0"/>
+              </a:ext>
+            </a:extLst>
+          </a:blip>
+          <a:srcRect l="6368" t="9231" r="8572" b="3333"/>
+          <a:stretch/>
+        </p:blipFill>
+        <p:spPr>
+          <a:xfrm>
+            <a:off x="463914" y="1484784"/>
+            <a:ext cx="11233248" cy="4948680"/>
+          </a:xfrm>
+          <a:prstGeom prst="rect">
+            <a:avLst/>
+          </a:prstGeom>
+        </p:spPr>
+      </p:pic>
+    </p:spTree>
+    <p:extLst>
+      <p:ext uri="{BB962C8B-B14F-4D97-AF65-F5344CB8AC3E}">
+        <p14:creationId xmlns:p14="http://schemas.microsoft.com/office/powerpoint/2010/main" val="3174590566"/>
+      </p:ext>
+    </p:extLst>
+  </p:cSld>
+  <p:clrMapOvr>
+    <a:masterClrMapping/>
+  </p:clrMapOvr>
+</p:sld>
+</file>
+
+<file path=ppt/slides/slide13.xml><?xml version="1.0" encoding="utf-8"?>
+<p:sld xmlns:a="http://schemas.openxmlformats.org/drawingml/2006/main" xmlns:r="http://schemas.openxmlformats.org/officeDocument/2006/relationships" xmlns:p="http://schemas.openxmlformats.org/presentationml/2006/main" show="0">
+  <p:cSld>
+    <p:spTree>
+      <p:nvGrpSpPr>
+        <p:cNvPr id="1" name=""/>
+        <p:cNvGrpSpPr/>
+        <p:nvPr/>
+      </p:nvGrpSpPr>
+      <p:grpSpPr>
+        <a:xfrm>
+          <a:off x="0" y="0"/>
+          <a:ext cx="0" cy="0"/>
+          <a:chOff x="0" y="0"/>
+          <a:chExt cx="0" cy="0"/>
+        </a:xfrm>
+      </p:grpSpPr>
+      <p:sp>
+        <p:nvSpPr>
+          <p:cNvPr id="2" name="Titel 1">
+            <a:extLst>
+              <a:ext uri="{FF2B5EF4-FFF2-40B4-BE49-F238E27FC236}">
+                <a16:creationId xmlns:a16="http://schemas.microsoft.com/office/drawing/2014/main" id="{907813E5-8118-30EB-C377-B19CF76B1068}"/>
+              </a:ext>
+            </a:extLst>
+          </p:cNvPr>
+          <p:cNvSpPr>
+            <a:spLocks noGrp="1"/>
+          </p:cNvSpPr>
+          <p:nvPr>
+            <p:ph type="title"/>
+          </p:nvPr>
+        </p:nvSpPr>
+        <p:spPr/>
+        <p:txBody>
+          <a:bodyPr/>
+          <a:lstStyle/>
+          <a:p>
+            <a:r>
+              <a:rPr lang="de-DE" dirty="0"/>
+              <a:t>Scenario 2: </a:t>
+            </a:r>
+            <a:r>
+              <a:rPr lang="en-US" sz="2400" b="1" dirty="0"/>
+              <a:t>“Disconnect” Scenario</a:t>
+            </a:r>
+            <a:endParaRPr lang="de-DE" dirty="0"/>
+          </a:p>
+        </p:txBody>
+      </p:sp>
+      <p:sp>
+        <p:nvSpPr>
+          <p:cNvPr id="6" name="Rechteck: abgerundete Ecken 5">
+            <a:extLst>
+              <a:ext uri="{FF2B5EF4-FFF2-40B4-BE49-F238E27FC236}">
+                <a16:creationId xmlns:a16="http://schemas.microsoft.com/office/drawing/2014/main" id="{915E0953-4E25-0D41-E6C8-74F693087FBF}"/>
+              </a:ext>
+            </a:extLst>
+          </p:cNvPr>
+          <p:cNvSpPr/>
+          <p:nvPr/>
+        </p:nvSpPr>
+        <p:spPr>
+          <a:xfrm>
+            <a:off x="464433" y="1988840"/>
+            <a:ext cx="2808312" cy="3987324"/>
+          </a:xfrm>
+          <a:prstGeom prst="roundRect">
+            <a:avLst/>
+          </a:prstGeom>
+        </p:spPr>
+        <p:style>
+          <a:lnRef idx="2">
+            <a:schemeClr val="accent1"/>
+          </a:lnRef>
+          <a:fillRef idx="1">
+            <a:schemeClr val="lt1"/>
+          </a:fillRef>
+          <a:effectRef idx="0">
+            <a:schemeClr val="accent1"/>
+          </a:effectRef>
+          <a:fontRef idx="minor">
+            <a:schemeClr val="dk1"/>
+          </a:fontRef>
+        </p:style>
+        <p:txBody>
+          <a:bodyPr rot="0" spcFirstLastPara="0" vertOverflow="overflow" horzOverflow="overflow" vert="horz" wrap="square" lIns="91440" tIns="45720" rIns="91440" bIns="45720" numCol="1" spcCol="0" rtlCol="0" fromWordArt="0" anchor="ctr" anchorCtr="0" forceAA="0" compatLnSpc="1">
+            <a:prstTxWarp prst="textNoShape">
+              <a:avLst/>
+            </a:prstTxWarp>
+            <a:noAutofit/>
+          </a:bodyPr>
+          <a:lstStyle/>
+          <a:p>
+            <a:pPr marL="180000">
+              <a:spcBef>
+                <a:spcPts val="200"/>
+              </a:spcBef>
+              <a:spcAft>
+                <a:spcPts val="230"/>
+              </a:spcAft>
+            </a:pPr>
+            <a:endParaRPr lang="en-US" sz="1800" b="0" dirty="0"/>
+          </a:p>
+          <a:p>
+            <a:pPr marL="180000">
+              <a:spcBef>
+                <a:spcPts val="200"/>
+              </a:spcBef>
+              <a:spcAft>
+                <a:spcPts val="230"/>
+              </a:spcAft>
+            </a:pPr>
+            <a:endParaRPr lang="en-US" sz="1800" b="0" dirty="0"/>
+          </a:p>
+          <a:p>
+            <a:pPr marL="180000">
+              <a:spcBef>
+                <a:spcPts val="200"/>
+              </a:spcBef>
+              <a:spcAft>
+                <a:spcPts val="230"/>
+              </a:spcAft>
+            </a:pPr>
+            <a:r>
+              <a:rPr lang="en-US" sz="1800" b="1" dirty="0"/>
+              <a:t>“Disconnect” Scenario:</a:t>
+            </a:r>
+            <a:endParaRPr lang="en-US" sz="1800" b="0" dirty="0"/>
+          </a:p>
+          <a:p>
+            <a:pPr marL="180000">
+              <a:spcBef>
+                <a:spcPts val="200"/>
+              </a:spcBef>
+              <a:spcAft>
+                <a:spcPts val="230"/>
+              </a:spcAft>
+            </a:pPr>
+            <a:r>
+              <a:rPr lang="en-US" sz="1800" b="0" dirty="0"/>
+              <a:t>Conspiracy theorists want to send a message by disconnecting all electrical appliances by a specified time.</a:t>
+            </a:r>
+          </a:p>
+          <a:p>
+            <a:pPr marL="180000">
+              <a:spcBef>
+                <a:spcPts val="200"/>
+              </a:spcBef>
+              <a:spcAft>
+                <a:spcPts val="230"/>
+              </a:spcAft>
+            </a:pPr>
+            <a:endParaRPr lang="de-DE" sz="1800" b="0" dirty="0"/>
+          </a:p>
+          <a:p>
+            <a:pPr marL="180000">
+              <a:spcBef>
+                <a:spcPts val="200"/>
+              </a:spcBef>
+              <a:spcAft>
+                <a:spcPts val="230"/>
+              </a:spcAft>
+            </a:pPr>
+            <a:endParaRPr lang="de-DE" sz="1800" b="0" dirty="0"/>
+          </a:p>
+          <a:p>
+            <a:pPr marL="285750" indent="-285750">
+              <a:buFont typeface="Wingdings" panose="05000000000000000000" pitchFamily="2" charset="2"/>
+              <a:buChar char="è"/>
+            </a:pPr>
+            <a:endParaRPr lang="de-DE" dirty="0"/>
+          </a:p>
+          <a:p>
+            <a:pPr marL="285750" indent="-285750">
+              <a:buFont typeface="Wingdings" panose="05000000000000000000" pitchFamily="2" charset="2"/>
+              <a:buChar char="è"/>
+            </a:pPr>
+            <a:endParaRPr lang="de-DE" dirty="0"/>
+          </a:p>
+          <a:p>
+            <a:pPr marL="285750" indent="-285750">
+              <a:buFont typeface="Wingdings" panose="05000000000000000000" pitchFamily="2" charset="2"/>
+              <a:buChar char="è"/>
+            </a:pPr>
+            <a:endParaRPr lang="de-DE" sz="1800" b="0" dirty="0"/>
+          </a:p>
+          <a:p>
+            <a:pPr marL="285750" indent="-285750">
+              <a:buFont typeface="Wingdings" panose="05000000000000000000" pitchFamily="2" charset="2"/>
+              <a:buChar char="è"/>
+            </a:pPr>
+            <a:endParaRPr lang="de-DE" sz="1800" b="0" dirty="0"/>
+          </a:p>
+        </p:txBody>
+      </p:sp>
+      <p:sp>
+        <p:nvSpPr>
+          <p:cNvPr id="7" name="Rechteck: abgerundete Ecken 6">
+            <a:extLst>
+              <a:ext uri="{FF2B5EF4-FFF2-40B4-BE49-F238E27FC236}">
+                <a16:creationId xmlns:a16="http://schemas.microsoft.com/office/drawing/2014/main" id="{19B16054-6120-FD99-2D9F-843C459BEAAA}"/>
+              </a:ext>
+            </a:extLst>
+          </p:cNvPr>
+          <p:cNvSpPr/>
+          <p:nvPr/>
+        </p:nvSpPr>
+        <p:spPr>
+          <a:xfrm>
+            <a:off x="3950703" y="1988840"/>
+            <a:ext cx="7617905" cy="3987324"/>
+          </a:xfrm>
+          <a:prstGeom prst="roundRect">
+            <a:avLst/>
+          </a:prstGeom>
+        </p:spPr>
+        <p:style>
+          <a:lnRef idx="2">
+            <a:schemeClr val="accent1"/>
+          </a:lnRef>
+          <a:fillRef idx="1">
+            <a:schemeClr val="lt1"/>
+          </a:fillRef>
+          <a:effectRef idx="0">
+            <a:schemeClr val="accent1"/>
+          </a:effectRef>
+          <a:fontRef idx="minor">
+            <a:schemeClr val="dk1"/>
+          </a:fontRef>
+        </p:style>
+        <p:txBody>
+          <a:bodyPr rot="0" spcFirstLastPara="0" vertOverflow="overflow" horzOverflow="overflow" vert="horz" wrap="square" lIns="91440" tIns="45720" rIns="91440" bIns="45720" numCol="1" spcCol="0" rtlCol="0" fromWordArt="0" anchor="ctr" anchorCtr="0" forceAA="0" compatLnSpc="1">
+            <a:prstTxWarp prst="textNoShape">
+              <a:avLst/>
+            </a:prstTxWarp>
+            <a:noAutofit/>
+          </a:bodyPr>
+          <a:lstStyle/>
+          <a:p>
+            <a:pPr marL="180000">
+              <a:spcBef>
+                <a:spcPts val="200"/>
+              </a:spcBef>
+              <a:spcAft>
+                <a:spcPts val="230"/>
+              </a:spcAft>
+            </a:pPr>
+            <a:endParaRPr lang="en-US" sz="1800" b="0" dirty="0"/>
+          </a:p>
+          <a:p>
+            <a:pPr marL="180000">
+              <a:spcBef>
+                <a:spcPts val="200"/>
+              </a:spcBef>
+              <a:spcAft>
+                <a:spcPts val="230"/>
+              </a:spcAft>
+            </a:pPr>
+            <a:r>
+              <a:rPr lang="en-US" sz="1800" b="1" dirty="0"/>
+              <a:t>Assumptions: </a:t>
+            </a:r>
+          </a:p>
+          <a:p>
+            <a:pPr marL="465750" indent="-285750">
+              <a:spcBef>
+                <a:spcPts val="200"/>
+              </a:spcBef>
+              <a:spcAft>
+                <a:spcPts val="230"/>
+              </a:spcAft>
+              <a:buFont typeface="Arial" panose="020B0604020202020204" pitchFamily="34" charset="0"/>
+              <a:buChar char="•"/>
+            </a:pPr>
+            <a:r>
+              <a:rPr lang="en-US" dirty="0"/>
+              <a:t>Not many entities will act on the information</a:t>
+            </a:r>
+          </a:p>
+          <a:p>
+            <a:pPr marL="465750" indent="-285750">
+              <a:spcBef>
+                <a:spcPts val="200"/>
+              </a:spcBef>
+              <a:spcAft>
+                <a:spcPts val="230"/>
+              </a:spcAft>
+              <a:buFont typeface="Arial" panose="020B0604020202020204" pitchFamily="34" charset="0"/>
+              <a:buChar char="•"/>
+            </a:pPr>
+            <a:r>
+              <a:rPr lang="en-US" dirty="0"/>
+              <a:t>The infected entities will have a delayed response to the information</a:t>
+            </a:r>
+          </a:p>
+          <a:p>
+            <a:pPr marL="465750" indent="-285750">
+              <a:spcBef>
+                <a:spcPts val="200"/>
+              </a:spcBef>
+              <a:spcAft>
+                <a:spcPts val="230"/>
+              </a:spcAft>
+              <a:buFont typeface="Arial" panose="020B0604020202020204" pitchFamily="34" charset="0"/>
+              <a:buChar char="•"/>
+            </a:pPr>
+            <a:r>
+              <a:rPr lang="en-US" dirty="0"/>
+              <a:t>The infected entities will disconnect all devices, e.g., their power consumption is 0</a:t>
+            </a:r>
+          </a:p>
+          <a:p>
+            <a:pPr marL="465750" indent="-285750">
+              <a:spcBef>
+                <a:spcPts val="200"/>
+              </a:spcBef>
+              <a:spcAft>
+                <a:spcPts val="230"/>
+              </a:spcAft>
+              <a:buFont typeface="Arial" panose="020B0604020202020204" pitchFamily="34" charset="0"/>
+              <a:buChar char="•"/>
+            </a:pPr>
+            <a:r>
+              <a:rPr lang="en-US" dirty="0"/>
+              <a:t>Infected entities do not recover from the information</a:t>
+            </a:r>
+          </a:p>
+          <a:p>
+            <a:pPr marL="180000">
+              <a:spcBef>
+                <a:spcPts val="200"/>
+              </a:spcBef>
+              <a:spcAft>
+                <a:spcPts val="230"/>
+              </a:spcAft>
+            </a:pPr>
+            <a:endParaRPr lang="de-DE" sz="1800" b="0" dirty="0"/>
+          </a:p>
+          <a:p>
+            <a:pPr marL="285750" indent="-285750">
+              <a:buFont typeface="Wingdings" panose="05000000000000000000" pitchFamily="2" charset="2"/>
+              <a:buChar char="è"/>
+            </a:pPr>
+            <a:endParaRPr lang="de-DE" dirty="0"/>
+          </a:p>
+          <a:p>
+            <a:pPr marL="285750" indent="-285750">
+              <a:buFont typeface="Wingdings" panose="05000000000000000000" pitchFamily="2" charset="2"/>
+              <a:buChar char="è"/>
+            </a:pPr>
+            <a:endParaRPr lang="de-DE" dirty="0"/>
+          </a:p>
+          <a:p>
+            <a:pPr marL="285750" indent="-285750">
+              <a:buFont typeface="Wingdings" panose="05000000000000000000" pitchFamily="2" charset="2"/>
+              <a:buChar char="è"/>
+            </a:pPr>
+            <a:endParaRPr lang="de-DE" sz="1800" b="0" dirty="0"/>
+          </a:p>
+          <a:p>
+            <a:pPr marL="285750" indent="-285750">
+              <a:buFont typeface="Wingdings" panose="05000000000000000000" pitchFamily="2" charset="2"/>
+              <a:buChar char="è"/>
+            </a:pPr>
+            <a:endParaRPr lang="de-DE" sz="1800" b="0" dirty="0"/>
+          </a:p>
+        </p:txBody>
+      </p:sp>
+      <p:sp>
+        <p:nvSpPr>
+          <p:cNvPr id="8" name="Pfeil: nach rechts 7">
+            <a:extLst>
+              <a:ext uri="{FF2B5EF4-FFF2-40B4-BE49-F238E27FC236}">
+                <a16:creationId xmlns:a16="http://schemas.microsoft.com/office/drawing/2014/main" id="{14AF3C7E-F4EF-1BCC-A136-236DD39BAA5B}"/>
+              </a:ext>
+            </a:extLst>
+          </p:cNvPr>
+          <p:cNvSpPr/>
+          <p:nvPr/>
+        </p:nvSpPr>
+        <p:spPr>
+          <a:xfrm>
+            <a:off x="3359696" y="3714024"/>
+            <a:ext cx="504056" cy="432048"/>
+          </a:xfrm>
+          <a:prstGeom prst="rightArrow">
+            <a:avLst/>
+          </a:prstGeom>
+        </p:spPr>
+        <p:style>
+          <a:lnRef idx="2">
+            <a:schemeClr val="accent1">
+              <a:shade val="50000"/>
+            </a:schemeClr>
+          </a:lnRef>
+          <a:fillRef idx="1">
+            <a:schemeClr val="accent1"/>
+          </a:fillRef>
+          <a:effectRef idx="0">
+            <a:schemeClr val="accent1"/>
+          </a:effectRef>
+          <a:fontRef idx="minor">
+            <a:schemeClr val="lt1"/>
+          </a:fontRef>
+        </p:style>
+        <p:txBody>
+          <a:bodyPr rot="0" spcFirstLastPara="0" vertOverflow="overflow" horzOverflow="overflow" vert="horz" wrap="square" lIns="91440" tIns="45720" rIns="91440" bIns="45720" numCol="1" spcCol="0" rtlCol="0" fromWordArt="0" anchor="ctr" anchorCtr="0" forceAA="0" compatLnSpc="1">
+            <a:prstTxWarp prst="textNoShape">
+              <a:avLst/>
+            </a:prstTxWarp>
+            <a:noAutofit/>
+          </a:bodyPr>
+          <a:lstStyle/>
+          <a:p>
+            <a:pPr algn="ctr"/>
+            <a:endParaRPr lang="de-DE"/>
+          </a:p>
+        </p:txBody>
+      </p:sp>
+    </p:spTree>
+    <p:extLst>
+      <p:ext uri="{BB962C8B-B14F-4D97-AF65-F5344CB8AC3E}">
+        <p14:creationId xmlns:p14="http://schemas.microsoft.com/office/powerpoint/2010/main" val="2033857202"/>
+      </p:ext>
+    </p:extLst>
+  </p:cSld>
+  <p:clrMapOvr>
+    <a:masterClrMapping/>
+  </p:clrMapOvr>
+</p:sld>
+</file>
+
+<file path=ppt/slides/slide14.xml><?xml version="1.0" encoding="utf-8"?>
+<p:sld xmlns:a="http://schemas.openxmlformats.org/drawingml/2006/main" xmlns:r="http://schemas.openxmlformats.org/officeDocument/2006/relationships" xmlns:p="http://schemas.openxmlformats.org/presentationml/2006/main" show="0">
+  <p:cSld>
+    <p:spTree>
+      <p:nvGrpSpPr>
+        <p:cNvPr id="1" name=""/>
+        <p:cNvGrpSpPr/>
+        <p:nvPr/>
+      </p:nvGrpSpPr>
+      <p:grpSpPr>
+        <a:xfrm>
+          <a:off x="0" y="0"/>
+          <a:ext cx="0" cy="0"/>
+          <a:chOff x="0" y="0"/>
+          <a:chExt cx="0" cy="0"/>
+        </a:xfrm>
+      </p:grpSpPr>
+      <p:sp>
+        <p:nvSpPr>
+          <p:cNvPr id="2" name="Titel 1">
+            <a:extLst>
+              <a:ext uri="{FF2B5EF4-FFF2-40B4-BE49-F238E27FC236}">
+                <a16:creationId xmlns:a16="http://schemas.microsoft.com/office/drawing/2014/main" id="{907813E5-8118-30EB-C377-B19CF76B1068}"/>
+              </a:ext>
+            </a:extLst>
+          </p:cNvPr>
+          <p:cNvSpPr>
+            <a:spLocks noGrp="1"/>
+          </p:cNvSpPr>
+          <p:nvPr>
+            <p:ph type="title"/>
+          </p:nvPr>
+        </p:nvSpPr>
+        <p:spPr/>
+        <p:txBody>
+          <a:bodyPr/>
+          <a:lstStyle/>
+          <a:p>
+            <a:r>
+              <a:rPr lang="de-DE" dirty="0"/>
+              <a:t>Scenario 2: </a:t>
+            </a:r>
+            <a:r>
+              <a:rPr lang="en-US" sz="2400" b="1" dirty="0"/>
+              <a:t>“Disconnect” Scenario</a:t>
+            </a:r>
+            <a:endParaRPr lang="de-DE" dirty="0"/>
+          </a:p>
+        </p:txBody>
+      </p:sp>
+      <p:pic>
+        <p:nvPicPr>
+          <p:cNvPr id="3" name="scen2">
+            <a:hlinkClick r:id="" action="ppaction://media"/>
+            <a:extLst>
+              <a:ext uri="{FF2B5EF4-FFF2-40B4-BE49-F238E27FC236}">
+                <a16:creationId xmlns:a16="http://schemas.microsoft.com/office/drawing/2014/main" id="{7EA74010-13E5-06A2-FD9E-848C1184475C}"/>
+              </a:ext>
+            </a:extLst>
+          </p:cNvPr>
+          <p:cNvPicPr>
+            <a:picLocks noChangeAspect="1"/>
+          </p:cNvPicPr>
+          <p:nvPr>
+            <a:videoFile r:link="rId1"/>
+            <p:extLst>
+              <p:ext uri="{DAA4B4D4-6D71-4841-9C94-3DE7FCFB9230}">
+                <p14:media xmlns:p14="http://schemas.microsoft.com/office/powerpoint/2010/main" r:embed="rId2">
+                  <p14:trim st="4776"/>
+                </p14:media>
+              </p:ext>
+            </p:extLst>
+          </p:nvPr>
+        </p:nvPicPr>
+        <p:blipFill>
+          <a:blip r:embed="rId4"/>
+          <a:stretch>
+            <a:fillRect/>
+          </a:stretch>
+        </p:blipFill>
+        <p:spPr>
+          <a:xfrm>
+            <a:off x="131337" y="1484784"/>
+            <a:ext cx="11797311" cy="5055991"/>
+          </a:xfrm>
+          <a:prstGeom prst="rect">
+            <a:avLst/>
+          </a:prstGeom>
+        </p:spPr>
+      </p:pic>
+    </p:spTree>
+    <p:extLst>
+      <p:ext uri="{BB962C8B-B14F-4D97-AF65-F5344CB8AC3E}">
+        <p14:creationId xmlns:p14="http://schemas.microsoft.com/office/powerpoint/2010/main" val="2842754636"/>
+      </p:ext>
+    </p:extLst>
+  </p:cSld>
+  <p:clrMapOvr>
+    <a:masterClrMapping/>
+  </p:clrMapOvr>
+  <p:timing>
+    <p:tnLst>
+      <p:par>
+        <p:cTn id="1" dur="indefinite" restart="never" nodeType="tmRoot">
+          <p:childTnLst>
+            <p:seq concurrent="1" nextAc="seek">
+              <p:cTn id="2" dur="indefinite" nodeType="mainSeq">
+                <p:childTnLst>
+                  <p:par>
+                    <p:cTn id="3" fill="hold">
+                      <p:stCondLst>
+                        <p:cond delay="indefinite"/>
+                      </p:stCondLst>
+                      <p:childTnLst>
+                        <p:par>
+                          <p:cTn id="4" fill="hold">
+                            <p:stCondLst>
+                              <p:cond delay="0"/>
+                            </p:stCondLst>
+                            <p:childTnLst>
+                              <p:par>
+                                <p:cTn id="5" presetID="1" presetClass="mediacall" presetSubtype="0" fill="hold" nodeType="clickEffect">
+                                  <p:stCondLst>
+                                    <p:cond delay="0"/>
+                                  </p:stCondLst>
+                                  <p:childTnLst>
+                                    <p:cmd type="call" cmd="playFrom(0.0)">
+                                      <p:cBhvr>
+                                        <p:cTn id="6" dur="15224" fill="hold"/>
+                                        <p:tgtEl>
+                                          <p:spTgt spid="3"/>
+                                        </p:tgtEl>
+                                      </p:cBhvr>
+                                    </p:cmd>
+                                  </p:childTnLst>
+                                </p:cTn>
+                              </p:par>
+                            </p:childTnLst>
+                          </p:cTn>
+                        </p:par>
+                      </p:childTnLst>
+                    </p:cTn>
+                  </p:par>
+                </p:childTnLst>
+              </p:cTn>
+              <p:prevCondLst>
+                <p:cond evt="onPrev" delay="0">
+                  <p:tgtEl>
+                    <p:sldTgt/>
+                  </p:tgtEl>
+                </p:cond>
+              </p:prevCondLst>
+              <p:nextCondLst>
+                <p:cond evt="onNext" delay="0">
+                  <p:tgtEl>
+                    <p:sldTgt/>
+                  </p:tgtEl>
+                </p:cond>
+              </p:nextCondLst>
+            </p:seq>
+            <p:video>
+              <p:cMediaNode vol="80000">
+                <p:cTn id="7" fill="hold" display="0">
+                  <p:stCondLst>
+                    <p:cond delay="indefinite"/>
+                  </p:stCondLst>
+                </p:cTn>
+                <p:tgtEl>
+                  <p:spTgt spid="3"/>
+                </p:tgtEl>
+              </p:cMediaNode>
+            </p:video>
+            <p:seq concurrent="1" nextAc="seek">
+              <p:cTn id="8" restart="whenNotActive" fill="hold" evtFilter="cancelBubble" nodeType="interactiveSeq">
+                <p:stCondLst>
+                  <p:cond evt="onClick" delay="0">
+                    <p:tgtEl>
+                      <p:spTgt spid="3"/>
+                    </p:tgtEl>
+                  </p:cond>
+                </p:stCondLst>
+                <p:endSync evt="end" delay="0">
+                  <p:rtn val="all"/>
+                </p:endSync>
+                <p:childTnLst>
+                  <p:par>
+                    <p:cTn id="9" fill="hold">
+                      <p:stCondLst>
+                        <p:cond delay="0"/>
+                      </p:stCondLst>
+                      <p:childTnLst>
+                        <p:par>
+                          <p:cTn id="10" fill="hold">
+                            <p:stCondLst>
+                              <p:cond delay="0"/>
+                            </p:stCondLst>
+                            <p:childTnLst>
+                              <p:par>
+                                <p:cTn id="11" presetID="2" presetClass="mediacall" presetSubtype="0" fill="hold" nodeType="clickEffect">
+                                  <p:stCondLst>
+                                    <p:cond delay="0"/>
+                                  </p:stCondLst>
+                                  <p:childTnLst>
+                                    <p:cmd type="call" cmd="togglePause">
+                                      <p:cBhvr>
+                                        <p:cTn id="12" dur="1" fill="hold"/>
+                                        <p:tgtEl>
+                                          <p:spTgt spid="3"/>
+                                        </p:tgtEl>
+                                      </p:cBhvr>
+                                    </p:cmd>
+                                  </p:childTnLst>
+                                </p:cTn>
+                              </p:par>
+                            </p:childTnLst>
+                          </p:cTn>
+                        </p:par>
+                      </p:childTnLst>
+                    </p:cTn>
+                  </p:par>
+                </p:childTnLst>
+              </p:cTn>
+              <p:nextCondLst>
+                <p:cond evt="onClick" delay="0">
+                  <p:tgtEl>
+                    <p:spTgt spid="3"/>
+                  </p:tgtEl>
+                </p:cond>
+              </p:nextCondLst>
+            </p:seq>
+          </p:childTnLst>
+        </p:cTn>
+      </p:par>
+    </p:tnLst>
+  </p:timing>
+</p:sld>
+</file>
+
+<file path=ppt/slides/slide15.xml><?xml version="1.0" encoding="utf-8"?>
+<p:sld xmlns:a="http://schemas.openxmlformats.org/drawingml/2006/main" xmlns:r="http://schemas.openxmlformats.org/officeDocument/2006/relationships" xmlns:p="http://schemas.openxmlformats.org/presentationml/2006/main">
+  <p:cSld>
+    <p:spTree>
+      <p:nvGrpSpPr>
+        <p:cNvPr id="1" name=""/>
+        <p:cNvGrpSpPr/>
+        <p:nvPr/>
+      </p:nvGrpSpPr>
+      <p:grpSpPr>
+        <a:xfrm>
+          <a:off x="0" y="0"/>
+          <a:ext cx="0" cy="0"/>
+          <a:chOff x="0" y="0"/>
+          <a:chExt cx="0" cy="0"/>
+        </a:xfrm>
+      </p:grpSpPr>
+      <p:sp>
+        <p:nvSpPr>
+          <p:cNvPr id="2" name="Titel 1">
+            <a:extLst>
+              <a:ext uri="{FF2B5EF4-FFF2-40B4-BE49-F238E27FC236}">
+                <a16:creationId xmlns:a16="http://schemas.microsoft.com/office/drawing/2014/main" id="{907813E5-8118-30EB-C377-B19CF76B1068}"/>
+              </a:ext>
+            </a:extLst>
+          </p:cNvPr>
+          <p:cNvSpPr>
+            <a:spLocks noGrp="1"/>
+          </p:cNvSpPr>
+          <p:nvPr>
+            <p:ph type="title"/>
+          </p:nvPr>
+        </p:nvSpPr>
+        <p:spPr/>
+        <p:txBody>
+          <a:bodyPr/>
+          <a:lstStyle/>
+          <a:p>
+            <a:r>
+              <a:rPr lang="de-DE" dirty="0"/>
+              <a:t>Scenario 3: </a:t>
+            </a:r>
+            <a:r>
+              <a:rPr lang="en-US" b="1" dirty="0"/>
+              <a:t>Wildfire </a:t>
+            </a:r>
+            <a:r>
+              <a:rPr lang="en-US" sz="2400" b="1" dirty="0"/>
+              <a:t>Scenario</a:t>
+            </a:r>
+            <a:endParaRPr lang="de-DE" dirty="0"/>
+          </a:p>
+        </p:txBody>
+      </p:sp>
+      <p:sp>
+        <p:nvSpPr>
+          <p:cNvPr id="4" name="Rechteck: abgerundete Ecken 3">
+            <a:extLst>
+              <a:ext uri="{FF2B5EF4-FFF2-40B4-BE49-F238E27FC236}">
+                <a16:creationId xmlns:a16="http://schemas.microsoft.com/office/drawing/2014/main" id="{312BC4CE-0C9A-D874-7542-A612713AD40E}"/>
+              </a:ext>
+            </a:extLst>
+          </p:cNvPr>
+          <p:cNvSpPr/>
+          <p:nvPr/>
+        </p:nvSpPr>
+        <p:spPr>
+          <a:xfrm>
+            <a:off x="464432" y="1988840"/>
+            <a:ext cx="3471327" cy="1944216"/>
+          </a:xfrm>
+          <a:prstGeom prst="roundRect">
+            <a:avLst/>
+          </a:prstGeom>
+        </p:spPr>
+        <p:style>
+          <a:lnRef idx="2">
+            <a:schemeClr val="accent1"/>
+          </a:lnRef>
+          <a:fillRef idx="1">
+            <a:schemeClr val="lt1"/>
+          </a:fillRef>
+          <a:effectRef idx="0">
+            <a:schemeClr val="accent1"/>
+          </a:effectRef>
+          <a:fontRef idx="minor">
+            <a:schemeClr val="dk1"/>
+          </a:fontRef>
+        </p:style>
+        <p:txBody>
+          <a:bodyPr rot="0" spcFirstLastPara="0" vertOverflow="overflow" horzOverflow="overflow" vert="horz" wrap="square" lIns="91440" tIns="45720" rIns="91440" bIns="45720" numCol="1" spcCol="0" rtlCol="0" fromWordArt="0" anchor="ctr" anchorCtr="0" forceAA="0" compatLnSpc="1">
+            <a:prstTxWarp prst="textNoShape">
+              <a:avLst/>
+            </a:prstTxWarp>
+            <a:noAutofit/>
+          </a:bodyPr>
+          <a:lstStyle/>
+          <a:p>
+            <a:pPr marL="180000">
+              <a:spcBef>
+                <a:spcPts val="200"/>
+              </a:spcBef>
+              <a:spcAft>
+                <a:spcPts val="230"/>
+              </a:spcAft>
+            </a:pPr>
+            <a:endParaRPr lang="en-US" sz="1800" b="0" dirty="0"/>
+          </a:p>
+          <a:p>
+            <a:pPr marL="180000">
+              <a:spcBef>
+                <a:spcPts val="200"/>
+              </a:spcBef>
+              <a:spcAft>
+                <a:spcPts val="230"/>
+              </a:spcAft>
+            </a:pPr>
+            <a:endParaRPr lang="en-US" b="1" dirty="0"/>
+          </a:p>
+          <a:p>
+            <a:pPr marL="180000">
+              <a:spcBef>
+                <a:spcPts val="200"/>
+              </a:spcBef>
+              <a:spcAft>
+                <a:spcPts val="230"/>
+              </a:spcAft>
+            </a:pPr>
+            <a:r>
+              <a:rPr lang="en-US" b="1" dirty="0"/>
+              <a:t>Wildfire </a:t>
+            </a:r>
+            <a:r>
+              <a:rPr lang="en-US" sz="1800" b="1" dirty="0"/>
+              <a:t>Scenario:</a:t>
+            </a:r>
+          </a:p>
+          <a:p>
+            <a:pPr marL="180000">
+              <a:spcBef>
+                <a:spcPts val="200"/>
+              </a:spcBef>
+              <a:spcAft>
+                <a:spcPts val="230"/>
+              </a:spcAft>
+            </a:pPr>
+            <a:r>
+              <a:rPr lang="en-US" sz="1800" b="0" dirty="0"/>
+              <a:t>Rumors of a wildfire lead to people leaving the city in masses. But, to leave the city, they need to charge their electric vehicles first.</a:t>
+            </a:r>
+          </a:p>
+          <a:p>
+            <a:pPr marL="180000">
+              <a:spcBef>
+                <a:spcPts val="200"/>
+              </a:spcBef>
+              <a:spcAft>
+                <a:spcPts val="230"/>
+              </a:spcAft>
+            </a:pPr>
+            <a:endParaRPr lang="en-US" sz="1800" b="0" dirty="0"/>
+          </a:p>
+          <a:p>
+            <a:pPr marL="285750" indent="-285750">
+              <a:buFont typeface="Wingdings" panose="05000000000000000000" pitchFamily="2" charset="2"/>
+              <a:buChar char="è"/>
+            </a:pPr>
+            <a:endParaRPr lang="de-DE" sz="1800" b="0" dirty="0"/>
+          </a:p>
+        </p:txBody>
+      </p:sp>
+      <mc:AlternateContent xmlns:mc="http://schemas.openxmlformats.org/markup-compatibility/2006">
+        <mc:Choice xmlns:a14="http://schemas.microsoft.com/office/drawing/2010/main" Requires="a14">
+          <p:sp>
+            <p:nvSpPr>
+              <p:cNvPr id="5" name="Rechteck: abgerundete Ecken 4">
+                <a:extLst>
+                  <a:ext uri="{FF2B5EF4-FFF2-40B4-BE49-F238E27FC236}">
+                    <a16:creationId xmlns:a16="http://schemas.microsoft.com/office/drawing/2014/main" id="{7110DCA3-FC31-510C-09A8-0B196149E5B9}"/>
+                  </a:ext>
+                </a:extLst>
+              </p:cNvPr>
+              <p:cNvSpPr/>
+              <p:nvPr/>
+            </p:nvSpPr>
+            <p:spPr>
+              <a:xfrm>
+                <a:off x="4943872" y="1988840"/>
+                <a:ext cx="6624736" cy="3987324"/>
+              </a:xfrm>
+              <a:prstGeom prst="roundRect">
+                <a:avLst/>
+              </a:prstGeom>
+            </p:spPr>
+            <p:style>
+              <a:lnRef idx="2">
+                <a:schemeClr val="accent1"/>
+              </a:lnRef>
+              <a:fillRef idx="1">
+                <a:schemeClr val="lt1"/>
+              </a:fillRef>
+              <a:effectRef idx="0">
+                <a:schemeClr val="accent1"/>
+              </a:effectRef>
+              <a:fontRef idx="minor">
+                <a:schemeClr val="dk1"/>
+              </a:fontRef>
+            </p:style>
+            <p:txBody>
+              <a:bodyPr rot="0" spcFirstLastPara="0" vertOverflow="overflow" horzOverflow="overflow" vert="horz" wrap="square" lIns="91440" tIns="45720" rIns="91440" bIns="45720" numCol="1" spcCol="0" rtlCol="0" fromWordArt="0" anchor="ctr" anchorCtr="0" forceAA="0" compatLnSpc="1">
+                <a:prstTxWarp prst="textNoShape">
+                  <a:avLst/>
+                </a:prstTxWarp>
+                <a:noAutofit/>
+              </a:bodyPr>
+              <a:lstStyle/>
+              <a:p>
+                <a:pPr marL="180000">
+                  <a:spcBef>
+                    <a:spcPts val="200"/>
+                  </a:spcBef>
+                  <a:spcAft>
+                    <a:spcPts val="230"/>
+                  </a:spcAft>
+                </a:pPr>
+                <a:endParaRPr lang="en-US" sz="1800" b="0" dirty="0"/>
+              </a:p>
+              <a:p>
+                <a:pPr marL="180000">
+                  <a:spcBef>
+                    <a:spcPts val="200"/>
+                  </a:spcBef>
+                  <a:spcAft>
+                    <a:spcPts val="230"/>
+                  </a:spcAft>
+                </a:pPr>
+                <a:endParaRPr lang="en-US" sz="1800" b="1" dirty="0"/>
+              </a:p>
+              <a:p>
+                <a:pPr marL="180000">
+                  <a:spcBef>
+                    <a:spcPts val="200"/>
+                  </a:spcBef>
+                  <a:spcAft>
+                    <a:spcPts val="230"/>
+                  </a:spcAft>
+                </a:pPr>
+                <a:endParaRPr lang="en-US" b="1" dirty="0"/>
+              </a:p>
+              <a:p>
+                <a:pPr marL="180000">
+                  <a:spcBef>
+                    <a:spcPts val="200"/>
+                  </a:spcBef>
+                  <a:spcAft>
+                    <a:spcPts val="230"/>
+                  </a:spcAft>
+                </a:pPr>
+                <a:endParaRPr lang="en-US" sz="1800" b="1" dirty="0"/>
+              </a:p>
+              <a:p>
+                <a:pPr marL="180000">
+                  <a:spcBef>
+                    <a:spcPts val="200"/>
+                  </a:spcBef>
+                  <a:spcAft>
+                    <a:spcPts val="230"/>
+                  </a:spcAft>
+                </a:pPr>
+                <a:r>
+                  <a:rPr lang="en-US" sz="1800" b="1" dirty="0"/>
+                  <a:t>Assumptions: </a:t>
+                </a:r>
+              </a:p>
+              <a:p>
+                <a:pPr marL="465750" indent="-285750">
+                  <a:spcBef>
+                    <a:spcPts val="200"/>
+                  </a:spcBef>
+                  <a:spcAft>
+                    <a:spcPts val="230"/>
+                  </a:spcAft>
+                  <a:buFont typeface="Arial" panose="020B0604020202020204" pitchFamily="34" charset="0"/>
+                  <a:buChar char="•"/>
+                </a:pPr>
+                <a:r>
+                  <a:rPr lang="en-US" dirty="0"/>
+                  <a:t>Many people believe and will act on the information</a:t>
+                </a:r>
+              </a:p>
+              <a:p>
+                <a:pPr marL="465750" indent="-285750">
+                  <a:spcBef>
+                    <a:spcPts val="200"/>
+                  </a:spcBef>
+                  <a:spcAft>
+                    <a:spcPts val="230"/>
+                  </a:spcAft>
+                  <a:buFont typeface="Arial" panose="020B0604020202020204" pitchFamily="34" charset="0"/>
+                  <a:buChar char="•"/>
+                </a:pPr>
+                <a:r>
+                  <a:rPr lang="en-US" dirty="0"/>
+                  <a:t>People will act immediately upon hearing the information</a:t>
+                </a:r>
+              </a:p>
+              <a:p>
+                <a:pPr marL="465750" indent="-285750">
+                  <a:spcBef>
+                    <a:spcPts val="200"/>
+                  </a:spcBef>
+                  <a:spcAft>
+                    <a:spcPts val="230"/>
+                  </a:spcAft>
+                  <a:buFont typeface="Arial" panose="020B0604020202020204" pitchFamily="34" charset="0"/>
+                  <a:buChar char="•"/>
+                </a:pPr>
+                <a:r>
+                  <a:rPr lang="en-US" dirty="0"/>
+                  <a:t>The entities will load their electric cars for one hour and leave the city</a:t>
+                </a:r>
+              </a:p>
+              <a:p>
+                <a:pPr marL="465750" indent="-285750">
+                  <a:spcBef>
+                    <a:spcPts val="200"/>
+                  </a:spcBef>
+                  <a:spcAft>
+                    <a:spcPts val="230"/>
+                  </a:spcAft>
+                  <a:buFont typeface="Arial" panose="020B0604020202020204" pitchFamily="34" charset="0"/>
+                  <a:buChar char="•"/>
+                </a:pPr>
+                <a14:m>
+                  <m:oMath xmlns:m="http://schemas.openxmlformats.org/officeDocument/2006/math">
+                    <m:r>
+                      <a:rPr lang="de-DE" i="1">
+                        <a:latin typeface="Cambria Math" panose="02040503050406030204" pitchFamily="18" charset="0"/>
+                      </a:rPr>
+                      <m:t>3</m:t>
+                    </m:r>
+                    <m:r>
+                      <a:rPr lang="de-DE" b="0" i="1" smtClean="0">
+                        <a:latin typeface="Cambria Math" panose="02040503050406030204" pitchFamily="18" charset="0"/>
+                      </a:rPr>
+                      <m:t>%</m:t>
+                    </m:r>
+                  </m:oMath>
+                </a14:m>
+                <a:r>
+                  <a:rPr lang="en-US" dirty="0"/>
+                  <a:t> of all households have an electric car</a:t>
+                </a:r>
+              </a:p>
+              <a:p>
+                <a:pPr marL="465750" indent="-285750">
+                  <a:spcBef>
+                    <a:spcPts val="200"/>
+                  </a:spcBef>
+                  <a:spcAft>
+                    <a:spcPts val="230"/>
+                  </a:spcAft>
+                  <a:buFont typeface="Arial" panose="020B0604020202020204" pitchFamily="34" charset="0"/>
+                  <a:buChar char="•"/>
+                </a:pPr>
+                <a:r>
+                  <a:rPr lang="en-US" dirty="0"/>
+                  <a:t>Number of entities: 1000, time resolution: 15 minutes</a:t>
+                </a:r>
+              </a:p>
+              <a:p>
+                <a:pPr marL="180000">
+                  <a:spcBef>
+                    <a:spcPts val="200"/>
+                  </a:spcBef>
+                  <a:spcAft>
+                    <a:spcPts val="230"/>
+                  </a:spcAft>
+                </a:pPr>
+                <a:endParaRPr lang="en-US" b="1" dirty="0"/>
+              </a:p>
+              <a:p>
+                <a:pPr marL="180000">
+                  <a:spcBef>
+                    <a:spcPts val="200"/>
+                  </a:spcBef>
+                  <a:spcAft>
+                    <a:spcPts val="230"/>
+                  </a:spcAft>
+                </a:pPr>
+                <a:r>
+                  <a:rPr lang="en-US" dirty="0"/>
+                  <a:t>Social media data is used to estimate the information propagation parameters</a:t>
+                </a:r>
+              </a:p>
+              <a:p>
+                <a:pPr marL="180000">
+                  <a:spcBef>
+                    <a:spcPts val="200"/>
+                  </a:spcBef>
+                  <a:spcAft>
+                    <a:spcPts val="230"/>
+                  </a:spcAft>
+                </a:pPr>
+                <a:endParaRPr lang="de-DE" sz="1800" b="0" dirty="0"/>
+              </a:p>
+              <a:p>
+                <a:pPr marL="285750" indent="-285750">
+                  <a:buFont typeface="Wingdings" panose="05000000000000000000" pitchFamily="2" charset="2"/>
+                  <a:buChar char="è"/>
+                </a:pPr>
+                <a:endParaRPr lang="de-DE" dirty="0"/>
+              </a:p>
+              <a:p>
+                <a:pPr marL="285750" indent="-285750">
+                  <a:buFont typeface="Wingdings" panose="05000000000000000000" pitchFamily="2" charset="2"/>
+                  <a:buChar char="è"/>
+                </a:pPr>
+                <a:endParaRPr lang="de-DE" dirty="0"/>
+              </a:p>
+              <a:p>
+                <a:pPr marL="285750" indent="-285750">
+                  <a:buFont typeface="Wingdings" panose="05000000000000000000" pitchFamily="2" charset="2"/>
+                  <a:buChar char="è"/>
+                </a:pPr>
+                <a:endParaRPr lang="de-DE" sz="1800" b="0" dirty="0"/>
+              </a:p>
+              <a:p>
+                <a:pPr marL="285750" indent="-285750">
+                  <a:buFont typeface="Wingdings" panose="05000000000000000000" pitchFamily="2" charset="2"/>
+                  <a:buChar char="è"/>
+                </a:pPr>
+                <a:endParaRPr lang="de-DE" sz="1800" b="0" dirty="0"/>
+              </a:p>
+            </p:txBody>
+          </p:sp>
+        </mc:Choice>
+        <mc:Fallback>
+          <p:sp>
+            <p:nvSpPr>
+              <p:cNvPr id="5" name="Rechteck: abgerundete Ecken 4">
+                <a:extLst>
+                  <a:ext uri="{FF2B5EF4-FFF2-40B4-BE49-F238E27FC236}">
+                    <a16:creationId xmlns:a16="http://schemas.microsoft.com/office/drawing/2014/main" id="{7110DCA3-FC31-510C-09A8-0B196149E5B9}"/>
+                  </a:ext>
+                </a:extLst>
+              </p:cNvPr>
+              <p:cNvSpPr>
+                <a:spLocks noRot="1" noChangeAspect="1" noMove="1" noResize="1" noEditPoints="1" noAdjustHandles="1" noChangeArrowheads="1" noChangeShapeType="1" noTextEdit="1"/>
+              </p:cNvSpPr>
+              <p:nvPr/>
+            </p:nvSpPr>
+            <p:spPr>
+              <a:xfrm>
+                <a:off x="4943872" y="1988840"/>
+                <a:ext cx="6624736" cy="3987324"/>
+              </a:xfrm>
+              <a:prstGeom prst="roundRect">
+                <a:avLst/>
+              </a:prstGeom>
+              <a:blipFill>
+                <a:blip r:embed="rId3"/>
+                <a:stretch>
+                  <a:fillRect/>
+                </a:stretch>
+              </a:blipFill>
+            </p:spPr>
+            <p:txBody>
+              <a:bodyPr/>
+              <a:lstStyle/>
+              <a:p>
+                <a:r>
+                  <a:rPr lang="de-DE">
+                    <a:noFill/>
+                  </a:rPr>
+                  <a:t> </a:t>
+                </a:r>
+              </a:p>
+            </p:txBody>
+          </p:sp>
+        </mc:Fallback>
+      </mc:AlternateContent>
+      <p:sp>
+        <p:nvSpPr>
+          <p:cNvPr id="8" name="Pfeil: nach rechts 7">
+            <a:extLst>
+              <a:ext uri="{FF2B5EF4-FFF2-40B4-BE49-F238E27FC236}">
+                <a16:creationId xmlns:a16="http://schemas.microsoft.com/office/drawing/2014/main" id="{2CE2FE08-82E4-9D65-7C8A-815C99A49BCD}"/>
+              </a:ext>
+            </a:extLst>
+          </p:cNvPr>
+          <p:cNvSpPr/>
+          <p:nvPr/>
+        </p:nvSpPr>
+        <p:spPr>
+          <a:xfrm>
+            <a:off x="4264224" y="2727678"/>
+            <a:ext cx="504056" cy="432048"/>
+          </a:xfrm>
+          <a:prstGeom prst="rightArrow">
+            <a:avLst/>
+          </a:prstGeom>
+        </p:spPr>
+        <p:style>
+          <a:lnRef idx="2">
+            <a:schemeClr val="accent1">
+              <a:shade val="50000"/>
+            </a:schemeClr>
+          </a:lnRef>
+          <a:fillRef idx="1">
+            <a:schemeClr val="accent1"/>
+          </a:fillRef>
+          <a:effectRef idx="0">
+            <a:schemeClr val="accent1"/>
+          </a:effectRef>
+          <a:fontRef idx="minor">
+            <a:schemeClr val="lt1"/>
+          </a:fontRef>
+        </p:style>
+        <p:txBody>
+          <a:bodyPr rot="0" spcFirstLastPara="0" vertOverflow="overflow" horzOverflow="overflow" vert="horz" wrap="square" lIns="91440" tIns="45720" rIns="91440" bIns="45720" numCol="1" spcCol="0" rtlCol="0" fromWordArt="0" anchor="ctr" anchorCtr="0" forceAA="0" compatLnSpc="1">
+            <a:prstTxWarp prst="textNoShape">
+              <a:avLst/>
+            </a:prstTxWarp>
+            <a:noAutofit/>
+          </a:bodyPr>
+          <a:lstStyle/>
+          <a:p>
+            <a:pPr algn="ctr"/>
+            <a:endParaRPr lang="de-DE"/>
+          </a:p>
+        </p:txBody>
+      </p:sp>
+      <p:pic>
+        <p:nvPicPr>
+          <p:cNvPr id="6" name="Grafik 5" descr="Ein Bild, das Text, Screenshot, Schrift enthält.&#10;&#10;Automatisch generierte Beschreibung">
+            <a:extLst>
+              <a:ext uri="{FF2B5EF4-FFF2-40B4-BE49-F238E27FC236}">
+                <a16:creationId xmlns:a16="http://schemas.microsoft.com/office/drawing/2014/main" id="{9712F28D-6A85-A74C-0015-4D5E949F9672}"/>
+              </a:ext>
+            </a:extLst>
+          </p:cNvPr>
+          <p:cNvPicPr>
+            <a:picLocks noChangeAspect="1"/>
+          </p:cNvPicPr>
+          <p:nvPr/>
+        </p:nvPicPr>
+        <p:blipFill rotWithShape="1">
+          <a:blip r:embed="rId4">
+            <a:extLst>
+              <a:ext uri="{28A0092B-C50C-407E-A947-70E740481C1C}">
+                <a14:useLocalDpi xmlns:a14="http://schemas.microsoft.com/office/drawing/2010/main" val="0"/>
+              </a:ext>
+            </a:extLst>
+          </a:blip>
+          <a:srcRect l="-488" t="99" r="488" b="19111"/>
+          <a:stretch/>
+        </p:blipFill>
+        <p:spPr>
+          <a:xfrm>
+            <a:off x="262382" y="4157675"/>
+            <a:ext cx="4487807" cy="2211375"/>
+          </a:xfrm>
+          <a:prstGeom prst="rect">
+            <a:avLst/>
+          </a:prstGeom>
+        </p:spPr>
+      </p:pic>
+    </p:spTree>
+    <p:extLst>
+      <p:ext uri="{BB962C8B-B14F-4D97-AF65-F5344CB8AC3E}">
+        <p14:creationId xmlns:p14="http://schemas.microsoft.com/office/powerpoint/2010/main" val="611063615"/>
+      </p:ext>
+    </p:extLst>
+  </p:cSld>
+  <p:clrMapOvr>
+    <a:masterClrMapping/>
+  </p:clrMapOvr>
+</p:sld>
+</file>
+
+<file path=ppt/slides/slide16.xml><?xml version="1.0" encoding="utf-8"?>
+<p:sld xmlns:a="http://schemas.openxmlformats.org/drawingml/2006/main" xmlns:r="http://schemas.openxmlformats.org/officeDocument/2006/relationships" xmlns:p="http://schemas.openxmlformats.org/presentationml/2006/main">
+  <p:cSld>
+    <p:spTree>
+      <p:nvGrpSpPr>
+        <p:cNvPr id="1" name=""/>
+        <p:cNvGrpSpPr/>
+        <p:nvPr/>
+      </p:nvGrpSpPr>
+      <p:grpSpPr>
+        <a:xfrm>
+          <a:off x="0" y="0"/>
+          <a:ext cx="0" cy="0"/>
+          <a:chOff x="0" y="0"/>
+          <a:chExt cx="0" cy="0"/>
+        </a:xfrm>
+      </p:grpSpPr>
+      <p:sp>
+        <p:nvSpPr>
+          <p:cNvPr id="2" name="Titel 1">
+            <a:extLst>
+              <a:ext uri="{FF2B5EF4-FFF2-40B4-BE49-F238E27FC236}">
+                <a16:creationId xmlns:a16="http://schemas.microsoft.com/office/drawing/2014/main" id="{907813E5-8118-30EB-C377-B19CF76B1068}"/>
+              </a:ext>
+            </a:extLst>
+          </p:cNvPr>
+          <p:cNvSpPr>
+            <a:spLocks noGrp="1"/>
+          </p:cNvSpPr>
+          <p:nvPr>
+            <p:ph type="title"/>
+          </p:nvPr>
+        </p:nvSpPr>
+        <p:spPr/>
+        <p:txBody>
+          <a:bodyPr/>
+          <a:lstStyle/>
+          <a:p>
+            <a:r>
+              <a:rPr lang="de-DE" dirty="0"/>
+              <a:t>Scenario 3: </a:t>
+            </a:r>
+            <a:r>
+              <a:rPr lang="en-US" b="1" dirty="0"/>
+              <a:t>Wildfire </a:t>
+            </a:r>
+            <a:r>
+              <a:rPr lang="en-US" sz="2400" b="1" dirty="0"/>
+              <a:t>Scenario</a:t>
+            </a:r>
+            <a:endParaRPr lang="de-DE" dirty="0"/>
+          </a:p>
+        </p:txBody>
+      </p:sp>
+      <p:pic>
+        <p:nvPicPr>
+          <p:cNvPr id="5" name="Grafik 4" descr="Ein Bild, das Text, Screenshot, Diagramm, Reihe enthält.&#10;&#10;Automatisch generierte Beschreibung">
+            <a:extLst>
+              <a:ext uri="{FF2B5EF4-FFF2-40B4-BE49-F238E27FC236}">
+                <a16:creationId xmlns:a16="http://schemas.microsoft.com/office/drawing/2014/main" id="{B5D10C6E-29A1-FF01-72CA-A40FB6A1EAD1}"/>
+              </a:ext>
+            </a:extLst>
+          </p:cNvPr>
+          <p:cNvPicPr>
+            <a:picLocks noChangeAspect="1"/>
+          </p:cNvPicPr>
+          <p:nvPr/>
+        </p:nvPicPr>
+        <p:blipFill rotWithShape="1">
+          <a:blip r:embed="rId2">
+            <a:extLst>
+              <a:ext uri="{28A0092B-C50C-407E-A947-70E740481C1C}">
+                <a14:useLocalDpi xmlns:a14="http://schemas.microsoft.com/office/drawing/2010/main" val="0"/>
+              </a:ext>
+            </a:extLst>
+          </a:blip>
+          <a:srcRect l="6497" t="10049" r="8455" b="3365"/>
+          <a:stretch/>
+        </p:blipFill>
+        <p:spPr>
+          <a:xfrm>
+            <a:off x="335360" y="1517566"/>
+            <a:ext cx="11449272" cy="4995499"/>
+          </a:xfrm>
+          <a:prstGeom prst="rect">
+            <a:avLst/>
+          </a:prstGeom>
+        </p:spPr>
+      </p:pic>
+    </p:spTree>
+    <p:extLst>
+      <p:ext uri="{BB962C8B-B14F-4D97-AF65-F5344CB8AC3E}">
+        <p14:creationId xmlns:p14="http://schemas.microsoft.com/office/powerpoint/2010/main" val="1896025478"/>
+      </p:ext>
+    </p:extLst>
+  </p:cSld>
+  <p:clrMapOvr>
+    <a:masterClrMapping/>
+  </p:clrMapOvr>
+</p:sld>
+</file>
+
+<file path=ppt/slides/slide17.xml><?xml version="1.0" encoding="utf-8"?>
+<p:sld xmlns:a="http://schemas.openxmlformats.org/drawingml/2006/main" xmlns:r="http://schemas.openxmlformats.org/officeDocument/2006/relationships" xmlns:p="http://schemas.openxmlformats.org/presentationml/2006/main">
+  <p:cSld>
+    <p:spTree>
+      <p:nvGrpSpPr>
+        <p:cNvPr id="1" name=""/>
+        <p:cNvGrpSpPr/>
+        <p:nvPr/>
+      </p:nvGrpSpPr>
+      <p:grpSpPr>
+        <a:xfrm>
+          <a:off x="0" y="0"/>
+          <a:ext cx="0" cy="0"/>
+          <a:chOff x="0" y="0"/>
+          <a:chExt cx="0" cy="0"/>
+        </a:xfrm>
+      </p:grpSpPr>
+      <p:sp>
+        <p:nvSpPr>
+          <p:cNvPr id="2" name="Titel 1">
+            <a:extLst>
+              <a:ext uri="{FF2B5EF4-FFF2-40B4-BE49-F238E27FC236}">
+                <a16:creationId xmlns:a16="http://schemas.microsoft.com/office/drawing/2014/main" id="{907813E5-8118-30EB-C377-B19CF76B1068}"/>
+              </a:ext>
+            </a:extLst>
+          </p:cNvPr>
+          <p:cNvSpPr>
+            <a:spLocks noGrp="1"/>
+          </p:cNvSpPr>
+          <p:nvPr>
+            <p:ph type="title"/>
+          </p:nvPr>
+        </p:nvSpPr>
+        <p:spPr/>
+        <p:txBody>
+          <a:bodyPr/>
+          <a:lstStyle/>
+          <a:p>
+            <a:r>
+              <a:rPr lang="de-DE" dirty="0"/>
+              <a:t>Scenario 3: </a:t>
+            </a:r>
+            <a:r>
+              <a:rPr lang="en-US" b="1" dirty="0"/>
+              <a:t>Wildfire </a:t>
+            </a:r>
+            <a:r>
+              <a:rPr lang="en-US" sz="2400" b="1" dirty="0"/>
+              <a:t>Scenario: change the adoption rate</a:t>
+            </a:r>
+            <a:endParaRPr lang="de-DE" dirty="0"/>
+          </a:p>
+        </p:txBody>
+      </p:sp>
+      <p:pic>
+        <p:nvPicPr>
+          <p:cNvPr id="4" name="Grafik 3">
+            <a:extLst>
+              <a:ext uri="{FF2B5EF4-FFF2-40B4-BE49-F238E27FC236}">
+                <a16:creationId xmlns:a16="http://schemas.microsoft.com/office/drawing/2014/main" id="{06B73E50-3142-9817-0731-2510AA00D5A0}"/>
+              </a:ext>
+            </a:extLst>
+          </p:cNvPr>
+          <p:cNvPicPr>
+            <a:picLocks noChangeAspect="1"/>
+          </p:cNvPicPr>
+          <p:nvPr/>
+        </p:nvPicPr>
+        <p:blipFill rotWithShape="1">
+          <a:blip r:embed="rId3"/>
+          <a:srcRect t="5357"/>
+          <a:stretch/>
+        </p:blipFill>
+        <p:spPr>
+          <a:xfrm>
+            <a:off x="1703512" y="1632118"/>
+            <a:ext cx="8566813" cy="5115188"/>
+          </a:xfrm>
+          <a:prstGeom prst="rect">
+            <a:avLst/>
+          </a:prstGeom>
+        </p:spPr>
+      </p:pic>
+    </p:spTree>
+    <p:extLst>
+      <p:ext uri="{BB962C8B-B14F-4D97-AF65-F5344CB8AC3E}">
+        <p14:creationId xmlns:p14="http://schemas.microsoft.com/office/powerpoint/2010/main" val="3386309016"/>
+      </p:ext>
+    </p:extLst>
+  </p:cSld>
+  <p:clrMapOvr>
+    <a:masterClrMapping/>
+  </p:clrMapOvr>
+</p:sld>
+</file>
+
+<file path=ppt/slides/slide18.xml><?xml version="1.0" encoding="utf-8"?>
+<p:sld xmlns:a="http://schemas.openxmlformats.org/drawingml/2006/main" xmlns:r="http://schemas.openxmlformats.org/officeDocument/2006/relationships" xmlns:p="http://schemas.openxmlformats.org/presentationml/2006/main">
+  <p:cSld>
+    <p:spTree>
+      <p:nvGrpSpPr>
+        <p:cNvPr id="1" name=""/>
+        <p:cNvGrpSpPr/>
+        <p:nvPr/>
+      </p:nvGrpSpPr>
+      <p:grpSpPr>
+        <a:xfrm>
+          <a:off x="0" y="0"/>
+          <a:ext cx="0" cy="0"/>
+          <a:chOff x="0" y="0"/>
+          <a:chExt cx="0" cy="0"/>
+        </a:xfrm>
+      </p:grpSpPr>
+      <p:sp>
+        <p:nvSpPr>
+          <p:cNvPr id="2" name="Titel 1">
+            <a:extLst>
+              <a:ext uri="{FF2B5EF4-FFF2-40B4-BE49-F238E27FC236}">
                 <a16:creationId xmlns:a16="http://schemas.microsoft.com/office/drawing/2014/main" id="{40DEFA9E-416B-B31D-8575-6210869D718D}"/>
               </a:ext>
             </a:extLst>
@@ -5047,7 +7912,7 @@
             <a:pPr algn="ctr"/>
             <a:r>
               <a:rPr lang="en-US" dirty="0"/>
-              <a:t>Synchronization events caused by information on social media can be damaging to the power grid</a:t>
+              <a:t>Synchronization events caused by information on social media could be critical to the power grid</a:t>
             </a:r>
           </a:p>
         </p:txBody>
@@ -5099,7 +7964,7 @@
             <a:pPr algn="ctr"/>
             <a:r>
               <a:rPr lang="en-US" dirty="0"/>
-              <a:t>Increasing adoption of new, highly power-consuming technologies increase the danger of synchronization</a:t>
+              <a:t>Increasing adoption of new, highly power-consuming technologies could increase the peak power demand caused by synchronization</a:t>
             </a:r>
           </a:p>
         </p:txBody>
@@ -5117,7 +7982,7 @@
 </p:sld>
 </file>
 
-<file path=ppt/slides/slide13.xml><?xml version="1.0" encoding="utf-8"?>
+<file path=ppt/slides/slide19.xml><?xml version="1.0" encoding="utf-8"?>
 <p:sld xmlns:a="http://schemas.openxmlformats.org/drawingml/2006/main" xmlns:r="http://schemas.openxmlformats.org/officeDocument/2006/relationships" xmlns:p="http://schemas.openxmlformats.org/presentationml/2006/main">
   <p:cSld>
     <p:spTree>
@@ -5256,13 +8121,13 @@
           </p:nvPr>
         </p:nvPicPr>
         <p:blipFill rotWithShape="1">
-          <a:blip r:embed="rId2">
+          <a:blip r:embed="rId3">
             <a:extLst>
               <a:ext uri="{28A0092B-C50C-407E-A947-70E740481C1C}">
                 <a14:useLocalDpi xmlns:a14="http://schemas.microsoft.com/office/drawing/2010/main" val="0"/>
               </a:ext>
               <a:ext uri="{96DAC541-7B7A-43D3-8B79-37D633B846F1}">
-                <asvg:svgBlip xmlns:asvg="http://schemas.microsoft.com/office/drawing/2016/SVG/main" r:embed="rId3"/>
+                <asvg:svgBlip xmlns:asvg="http://schemas.microsoft.com/office/drawing/2016/SVG/main" r:embed="rId4"/>
               </a:ext>
             </a:extLst>
           </a:blip>
@@ -5271,8 +8136,8 @@
         </p:blipFill>
         <p:spPr>
           <a:xfrm>
-            <a:off x="108292" y="1844824"/>
-            <a:ext cx="7560841" cy="4320480"/>
+            <a:off x="315496" y="2075697"/>
+            <a:ext cx="7358963" cy="4205121"/>
           </a:xfrm>
         </p:spPr>
       </p:pic>
@@ -5412,7 +8277,7 @@
         </p:nvSpPr>
         <p:spPr>
           <a:xfrm>
-            <a:off x="191344" y="5373216"/>
+            <a:off x="256974" y="5698275"/>
             <a:ext cx="3456384" cy="216024"/>
           </a:xfrm>
           <a:prstGeom prst="rect">
@@ -5605,7 +8470,7 @@
         <p:spPr>
           <a:xfrm>
             <a:off x="407368" y="1673924"/>
-            <a:ext cx="2736304" cy="3987324"/>
+            <a:ext cx="3600400" cy="3987324"/>
           </a:xfrm>
           <a:prstGeom prst="roundRect">
             <a:avLst/>
@@ -5657,7 +8522,7 @@
               <a:rPr lang="en-US" sz="1800" b="1" dirty="0"/>
               <a:t>Demand Response Scenario: </a:t>
             </a:r>
-            <a:endParaRPr lang="en-US" sz="1800" b="0" dirty="0"/>
+            <a:endParaRPr lang="en-US" dirty="0"/>
           </a:p>
           <a:p>
             <a:pPr marL="180000">
@@ -5676,6 +8541,16 @@
               <a:rPr lang="en-US" dirty="0"/>
               <a:t>spreads through social media.</a:t>
             </a:r>
+          </a:p>
+          <a:p>
+            <a:pPr marL="180000">
+              <a:spcBef>
+                <a:spcPts val="200"/>
+              </a:spcBef>
+              <a:spcAft>
+                <a:spcPts val="230"/>
+              </a:spcAft>
+            </a:pPr>
             <a:endParaRPr lang="de-DE" sz="1800" b="0" dirty="0"/>
           </a:p>
           <a:p>
@@ -5706,21 +8581,14 @@
             </a:pPr>
             <a:endParaRPr lang="de-DE" sz="1800" b="0" dirty="0"/>
           </a:p>
-          <a:p>
-            <a:pPr marL="285750" indent="-285750">
-              <a:buFont typeface="Wingdings" panose="05000000000000000000" pitchFamily="2" charset="2"/>
-              <a:buChar char="è"/>
-            </a:pPr>
-            <a:endParaRPr lang="de-DE" sz="1800" b="0" dirty="0"/>
-          </a:p>
-        </p:txBody>
-      </p:sp>
-      <p:sp>
-        <p:nvSpPr>
-          <p:cNvPr id="3" name="Rechteck: abgerundete Ecken 2">
+        </p:txBody>
+      </p:sp>
+      <p:sp>
+        <p:nvSpPr>
+          <p:cNvPr id="6" name="Rechteck: abgerundete Ecken 5">
             <a:extLst>
               <a:ext uri="{FF2B5EF4-FFF2-40B4-BE49-F238E27FC236}">
-                <a16:creationId xmlns:a16="http://schemas.microsoft.com/office/drawing/2014/main" id="{B4D767E4-03F0-3915-CB6F-FEC3FAA2AB4D}"/>
+                <a16:creationId xmlns:a16="http://schemas.microsoft.com/office/drawing/2014/main" id="{86C34D08-68E8-DA09-5D37-487A27421388}"/>
               </a:ext>
             </a:extLst>
           </p:cNvPr>
@@ -5729,8 +8597,8 @@
         </p:nvSpPr>
         <p:spPr>
           <a:xfrm>
-            <a:off x="3251809" y="1687366"/>
-            <a:ext cx="2736304" cy="3987324"/>
+            <a:off x="4127477" y="1687366"/>
+            <a:ext cx="3600400" cy="3973882"/>
           </a:xfrm>
           <a:prstGeom prst="roundRect">
             <a:avLst/>
@@ -5782,7 +8650,6 @@
               <a:rPr lang="en-US" sz="1800" b="1" dirty="0"/>
               <a:t>“Disconnect” Scenario:</a:t>
             </a:r>
-            <a:endParaRPr lang="en-US" sz="1800" b="0" dirty="0"/>
           </a:p>
           <a:p>
             <a:pPr marL="180000">
@@ -5793,9 +8660,20 @@
                 <a:spcPts val="230"/>
               </a:spcAft>
             </a:pPr>
+            <a:endParaRPr lang="en-US" sz="1800" b="0" dirty="0"/>
+          </a:p>
+          <a:p>
+            <a:pPr marL="180000">
+              <a:spcBef>
+                <a:spcPts val="200"/>
+              </a:spcBef>
+              <a:spcAft>
+                <a:spcPts val="230"/>
+              </a:spcAft>
+            </a:pPr>
             <a:r>
               <a:rPr lang="en-US" sz="1800" b="0" dirty="0"/>
-              <a:t>Conspiracy theorists want to send a message by disconnecting all electrical appliances by a specified time.</a:t>
+              <a:t>Conspiracy theorists want to send a message by switching off all electrical appliances by a specified time.</a:t>
             </a:r>
             <a:endParaRPr lang="de-DE" sz="1800" b="0" dirty="0"/>
           </a:p>
@@ -5818,14 +8696,7 @@
               <a:buFont typeface="Wingdings" panose="05000000000000000000" pitchFamily="2" charset="2"/>
               <a:buChar char="è"/>
             </a:pPr>
-            <a:endParaRPr lang="de-DE" dirty="0"/>
-          </a:p>
-          <a:p>
-            <a:pPr marL="285750" indent="-285750">
-              <a:buFont typeface="Wingdings" panose="05000000000000000000" pitchFamily="2" charset="2"/>
-              <a:buChar char="è"/>
-            </a:pPr>
-            <a:endParaRPr lang="de-DE" dirty="0"/>
+            <a:endParaRPr lang="de-DE" sz="1800" b="0" dirty="0"/>
           </a:p>
           <a:p>
             <a:pPr marL="285750" indent="-285750">
@@ -5834,21 +8705,14 @@
             </a:pPr>
             <a:endParaRPr lang="de-DE" sz="1800" b="0" dirty="0"/>
           </a:p>
-          <a:p>
-            <a:pPr marL="285750" indent="-285750">
-              <a:buFont typeface="Wingdings" panose="05000000000000000000" pitchFamily="2" charset="2"/>
-              <a:buChar char="è"/>
-            </a:pPr>
-            <a:endParaRPr lang="de-DE" sz="1800" b="0" dirty="0"/>
-          </a:p>
-        </p:txBody>
-      </p:sp>
-      <p:sp>
-        <p:nvSpPr>
-          <p:cNvPr id="8" name="Rechteck: abgerundete Ecken 7">
+        </p:txBody>
+      </p:sp>
+      <p:sp>
+        <p:nvSpPr>
+          <p:cNvPr id="7" name="Rechteck: abgerundete Ecken 6">
             <a:extLst>
               <a:ext uri="{FF2B5EF4-FFF2-40B4-BE49-F238E27FC236}">
-                <a16:creationId xmlns:a16="http://schemas.microsoft.com/office/drawing/2014/main" id="{39D01460-557C-D38E-BABB-E5D64ACB3549}"/>
+                <a16:creationId xmlns:a16="http://schemas.microsoft.com/office/drawing/2014/main" id="{F0E96177-E08D-49E2-7D19-8146A4915A2F}"/>
               </a:ext>
             </a:extLst>
           </p:cNvPr>
@@ -5857,8 +8721,8 @@
         </p:nvSpPr>
         <p:spPr>
           <a:xfrm>
-            <a:off x="6103785" y="1673315"/>
-            <a:ext cx="2736304" cy="3987324"/>
+            <a:off x="407368" y="5805264"/>
+            <a:ext cx="11040618" cy="563786"/>
           </a:xfrm>
           <a:prstGeom prst="roundRect">
             <a:avLst/>
@@ -5887,67 +8751,21 @@
           </a:bodyPr>
           <a:lstStyle/>
           <a:p>
-            <a:pPr marL="180000">
-              <a:spcBef>
-                <a:spcPts val="200"/>
-              </a:spcBef>
-              <a:spcAft>
-                <a:spcPts val="230"/>
-              </a:spcAft>
-            </a:pPr>
-            <a:r>
-              <a:rPr lang="en-US" b="1" dirty="0"/>
-              <a:t>Wildfire </a:t>
-            </a:r>
-            <a:r>
-              <a:rPr lang="en-US" sz="1800" b="1" dirty="0"/>
-              <a:t>Scenario:</a:t>
-            </a:r>
-            <a:endParaRPr lang="en-US" sz="1800" b="0" dirty="0"/>
-          </a:p>
-          <a:p>
-            <a:pPr marL="180000">
-              <a:spcBef>
-                <a:spcPts val="200"/>
-              </a:spcBef>
-              <a:spcAft>
-                <a:spcPts val="230"/>
-              </a:spcAft>
-            </a:pPr>
-            <a:r>
-              <a:rPr lang="en-US" sz="1800" b="0" dirty="0"/>
-              <a:t>Rumors of a wildfire lead to people leaving the city in masses. But, to leave the city, they need to charge their electric vehicles first.</a:t>
-            </a:r>
-          </a:p>
-          <a:p>
-            <a:pPr marL="285750" indent="-285750">
-              <a:buFont typeface="Wingdings" panose="05000000000000000000" pitchFamily="2" charset="2"/>
-              <a:buChar char="è"/>
-            </a:pPr>
-            <a:endParaRPr lang="de-DE" sz="1800" b="0" dirty="0"/>
-          </a:p>
-          <a:p>
-            <a:pPr marL="285750" indent="-285750">
-              <a:buFont typeface="Wingdings" panose="05000000000000000000" pitchFamily="2" charset="2"/>
-              <a:buChar char="è"/>
-            </a:pPr>
-            <a:endParaRPr lang="de-DE" sz="1800" b="0" dirty="0"/>
-          </a:p>
-          <a:p>
-            <a:pPr marL="285750" indent="-285750">
-              <a:buFont typeface="Wingdings" panose="05000000000000000000" pitchFamily="2" charset="2"/>
-              <a:buChar char="è"/>
-            </a:pPr>
-            <a:endParaRPr lang="de-DE" sz="1800" b="0" dirty="0"/>
-          </a:p>
-        </p:txBody>
-      </p:sp>
-      <p:sp>
-        <p:nvSpPr>
-          <p:cNvPr id="9" name="Rechteck: abgerundete Ecken 8">
+            <a:pPr algn="ctr"/>
+            <a:r>
+              <a:rPr lang="en-US" sz="2400" b="1" dirty="0"/>
+              <a:t>But: other scenarios could be imagined ….</a:t>
+            </a:r>
+            <a:endParaRPr lang="de-DE" sz="2400" b="1" dirty="0"/>
+          </a:p>
+        </p:txBody>
+      </p:sp>
+      <p:sp>
+        <p:nvSpPr>
+          <p:cNvPr id="4" name="Rechteck: abgerundete Ecken 3">
             <a:extLst>
               <a:ext uri="{FF2B5EF4-FFF2-40B4-BE49-F238E27FC236}">
-                <a16:creationId xmlns:a16="http://schemas.microsoft.com/office/drawing/2014/main" id="{028DD2BF-0C36-7A23-F3EF-56437B7AE582}"/>
+                <a16:creationId xmlns:a16="http://schemas.microsoft.com/office/drawing/2014/main" id="{3BE02112-E17B-71A5-F9C3-33532DEA8646}"/>
               </a:ext>
             </a:extLst>
           </p:cNvPr>
@@ -5956,8 +8774,8 @@
         </p:nvSpPr>
         <p:spPr>
           <a:xfrm>
-            <a:off x="8964592" y="1615759"/>
-            <a:ext cx="2736304" cy="3987324"/>
+            <a:off x="7847586" y="1677738"/>
+            <a:ext cx="3600400" cy="3973882"/>
           </a:xfrm>
           <a:prstGeom prst="roundRect">
             <a:avLst/>
@@ -6005,11 +8823,7 @@
                 <a:spcPts val="230"/>
               </a:spcAft>
             </a:pPr>
-            <a:r>
-              <a:rPr lang="en-US" sz="1800" b="1" dirty="0"/>
-              <a:t>Chemical Accident Scenario: </a:t>
-            </a:r>
-            <a:endParaRPr lang="en-US" dirty="0"/>
+            <a:endParaRPr lang="en-US" b="1" dirty="0"/>
           </a:p>
           <a:p>
             <a:pPr marL="180000">
@@ -6021,10 +8835,71 @@
               </a:spcAft>
             </a:pPr>
             <a:r>
+              <a:rPr lang="en-US" b="1" dirty="0"/>
+              <a:t>Wildfire </a:t>
+            </a:r>
+            <a:r>
+              <a:rPr lang="en-US" sz="1800" b="1" dirty="0"/>
+              <a:t>Scenario:</a:t>
+            </a:r>
+          </a:p>
+          <a:p>
+            <a:pPr marL="180000">
+              <a:spcBef>
+                <a:spcPts val="200"/>
+              </a:spcBef>
+              <a:spcAft>
+                <a:spcPts val="230"/>
+              </a:spcAft>
+            </a:pPr>
+            <a:endParaRPr lang="en-US" b="1" dirty="0"/>
+          </a:p>
+          <a:p>
+            <a:pPr marL="180000">
+              <a:spcBef>
+                <a:spcPts val="200"/>
+              </a:spcBef>
+              <a:spcAft>
+                <a:spcPts val="230"/>
+              </a:spcAft>
+            </a:pPr>
+            <a:r>
               <a:rPr lang="en-US" sz="1800" b="0" dirty="0"/>
-              <a:t>A chemical accident near a major city leads to all emergency channels recommending citizens to shower to remove harmful chemicals from their skin</a:t>
-            </a:r>
-            <a:endParaRPr lang="de-DE" sz="1800" b="0" dirty="0"/>
+              <a:t>Rumors of a wildfire lead to people leaving the city in masses. But, to leave the city, they need to charge their electric vehicles first.</a:t>
+            </a:r>
+          </a:p>
+          <a:p>
+            <a:pPr marL="180000">
+              <a:spcBef>
+                <a:spcPts val="200"/>
+              </a:spcBef>
+              <a:spcAft>
+                <a:spcPts val="230"/>
+              </a:spcAft>
+            </a:pPr>
+            <a:endParaRPr lang="en-US" sz="1800" b="0" dirty="0"/>
+          </a:p>
+          <a:p>
+            <a:pPr marL="180000">
+              <a:spcBef>
+                <a:spcPts val="200"/>
+              </a:spcBef>
+              <a:spcAft>
+                <a:spcPts val="230"/>
+              </a:spcAft>
+            </a:pPr>
+            <a:endParaRPr lang="en-US" sz="1800" b="0" dirty="0"/>
+          </a:p>
+          <a:p>
+            <a:pPr marL="180000">
+              <a:spcBef>
+                <a:spcPts val="200"/>
+              </a:spcBef>
+              <a:spcAft>
+                <a:spcPts val="230"/>
+              </a:spcAft>
+            </a:pPr>
+            <a:endParaRPr lang="en-US" dirty="0"/>
           </a:p>
           <a:p>
             <a:pPr marL="285750" indent="-285750">
@@ -6045,7 +8920,7 @@
     </p:spTree>
     <p:extLst>
       <p:ext uri="{BB962C8B-B14F-4D97-AF65-F5344CB8AC3E}">
-        <p14:creationId xmlns:p14="http://schemas.microsoft.com/office/powerpoint/2010/main" val="2954610336"/>
+        <p14:creationId xmlns:p14="http://schemas.microsoft.com/office/powerpoint/2010/main" val="3341572906"/>
       </p:ext>
     </p:extLst>
   </p:cSld>
@@ -6056,308 +8931,6 @@
 </file>
 
 <file path=ppt/slides/slide4.xml><?xml version="1.0" encoding="utf-8"?>
-<p:sld xmlns:a="http://schemas.openxmlformats.org/drawingml/2006/main" xmlns:r="http://schemas.openxmlformats.org/officeDocument/2006/relationships" xmlns:p="http://schemas.openxmlformats.org/presentationml/2006/main" show="0">
-  <p:cSld>
-    <p:spTree>
-      <p:nvGrpSpPr>
-        <p:cNvPr id="1" name=""/>
-        <p:cNvGrpSpPr/>
-        <p:nvPr/>
-      </p:nvGrpSpPr>
-      <p:grpSpPr>
-        <a:xfrm>
-          <a:off x="0" y="0"/>
-          <a:ext cx="0" cy="0"/>
-          <a:chOff x="0" y="0"/>
-          <a:chExt cx="0" cy="0"/>
-        </a:xfrm>
-      </p:grpSpPr>
-      <p:sp>
-        <p:nvSpPr>
-          <p:cNvPr id="2" name="Titel 1">
-            <a:extLst>
-              <a:ext uri="{FF2B5EF4-FFF2-40B4-BE49-F238E27FC236}">
-                <a16:creationId xmlns:a16="http://schemas.microsoft.com/office/drawing/2014/main" id="{743C51BF-52B8-F94F-6759-7D81487AA530}"/>
-              </a:ext>
-            </a:extLst>
-          </p:cNvPr>
-          <p:cNvSpPr>
-            <a:spLocks noGrp="1"/>
-          </p:cNvSpPr>
-          <p:nvPr>
-            <p:ph type="title"/>
-          </p:nvPr>
-        </p:nvSpPr>
-        <p:spPr>
-          <a:xfrm>
-            <a:off x="478366" y="488950"/>
-            <a:ext cx="9722089" cy="838200"/>
-          </a:xfrm>
-        </p:spPr>
-        <p:txBody>
-          <a:bodyPr/>
-          <a:lstStyle/>
-          <a:p>
-            <a:r>
-              <a:rPr lang="de-DE" dirty="0" err="1"/>
-              <a:t>Consumption</a:t>
-            </a:r>
-            <a:r>
-              <a:rPr lang="de-DE" dirty="0"/>
-              <a:t> </a:t>
-            </a:r>
-            <a:r>
-              <a:rPr lang="de-DE" dirty="0" err="1"/>
-              <a:t>can</a:t>
-            </a:r>
-            <a:r>
-              <a:rPr lang="de-DE" dirty="0"/>
-              <a:t> </a:t>
-            </a:r>
-            <a:r>
-              <a:rPr lang="de-DE" dirty="0" err="1"/>
-              <a:t>be</a:t>
-            </a:r>
-            <a:r>
-              <a:rPr lang="de-DE" dirty="0"/>
-              <a:t> </a:t>
-            </a:r>
-            <a:r>
-              <a:rPr lang="de-DE" dirty="0" err="1"/>
-              <a:t>affected</a:t>
-            </a:r>
-            <a:r>
-              <a:rPr lang="de-DE" dirty="0"/>
-              <a:t> </a:t>
-            </a:r>
-            <a:r>
-              <a:rPr lang="de-DE" dirty="0" err="1"/>
-              <a:t>by</a:t>
-            </a:r>
-            <a:r>
-              <a:rPr lang="de-DE" dirty="0"/>
-              <a:t> </a:t>
-            </a:r>
-            <a:r>
-              <a:rPr lang="de-DE" dirty="0" err="1"/>
-              <a:t>Social</a:t>
-            </a:r>
-            <a:r>
-              <a:rPr lang="de-DE" dirty="0"/>
-              <a:t> Media </a:t>
-            </a:r>
-          </a:p>
-        </p:txBody>
-      </p:sp>
-      <p:pic>
-        <p:nvPicPr>
-          <p:cNvPr id="5" name="Grafik 4">
-            <a:extLst>
-              <a:ext uri="{FF2B5EF4-FFF2-40B4-BE49-F238E27FC236}">
-                <a16:creationId xmlns:a16="http://schemas.microsoft.com/office/drawing/2014/main" id="{C3364D0F-4EEA-BB65-3353-E1AFE0F1C3D5}"/>
-              </a:ext>
-            </a:extLst>
-          </p:cNvPr>
-          <p:cNvPicPr>
-            <a:picLocks noChangeAspect="1"/>
-          </p:cNvPicPr>
-          <p:nvPr/>
-        </p:nvPicPr>
-        <p:blipFill>
-          <a:blip r:embed="rId2"/>
-          <a:stretch>
-            <a:fillRect/>
-          </a:stretch>
-        </p:blipFill>
-        <p:spPr>
-          <a:xfrm>
-            <a:off x="5071651" y="1641029"/>
-            <a:ext cx="6495983" cy="2316116"/>
-          </a:xfrm>
-          <a:prstGeom prst="rect">
-            <a:avLst/>
-          </a:prstGeom>
-        </p:spPr>
-      </p:pic>
-      <p:pic>
-        <p:nvPicPr>
-          <p:cNvPr id="9" name="Grafik 8">
-            <a:extLst>
-              <a:ext uri="{FF2B5EF4-FFF2-40B4-BE49-F238E27FC236}">
-                <a16:creationId xmlns:a16="http://schemas.microsoft.com/office/drawing/2014/main" id="{0B93825C-7CA2-5D79-F7AE-38720D88F443}"/>
-              </a:ext>
-            </a:extLst>
-          </p:cNvPr>
-          <p:cNvPicPr>
-            <a:picLocks noChangeAspect="1"/>
-          </p:cNvPicPr>
-          <p:nvPr/>
-        </p:nvPicPr>
-        <p:blipFill>
-          <a:blip r:embed="rId3"/>
-          <a:stretch>
-            <a:fillRect/>
-          </a:stretch>
-        </p:blipFill>
-        <p:spPr>
-          <a:xfrm>
-            <a:off x="335360" y="1854187"/>
-            <a:ext cx="3451610" cy="4063220"/>
-          </a:xfrm>
-          <a:prstGeom prst="rect">
-            <a:avLst/>
-          </a:prstGeom>
-        </p:spPr>
-      </p:pic>
-      <p:sp>
-        <p:nvSpPr>
-          <p:cNvPr id="10" name="Textfeld 9">
-            <a:extLst>
-              <a:ext uri="{FF2B5EF4-FFF2-40B4-BE49-F238E27FC236}">
-                <a16:creationId xmlns:a16="http://schemas.microsoft.com/office/drawing/2014/main" id="{4815A3AA-F7D9-2140-8D93-C24B81B58A53}"/>
-              </a:ext>
-            </a:extLst>
-          </p:cNvPr>
-          <p:cNvSpPr txBox="1"/>
-          <p:nvPr/>
-        </p:nvSpPr>
-        <p:spPr>
-          <a:xfrm>
-            <a:off x="11055533" y="2099641"/>
-            <a:ext cx="648072" cy="246221"/>
-          </a:xfrm>
-          <a:prstGeom prst="rect">
-            <a:avLst/>
-          </a:prstGeom>
-          <a:noFill/>
-        </p:spPr>
-        <p:txBody>
-          <a:bodyPr wrap="square" rtlCol="0">
-            <a:spAutoFit/>
-          </a:bodyPr>
-          <a:lstStyle/>
-          <a:p>
-            <a:r>
-              <a:rPr lang="de-DE" sz="1000" dirty="0"/>
-              <a:t>[1]</a:t>
-            </a:r>
-          </a:p>
-        </p:txBody>
-      </p:sp>
-      <p:pic>
-        <p:nvPicPr>
-          <p:cNvPr id="12" name="Grafik 11">
-            <a:extLst>
-              <a:ext uri="{FF2B5EF4-FFF2-40B4-BE49-F238E27FC236}">
-                <a16:creationId xmlns:a16="http://schemas.microsoft.com/office/drawing/2014/main" id="{084AA0F4-4A20-63CB-9402-AADC4D7B1F27}"/>
-              </a:ext>
-            </a:extLst>
-          </p:cNvPr>
-          <p:cNvPicPr>
-            <a:picLocks noChangeAspect="1"/>
-          </p:cNvPicPr>
-          <p:nvPr/>
-        </p:nvPicPr>
-        <p:blipFill>
-          <a:blip r:embed="rId4"/>
-          <a:stretch>
-            <a:fillRect/>
-          </a:stretch>
-        </p:blipFill>
-        <p:spPr>
-          <a:xfrm>
-            <a:off x="3935759" y="3957145"/>
-            <a:ext cx="4353037" cy="2411905"/>
-          </a:xfrm>
-          <a:prstGeom prst="rect">
-            <a:avLst/>
-          </a:prstGeom>
-        </p:spPr>
-      </p:pic>
-      <p:sp>
-        <p:nvSpPr>
-          <p:cNvPr id="13" name="Textfeld 12">
-            <a:extLst>
-              <a:ext uri="{FF2B5EF4-FFF2-40B4-BE49-F238E27FC236}">
-                <a16:creationId xmlns:a16="http://schemas.microsoft.com/office/drawing/2014/main" id="{96122549-0C35-88A5-FDEF-40616399C8B2}"/>
-              </a:ext>
-            </a:extLst>
-          </p:cNvPr>
-          <p:cNvSpPr txBox="1"/>
-          <p:nvPr/>
-        </p:nvSpPr>
-        <p:spPr>
-          <a:xfrm>
-            <a:off x="3786970" y="1927621"/>
-            <a:ext cx="648072" cy="246221"/>
-          </a:xfrm>
-          <a:prstGeom prst="rect">
-            <a:avLst/>
-          </a:prstGeom>
-          <a:noFill/>
-        </p:spPr>
-        <p:txBody>
-          <a:bodyPr wrap="square" rtlCol="0">
-            <a:spAutoFit/>
-          </a:bodyPr>
-          <a:lstStyle/>
-          <a:p>
-            <a:r>
-              <a:rPr lang="de-DE" sz="1000" dirty="0"/>
-              <a:t>[2]</a:t>
-            </a:r>
-          </a:p>
-        </p:txBody>
-      </p:sp>
-      <p:sp>
-        <p:nvSpPr>
-          <p:cNvPr id="14" name="Textfeld 13">
-            <a:extLst>
-              <a:ext uri="{FF2B5EF4-FFF2-40B4-BE49-F238E27FC236}">
-                <a16:creationId xmlns:a16="http://schemas.microsoft.com/office/drawing/2014/main" id="{FA2BB971-9290-F6E5-2737-0041A1BC428C}"/>
-              </a:ext>
-            </a:extLst>
-          </p:cNvPr>
-          <p:cNvSpPr txBox="1"/>
-          <p:nvPr/>
-        </p:nvSpPr>
-        <p:spPr>
-          <a:xfrm>
-            <a:off x="8113549" y="4016438"/>
-            <a:ext cx="648072" cy="246221"/>
-          </a:xfrm>
-          <a:prstGeom prst="rect">
-            <a:avLst/>
-          </a:prstGeom>
-          <a:noFill/>
-        </p:spPr>
-        <p:txBody>
-          <a:bodyPr wrap="square" rtlCol="0">
-            <a:spAutoFit/>
-          </a:bodyPr>
-          <a:lstStyle/>
-          <a:p>
-            <a:r>
-              <a:rPr lang="de-DE" sz="1000" dirty="0"/>
-              <a:t>[2]</a:t>
-            </a:r>
-          </a:p>
-        </p:txBody>
-      </p:sp>
-    </p:spTree>
-    <p:extLst>
-      <p:ext uri="{BB962C8B-B14F-4D97-AF65-F5344CB8AC3E}">
-        <p14:creationId xmlns:p14="http://schemas.microsoft.com/office/powerpoint/2010/main" val="2530693109"/>
-      </p:ext>
-    </p:extLst>
-  </p:cSld>
-  <p:clrMapOvr>
-    <a:masterClrMapping/>
-  </p:clrMapOvr>
-</p:sld>
-</file>
-
-<file path=ppt/slides/slide5.xml><?xml version="1.0" encoding="utf-8"?>
 <p:sld xmlns:a="http://schemas.openxmlformats.org/drawingml/2006/main" xmlns:r="http://schemas.openxmlformats.org/officeDocument/2006/relationships" xmlns:p="http://schemas.openxmlformats.org/presentationml/2006/main">
   <p:cSld>
     <p:spTree>
@@ -6390,14 +8963,19 @@
             <p:ph type="title"/>
           </p:nvPr>
         </p:nvSpPr>
-        <p:spPr/>
+        <p:spPr>
+          <a:xfrm>
+            <a:off x="478366" y="488950"/>
+            <a:ext cx="9578073" cy="838200"/>
+          </a:xfrm>
+        </p:spPr>
         <p:txBody>
           <a:bodyPr/>
           <a:lstStyle/>
           <a:p>
             <a:r>
               <a:rPr lang="en-US" dirty="0"/>
-              <a:t>Idea: Analyze the Information Flow in Social Networks and check if it could affect the Power Grid</a:t>
+              <a:t>Idea: Analyze the Effects of Information Flow on the Power Grid</a:t>
             </a:r>
           </a:p>
         </p:txBody>
@@ -6719,7 +9297,7 @@
             <a:pPr algn="ctr"/>
             <a:r>
               <a:rPr lang="en-US" dirty="0"/>
-              <a:t>Estimate the excess Power Demand</a:t>
+              <a:t>Estimate the Power Demand</a:t>
             </a:r>
           </a:p>
           <a:p>
@@ -6781,108 +9359,6 @@
           <a:p>
             <a:pPr algn="ctr"/>
             <a:endParaRPr lang="de-DE" dirty="0"/>
-          </a:p>
-        </p:txBody>
-      </p:sp>
-      <p:sp>
-        <p:nvSpPr>
-          <p:cNvPr id="11" name="Pfeil: nach rechts 10">
-            <a:extLst>
-              <a:ext uri="{FF2B5EF4-FFF2-40B4-BE49-F238E27FC236}">
-                <a16:creationId xmlns:a16="http://schemas.microsoft.com/office/drawing/2014/main" id="{3557A4AA-52AD-2013-6F04-A7B949C11C36}"/>
-              </a:ext>
-            </a:extLst>
-          </p:cNvPr>
-          <p:cNvSpPr/>
-          <p:nvPr/>
-        </p:nvSpPr>
-        <p:spPr>
-          <a:xfrm>
-            <a:off x="3900262" y="3549892"/>
-            <a:ext cx="360040" cy="360040"/>
-          </a:xfrm>
-          <a:prstGeom prst="rightArrow">
-            <a:avLst/>
-          </a:prstGeom>
-        </p:spPr>
-        <p:style>
-          <a:lnRef idx="2">
-            <a:schemeClr val="accent1">
-              <a:shade val="50000"/>
-            </a:schemeClr>
-          </a:lnRef>
-          <a:fillRef idx="1">
-            <a:schemeClr val="accent1"/>
-          </a:fillRef>
-          <a:effectRef idx="0">
-            <a:schemeClr val="accent1"/>
-          </a:effectRef>
-          <a:fontRef idx="minor">
-            <a:schemeClr val="lt1"/>
-          </a:fontRef>
-        </p:style>
-        <p:txBody>
-          <a:bodyPr rot="0" spcFirstLastPara="0" vertOverflow="overflow" horzOverflow="overflow" vert="horz" wrap="square" lIns="91440" tIns="45720" rIns="91440" bIns="45720" numCol="1" spcCol="0" rtlCol="0" fromWordArt="0" anchor="ctr" anchorCtr="0" forceAA="0" compatLnSpc="1">
-            <a:prstTxWarp prst="textNoShape">
-              <a:avLst/>
-            </a:prstTxWarp>
-            <a:noAutofit/>
-          </a:bodyPr>
-          <a:lstStyle/>
-          <a:p>
-            <a:pPr algn="ctr"/>
-            <a:endParaRPr lang="de-DE"/>
-          </a:p>
-        </p:txBody>
-      </p:sp>
-      <p:sp>
-        <p:nvSpPr>
-          <p:cNvPr id="12" name="Pfeil: nach rechts 11">
-            <a:extLst>
-              <a:ext uri="{FF2B5EF4-FFF2-40B4-BE49-F238E27FC236}">
-                <a16:creationId xmlns:a16="http://schemas.microsoft.com/office/drawing/2014/main" id="{E22B3B39-7001-DA95-21A1-DF46C34825FA}"/>
-              </a:ext>
-            </a:extLst>
-          </p:cNvPr>
-          <p:cNvSpPr/>
-          <p:nvPr/>
-        </p:nvSpPr>
-        <p:spPr>
-          <a:xfrm>
-            <a:off x="7904548" y="3549892"/>
-            <a:ext cx="360040" cy="360040"/>
-          </a:xfrm>
-          <a:prstGeom prst="rightArrow">
-            <a:avLst/>
-          </a:prstGeom>
-        </p:spPr>
-        <p:style>
-          <a:lnRef idx="2">
-            <a:schemeClr val="accent1">
-              <a:shade val="50000"/>
-            </a:schemeClr>
-          </a:lnRef>
-          <a:fillRef idx="1">
-            <a:schemeClr val="accent1"/>
-          </a:fillRef>
-          <a:effectRef idx="0">
-            <a:schemeClr val="accent1"/>
-          </a:effectRef>
-          <a:fontRef idx="minor">
-            <a:schemeClr val="lt1"/>
-          </a:fontRef>
-        </p:style>
-        <p:txBody>
-          <a:bodyPr rot="0" spcFirstLastPara="0" vertOverflow="overflow" horzOverflow="overflow" vert="horz" wrap="square" lIns="91440" tIns="45720" rIns="91440" bIns="45720" numCol="1" spcCol="0" rtlCol="0" fromWordArt="0" anchor="ctr" anchorCtr="0" forceAA="0" compatLnSpc="1">
-            <a:prstTxWarp prst="textNoShape">
-              <a:avLst/>
-            </a:prstTxWarp>
-            <a:noAutofit/>
-          </a:bodyPr>
-          <a:lstStyle/>
-          <a:p>
-            <a:pPr algn="ctr"/>
-            <a:endParaRPr lang="de-DE"/>
           </a:p>
         </p:txBody>
       </p:sp>
@@ -6926,10 +9402,10 @@
       </p:pic>
       <p:pic>
         <p:nvPicPr>
-          <p:cNvPr id="3" name="Grafik 2" descr="Ein Bild, das Mond, Dunkelheit, Nacht enthält.&#10;&#10;Automatisch generierte Beschreibung">
+          <p:cNvPr id="7" name="Grafik 6" descr="Ein Bild, das Dunkelheit enthält.&#10;&#10;Automatisch generierte Beschreibung">
             <a:extLst>
               <a:ext uri="{FF2B5EF4-FFF2-40B4-BE49-F238E27FC236}">
-                <a16:creationId xmlns:a16="http://schemas.microsoft.com/office/drawing/2014/main" id="{37358ED2-8133-53D8-E5C9-23E75CC14C5D}"/>
+                <a16:creationId xmlns:a16="http://schemas.microsoft.com/office/drawing/2014/main" id="{5378B4CC-E8A3-CC00-A753-51DEFF2BE055}"/>
               </a:ext>
             </a:extLst>
           </p:cNvPr>
@@ -6946,13 +9422,13 @@
               </a:ext>
             </a:extLst>
           </a:blip>
-          <a:srcRect l="32107" r="30847"/>
+          <a:srcRect l="35407" r="32036"/>
           <a:stretch/>
         </p:blipFill>
         <p:spPr>
           <a:xfrm>
-            <a:off x="4185821" y="2270253"/>
-            <a:ext cx="3626888" cy="3622274"/>
+            <a:off x="4511824" y="2191139"/>
+            <a:ext cx="3360062" cy="3818465"/>
           </a:xfrm>
           <a:prstGeom prst="rect">
             <a:avLst/>
@@ -6963,6 +9439,980 @@
     <p:extLst>
       <p:ext uri="{BB962C8B-B14F-4D97-AF65-F5344CB8AC3E}">
         <p14:creationId xmlns:p14="http://schemas.microsoft.com/office/powerpoint/2010/main" val="743609727"/>
+      </p:ext>
+    </p:extLst>
+  </p:cSld>
+  <p:clrMapOvr>
+    <a:masterClrMapping/>
+  </p:clrMapOvr>
+</p:sld>
+</file>
+
+<file path=ppt/slides/slide5.xml><?xml version="1.0" encoding="utf-8"?>
+<p:sld xmlns:a="http://schemas.openxmlformats.org/drawingml/2006/main" xmlns:r="http://schemas.openxmlformats.org/officeDocument/2006/relationships" xmlns:p="http://schemas.openxmlformats.org/presentationml/2006/main">
+  <p:cSld>
+    <p:spTree>
+      <p:nvGrpSpPr>
+        <p:cNvPr id="1" name=""/>
+        <p:cNvGrpSpPr/>
+        <p:nvPr/>
+      </p:nvGrpSpPr>
+      <p:grpSpPr>
+        <a:xfrm>
+          <a:off x="0" y="0"/>
+          <a:ext cx="0" cy="0"/>
+          <a:chOff x="0" y="0"/>
+          <a:chExt cx="0" cy="0"/>
+        </a:xfrm>
+      </p:grpSpPr>
+      <p:sp>
+        <p:nvSpPr>
+          <p:cNvPr id="14" name="Rechteck: abgerundete Ecken 13">
+            <a:extLst>
+              <a:ext uri="{FF2B5EF4-FFF2-40B4-BE49-F238E27FC236}">
+                <a16:creationId xmlns:a16="http://schemas.microsoft.com/office/drawing/2014/main" id="{0B5B699D-3782-CF2B-08D4-A50842C085E0}"/>
+              </a:ext>
+            </a:extLst>
+          </p:cNvPr>
+          <p:cNvSpPr/>
+          <p:nvPr/>
+        </p:nvSpPr>
+        <p:spPr>
+          <a:xfrm>
+            <a:off x="9630436" y="3163493"/>
+            <a:ext cx="2088232" cy="1395109"/>
+          </a:xfrm>
+          <a:prstGeom prst="roundRect">
+            <a:avLst/>
+          </a:prstGeom>
+        </p:spPr>
+        <p:style>
+          <a:lnRef idx="1">
+            <a:schemeClr val="accent1"/>
+          </a:lnRef>
+          <a:fillRef idx="2">
+            <a:schemeClr val="accent1"/>
+          </a:fillRef>
+          <a:effectRef idx="1">
+            <a:schemeClr val="accent1"/>
+          </a:effectRef>
+          <a:fontRef idx="minor">
+            <a:schemeClr val="dk1"/>
+          </a:fontRef>
+        </p:style>
+        <p:txBody>
+          <a:bodyPr rot="0" spcFirstLastPara="0" vertOverflow="overflow" horzOverflow="overflow" vert="horz" wrap="square" lIns="91440" tIns="45720" rIns="91440" bIns="45720" numCol="1" spcCol="0" rtlCol="0" fromWordArt="0" anchor="ctr" anchorCtr="0" forceAA="0" compatLnSpc="1">
+            <a:prstTxWarp prst="textNoShape">
+              <a:avLst/>
+            </a:prstTxWarp>
+            <a:noAutofit/>
+          </a:bodyPr>
+          <a:lstStyle/>
+          <a:p>
+            <a:pPr algn="ctr"/>
+            <a:endParaRPr lang="de-DE" dirty="0"/>
+          </a:p>
+          <a:p>
+            <a:pPr algn="ctr"/>
+            <a:endParaRPr lang="de-DE" dirty="0"/>
+          </a:p>
+          <a:p>
+            <a:pPr algn="ctr"/>
+            <a:endParaRPr lang="de-DE" dirty="0"/>
+          </a:p>
+          <a:p>
+            <a:pPr algn="ctr"/>
+            <a:endParaRPr lang="de-DE" dirty="0"/>
+          </a:p>
+        </p:txBody>
+      </p:sp>
+      <p:sp>
+        <p:nvSpPr>
+          <p:cNvPr id="13" name="Rechteck: abgerundete Ecken 12">
+            <a:extLst>
+              <a:ext uri="{FF2B5EF4-FFF2-40B4-BE49-F238E27FC236}">
+                <a16:creationId xmlns:a16="http://schemas.microsoft.com/office/drawing/2014/main" id="{EBCB117B-982F-E7E2-E558-EA386DD78E33}"/>
+              </a:ext>
+            </a:extLst>
+          </p:cNvPr>
+          <p:cNvSpPr/>
+          <p:nvPr/>
+        </p:nvSpPr>
+        <p:spPr>
+          <a:xfrm>
+            <a:off x="9657481" y="4832918"/>
+            <a:ext cx="2088232" cy="1395109"/>
+          </a:xfrm>
+          <a:prstGeom prst="roundRect">
+            <a:avLst/>
+          </a:prstGeom>
+        </p:spPr>
+        <p:style>
+          <a:lnRef idx="2">
+            <a:schemeClr val="accent1"/>
+          </a:lnRef>
+          <a:fillRef idx="1">
+            <a:schemeClr val="lt1"/>
+          </a:fillRef>
+          <a:effectRef idx="0">
+            <a:schemeClr val="accent1"/>
+          </a:effectRef>
+          <a:fontRef idx="minor">
+            <a:schemeClr val="dk1"/>
+          </a:fontRef>
+        </p:style>
+        <p:txBody>
+          <a:bodyPr rot="0" spcFirstLastPara="0" vertOverflow="overflow" horzOverflow="overflow" vert="horz" wrap="square" lIns="91440" tIns="45720" rIns="91440" bIns="45720" numCol="1" spcCol="0" rtlCol="0" fromWordArt="0" anchor="ctr" anchorCtr="0" forceAA="0" compatLnSpc="1">
+            <a:prstTxWarp prst="textNoShape">
+              <a:avLst/>
+            </a:prstTxWarp>
+            <a:noAutofit/>
+          </a:bodyPr>
+          <a:lstStyle/>
+          <a:p>
+            <a:pPr algn="ctr"/>
+            <a:endParaRPr lang="de-DE" dirty="0"/>
+          </a:p>
+          <a:p>
+            <a:pPr algn="ctr"/>
+            <a:endParaRPr lang="de-DE" dirty="0"/>
+          </a:p>
+          <a:p>
+            <a:pPr algn="ctr"/>
+            <a:endParaRPr lang="de-DE" dirty="0"/>
+          </a:p>
+          <a:p>
+            <a:pPr algn="ctr"/>
+            <a:endParaRPr lang="de-DE" dirty="0"/>
+          </a:p>
+        </p:txBody>
+      </p:sp>
+      <p:sp>
+        <p:nvSpPr>
+          <p:cNvPr id="2" name="Titel 1">
+            <a:extLst>
+              <a:ext uri="{FF2B5EF4-FFF2-40B4-BE49-F238E27FC236}">
+                <a16:creationId xmlns:a16="http://schemas.microsoft.com/office/drawing/2014/main" id="{2EA4B4C9-659F-B062-0F31-F8A5EA5EFC20}"/>
+              </a:ext>
+            </a:extLst>
+          </p:cNvPr>
+          <p:cNvSpPr>
+            <a:spLocks noGrp="1"/>
+          </p:cNvSpPr>
+          <p:nvPr>
+            <p:ph type="title"/>
+          </p:nvPr>
+        </p:nvSpPr>
+        <p:spPr/>
+        <p:txBody>
+          <a:bodyPr/>
+          <a:lstStyle/>
+          <a:p>
+            <a:r>
+              <a:rPr lang="en-US" dirty="0"/>
+              <a:t>The Social Media Network Graph is modelled via Random Graph Algorithms</a:t>
+            </a:r>
+          </a:p>
+        </p:txBody>
+      </p:sp>
+      <p:sp>
+        <p:nvSpPr>
+          <p:cNvPr id="4" name="Rechteck: abgerundete Ecken 3">
+            <a:extLst>
+              <a:ext uri="{FF2B5EF4-FFF2-40B4-BE49-F238E27FC236}">
+                <a16:creationId xmlns:a16="http://schemas.microsoft.com/office/drawing/2014/main" id="{BD35C341-86A0-4B4B-FADC-5EF35296651E}"/>
+              </a:ext>
+            </a:extLst>
+          </p:cNvPr>
+          <p:cNvSpPr/>
+          <p:nvPr/>
+        </p:nvSpPr>
+        <p:spPr>
+          <a:xfrm>
+            <a:off x="9639019" y="1526055"/>
+            <a:ext cx="2088232" cy="1395109"/>
+          </a:xfrm>
+          <a:prstGeom prst="roundRect">
+            <a:avLst/>
+          </a:prstGeom>
+        </p:spPr>
+        <p:style>
+          <a:lnRef idx="1">
+            <a:schemeClr val="accent1"/>
+          </a:lnRef>
+          <a:fillRef idx="2">
+            <a:schemeClr val="accent1"/>
+          </a:fillRef>
+          <a:effectRef idx="1">
+            <a:schemeClr val="accent1"/>
+          </a:effectRef>
+          <a:fontRef idx="minor">
+            <a:schemeClr val="dk1"/>
+          </a:fontRef>
+        </p:style>
+        <p:txBody>
+          <a:bodyPr rot="0" spcFirstLastPara="0" vertOverflow="overflow" horzOverflow="overflow" vert="horz" wrap="square" lIns="91440" tIns="45720" rIns="91440" bIns="45720" numCol="1" spcCol="0" rtlCol="0" fromWordArt="0" anchor="ctr" anchorCtr="0" forceAA="0" compatLnSpc="1">
+            <a:prstTxWarp prst="textNoShape">
+              <a:avLst/>
+            </a:prstTxWarp>
+            <a:noAutofit/>
+          </a:bodyPr>
+          <a:lstStyle/>
+          <a:p>
+            <a:pPr algn="ctr"/>
+            <a:endParaRPr lang="de-DE" dirty="0"/>
+          </a:p>
+          <a:p>
+            <a:pPr algn="ctr"/>
+            <a:endParaRPr lang="de-DE" dirty="0"/>
+          </a:p>
+          <a:p>
+            <a:pPr algn="ctr"/>
+            <a:endParaRPr lang="de-DE" dirty="0"/>
+          </a:p>
+          <a:p>
+            <a:pPr algn="ctr"/>
+            <a:endParaRPr lang="de-DE" dirty="0"/>
+          </a:p>
+        </p:txBody>
+      </p:sp>
+      <p:pic>
+        <p:nvPicPr>
+          <p:cNvPr id="5" name="Grafik 4">
+            <a:extLst>
+              <a:ext uri="{FF2B5EF4-FFF2-40B4-BE49-F238E27FC236}">
+                <a16:creationId xmlns:a16="http://schemas.microsoft.com/office/drawing/2014/main" id="{0D88AB39-8127-EF9A-4374-B17E792AAE7B}"/>
+              </a:ext>
+            </a:extLst>
+          </p:cNvPr>
+          <p:cNvPicPr>
+            <a:picLocks noChangeAspect="1"/>
+          </p:cNvPicPr>
+          <p:nvPr/>
+        </p:nvPicPr>
+        <p:blipFill rotWithShape="1">
+          <a:blip r:embed="rId3">
+            <a:extLst>
+              <a:ext uri="{28A0092B-C50C-407E-A947-70E740481C1C}">
+                <a14:useLocalDpi xmlns:a14="http://schemas.microsoft.com/office/drawing/2010/main" val="0"/>
+              </a:ext>
+              <a:ext uri="{96DAC541-7B7A-43D3-8B79-37D633B846F1}">
+                <asvg:svgBlip xmlns:asvg="http://schemas.microsoft.com/office/drawing/2016/SVG/main" r:embed="rId4"/>
+              </a:ext>
+            </a:extLst>
+          </a:blip>
+          <a:srcRect l="32871" r="32870"/>
+          <a:stretch/>
+        </p:blipFill>
+        <p:spPr>
+          <a:xfrm>
+            <a:off x="10083736" y="1546537"/>
+            <a:ext cx="1355483" cy="1374627"/>
+          </a:xfrm>
+          <a:prstGeom prst="rect">
+            <a:avLst/>
+          </a:prstGeom>
+        </p:spPr>
+      </p:pic>
+      <p:sp>
+        <p:nvSpPr>
+          <p:cNvPr id="15" name="Pfeil: nach unten 14">
+            <a:extLst>
+              <a:ext uri="{FF2B5EF4-FFF2-40B4-BE49-F238E27FC236}">
+                <a16:creationId xmlns:a16="http://schemas.microsoft.com/office/drawing/2014/main" id="{CEAA200E-3800-ED1C-EC0E-ECA852A2B6E4}"/>
+              </a:ext>
+            </a:extLst>
+          </p:cNvPr>
+          <p:cNvSpPr/>
+          <p:nvPr/>
+        </p:nvSpPr>
+        <p:spPr>
+          <a:xfrm>
+            <a:off x="10638422" y="2981156"/>
+            <a:ext cx="144016" cy="138497"/>
+          </a:xfrm>
+          <a:prstGeom prst="downArrow">
+            <a:avLst/>
+          </a:prstGeom>
+        </p:spPr>
+        <p:style>
+          <a:lnRef idx="2">
+            <a:schemeClr val="accent1">
+              <a:shade val="50000"/>
+            </a:schemeClr>
+          </a:lnRef>
+          <a:fillRef idx="1">
+            <a:schemeClr val="accent1"/>
+          </a:fillRef>
+          <a:effectRef idx="0">
+            <a:schemeClr val="accent1"/>
+          </a:effectRef>
+          <a:fontRef idx="minor">
+            <a:schemeClr val="lt1"/>
+          </a:fontRef>
+        </p:style>
+        <p:txBody>
+          <a:bodyPr rot="0" spcFirstLastPara="0" vertOverflow="overflow" horzOverflow="overflow" vert="horz" wrap="square" lIns="91440" tIns="45720" rIns="91440" bIns="45720" numCol="1" spcCol="0" rtlCol="0" fromWordArt="0" anchor="ctr" anchorCtr="0" forceAA="0" compatLnSpc="1">
+            <a:prstTxWarp prst="textNoShape">
+              <a:avLst/>
+            </a:prstTxWarp>
+            <a:noAutofit/>
+          </a:bodyPr>
+          <a:lstStyle/>
+          <a:p>
+            <a:pPr algn="ctr"/>
+            <a:endParaRPr lang="de-DE"/>
+          </a:p>
+        </p:txBody>
+      </p:sp>
+      <p:sp>
+        <p:nvSpPr>
+          <p:cNvPr id="16" name="Pfeil: nach unten 15">
+            <a:extLst>
+              <a:ext uri="{FF2B5EF4-FFF2-40B4-BE49-F238E27FC236}">
+                <a16:creationId xmlns:a16="http://schemas.microsoft.com/office/drawing/2014/main" id="{F2BCEA7B-2E0E-C91C-E1E6-6F8AB9358195}"/>
+              </a:ext>
+            </a:extLst>
+          </p:cNvPr>
+          <p:cNvSpPr/>
+          <p:nvPr/>
+        </p:nvSpPr>
+        <p:spPr>
+          <a:xfrm>
+            <a:off x="10595457" y="4630807"/>
+            <a:ext cx="144016" cy="138497"/>
+          </a:xfrm>
+          <a:prstGeom prst="downArrow">
+            <a:avLst/>
+          </a:prstGeom>
+        </p:spPr>
+        <p:style>
+          <a:lnRef idx="2">
+            <a:schemeClr val="accent1">
+              <a:shade val="50000"/>
+            </a:schemeClr>
+          </a:lnRef>
+          <a:fillRef idx="1">
+            <a:schemeClr val="accent1"/>
+          </a:fillRef>
+          <a:effectRef idx="0">
+            <a:schemeClr val="accent1"/>
+          </a:effectRef>
+          <a:fontRef idx="minor">
+            <a:schemeClr val="lt1"/>
+          </a:fontRef>
+        </p:style>
+        <p:txBody>
+          <a:bodyPr rot="0" spcFirstLastPara="0" vertOverflow="overflow" horzOverflow="overflow" vert="horz" wrap="square" lIns="91440" tIns="45720" rIns="91440" bIns="45720" numCol="1" spcCol="0" rtlCol="0" fromWordArt="0" anchor="ctr" anchorCtr="0" forceAA="0" compatLnSpc="1">
+            <a:prstTxWarp prst="textNoShape">
+              <a:avLst/>
+            </a:prstTxWarp>
+            <a:noAutofit/>
+          </a:bodyPr>
+          <a:lstStyle/>
+          <a:p>
+            <a:pPr algn="ctr"/>
+            <a:endParaRPr lang="de-DE"/>
+          </a:p>
+        </p:txBody>
+      </p:sp>
+      <p:sp>
+        <p:nvSpPr>
+          <p:cNvPr id="18" name="Rechteck: abgerundete Ecken 17">
+            <a:extLst>
+              <a:ext uri="{FF2B5EF4-FFF2-40B4-BE49-F238E27FC236}">
+                <a16:creationId xmlns:a16="http://schemas.microsoft.com/office/drawing/2014/main" id="{FAA4862C-BC49-EBC0-36B1-DC7DD94D1D91}"/>
+              </a:ext>
+            </a:extLst>
+          </p:cNvPr>
+          <p:cNvSpPr/>
+          <p:nvPr/>
+        </p:nvSpPr>
+        <p:spPr>
+          <a:xfrm>
+            <a:off x="478368" y="1546538"/>
+            <a:ext cx="8856156" cy="1616955"/>
+          </a:xfrm>
+          <a:prstGeom prst="roundRect">
+            <a:avLst/>
+          </a:prstGeom>
+        </p:spPr>
+        <p:style>
+          <a:lnRef idx="2">
+            <a:schemeClr val="accent1"/>
+          </a:lnRef>
+          <a:fillRef idx="1">
+            <a:schemeClr val="lt1"/>
+          </a:fillRef>
+          <a:effectRef idx="0">
+            <a:schemeClr val="accent1"/>
+          </a:effectRef>
+          <a:fontRef idx="minor">
+            <a:schemeClr val="dk1"/>
+          </a:fontRef>
+        </p:style>
+        <p:txBody>
+          <a:bodyPr rot="0" spcFirstLastPara="0" vertOverflow="overflow" horzOverflow="overflow" vert="horz" wrap="square" lIns="91440" tIns="45720" rIns="91440" bIns="45720" numCol="1" spcCol="0" rtlCol="0" fromWordArt="0" anchor="ctr" anchorCtr="0" forceAA="0" compatLnSpc="1">
+            <a:prstTxWarp prst="textNoShape">
+              <a:avLst/>
+            </a:prstTxWarp>
+            <a:noAutofit/>
+          </a:bodyPr>
+          <a:lstStyle/>
+          <a:p>
+            <a:pPr marL="180000">
+              <a:spcBef>
+                <a:spcPts val="200"/>
+              </a:spcBef>
+              <a:spcAft>
+                <a:spcPts val="230"/>
+              </a:spcAft>
+            </a:pPr>
+            <a:r>
+              <a:rPr lang="de-DE" dirty="0"/>
+              <a:t>Graph </a:t>
+            </a:r>
+            <a:r>
+              <a:rPr lang="de-DE" dirty="0" err="1"/>
+              <a:t>model</a:t>
+            </a:r>
+            <a:r>
+              <a:rPr lang="de-DE" dirty="0"/>
+              <a:t> </a:t>
+            </a:r>
+            <a:r>
+              <a:rPr lang="de-DE" dirty="0" err="1"/>
+              <a:t>used</a:t>
+            </a:r>
+            <a:r>
+              <a:rPr lang="de-DE" dirty="0"/>
+              <a:t> </a:t>
+            </a:r>
+            <a:r>
+              <a:rPr lang="de-DE" dirty="0" err="1"/>
+              <a:t>to</a:t>
+            </a:r>
+            <a:r>
+              <a:rPr lang="de-DE" dirty="0"/>
+              <a:t> </a:t>
+            </a:r>
+            <a:r>
+              <a:rPr lang="de-DE" dirty="0" err="1"/>
+              <a:t>model</a:t>
+            </a:r>
+            <a:r>
+              <a:rPr lang="de-DE" dirty="0"/>
+              <a:t> social </a:t>
+            </a:r>
+            <a:r>
+              <a:rPr lang="de-DE" dirty="0" err="1"/>
+              <a:t>media</a:t>
+            </a:r>
+            <a:r>
+              <a:rPr lang="de-DE" dirty="0"/>
+              <a:t> </a:t>
+            </a:r>
+            <a:r>
+              <a:rPr lang="de-DE" dirty="0" err="1"/>
+              <a:t>networks</a:t>
+            </a:r>
+            <a:r>
+              <a:rPr lang="de-DE" dirty="0"/>
+              <a:t> </a:t>
+            </a:r>
+            <a:r>
+              <a:rPr lang="de-DE" dirty="0">
+                <a:sym typeface="Wingdings" panose="05000000000000000000" pitchFamily="2" charset="2"/>
+              </a:rPr>
+              <a:t> </a:t>
+            </a:r>
+            <a:r>
+              <a:rPr lang="de-DE" dirty="0" err="1"/>
+              <a:t>Barabási</a:t>
+            </a:r>
+            <a:r>
+              <a:rPr lang="de-DE" dirty="0"/>
+              <a:t>–Albert </a:t>
+            </a:r>
+            <a:r>
+              <a:rPr lang="de-DE" dirty="0" err="1"/>
+              <a:t>model</a:t>
+            </a:r>
+            <a:endParaRPr lang="de-DE" dirty="0"/>
+          </a:p>
+          <a:p>
+            <a:pPr marL="522900" indent="-342900">
+              <a:spcBef>
+                <a:spcPts val="200"/>
+              </a:spcBef>
+              <a:spcAft>
+                <a:spcPts val="230"/>
+              </a:spcAft>
+              <a:buFont typeface="Arial" panose="020B0604020202020204" pitchFamily="34" charset="0"/>
+              <a:buChar char="•"/>
+            </a:pPr>
+            <a:r>
+              <a:rPr lang="de-DE" sz="1800" b="0" dirty="0"/>
+              <a:t>Small </a:t>
+            </a:r>
+            <a:r>
+              <a:rPr lang="de-DE" sz="1800" b="0" dirty="0" err="1"/>
+              <a:t>world</a:t>
+            </a:r>
+            <a:r>
+              <a:rPr lang="de-DE" sz="1800" b="0" dirty="0"/>
+              <a:t> </a:t>
+            </a:r>
+            <a:r>
+              <a:rPr lang="de-DE" dirty="0" err="1"/>
+              <a:t>c</a:t>
+            </a:r>
+            <a:r>
+              <a:rPr lang="de-DE" sz="1800" b="0" dirty="0" err="1"/>
+              <a:t>haracteristic</a:t>
+            </a:r>
+            <a:endParaRPr lang="de-DE" sz="1800" b="0" dirty="0"/>
+          </a:p>
+          <a:p>
+            <a:pPr marL="522900" indent="-342900">
+              <a:spcBef>
+                <a:spcPts val="200"/>
+              </a:spcBef>
+              <a:spcAft>
+                <a:spcPts val="230"/>
+              </a:spcAft>
+              <a:buFont typeface="Arial" panose="020B0604020202020204" pitchFamily="34" charset="0"/>
+              <a:buChar char="•"/>
+            </a:pPr>
+            <a:r>
+              <a:rPr lang="de-DE" dirty="0" err="1"/>
+              <a:t>Scale-free</a:t>
+            </a:r>
+            <a:r>
+              <a:rPr lang="de-DE" dirty="0"/>
+              <a:t> </a:t>
+            </a:r>
+            <a:r>
+              <a:rPr lang="de-DE" dirty="0" err="1"/>
+              <a:t>networks</a:t>
+            </a:r>
+            <a:endParaRPr lang="de-DE" dirty="0"/>
+          </a:p>
+          <a:p>
+            <a:pPr marL="522900" indent="-342900">
+              <a:spcBef>
+                <a:spcPts val="200"/>
+              </a:spcBef>
+              <a:spcAft>
+                <a:spcPts val="230"/>
+              </a:spcAft>
+              <a:buFont typeface="Arial" panose="020B0604020202020204" pitchFamily="34" charset="0"/>
+              <a:buChar char="•"/>
+            </a:pPr>
+            <a:r>
+              <a:rPr lang="de-DE" sz="1800" b="0" dirty="0" err="1"/>
+              <a:t>Highly</a:t>
+            </a:r>
+            <a:r>
+              <a:rPr lang="de-DE" sz="1800" b="0" dirty="0"/>
+              <a:t> </a:t>
+            </a:r>
+            <a:r>
+              <a:rPr lang="de-DE" sz="1800" b="0" dirty="0" err="1"/>
+              <a:t>clustered</a:t>
+            </a:r>
+            <a:endParaRPr lang="de-DE" dirty="0"/>
+          </a:p>
+        </p:txBody>
+      </p:sp>
+      <p:pic>
+        <p:nvPicPr>
+          <p:cNvPr id="19" name="Grafik 18">
+            <a:extLst>
+              <a:ext uri="{FF2B5EF4-FFF2-40B4-BE49-F238E27FC236}">
+                <a16:creationId xmlns:a16="http://schemas.microsoft.com/office/drawing/2014/main" id="{9D1AE354-A862-0455-7412-528C92805798}"/>
+              </a:ext>
+            </a:extLst>
+          </p:cNvPr>
+          <p:cNvPicPr>
+            <a:picLocks noChangeAspect="1"/>
+          </p:cNvPicPr>
+          <p:nvPr/>
+        </p:nvPicPr>
+        <p:blipFill rotWithShape="1">
+          <a:blip r:embed="rId5" cstate="print">
+            <a:extLst>
+              <a:ext uri="{28A0092B-C50C-407E-A947-70E740481C1C}">
+                <a14:useLocalDpi xmlns:a14="http://schemas.microsoft.com/office/drawing/2010/main" val="0"/>
+              </a:ext>
+              <a:ext uri="{96DAC541-7B7A-43D3-8B79-37D633B846F1}">
+                <asvg:svgBlip xmlns:asvg="http://schemas.microsoft.com/office/drawing/2016/SVG/main" r:embed="rId6"/>
+              </a:ext>
+            </a:extLst>
+          </a:blip>
+          <a:srcRect t="11048" r="7440" b="6428"/>
+          <a:stretch/>
+        </p:blipFill>
+        <p:spPr>
+          <a:xfrm>
+            <a:off x="9832361" y="4918595"/>
+            <a:ext cx="1814223" cy="1214463"/>
+          </a:xfrm>
+          <a:prstGeom prst="rect">
+            <a:avLst/>
+          </a:prstGeom>
+        </p:spPr>
+      </p:pic>
+      <p:sp>
+        <p:nvSpPr>
+          <p:cNvPr id="3" name="Rechteck: abgerundete Ecken 2">
+            <a:extLst>
+              <a:ext uri="{FF2B5EF4-FFF2-40B4-BE49-F238E27FC236}">
+                <a16:creationId xmlns:a16="http://schemas.microsoft.com/office/drawing/2014/main" id="{8D0A52D9-2255-0C97-2367-73B8C4249C9D}"/>
+              </a:ext>
+            </a:extLst>
+          </p:cNvPr>
+          <p:cNvSpPr/>
+          <p:nvPr/>
+        </p:nvSpPr>
+        <p:spPr>
+          <a:xfrm>
+            <a:off x="478368" y="3284985"/>
+            <a:ext cx="8856156" cy="2943044"/>
+          </a:xfrm>
+          <a:prstGeom prst="roundRect">
+            <a:avLst/>
+          </a:prstGeom>
+        </p:spPr>
+        <p:style>
+          <a:lnRef idx="2">
+            <a:schemeClr val="accent1"/>
+          </a:lnRef>
+          <a:fillRef idx="1">
+            <a:schemeClr val="lt1"/>
+          </a:fillRef>
+          <a:effectRef idx="0">
+            <a:schemeClr val="accent1"/>
+          </a:effectRef>
+          <a:fontRef idx="minor">
+            <a:schemeClr val="dk1"/>
+          </a:fontRef>
+        </p:style>
+        <p:txBody>
+          <a:bodyPr rot="0" spcFirstLastPara="0" vertOverflow="overflow" horzOverflow="overflow" vert="horz" wrap="square" lIns="91440" tIns="45720" rIns="91440" bIns="45720" numCol="1" spcCol="0" rtlCol="0" fromWordArt="0" anchor="ctr" anchorCtr="0" forceAA="0" compatLnSpc="1">
+            <a:prstTxWarp prst="textNoShape">
+              <a:avLst/>
+            </a:prstTxWarp>
+            <a:noAutofit/>
+          </a:bodyPr>
+          <a:lstStyle/>
+          <a:p>
+            <a:pPr>
+              <a:spcBef>
+                <a:spcPts val="200"/>
+              </a:spcBef>
+              <a:spcAft>
+                <a:spcPts val="230"/>
+              </a:spcAft>
+            </a:pPr>
+            <a:r>
+              <a:rPr lang="de-DE" dirty="0"/>
+              <a:t>The SIR </a:t>
+            </a:r>
+            <a:r>
+              <a:rPr lang="de-DE" dirty="0" err="1"/>
+              <a:t>model</a:t>
+            </a:r>
+            <a:r>
+              <a:rPr lang="de-DE" dirty="0"/>
+              <a:t> </a:t>
+            </a:r>
+            <a:r>
+              <a:rPr lang="de-DE" dirty="0" err="1"/>
+              <a:t>is</a:t>
+            </a:r>
+            <a:r>
+              <a:rPr lang="de-DE" dirty="0"/>
+              <a:t> </a:t>
+            </a:r>
+            <a:r>
+              <a:rPr lang="de-DE" dirty="0" err="1"/>
+              <a:t>used</a:t>
+            </a:r>
+            <a:r>
+              <a:rPr lang="de-DE" dirty="0"/>
+              <a:t> </a:t>
+            </a:r>
+            <a:r>
+              <a:rPr lang="de-DE" dirty="0" err="1"/>
+              <a:t>to</a:t>
+            </a:r>
+            <a:r>
+              <a:rPr lang="de-DE" dirty="0"/>
+              <a:t> </a:t>
+            </a:r>
+            <a:r>
+              <a:rPr lang="de-DE" dirty="0" err="1"/>
+              <a:t>model</a:t>
+            </a:r>
+            <a:r>
+              <a:rPr lang="de-DE" dirty="0"/>
+              <a:t> </a:t>
+            </a:r>
+            <a:r>
+              <a:rPr lang="de-DE" dirty="0" err="1"/>
+              <a:t>the</a:t>
+            </a:r>
+            <a:r>
+              <a:rPr lang="de-DE" dirty="0"/>
+              <a:t> </a:t>
+            </a:r>
+            <a:r>
+              <a:rPr lang="de-DE" dirty="0" err="1"/>
+              <a:t>information</a:t>
+            </a:r>
+            <a:r>
+              <a:rPr lang="de-DE" dirty="0"/>
+              <a:t> </a:t>
+            </a:r>
+            <a:r>
+              <a:rPr lang="de-DE" dirty="0" err="1"/>
+              <a:t>propagation</a:t>
+            </a:r>
+            <a:r>
+              <a:rPr lang="de-DE" dirty="0"/>
+              <a:t> </a:t>
+            </a:r>
+            <a:r>
+              <a:rPr lang="de-DE" dirty="0" err="1"/>
+              <a:t>process</a:t>
+            </a:r>
+            <a:r>
+              <a:rPr lang="de-DE" dirty="0"/>
+              <a:t>:</a:t>
+            </a:r>
+            <a:endParaRPr lang="de-DE" sz="1800" b="0" dirty="0"/>
+          </a:p>
+          <a:p>
+            <a:pPr marL="522900" indent="-342900">
+              <a:spcBef>
+                <a:spcPts val="200"/>
+              </a:spcBef>
+              <a:spcAft>
+                <a:spcPts val="230"/>
+              </a:spcAft>
+              <a:buFont typeface="Arial" panose="020B0604020202020204" pitchFamily="34" charset="0"/>
+              <a:buChar char="•"/>
+            </a:pPr>
+            <a:r>
+              <a:rPr lang="de-DE" sz="1800" b="0" dirty="0" err="1"/>
+              <a:t>Three</a:t>
+            </a:r>
+            <a:r>
+              <a:rPr lang="de-DE" sz="1800" b="0" dirty="0"/>
+              <a:t> </a:t>
+            </a:r>
+            <a:r>
+              <a:rPr lang="de-DE" sz="1800" b="0" dirty="0" err="1"/>
+              <a:t>states</a:t>
+            </a:r>
+            <a:r>
+              <a:rPr lang="de-DE" sz="1800" b="0" dirty="0"/>
+              <a:t>:</a:t>
+            </a:r>
+          </a:p>
+          <a:p>
+            <a:pPr marL="980100" lvl="1" indent="-342900">
+              <a:spcBef>
+                <a:spcPts val="200"/>
+              </a:spcBef>
+              <a:spcAft>
+                <a:spcPts val="230"/>
+              </a:spcAft>
+              <a:buFont typeface="Arial" panose="020B0604020202020204" pitchFamily="34" charset="0"/>
+              <a:buChar char="•"/>
+            </a:pPr>
+            <a:r>
+              <a:rPr lang="de-DE" dirty="0" err="1">
+                <a:solidFill>
+                  <a:schemeClr val="tx1">
+                    <a:lumMod val="65000"/>
+                    <a:lumOff val="35000"/>
+                  </a:schemeClr>
+                </a:solidFill>
+              </a:rPr>
+              <a:t>Susceptible</a:t>
+            </a:r>
+            <a:r>
+              <a:rPr lang="de-DE" dirty="0">
+                <a:solidFill>
+                  <a:schemeClr val="tx1">
+                    <a:lumMod val="65000"/>
+                    <a:lumOff val="35000"/>
+                  </a:schemeClr>
+                </a:solidFill>
+              </a:rPr>
+              <a:t> (S)</a:t>
+            </a:r>
+          </a:p>
+          <a:p>
+            <a:pPr marL="980100" lvl="1" indent="-342900">
+              <a:spcBef>
+                <a:spcPts val="200"/>
+              </a:spcBef>
+              <a:spcAft>
+                <a:spcPts val="230"/>
+              </a:spcAft>
+              <a:buFont typeface="Arial" panose="020B0604020202020204" pitchFamily="34" charset="0"/>
+              <a:buChar char="•"/>
+            </a:pPr>
+            <a:r>
+              <a:rPr lang="de-DE" b="0" dirty="0" err="1">
+                <a:solidFill>
+                  <a:srgbClr val="FF0000"/>
+                </a:solidFill>
+              </a:rPr>
+              <a:t>Infected</a:t>
+            </a:r>
+            <a:r>
+              <a:rPr lang="de-DE" b="0" dirty="0">
+                <a:solidFill>
+                  <a:srgbClr val="FF0000"/>
+                </a:solidFill>
+              </a:rPr>
+              <a:t> (I)</a:t>
+            </a:r>
+          </a:p>
+          <a:p>
+            <a:pPr marL="980100" lvl="1" indent="-342900">
+              <a:spcBef>
+                <a:spcPts val="200"/>
+              </a:spcBef>
+              <a:spcAft>
+                <a:spcPts val="230"/>
+              </a:spcAft>
+              <a:buFont typeface="Arial" panose="020B0604020202020204" pitchFamily="34" charset="0"/>
+              <a:buChar char="•"/>
+            </a:pPr>
+            <a:r>
+              <a:rPr lang="de-DE" dirty="0" err="1">
+                <a:solidFill>
+                  <a:schemeClr val="tx1"/>
+                </a:solidFill>
+              </a:rPr>
+              <a:t>Recovered</a:t>
+            </a:r>
+            <a:r>
+              <a:rPr lang="de-DE" dirty="0">
+                <a:solidFill>
+                  <a:schemeClr val="tx1"/>
+                </a:solidFill>
+              </a:rPr>
+              <a:t> (R)</a:t>
+            </a:r>
+            <a:endParaRPr lang="en-US" b="0" dirty="0">
+              <a:solidFill>
+                <a:schemeClr val="tx1"/>
+              </a:solidFill>
+            </a:endParaRPr>
+          </a:p>
+          <a:p>
+            <a:pPr marL="522900" indent="-342900">
+              <a:spcBef>
+                <a:spcPts val="200"/>
+              </a:spcBef>
+              <a:spcAft>
+                <a:spcPts val="230"/>
+              </a:spcAft>
+              <a:buFont typeface="Arial" panose="020B0604020202020204" pitchFamily="34" charset="0"/>
+              <a:buChar char="•"/>
+            </a:pPr>
+            <a:r>
+              <a:rPr lang="en-US" dirty="0"/>
+              <a:t>N</a:t>
+            </a:r>
+            <a:r>
+              <a:rPr lang="en-US" sz="1800" b="0" dirty="0"/>
+              <a:t>eighbors are predominantly infected </a:t>
+            </a:r>
+            <a:r>
+              <a:rPr lang="en-US" sz="1800" b="0" dirty="0">
+                <a:sym typeface="Wingdings" panose="05000000000000000000" pitchFamily="2" charset="2"/>
+              </a:rPr>
+              <a:t> node becomes infected</a:t>
+            </a:r>
+          </a:p>
+          <a:p>
+            <a:pPr marL="522900" indent="-342900">
+              <a:spcBef>
+                <a:spcPts val="200"/>
+              </a:spcBef>
+              <a:spcAft>
+                <a:spcPts val="230"/>
+              </a:spcAft>
+              <a:buFont typeface="Arial" panose="020B0604020202020204" pitchFamily="34" charset="0"/>
+              <a:buChar char="•"/>
+            </a:pPr>
+            <a:r>
+              <a:rPr lang="en-US" dirty="0"/>
+              <a:t>N</a:t>
+            </a:r>
+            <a:r>
+              <a:rPr lang="en-US" sz="1800" b="0" dirty="0"/>
+              <a:t>eighbors are predominantly recovered </a:t>
+            </a:r>
+            <a:r>
+              <a:rPr lang="en-US" sz="1800" b="0" dirty="0">
+                <a:sym typeface="Wingdings" panose="05000000000000000000" pitchFamily="2" charset="2"/>
+              </a:rPr>
+              <a:t> node recovers</a:t>
+            </a:r>
+            <a:endParaRPr lang="en-US" sz="1800" b="0" dirty="0"/>
+          </a:p>
+          <a:p>
+            <a:endParaRPr lang="de-DE" sz="1800" b="0" dirty="0"/>
+          </a:p>
+        </p:txBody>
+      </p:sp>
+      <p:pic>
+        <p:nvPicPr>
+          <p:cNvPr id="7" name="Grafik 6" descr="Ein Bild, das Dunkelheit enthält.&#10;&#10;Automatisch generierte Beschreibung">
+            <a:extLst>
+              <a:ext uri="{FF2B5EF4-FFF2-40B4-BE49-F238E27FC236}">
+                <a16:creationId xmlns:a16="http://schemas.microsoft.com/office/drawing/2014/main" id="{20A3ADAD-2BAD-0CE1-4D77-C44706132BB2}"/>
+              </a:ext>
+            </a:extLst>
+          </p:cNvPr>
+          <p:cNvPicPr>
+            <a:picLocks noChangeAspect="1"/>
+          </p:cNvPicPr>
+          <p:nvPr/>
+        </p:nvPicPr>
+        <p:blipFill rotWithShape="1">
+          <a:blip r:embed="rId7" cstate="print">
+            <a:extLst>
+              <a:ext uri="{28A0092B-C50C-407E-A947-70E740481C1C}">
+                <a14:useLocalDpi xmlns:a14="http://schemas.microsoft.com/office/drawing/2010/main" val="0"/>
+              </a:ext>
+            </a:extLst>
+          </a:blip>
+          <a:srcRect l="35407" r="32036"/>
+          <a:stretch/>
+        </p:blipFill>
+        <p:spPr>
+          <a:xfrm>
+            <a:off x="10178277" y="3229273"/>
+            <a:ext cx="1208321" cy="1373169"/>
+          </a:xfrm>
+          <a:prstGeom prst="rect">
+            <a:avLst/>
+          </a:prstGeom>
+        </p:spPr>
+      </p:pic>
+    </p:spTree>
+    <p:extLst>
+      <p:ext uri="{BB962C8B-B14F-4D97-AF65-F5344CB8AC3E}">
+        <p14:creationId xmlns:p14="http://schemas.microsoft.com/office/powerpoint/2010/main" val="1363654309"/>
       </p:ext>
     </p:extLst>
   </p:cSld>
@@ -7215,13 +10665,13 @@
           <p:nvPr/>
         </p:nvPicPr>
         <p:blipFill rotWithShape="1">
-          <a:blip r:embed="rId2">
+          <a:blip r:embed="rId3">
             <a:extLst>
               <a:ext uri="{28A0092B-C50C-407E-A947-70E740481C1C}">
                 <a14:useLocalDpi xmlns:a14="http://schemas.microsoft.com/office/drawing/2010/main" val="0"/>
               </a:ext>
               <a:ext uri="{96DAC541-7B7A-43D3-8B79-37D633B846F1}">
-                <asvg:svgBlip xmlns:asvg="http://schemas.microsoft.com/office/drawing/2016/SVG/main" r:embed="rId3"/>
+                <asvg:svgBlip xmlns:asvg="http://schemas.microsoft.com/office/drawing/2016/SVG/main" r:embed="rId4"/>
               </a:ext>
             </a:extLst>
           </a:blip>
@@ -7564,13 +11014,13 @@
           <p:nvPr/>
         </p:nvPicPr>
         <p:blipFill rotWithShape="1">
-          <a:blip r:embed="rId4" cstate="print">
+          <a:blip r:embed="rId5" cstate="print">
             <a:extLst>
               <a:ext uri="{28A0092B-C50C-407E-A947-70E740481C1C}">
                 <a14:useLocalDpi xmlns:a14="http://schemas.microsoft.com/office/drawing/2010/main" val="0"/>
               </a:ext>
               <a:ext uri="{96DAC541-7B7A-43D3-8B79-37D633B846F1}">
-                <asvg:svgBlip xmlns:asvg="http://schemas.microsoft.com/office/drawing/2016/SVG/main" r:embed="rId5"/>
+                <asvg:svgBlip xmlns:asvg="http://schemas.microsoft.com/office/drawing/2016/SVG/main" r:embed="rId6"/>
               </a:ext>
             </a:extLst>
           </a:blip>
@@ -7581,41 +11031,6 @@
           <a:xfrm>
             <a:off x="9832361" y="4918595"/>
             <a:ext cx="1814223" cy="1214463"/>
-          </a:xfrm>
-          <a:prstGeom prst="rect">
-            <a:avLst/>
-          </a:prstGeom>
-        </p:spPr>
-      </p:pic>
-      <p:pic>
-        <p:nvPicPr>
-          <p:cNvPr id="6" name="Grafik 5" descr="Ein Bild, das Mond, Dunkelheit, Nacht enthält.&#10;&#10;Automatisch generierte Beschreibung">
-            <a:extLst>
-              <a:ext uri="{FF2B5EF4-FFF2-40B4-BE49-F238E27FC236}">
-                <a16:creationId xmlns:a16="http://schemas.microsoft.com/office/drawing/2014/main" id="{E8B0DE4A-A02D-E83B-259C-FC6C5A3D6066}"/>
-              </a:ext>
-            </a:extLst>
-          </p:cNvPr>
-          <p:cNvPicPr>
-            <a:picLocks noChangeAspect="1"/>
-          </p:cNvPicPr>
-          <p:nvPr/>
-        </p:nvPicPr>
-        <p:blipFill rotWithShape="1">
-          <a:blip r:embed="rId6" cstate="print">
-            <a:extLst>
-              <a:ext uri="{28A0092B-C50C-407E-A947-70E740481C1C}">
-                <a14:useLocalDpi xmlns:a14="http://schemas.microsoft.com/office/drawing/2010/main" val="0"/>
-              </a:ext>
-            </a:extLst>
-          </a:blip>
-          <a:srcRect l="32107" r="30847"/>
-          <a:stretch/>
-        </p:blipFill>
-        <p:spPr>
-          <a:xfrm>
-            <a:off x="9984432" y="3127236"/>
-            <a:ext cx="1477084" cy="1475205"/>
           </a:xfrm>
           <a:prstGeom prst="rect">
             <a:avLst/>
@@ -7748,12 +11163,9 @@
             </a:r>
             <a:r>
               <a:rPr lang="de-DE" dirty="0"/>
-              <a:t> [5]</a:t>
-            </a:r>
-            <a:r>
-              <a:rPr lang="de-DE" sz="1800" b="0" dirty="0"/>
               <a:t>:</a:t>
             </a:r>
+            <a:endParaRPr lang="de-DE" sz="1800" b="0" dirty="0"/>
           </a:p>
           <a:p>
             <a:pPr marL="522900" indent="-342900">
@@ -7797,9 +11209,9 @@
             <a:r>
               <a:rPr lang="de-DE" dirty="0" err="1">
                 <a:solidFill>
-                  <a:schemeClr val="bg2">
-                    <a:lumMod val="40000"/>
-                    <a:lumOff val="60000"/>
+                  <a:schemeClr val="tx1">
+                    <a:lumMod val="65000"/>
+                    <a:lumOff val="35000"/>
                   </a:schemeClr>
                 </a:solidFill>
               </a:rPr>
@@ -7808,9 +11220,9 @@
             <a:r>
               <a:rPr lang="de-DE" dirty="0">
                 <a:solidFill>
-                  <a:schemeClr val="bg2">
-                    <a:lumMod val="40000"/>
-                    <a:lumOff val="60000"/>
+                  <a:schemeClr val="tx1">
+                    <a:lumMod val="65000"/>
+                    <a:lumOff val="35000"/>
                   </a:schemeClr>
                 </a:solidFill>
               </a:rPr>
@@ -7859,9 +11271,7 @@
             <a:r>
               <a:rPr lang="de-DE" dirty="0" err="1">
                 <a:solidFill>
-                  <a:schemeClr val="bg2">
-                    <a:lumMod val="50000"/>
-                  </a:schemeClr>
+                  <a:schemeClr val="tx1"/>
                 </a:solidFill>
               </a:rPr>
               <a:t>Recovered</a:t>
@@ -7869,18 +11279,14 @@
             <a:r>
               <a:rPr lang="de-DE" dirty="0">
                 <a:solidFill>
-                  <a:schemeClr val="bg2">
-                    <a:lumMod val="50000"/>
-                  </a:schemeClr>
+                  <a:schemeClr val="tx1"/>
                 </a:solidFill>
               </a:rPr>
               <a:t> (R)</a:t>
             </a:r>
             <a:endParaRPr lang="en-US" b="0" dirty="0">
               <a:solidFill>
-                <a:schemeClr val="bg2">
-                  <a:lumMod val="50000"/>
-                </a:schemeClr>
+                <a:schemeClr val="tx1"/>
               </a:solidFill>
             </a:endParaRPr>
           </a:p>
@@ -7907,7 +11313,7 @@
               <a:rPr lang="en-US" sz="1800" b="0" dirty="0">
                 <a:sym typeface="Wingdings" panose="05000000000000000000" pitchFamily="2" charset="2"/>
               </a:rPr>
-              <a:t> graph node becomes infected</a:t>
+              <a:t> node becomes infected</a:t>
             </a:r>
           </a:p>
           <a:p>
@@ -7933,7 +11339,7 @@
               <a:rPr lang="en-US" sz="1800" b="0" dirty="0">
                 <a:sym typeface="Wingdings" panose="05000000000000000000" pitchFamily="2" charset="2"/>
               </a:rPr>
-              <a:t> graph node recovers</a:t>
+              <a:t> node recovers</a:t>
             </a:r>
             <a:endParaRPr lang="en-US" sz="1800" b="0" dirty="0"/>
           </a:p>
@@ -7942,10 +11348,45 @@
           </a:p>
         </p:txBody>
       </p:sp>
+      <p:pic>
+        <p:nvPicPr>
+          <p:cNvPr id="7" name="Grafik 6" descr="Ein Bild, das Dunkelheit enthält.&#10;&#10;Automatisch generierte Beschreibung">
+            <a:extLst>
+              <a:ext uri="{FF2B5EF4-FFF2-40B4-BE49-F238E27FC236}">
+                <a16:creationId xmlns:a16="http://schemas.microsoft.com/office/drawing/2014/main" id="{20A3ADAD-2BAD-0CE1-4D77-C44706132BB2}"/>
+              </a:ext>
+            </a:extLst>
+          </p:cNvPr>
+          <p:cNvPicPr>
+            <a:picLocks noChangeAspect="1"/>
+          </p:cNvPicPr>
+          <p:nvPr/>
+        </p:nvPicPr>
+        <p:blipFill rotWithShape="1">
+          <a:blip r:embed="rId7" cstate="print">
+            <a:extLst>
+              <a:ext uri="{28A0092B-C50C-407E-A947-70E740481C1C}">
+                <a14:useLocalDpi xmlns:a14="http://schemas.microsoft.com/office/drawing/2010/main" val="0"/>
+              </a:ext>
+            </a:extLst>
+          </a:blip>
+          <a:srcRect l="35407" r="32036"/>
+          <a:stretch/>
+        </p:blipFill>
+        <p:spPr>
+          <a:xfrm>
+            <a:off x="10178277" y="3229273"/>
+            <a:ext cx="1208321" cy="1373169"/>
+          </a:xfrm>
+          <a:prstGeom prst="rect">
+            <a:avLst/>
+          </a:prstGeom>
+        </p:spPr>
+      </p:pic>
     </p:spTree>
     <p:extLst>
       <p:ext uri="{BB962C8B-B14F-4D97-AF65-F5344CB8AC3E}">
-        <p14:creationId xmlns:p14="http://schemas.microsoft.com/office/powerpoint/2010/main" val="1363654309"/>
+        <p14:creationId xmlns:p14="http://schemas.microsoft.com/office/powerpoint/2010/main" val="1284157313"/>
       </p:ext>
     </p:extLst>
   </p:cSld>
@@ -7956,7 +11397,7 @@
 </file>
 
 <file path=ppt/slides/slide7.xml><?xml version="1.0" encoding="utf-8"?>
-<p:sld xmlns:a="http://schemas.openxmlformats.org/drawingml/2006/main" xmlns:r="http://schemas.openxmlformats.org/officeDocument/2006/relationships" xmlns:p="http://schemas.openxmlformats.org/presentationml/2006/main" show="0">
+<p:sld xmlns:a="http://schemas.openxmlformats.org/drawingml/2006/main" xmlns:r="http://schemas.openxmlformats.org/officeDocument/2006/relationships" xmlns:p="http://schemas.openxmlformats.org/presentationml/2006/main">
   <p:cSld>
     <p:spTree>
       <p:nvGrpSpPr>
@@ -7987,6 +11428,67 @@
         <p:spPr>
           <a:xfrm>
             <a:off x="9630436" y="3163493"/>
+            <a:ext cx="2088232" cy="1395109"/>
+          </a:xfrm>
+          <a:prstGeom prst="roundRect">
+            <a:avLst/>
+          </a:prstGeom>
+        </p:spPr>
+        <p:style>
+          <a:lnRef idx="2">
+            <a:schemeClr val="accent1"/>
+          </a:lnRef>
+          <a:fillRef idx="1">
+            <a:schemeClr val="lt1"/>
+          </a:fillRef>
+          <a:effectRef idx="0">
+            <a:schemeClr val="accent1"/>
+          </a:effectRef>
+          <a:fontRef idx="minor">
+            <a:schemeClr val="dk1"/>
+          </a:fontRef>
+        </p:style>
+        <p:txBody>
+          <a:bodyPr rot="0" spcFirstLastPara="0" vertOverflow="overflow" horzOverflow="overflow" vert="horz" wrap="square" lIns="91440" tIns="45720" rIns="91440" bIns="45720" numCol="1" spcCol="0" rtlCol="0" fromWordArt="0" anchor="ctr" anchorCtr="0" forceAA="0" compatLnSpc="1">
+            <a:prstTxWarp prst="textNoShape">
+              <a:avLst/>
+            </a:prstTxWarp>
+            <a:noAutofit/>
+          </a:bodyPr>
+          <a:lstStyle/>
+          <a:p>
+            <a:pPr algn="ctr"/>
+            <a:endParaRPr lang="de-DE" dirty="0"/>
+          </a:p>
+          <a:p>
+            <a:pPr algn="ctr"/>
+            <a:endParaRPr lang="de-DE" dirty="0"/>
+          </a:p>
+          <a:p>
+            <a:pPr algn="ctr"/>
+            <a:endParaRPr lang="de-DE" dirty="0"/>
+          </a:p>
+          <a:p>
+            <a:pPr algn="ctr"/>
+            <a:endParaRPr lang="de-DE" dirty="0"/>
+          </a:p>
+        </p:txBody>
+      </p:sp>
+      <p:sp>
+        <p:nvSpPr>
+          <p:cNvPr id="13" name="Rechteck: abgerundete Ecken 12">
+            <a:extLst>
+              <a:ext uri="{FF2B5EF4-FFF2-40B4-BE49-F238E27FC236}">
+                <a16:creationId xmlns:a16="http://schemas.microsoft.com/office/drawing/2014/main" id="{EBCB117B-982F-E7E2-E558-EA386DD78E33}"/>
+              </a:ext>
+            </a:extLst>
+          </p:cNvPr>
+          <p:cNvSpPr/>
+          <p:nvPr/>
+        </p:nvSpPr>
+        <p:spPr>
+          <a:xfrm>
+            <a:off x="9657481" y="4832918"/>
             <a:ext cx="2088232" cy="1395109"/>
           </a:xfrm>
           <a:prstGeom prst="roundRect">
@@ -8035,67 +11537,6 @@
       </p:sp>
       <p:sp>
         <p:nvSpPr>
-          <p:cNvPr id="13" name="Rechteck: abgerundete Ecken 12">
-            <a:extLst>
-              <a:ext uri="{FF2B5EF4-FFF2-40B4-BE49-F238E27FC236}">
-                <a16:creationId xmlns:a16="http://schemas.microsoft.com/office/drawing/2014/main" id="{EBCB117B-982F-E7E2-E558-EA386DD78E33}"/>
-              </a:ext>
-            </a:extLst>
-          </p:cNvPr>
-          <p:cNvSpPr/>
-          <p:nvPr/>
-        </p:nvSpPr>
-        <p:spPr>
-          <a:xfrm>
-            <a:off x="9657481" y="4832918"/>
-            <a:ext cx="2088232" cy="1395109"/>
-          </a:xfrm>
-          <a:prstGeom prst="roundRect">
-            <a:avLst/>
-          </a:prstGeom>
-        </p:spPr>
-        <p:style>
-          <a:lnRef idx="2">
-            <a:schemeClr val="accent1"/>
-          </a:lnRef>
-          <a:fillRef idx="1">
-            <a:schemeClr val="lt1"/>
-          </a:fillRef>
-          <a:effectRef idx="0">
-            <a:schemeClr val="accent1"/>
-          </a:effectRef>
-          <a:fontRef idx="minor">
-            <a:schemeClr val="dk1"/>
-          </a:fontRef>
-        </p:style>
-        <p:txBody>
-          <a:bodyPr rot="0" spcFirstLastPara="0" vertOverflow="overflow" horzOverflow="overflow" vert="horz" wrap="square" lIns="91440" tIns="45720" rIns="91440" bIns="45720" numCol="1" spcCol="0" rtlCol="0" fromWordArt="0" anchor="ctr" anchorCtr="0" forceAA="0" compatLnSpc="1">
-            <a:prstTxWarp prst="textNoShape">
-              <a:avLst/>
-            </a:prstTxWarp>
-            <a:noAutofit/>
-          </a:bodyPr>
-          <a:lstStyle/>
-          <a:p>
-            <a:pPr algn="ctr"/>
-            <a:endParaRPr lang="de-DE" dirty="0"/>
-          </a:p>
-          <a:p>
-            <a:pPr algn="ctr"/>
-            <a:endParaRPr lang="de-DE" dirty="0"/>
-          </a:p>
-          <a:p>
-            <a:pPr algn="ctr"/>
-            <a:endParaRPr lang="de-DE" dirty="0"/>
-          </a:p>
-          <a:p>
-            <a:pPr algn="ctr"/>
-            <a:endParaRPr lang="de-DE" dirty="0"/>
-          </a:p>
-        </p:txBody>
-      </p:sp>
-      <p:sp>
-        <p:nvSpPr>
           <p:cNvPr id="2" name="Titel 1">
             <a:extLst>
               <a:ext uri="{FF2B5EF4-FFF2-40B4-BE49-F238E27FC236}">
@@ -8117,15 +11558,7 @@
           <a:p>
             <a:r>
               <a:rPr lang="en-US" dirty="0"/>
-              <a:t>An </a:t>
-            </a:r>
-            <a:r>
-              <a:rPr lang="en-US" dirty="0" err="1"/>
-              <a:t>epidemological</a:t>
-            </a:r>
-            <a:r>
-              <a:rPr lang="en-US" dirty="0"/>
-              <a:t> Model is used to model the Information Propagation Process</a:t>
+              <a:t>Simulation Rules to analyze the Effects on the Power Grid</a:t>
             </a:r>
           </a:p>
         </p:txBody>
@@ -8206,814 +11639,13 @@
           <p:nvPr/>
         </p:nvPicPr>
         <p:blipFill rotWithShape="1">
-          <a:blip r:embed="rId2">
+          <a:blip r:embed="rId3">
             <a:extLst>
               <a:ext uri="{28A0092B-C50C-407E-A947-70E740481C1C}">
                 <a14:useLocalDpi xmlns:a14="http://schemas.microsoft.com/office/drawing/2010/main" val="0"/>
               </a:ext>
               <a:ext uri="{96DAC541-7B7A-43D3-8B79-37D633B846F1}">
-                <asvg:svgBlip xmlns:asvg="http://schemas.microsoft.com/office/drawing/2016/SVG/main" r:embed="rId3"/>
-              </a:ext>
-            </a:extLst>
-          </a:blip>
-          <a:srcRect l="32871" r="32870"/>
-          <a:stretch/>
-        </p:blipFill>
-        <p:spPr>
-          <a:xfrm>
-            <a:off x="10083736" y="1546537"/>
-            <a:ext cx="1355483" cy="1374627"/>
-          </a:xfrm>
-          <a:prstGeom prst="rect">
-            <a:avLst/>
-          </a:prstGeom>
-        </p:spPr>
-      </p:pic>
-      <p:sp>
-        <p:nvSpPr>
-          <p:cNvPr id="15" name="Pfeil: nach unten 14">
-            <a:extLst>
-              <a:ext uri="{FF2B5EF4-FFF2-40B4-BE49-F238E27FC236}">
-                <a16:creationId xmlns:a16="http://schemas.microsoft.com/office/drawing/2014/main" id="{CEAA200E-3800-ED1C-EC0E-ECA852A2B6E4}"/>
-              </a:ext>
-            </a:extLst>
-          </p:cNvPr>
-          <p:cNvSpPr/>
-          <p:nvPr/>
-        </p:nvSpPr>
-        <p:spPr>
-          <a:xfrm>
-            <a:off x="10638422" y="2981156"/>
-            <a:ext cx="144016" cy="138497"/>
-          </a:xfrm>
-          <a:prstGeom prst="downArrow">
-            <a:avLst/>
-          </a:prstGeom>
-        </p:spPr>
-        <p:style>
-          <a:lnRef idx="2">
-            <a:schemeClr val="accent1">
-              <a:shade val="50000"/>
-            </a:schemeClr>
-          </a:lnRef>
-          <a:fillRef idx="1">
-            <a:schemeClr val="accent1"/>
-          </a:fillRef>
-          <a:effectRef idx="0">
-            <a:schemeClr val="accent1"/>
-          </a:effectRef>
-          <a:fontRef idx="minor">
-            <a:schemeClr val="lt1"/>
-          </a:fontRef>
-        </p:style>
-        <p:txBody>
-          <a:bodyPr rot="0" spcFirstLastPara="0" vertOverflow="overflow" horzOverflow="overflow" vert="horz" wrap="square" lIns="91440" tIns="45720" rIns="91440" bIns="45720" numCol="1" spcCol="0" rtlCol="0" fromWordArt="0" anchor="ctr" anchorCtr="0" forceAA="0" compatLnSpc="1">
-            <a:prstTxWarp prst="textNoShape">
-              <a:avLst/>
-            </a:prstTxWarp>
-            <a:noAutofit/>
-          </a:bodyPr>
-          <a:lstStyle/>
-          <a:p>
-            <a:pPr algn="ctr"/>
-            <a:endParaRPr lang="de-DE"/>
-          </a:p>
-        </p:txBody>
-      </p:sp>
-      <p:sp>
-        <p:nvSpPr>
-          <p:cNvPr id="16" name="Pfeil: nach unten 15">
-            <a:extLst>
-              <a:ext uri="{FF2B5EF4-FFF2-40B4-BE49-F238E27FC236}">
-                <a16:creationId xmlns:a16="http://schemas.microsoft.com/office/drawing/2014/main" id="{F2BCEA7B-2E0E-C91C-E1E6-6F8AB9358195}"/>
-              </a:ext>
-            </a:extLst>
-          </p:cNvPr>
-          <p:cNvSpPr/>
-          <p:nvPr/>
-        </p:nvSpPr>
-        <p:spPr>
-          <a:xfrm>
-            <a:off x="10595457" y="4630807"/>
-            <a:ext cx="144016" cy="138497"/>
-          </a:xfrm>
-          <a:prstGeom prst="downArrow">
-            <a:avLst/>
-          </a:prstGeom>
-        </p:spPr>
-        <p:style>
-          <a:lnRef idx="2">
-            <a:schemeClr val="accent1">
-              <a:shade val="50000"/>
-            </a:schemeClr>
-          </a:lnRef>
-          <a:fillRef idx="1">
-            <a:schemeClr val="accent1"/>
-          </a:fillRef>
-          <a:effectRef idx="0">
-            <a:schemeClr val="accent1"/>
-          </a:effectRef>
-          <a:fontRef idx="minor">
-            <a:schemeClr val="lt1"/>
-          </a:fontRef>
-        </p:style>
-        <p:txBody>
-          <a:bodyPr rot="0" spcFirstLastPara="0" vertOverflow="overflow" horzOverflow="overflow" vert="horz" wrap="square" lIns="91440" tIns="45720" rIns="91440" bIns="45720" numCol="1" spcCol="0" rtlCol="0" fromWordArt="0" anchor="ctr" anchorCtr="0" forceAA="0" compatLnSpc="1">
-            <a:prstTxWarp prst="textNoShape">
-              <a:avLst/>
-            </a:prstTxWarp>
-            <a:noAutofit/>
-          </a:bodyPr>
-          <a:lstStyle/>
-          <a:p>
-            <a:pPr algn="ctr"/>
-            <a:endParaRPr lang="de-DE"/>
-          </a:p>
-        </p:txBody>
-      </p:sp>
-      <p:sp>
-        <p:nvSpPr>
-          <p:cNvPr id="3" name="Rechteck: abgerundete Ecken 2">
-            <a:extLst>
-              <a:ext uri="{FF2B5EF4-FFF2-40B4-BE49-F238E27FC236}">
-                <a16:creationId xmlns:a16="http://schemas.microsoft.com/office/drawing/2014/main" id="{AC63CEE8-2B4D-5C83-6FEF-77CCBF771A6E}"/>
-              </a:ext>
-            </a:extLst>
-          </p:cNvPr>
-          <p:cNvSpPr/>
-          <p:nvPr/>
-        </p:nvSpPr>
-        <p:spPr>
-          <a:xfrm>
-            <a:off x="478368" y="1546538"/>
-            <a:ext cx="8856156" cy="4681490"/>
-          </a:xfrm>
-          <a:prstGeom prst="roundRect">
-            <a:avLst/>
-          </a:prstGeom>
-        </p:spPr>
-        <p:style>
-          <a:lnRef idx="2">
-            <a:schemeClr val="accent1"/>
-          </a:lnRef>
-          <a:fillRef idx="1">
-            <a:schemeClr val="lt1"/>
-          </a:fillRef>
-          <a:effectRef idx="0">
-            <a:schemeClr val="accent1"/>
-          </a:effectRef>
-          <a:fontRef idx="minor">
-            <a:schemeClr val="dk1"/>
-          </a:fontRef>
-        </p:style>
-        <p:txBody>
-          <a:bodyPr rot="0" spcFirstLastPara="0" vertOverflow="overflow" horzOverflow="overflow" vert="horz" wrap="square" lIns="91440" tIns="45720" rIns="91440" bIns="45720" numCol="1" spcCol="0" rtlCol="0" fromWordArt="0" anchor="ctr" anchorCtr="0" forceAA="0" compatLnSpc="1">
-            <a:prstTxWarp prst="textNoShape">
-              <a:avLst/>
-            </a:prstTxWarp>
-            <a:noAutofit/>
-          </a:bodyPr>
-          <a:lstStyle/>
-          <a:p>
-            <a:pPr>
-              <a:spcBef>
-                <a:spcPts val="200"/>
-              </a:spcBef>
-              <a:spcAft>
-                <a:spcPts val="230"/>
-              </a:spcAft>
-            </a:pPr>
-            <a:r>
-              <a:rPr lang="de-DE" dirty="0"/>
-              <a:t>The SIR </a:t>
-            </a:r>
-            <a:r>
-              <a:rPr lang="de-DE" dirty="0" err="1"/>
-              <a:t>model</a:t>
-            </a:r>
-            <a:r>
-              <a:rPr lang="de-DE" dirty="0"/>
-              <a:t> </a:t>
-            </a:r>
-            <a:r>
-              <a:rPr lang="de-DE" dirty="0" err="1"/>
-              <a:t>is</a:t>
-            </a:r>
-            <a:r>
-              <a:rPr lang="de-DE" dirty="0"/>
-              <a:t> </a:t>
-            </a:r>
-            <a:r>
-              <a:rPr lang="de-DE" dirty="0" err="1"/>
-              <a:t>used</a:t>
-            </a:r>
-            <a:r>
-              <a:rPr lang="de-DE" dirty="0"/>
-              <a:t> </a:t>
-            </a:r>
-            <a:r>
-              <a:rPr lang="de-DE" dirty="0" err="1"/>
-              <a:t>to</a:t>
-            </a:r>
-            <a:r>
-              <a:rPr lang="de-DE" dirty="0"/>
-              <a:t> </a:t>
-            </a:r>
-            <a:r>
-              <a:rPr lang="de-DE" dirty="0" err="1"/>
-              <a:t>model</a:t>
-            </a:r>
-            <a:r>
-              <a:rPr lang="de-DE" dirty="0"/>
-              <a:t> </a:t>
-            </a:r>
-            <a:r>
-              <a:rPr lang="de-DE" dirty="0" err="1"/>
-              <a:t>the</a:t>
-            </a:r>
-            <a:r>
-              <a:rPr lang="de-DE" dirty="0"/>
-              <a:t> </a:t>
-            </a:r>
-            <a:r>
-              <a:rPr lang="de-DE" dirty="0" err="1"/>
-              <a:t>information</a:t>
-            </a:r>
-            <a:r>
-              <a:rPr lang="de-DE" dirty="0"/>
-              <a:t> </a:t>
-            </a:r>
-            <a:r>
-              <a:rPr lang="de-DE" dirty="0" err="1"/>
-              <a:t>propagation</a:t>
-            </a:r>
-            <a:r>
-              <a:rPr lang="de-DE" dirty="0"/>
-              <a:t> </a:t>
-            </a:r>
-            <a:r>
-              <a:rPr lang="de-DE" dirty="0" err="1"/>
-              <a:t>process</a:t>
-            </a:r>
-            <a:r>
-              <a:rPr lang="de-DE" dirty="0"/>
-              <a:t> [5]</a:t>
-            </a:r>
-            <a:r>
-              <a:rPr lang="de-DE" sz="1800" b="0" dirty="0"/>
-              <a:t>:</a:t>
-            </a:r>
-          </a:p>
-          <a:p>
-            <a:pPr marL="522900" indent="-342900">
-              <a:spcBef>
-                <a:spcPts val="200"/>
-              </a:spcBef>
-              <a:spcAft>
-                <a:spcPts val="230"/>
-              </a:spcAft>
-              <a:buFont typeface="Arial" panose="020B0604020202020204" pitchFamily="34" charset="0"/>
-              <a:buChar char="•"/>
-            </a:pPr>
-            <a:r>
-              <a:rPr lang="de-DE" sz="1800" b="0" dirty="0" err="1"/>
-              <a:t>Three</a:t>
-            </a:r>
-            <a:r>
-              <a:rPr lang="de-DE" sz="1800" b="0" dirty="0"/>
-              <a:t> </a:t>
-            </a:r>
-            <a:r>
-              <a:rPr lang="de-DE" sz="1800" b="0" dirty="0" err="1"/>
-              <a:t>states</a:t>
-            </a:r>
-            <a:r>
-              <a:rPr lang="de-DE" sz="1800" b="0" dirty="0"/>
-              <a:t>:</a:t>
-            </a:r>
-          </a:p>
-          <a:p>
-            <a:pPr marL="980100" lvl="1" indent="-342900">
-              <a:spcBef>
-                <a:spcPts val="200"/>
-              </a:spcBef>
-              <a:spcAft>
-                <a:spcPts val="230"/>
-              </a:spcAft>
-              <a:buFont typeface="Arial" panose="020B0604020202020204" pitchFamily="34" charset="0"/>
-              <a:buChar char="•"/>
-            </a:pPr>
-            <a:r>
-              <a:rPr lang="de-DE" dirty="0" err="1">
-                <a:solidFill>
-                  <a:schemeClr val="bg2">
-                    <a:lumMod val="40000"/>
-                    <a:lumOff val="60000"/>
-                  </a:schemeClr>
-                </a:solidFill>
-              </a:rPr>
-              <a:t>Susceptible</a:t>
-            </a:r>
-            <a:r>
-              <a:rPr lang="de-DE" dirty="0">
-                <a:solidFill>
-                  <a:schemeClr val="bg2">
-                    <a:lumMod val="40000"/>
-                    <a:lumOff val="60000"/>
-                  </a:schemeClr>
-                </a:solidFill>
-              </a:rPr>
-              <a:t> (S)</a:t>
-            </a:r>
-          </a:p>
-          <a:p>
-            <a:pPr marL="980100" lvl="1" indent="-342900">
-              <a:spcBef>
-                <a:spcPts val="200"/>
-              </a:spcBef>
-              <a:spcAft>
-                <a:spcPts val="230"/>
-              </a:spcAft>
-              <a:buFont typeface="Arial" panose="020B0604020202020204" pitchFamily="34" charset="0"/>
-              <a:buChar char="•"/>
-            </a:pPr>
-            <a:r>
-              <a:rPr lang="de-DE" b="0" dirty="0" err="1">
-                <a:solidFill>
-                  <a:srgbClr val="FF0000"/>
-                </a:solidFill>
-              </a:rPr>
-              <a:t>Infected</a:t>
-            </a:r>
-            <a:r>
-              <a:rPr lang="de-DE" b="0" dirty="0">
-                <a:solidFill>
-                  <a:srgbClr val="FF0000"/>
-                </a:solidFill>
-              </a:rPr>
-              <a:t> (I)</a:t>
-            </a:r>
-          </a:p>
-          <a:p>
-            <a:pPr marL="980100" lvl="1" indent="-342900">
-              <a:spcBef>
-                <a:spcPts val="200"/>
-              </a:spcBef>
-              <a:spcAft>
-                <a:spcPts val="230"/>
-              </a:spcAft>
-              <a:buFont typeface="Arial" panose="020B0604020202020204" pitchFamily="34" charset="0"/>
-              <a:buChar char="•"/>
-            </a:pPr>
-            <a:r>
-              <a:rPr lang="de-DE" dirty="0" err="1">
-                <a:solidFill>
-                  <a:schemeClr val="bg2">
-                    <a:lumMod val="50000"/>
-                  </a:schemeClr>
-                </a:solidFill>
-              </a:rPr>
-              <a:t>Recovered</a:t>
-            </a:r>
-            <a:r>
-              <a:rPr lang="de-DE" dirty="0">
-                <a:solidFill>
-                  <a:schemeClr val="bg2">
-                    <a:lumMod val="50000"/>
-                  </a:schemeClr>
-                </a:solidFill>
-              </a:rPr>
-              <a:t> (R)</a:t>
-            </a:r>
-            <a:endParaRPr lang="en-US" b="0" dirty="0">
-              <a:solidFill>
-                <a:schemeClr val="bg2">
-                  <a:lumMod val="50000"/>
-                </a:schemeClr>
-              </a:solidFill>
-            </a:endParaRPr>
-          </a:p>
-          <a:p>
-            <a:pPr marL="522900" indent="-342900">
-              <a:spcBef>
-                <a:spcPts val="200"/>
-              </a:spcBef>
-              <a:spcAft>
-                <a:spcPts val="230"/>
-              </a:spcAft>
-              <a:buFont typeface="Arial" panose="020B0604020202020204" pitchFamily="34" charset="0"/>
-              <a:buChar char="•"/>
-            </a:pPr>
-            <a:r>
-              <a:rPr lang="en-US" dirty="0"/>
-              <a:t>N</a:t>
-            </a:r>
-            <a:r>
-              <a:rPr lang="en-US" sz="1800" b="0" dirty="0"/>
-              <a:t>eighbors are predominantly infected </a:t>
-            </a:r>
-            <a:r>
-              <a:rPr lang="en-US" sz="1800" b="0" dirty="0">
-                <a:sym typeface="Wingdings" panose="05000000000000000000" pitchFamily="2" charset="2"/>
-              </a:rPr>
-              <a:t> graph node becomes infected</a:t>
-            </a:r>
-          </a:p>
-          <a:p>
-            <a:pPr marL="522900" indent="-342900">
-              <a:spcBef>
-                <a:spcPts val="200"/>
-              </a:spcBef>
-              <a:spcAft>
-                <a:spcPts val="230"/>
-              </a:spcAft>
-              <a:buFont typeface="Arial" panose="020B0604020202020204" pitchFamily="34" charset="0"/>
-              <a:buChar char="•"/>
-            </a:pPr>
-            <a:r>
-              <a:rPr lang="en-US" dirty="0"/>
-              <a:t>N</a:t>
-            </a:r>
-            <a:r>
-              <a:rPr lang="en-US" sz="1800" b="0" dirty="0"/>
-              <a:t>eighbors are predominantly recovered </a:t>
-            </a:r>
-            <a:r>
-              <a:rPr lang="en-US" sz="1800" b="0" dirty="0">
-                <a:sym typeface="Wingdings" panose="05000000000000000000" pitchFamily="2" charset="2"/>
-              </a:rPr>
-              <a:t> graph node recovers</a:t>
-            </a:r>
-            <a:endParaRPr lang="en-US" sz="1800" b="0" dirty="0"/>
-          </a:p>
-          <a:p>
-            <a:pPr marL="522900" indent="-342900">
-              <a:spcBef>
-                <a:spcPts val="200"/>
-              </a:spcBef>
-              <a:spcAft>
-                <a:spcPts val="230"/>
-              </a:spcAft>
-              <a:buFont typeface="Arial" panose="020B0604020202020204" pitchFamily="34" charset="0"/>
-              <a:buChar char="•"/>
-            </a:pPr>
-            <a:endParaRPr lang="en-US" sz="1800" b="0" dirty="0"/>
-          </a:p>
-          <a:p>
-            <a:endParaRPr lang="de-DE" dirty="0"/>
-          </a:p>
-          <a:p>
-            <a:pPr marL="285750" indent="-285750">
-              <a:buFont typeface="Wingdings" panose="05000000000000000000" pitchFamily="2" charset="2"/>
-              <a:buChar char="è"/>
-            </a:pPr>
-            <a:endParaRPr lang="de-DE" sz="1800" b="0" dirty="0"/>
-          </a:p>
-          <a:p>
-            <a:pPr marL="285750" indent="-285750">
-              <a:buFont typeface="Wingdings" panose="05000000000000000000" pitchFamily="2" charset="2"/>
-              <a:buChar char="è"/>
-            </a:pPr>
-            <a:endParaRPr lang="de-DE" sz="1800" b="0" dirty="0"/>
-          </a:p>
-        </p:txBody>
-      </p:sp>
-      <p:pic>
-        <p:nvPicPr>
-          <p:cNvPr id="6" name="Grafik 5">
-            <a:extLst>
-              <a:ext uri="{FF2B5EF4-FFF2-40B4-BE49-F238E27FC236}">
-                <a16:creationId xmlns:a16="http://schemas.microsoft.com/office/drawing/2014/main" id="{4EBC32B7-73F2-0861-5E00-4728F5B74843}"/>
-              </a:ext>
-            </a:extLst>
-          </p:cNvPr>
-          <p:cNvPicPr>
-            <a:picLocks noChangeAspect="1"/>
-          </p:cNvPicPr>
-          <p:nvPr/>
-        </p:nvPicPr>
-        <p:blipFill rotWithShape="1">
-          <a:blip r:embed="rId4" cstate="print">
-            <a:extLst>
-              <a:ext uri="{28A0092B-C50C-407E-A947-70E740481C1C}">
-                <a14:useLocalDpi xmlns:a14="http://schemas.microsoft.com/office/drawing/2010/main" val="0"/>
-              </a:ext>
-              <a:ext uri="{96DAC541-7B7A-43D3-8B79-37D633B846F1}">
-                <asvg:svgBlip xmlns:asvg="http://schemas.microsoft.com/office/drawing/2016/SVG/main" r:embed="rId5"/>
-              </a:ext>
-            </a:extLst>
-          </a:blip>
-          <a:srcRect t="11048" r="7440" b="6428"/>
-          <a:stretch/>
-        </p:blipFill>
-        <p:spPr>
-          <a:xfrm>
-            <a:off x="9832361" y="4918595"/>
-            <a:ext cx="1814223" cy="1214463"/>
-          </a:xfrm>
-          <a:prstGeom prst="rect">
-            <a:avLst/>
-          </a:prstGeom>
-        </p:spPr>
-      </p:pic>
-      <p:pic>
-        <p:nvPicPr>
-          <p:cNvPr id="7" name="Grafik 6" descr="Ein Bild, das Mond, Dunkelheit, Nacht enthält.&#10;&#10;Automatisch generierte Beschreibung">
-            <a:extLst>
-              <a:ext uri="{FF2B5EF4-FFF2-40B4-BE49-F238E27FC236}">
-                <a16:creationId xmlns:a16="http://schemas.microsoft.com/office/drawing/2014/main" id="{960195FF-D01E-DA41-B967-BA695245775B}"/>
-              </a:ext>
-            </a:extLst>
-          </p:cNvPr>
-          <p:cNvPicPr>
-            <a:picLocks noChangeAspect="1"/>
-          </p:cNvPicPr>
-          <p:nvPr/>
-        </p:nvPicPr>
-        <p:blipFill rotWithShape="1">
-          <a:blip r:embed="rId6" cstate="print">
-            <a:extLst>
-              <a:ext uri="{28A0092B-C50C-407E-A947-70E740481C1C}">
-                <a14:useLocalDpi xmlns:a14="http://schemas.microsoft.com/office/drawing/2010/main" val="0"/>
-              </a:ext>
-            </a:extLst>
-          </a:blip>
-          <a:srcRect l="32107" r="30847"/>
-          <a:stretch/>
-        </p:blipFill>
-        <p:spPr>
-          <a:xfrm>
-            <a:off x="9984432" y="3127236"/>
-            <a:ext cx="1477084" cy="1475205"/>
-          </a:xfrm>
-          <a:prstGeom prst="rect">
-            <a:avLst/>
-          </a:prstGeom>
-        </p:spPr>
-      </p:pic>
-    </p:spTree>
-    <p:extLst>
-      <p:ext uri="{BB962C8B-B14F-4D97-AF65-F5344CB8AC3E}">
-        <p14:creationId xmlns:p14="http://schemas.microsoft.com/office/powerpoint/2010/main" val="826294308"/>
-      </p:ext>
-    </p:extLst>
-  </p:cSld>
-  <p:clrMapOvr>
-    <a:masterClrMapping/>
-  </p:clrMapOvr>
-</p:sld>
-</file>
-
-<file path=ppt/slides/slide8.xml><?xml version="1.0" encoding="utf-8"?>
-<p:sld xmlns:a="http://schemas.openxmlformats.org/drawingml/2006/main" xmlns:r="http://schemas.openxmlformats.org/officeDocument/2006/relationships" xmlns:p="http://schemas.openxmlformats.org/presentationml/2006/main">
-  <p:cSld>
-    <p:spTree>
-      <p:nvGrpSpPr>
-        <p:cNvPr id="1" name=""/>
-        <p:cNvGrpSpPr/>
-        <p:nvPr/>
-      </p:nvGrpSpPr>
-      <p:grpSpPr>
-        <a:xfrm>
-          <a:off x="0" y="0"/>
-          <a:ext cx="0" cy="0"/>
-          <a:chOff x="0" y="0"/>
-          <a:chExt cx="0" cy="0"/>
-        </a:xfrm>
-      </p:grpSpPr>
-      <p:sp>
-        <p:nvSpPr>
-          <p:cNvPr id="14" name="Rechteck: abgerundete Ecken 13">
-            <a:extLst>
-              <a:ext uri="{FF2B5EF4-FFF2-40B4-BE49-F238E27FC236}">
-                <a16:creationId xmlns:a16="http://schemas.microsoft.com/office/drawing/2014/main" id="{0B5B699D-3782-CF2B-08D4-A50842C085E0}"/>
-              </a:ext>
-            </a:extLst>
-          </p:cNvPr>
-          <p:cNvSpPr/>
-          <p:nvPr/>
-        </p:nvSpPr>
-        <p:spPr>
-          <a:xfrm>
-            <a:off x="9630436" y="3163493"/>
-            <a:ext cx="2088232" cy="1395109"/>
-          </a:xfrm>
-          <a:prstGeom prst="roundRect">
-            <a:avLst/>
-          </a:prstGeom>
-        </p:spPr>
-        <p:style>
-          <a:lnRef idx="2">
-            <a:schemeClr val="accent1"/>
-          </a:lnRef>
-          <a:fillRef idx="1">
-            <a:schemeClr val="lt1"/>
-          </a:fillRef>
-          <a:effectRef idx="0">
-            <a:schemeClr val="accent1"/>
-          </a:effectRef>
-          <a:fontRef idx="minor">
-            <a:schemeClr val="dk1"/>
-          </a:fontRef>
-        </p:style>
-        <p:txBody>
-          <a:bodyPr rot="0" spcFirstLastPara="0" vertOverflow="overflow" horzOverflow="overflow" vert="horz" wrap="square" lIns="91440" tIns="45720" rIns="91440" bIns="45720" numCol="1" spcCol="0" rtlCol="0" fromWordArt="0" anchor="ctr" anchorCtr="0" forceAA="0" compatLnSpc="1">
-            <a:prstTxWarp prst="textNoShape">
-              <a:avLst/>
-            </a:prstTxWarp>
-            <a:noAutofit/>
-          </a:bodyPr>
-          <a:lstStyle/>
-          <a:p>
-            <a:pPr algn="ctr"/>
-            <a:endParaRPr lang="de-DE" dirty="0"/>
-          </a:p>
-          <a:p>
-            <a:pPr algn="ctr"/>
-            <a:endParaRPr lang="de-DE" dirty="0"/>
-          </a:p>
-          <a:p>
-            <a:pPr algn="ctr"/>
-            <a:endParaRPr lang="de-DE" dirty="0"/>
-          </a:p>
-          <a:p>
-            <a:pPr algn="ctr"/>
-            <a:endParaRPr lang="de-DE" dirty="0"/>
-          </a:p>
-        </p:txBody>
-      </p:sp>
-      <p:sp>
-        <p:nvSpPr>
-          <p:cNvPr id="13" name="Rechteck: abgerundete Ecken 12">
-            <a:extLst>
-              <a:ext uri="{FF2B5EF4-FFF2-40B4-BE49-F238E27FC236}">
-                <a16:creationId xmlns:a16="http://schemas.microsoft.com/office/drawing/2014/main" id="{EBCB117B-982F-E7E2-E558-EA386DD78E33}"/>
-              </a:ext>
-            </a:extLst>
-          </p:cNvPr>
-          <p:cNvSpPr/>
-          <p:nvPr/>
-        </p:nvSpPr>
-        <p:spPr>
-          <a:xfrm>
-            <a:off x="9657481" y="4832918"/>
-            <a:ext cx="2088232" cy="1395109"/>
-          </a:xfrm>
-          <a:prstGeom prst="roundRect">
-            <a:avLst/>
-          </a:prstGeom>
-        </p:spPr>
-        <p:style>
-          <a:lnRef idx="1">
-            <a:schemeClr val="accent1"/>
-          </a:lnRef>
-          <a:fillRef idx="2">
-            <a:schemeClr val="accent1"/>
-          </a:fillRef>
-          <a:effectRef idx="1">
-            <a:schemeClr val="accent1"/>
-          </a:effectRef>
-          <a:fontRef idx="minor">
-            <a:schemeClr val="dk1"/>
-          </a:fontRef>
-        </p:style>
-        <p:txBody>
-          <a:bodyPr rot="0" spcFirstLastPara="0" vertOverflow="overflow" horzOverflow="overflow" vert="horz" wrap="square" lIns="91440" tIns="45720" rIns="91440" bIns="45720" numCol="1" spcCol="0" rtlCol="0" fromWordArt="0" anchor="ctr" anchorCtr="0" forceAA="0" compatLnSpc="1">
-            <a:prstTxWarp prst="textNoShape">
-              <a:avLst/>
-            </a:prstTxWarp>
-            <a:noAutofit/>
-          </a:bodyPr>
-          <a:lstStyle/>
-          <a:p>
-            <a:pPr algn="ctr"/>
-            <a:endParaRPr lang="de-DE" dirty="0"/>
-          </a:p>
-          <a:p>
-            <a:pPr algn="ctr"/>
-            <a:endParaRPr lang="de-DE" dirty="0"/>
-          </a:p>
-          <a:p>
-            <a:pPr algn="ctr"/>
-            <a:endParaRPr lang="de-DE" dirty="0"/>
-          </a:p>
-          <a:p>
-            <a:pPr algn="ctr"/>
-            <a:endParaRPr lang="de-DE" dirty="0"/>
-          </a:p>
-        </p:txBody>
-      </p:sp>
-      <p:sp>
-        <p:nvSpPr>
-          <p:cNvPr id="2" name="Titel 1">
-            <a:extLst>
-              <a:ext uri="{FF2B5EF4-FFF2-40B4-BE49-F238E27FC236}">
-                <a16:creationId xmlns:a16="http://schemas.microsoft.com/office/drawing/2014/main" id="{2EA4B4C9-659F-B062-0F31-F8A5EA5EFC20}"/>
-              </a:ext>
-            </a:extLst>
-          </p:cNvPr>
-          <p:cNvSpPr>
-            <a:spLocks noGrp="1"/>
-          </p:cNvSpPr>
-          <p:nvPr>
-            <p:ph type="title"/>
-          </p:nvPr>
-        </p:nvSpPr>
-        <p:spPr/>
-        <p:txBody>
-          <a:bodyPr/>
-          <a:lstStyle/>
-          <a:p>
-            <a:r>
-              <a:rPr lang="en-US" dirty="0"/>
-              <a:t>Implementation of a Simulator to analyze the Effects on the Power Grid</a:t>
-            </a:r>
-          </a:p>
-        </p:txBody>
-      </p:sp>
-      <p:sp>
-        <p:nvSpPr>
-          <p:cNvPr id="4" name="Rechteck: abgerundete Ecken 3">
-            <a:extLst>
-              <a:ext uri="{FF2B5EF4-FFF2-40B4-BE49-F238E27FC236}">
-                <a16:creationId xmlns:a16="http://schemas.microsoft.com/office/drawing/2014/main" id="{BD35C341-86A0-4B4B-FADC-5EF35296651E}"/>
-              </a:ext>
-            </a:extLst>
-          </p:cNvPr>
-          <p:cNvSpPr/>
-          <p:nvPr/>
-        </p:nvSpPr>
-        <p:spPr>
-          <a:xfrm>
-            <a:off x="9639019" y="1526055"/>
-            <a:ext cx="2088232" cy="1395109"/>
-          </a:xfrm>
-          <a:prstGeom prst="roundRect">
-            <a:avLst/>
-          </a:prstGeom>
-        </p:spPr>
-        <p:style>
-          <a:lnRef idx="2">
-            <a:schemeClr val="accent1"/>
-          </a:lnRef>
-          <a:fillRef idx="1">
-            <a:schemeClr val="lt1"/>
-          </a:fillRef>
-          <a:effectRef idx="0">
-            <a:schemeClr val="accent1"/>
-          </a:effectRef>
-          <a:fontRef idx="minor">
-            <a:schemeClr val="dk1"/>
-          </a:fontRef>
-        </p:style>
-        <p:txBody>
-          <a:bodyPr rot="0" spcFirstLastPara="0" vertOverflow="overflow" horzOverflow="overflow" vert="horz" wrap="square" lIns="91440" tIns="45720" rIns="91440" bIns="45720" numCol="1" spcCol="0" rtlCol="0" fromWordArt="0" anchor="ctr" anchorCtr="0" forceAA="0" compatLnSpc="1">
-            <a:prstTxWarp prst="textNoShape">
-              <a:avLst/>
-            </a:prstTxWarp>
-            <a:noAutofit/>
-          </a:bodyPr>
-          <a:lstStyle/>
-          <a:p>
-            <a:pPr algn="ctr"/>
-            <a:endParaRPr lang="de-DE" dirty="0"/>
-          </a:p>
-          <a:p>
-            <a:pPr algn="ctr"/>
-            <a:endParaRPr lang="de-DE" dirty="0"/>
-          </a:p>
-          <a:p>
-            <a:pPr algn="ctr"/>
-            <a:endParaRPr lang="de-DE" dirty="0"/>
-          </a:p>
-          <a:p>
-            <a:pPr algn="ctr"/>
-            <a:endParaRPr lang="de-DE" dirty="0"/>
-          </a:p>
-        </p:txBody>
-      </p:sp>
-      <p:pic>
-        <p:nvPicPr>
-          <p:cNvPr id="5" name="Grafik 4">
-            <a:extLst>
-              <a:ext uri="{FF2B5EF4-FFF2-40B4-BE49-F238E27FC236}">
-                <a16:creationId xmlns:a16="http://schemas.microsoft.com/office/drawing/2014/main" id="{0D88AB39-8127-EF9A-4374-B17E792AAE7B}"/>
-              </a:ext>
-            </a:extLst>
-          </p:cNvPr>
-          <p:cNvPicPr>
-            <a:picLocks noChangeAspect="1"/>
-          </p:cNvPicPr>
-          <p:nvPr/>
-        </p:nvPicPr>
-        <p:blipFill rotWithShape="1">
-          <a:blip r:embed="rId2">
-            <a:extLst>
-              <a:ext uri="{28A0092B-C50C-407E-A947-70E740481C1C}">
-                <a14:useLocalDpi xmlns:a14="http://schemas.microsoft.com/office/drawing/2010/main" val="0"/>
-              </a:ext>
-              <a:ext uri="{96DAC541-7B7A-43D3-8B79-37D633B846F1}">
-                <asvg:svgBlip xmlns:asvg="http://schemas.microsoft.com/office/drawing/2016/SVG/main" r:embed="rId3"/>
+                <asvg:svgBlip xmlns:asvg="http://schemas.microsoft.com/office/drawing/2016/SVG/main" r:embed="rId4"/>
               </a:ext>
             </a:extLst>
           </a:blip>
@@ -9045,13 +11677,13 @@
           <p:nvPr/>
         </p:nvPicPr>
         <p:blipFill rotWithShape="1">
-          <a:blip r:embed="rId4" cstate="print">
+          <a:blip r:embed="rId5" cstate="print">
             <a:extLst>
               <a:ext uri="{28A0092B-C50C-407E-A947-70E740481C1C}">
                 <a14:useLocalDpi xmlns:a14="http://schemas.microsoft.com/office/drawing/2010/main" val="0"/>
               </a:ext>
               <a:ext uri="{96DAC541-7B7A-43D3-8B79-37D633B846F1}">
-                <asvg:svgBlip xmlns:asvg="http://schemas.microsoft.com/office/drawing/2016/SVG/main" r:embed="rId5"/>
+                <asvg:svgBlip xmlns:asvg="http://schemas.microsoft.com/office/drawing/2016/SVG/main" r:embed="rId6"/>
               </a:ext>
             </a:extLst>
           </a:blip>
@@ -9466,10 +12098,10 @@
       </p:sp>
       <p:pic>
         <p:nvPicPr>
-          <p:cNvPr id="3" name="Grafik 2" descr="Ein Bild, das Mond, Dunkelheit, Nacht enthält.&#10;&#10;Automatisch generierte Beschreibung">
+          <p:cNvPr id="10" name="Grafik 9" descr="Ein Bild, das Dunkelheit enthält.&#10;&#10;Automatisch generierte Beschreibung">
             <a:extLst>
               <a:ext uri="{FF2B5EF4-FFF2-40B4-BE49-F238E27FC236}">
-                <a16:creationId xmlns:a16="http://schemas.microsoft.com/office/drawing/2014/main" id="{68CE33EA-159D-117B-0B75-C467DB58DDF2}"/>
+                <a16:creationId xmlns:a16="http://schemas.microsoft.com/office/drawing/2014/main" id="{3F4A91C1-6FA3-F748-0353-9DC0E15F79F6}"/>
               </a:ext>
             </a:extLst>
           </p:cNvPr>
@@ -9479,20 +12111,20 @@
           <p:nvPr/>
         </p:nvPicPr>
         <p:blipFill rotWithShape="1">
-          <a:blip r:embed="rId6" cstate="print">
+          <a:blip r:embed="rId7" cstate="print">
             <a:extLst>
               <a:ext uri="{28A0092B-C50C-407E-A947-70E740481C1C}">
                 <a14:useLocalDpi xmlns:a14="http://schemas.microsoft.com/office/drawing/2010/main" val="0"/>
               </a:ext>
             </a:extLst>
           </a:blip>
-          <a:srcRect l="32107" r="30847"/>
+          <a:srcRect l="35407" r="32036"/>
           <a:stretch/>
         </p:blipFill>
         <p:spPr>
           <a:xfrm>
-            <a:off x="9984432" y="3127236"/>
-            <a:ext cx="1477084" cy="1475205"/>
+            <a:off x="10178277" y="3229273"/>
+            <a:ext cx="1208321" cy="1373169"/>
           </a:xfrm>
           <a:prstGeom prst="rect">
             <a:avLst/>
@@ -9512,7 +12144,7 @@
 </p:sld>
 </file>
 
-<file path=ppt/slides/slide9.xml><?xml version="1.0" encoding="utf-8"?>
+<file path=ppt/slides/slide8.xml><?xml version="1.0" encoding="utf-8"?>
 <p:sld xmlns:a="http://schemas.openxmlformats.org/drawingml/2006/main" xmlns:r="http://schemas.openxmlformats.org/officeDocument/2006/relationships" xmlns:p="http://schemas.openxmlformats.org/presentationml/2006/main">
   <p:cSld>
     <p:spTree>
@@ -9609,8 +12241,8 @@
           </a:p>
         </p:txBody>
       </p:sp>
-      <mc:AlternateContent xmlns:mc="http://schemas.openxmlformats.org/markup-compatibility/2006">
-        <mc:Choice xmlns:a14="http://schemas.microsoft.com/office/drawing/2010/main" Requires="a14">
+      <mc:AlternateContent xmlns:mc="http://schemas.openxmlformats.org/markup-compatibility/2006" xmlns:a14="http://schemas.microsoft.com/office/drawing/2010/main">
+        <mc:Choice Requires="a14">
           <p:sp>
             <p:nvSpPr>
               <p:cNvPr id="5" name="Rechteck: abgerundete Ecken 4">
@@ -9779,7 +12411,7 @@
             </p:txBody>
           </p:sp>
         </mc:Choice>
-        <mc:Fallback>
+        <mc:Fallback xmlns="">
           <p:sp>
             <p:nvSpPr>
               <p:cNvPr id="5" name="Rechteck: abgerundete Ecken 4">
@@ -9918,49 +12550,6 @@
           </a:fontRef>
         </p:style>
       </p:cxnSp>
-      <p:cxnSp>
-        <p:nvCxnSpPr>
-          <p:cNvPr id="8" name="Gerade Verbindung mit Pfeil 7">
-            <a:extLst>
-              <a:ext uri="{FF2B5EF4-FFF2-40B4-BE49-F238E27FC236}">
-                <a16:creationId xmlns:a16="http://schemas.microsoft.com/office/drawing/2014/main" id="{1FD0497C-FEA8-2462-734F-3DDCF3E6B167}"/>
-              </a:ext>
-            </a:extLst>
-          </p:cNvPr>
-          <p:cNvCxnSpPr>
-            <a:cxnSpLocks/>
-            <a:stCxn id="5" idx="3"/>
-            <a:endCxn id="6" idx="1"/>
-          </p:cNvCxnSpPr>
-          <p:nvPr/>
-        </p:nvCxnSpPr>
-        <p:spPr>
-          <a:xfrm>
-            <a:off x="8167532" y="2217682"/>
-            <a:ext cx="343340" cy="0"/>
-          </a:xfrm>
-          <a:prstGeom prst="straightConnector1">
-            <a:avLst/>
-          </a:prstGeom>
-          <a:ln w="12700">
-            <a:tailEnd type="triangle"/>
-          </a:ln>
-        </p:spPr>
-        <p:style>
-          <a:lnRef idx="1">
-            <a:schemeClr val="accent1"/>
-          </a:lnRef>
-          <a:fillRef idx="0">
-            <a:schemeClr val="accent1"/>
-          </a:fillRef>
-          <a:effectRef idx="0">
-            <a:schemeClr val="accent1"/>
-          </a:effectRef>
-          <a:fontRef idx="minor">
-            <a:schemeClr val="tx1"/>
-          </a:fontRef>
-        </p:style>
-      </p:cxnSp>
       <p:sp>
         <p:nvSpPr>
           <p:cNvPr id="9" name="Rechteck: abgerundete Ecken 8">
@@ -10055,8 +12644,8 @@
           </a:fontRef>
         </p:style>
       </p:cxnSp>
-      <mc:AlternateContent xmlns:mc="http://schemas.openxmlformats.org/markup-compatibility/2006">
-        <mc:Choice xmlns:a14="http://schemas.microsoft.com/office/drawing/2010/main" Requires="a14">
+      <mc:AlternateContent xmlns:mc="http://schemas.openxmlformats.org/markup-compatibility/2006" xmlns:a14="http://schemas.microsoft.com/office/drawing/2010/main">
+        <mc:Choice Requires="a14">
           <p:sp>
             <p:nvSpPr>
               <p:cNvPr id="11" name="Rechteck: abgerundete Ecken 10">
@@ -11002,12 +13591,250 @@
               </a:p>
               <a:p>
                 <a:pPr algn="ctr"/>
+                <a:endParaRPr lang="de-DE" sz="1600" dirty="0"/>
+              </a:p>
+              <a:p>
+                <a:pPr algn="ctr"/>
+                <a:r>
+                  <a:rPr lang="de-DE" sz="1600" dirty="0">
+                    <a:sym typeface="Wingdings" panose="05000000000000000000" pitchFamily="2" charset="2"/>
+                  </a:rPr>
+                  <a:t> </a:t>
+                </a:r>
+                <a:r>
+                  <a:rPr lang="de-DE" sz="1600" dirty="0" err="1">
+                    <a:sym typeface="Wingdings" panose="05000000000000000000" pitchFamily="2" charset="2"/>
+                  </a:rPr>
+                  <a:t>Solve</a:t>
+                </a:r>
+                <a:r>
+                  <a:rPr lang="de-DE" sz="1600" dirty="0">
+                    <a:sym typeface="Wingdings" panose="05000000000000000000" pitchFamily="2" charset="2"/>
+                  </a:rPr>
+                  <a:t> </a:t>
+                </a:r>
+                <a:r>
+                  <a:rPr lang="de-DE" sz="1600" dirty="0" err="1">
+                    <a:sym typeface="Wingdings" panose="05000000000000000000" pitchFamily="2" charset="2"/>
+                  </a:rPr>
+                  <a:t>for</a:t>
+                </a:r>
+                <a:r>
+                  <a:rPr lang="de-DE" sz="1600" dirty="0">
+                    <a:sym typeface="Wingdings" panose="05000000000000000000" pitchFamily="2" charset="2"/>
+                  </a:rPr>
+                  <a:t> </a:t>
+                </a:r>
+                <a14:m>
+                  <m:oMath xmlns:m="http://schemas.openxmlformats.org/officeDocument/2006/math">
+                    <m:r>
+                      <m:rPr>
+                        <m:sty m:val="p"/>
+                      </m:rPr>
+                      <a:rPr lang="el-GR" sz="1600" i="1" smtClean="0">
+                        <a:latin typeface="Cambria Math" panose="02040503050406030204" pitchFamily="18" charset="0"/>
+                        <a:ea typeface="Cambria Math" panose="02040503050406030204" pitchFamily="18" charset="0"/>
+                        <a:sym typeface="Wingdings" panose="05000000000000000000" pitchFamily="2" charset="2"/>
+                      </a:rPr>
+                      <m:t>α</m:t>
+                    </m:r>
+                    <m:r>
+                      <a:rPr lang="de-DE" sz="1600" b="0" i="1" smtClean="0">
+                        <a:latin typeface="Cambria Math" panose="02040503050406030204" pitchFamily="18" charset="0"/>
+                        <a:ea typeface="Cambria Math" panose="02040503050406030204" pitchFamily="18" charset="0"/>
+                        <a:sym typeface="Wingdings" panose="05000000000000000000" pitchFamily="2" charset="2"/>
+                      </a:rPr>
+                      <m:t>,  </m:t>
+                    </m:r>
+                    <m:r>
+                      <a:rPr lang="de-DE" sz="1600" i="1" smtClean="0">
+                        <a:latin typeface="Cambria Math" panose="02040503050406030204" pitchFamily="18" charset="0"/>
+                        <a:ea typeface="Cambria Math" panose="02040503050406030204" pitchFamily="18" charset="0"/>
+                        <a:sym typeface="Wingdings" panose="05000000000000000000" pitchFamily="2" charset="2"/>
+                      </a:rPr>
+                      <m:t>𝛽</m:t>
+                    </m:r>
+                    <m:r>
+                      <a:rPr lang="de-DE" sz="1600" b="0" i="1" smtClean="0">
+                        <a:latin typeface="Cambria Math" panose="02040503050406030204" pitchFamily="18" charset="0"/>
+                        <a:ea typeface="Cambria Math" panose="02040503050406030204" pitchFamily="18" charset="0"/>
+                        <a:sym typeface="Wingdings" panose="05000000000000000000" pitchFamily="2" charset="2"/>
+                      </a:rPr>
+                      <m:t>,  </m:t>
+                    </m:r>
+                    <m:sSub>
+                      <m:sSubPr>
+                        <m:ctrlPr>
+                          <a:rPr lang="de-DE" sz="1600" b="0" i="1" smtClean="0">
+                            <a:latin typeface="Cambria Math" panose="02040503050406030204" pitchFamily="18" charset="0"/>
+                            <a:ea typeface="Cambria Math" panose="02040503050406030204" pitchFamily="18" charset="0"/>
+                            <a:sym typeface="Wingdings" panose="05000000000000000000" pitchFamily="2" charset="2"/>
+                          </a:rPr>
+                        </m:ctrlPr>
+                      </m:sSubPr>
+                      <m:e>
+                        <m:r>
+                          <a:rPr lang="de-DE" sz="1600" b="0" i="1" smtClean="0">
+                            <a:latin typeface="Cambria Math" panose="02040503050406030204" pitchFamily="18" charset="0"/>
+                            <a:ea typeface="Cambria Math" panose="02040503050406030204" pitchFamily="18" charset="0"/>
+                            <a:sym typeface="Wingdings" panose="05000000000000000000" pitchFamily="2" charset="2"/>
+                          </a:rPr>
+                          <m:t>𝑝</m:t>
+                        </m:r>
+                      </m:e>
+                      <m:sub>
+                        <m:r>
+                          <a:rPr lang="de-DE" sz="1600" b="0" i="1" smtClean="0">
+                            <a:latin typeface="Cambria Math" panose="02040503050406030204" pitchFamily="18" charset="0"/>
+                            <a:ea typeface="Cambria Math" panose="02040503050406030204" pitchFamily="18" charset="0"/>
+                            <a:sym typeface="Wingdings" panose="05000000000000000000" pitchFamily="2" charset="2"/>
+                          </a:rPr>
+                          <m:t>𝑣𝑒𝑟𝑖𝑓𝑦</m:t>
+                        </m:r>
+                      </m:sub>
+                    </m:sSub>
+                    <m:r>
+                      <a:rPr lang="de-DE" sz="1600" b="0" i="1" smtClean="0">
+                        <a:latin typeface="Cambria Math" panose="02040503050406030204" pitchFamily="18" charset="0"/>
+                        <a:ea typeface="Cambria Math" panose="02040503050406030204" pitchFamily="18" charset="0"/>
+                        <a:sym typeface="Wingdings" panose="05000000000000000000" pitchFamily="2" charset="2"/>
+                      </a:rPr>
+                      <m:t>,  </m:t>
+                    </m:r>
+                    <m:r>
+                      <a:rPr lang="de-DE" sz="1600" b="0" i="1" smtClean="0">
+                        <a:latin typeface="Cambria Math" panose="02040503050406030204" pitchFamily="18" charset="0"/>
+                        <a:ea typeface="Cambria Math" panose="02040503050406030204" pitchFamily="18" charset="0"/>
+                        <a:sym typeface="Wingdings" panose="05000000000000000000" pitchFamily="2" charset="2"/>
+                      </a:rPr>
+                      <m:t>𝑘</m:t>
+                    </m:r>
+                    <m:r>
+                      <a:rPr lang="de-DE" sz="1600" b="0" i="1" smtClean="0">
+                        <a:latin typeface="Cambria Math" panose="02040503050406030204" pitchFamily="18" charset="0"/>
+                        <a:ea typeface="Cambria Math" panose="02040503050406030204" pitchFamily="18" charset="0"/>
+                        <a:sym typeface="Wingdings" panose="05000000000000000000" pitchFamily="2" charset="2"/>
+                      </a:rPr>
+                      <m:t>,  </m:t>
+                    </m:r>
+                    <m:r>
+                      <a:rPr lang="de-DE" sz="1600" b="0" i="1" smtClean="0">
+                        <a:latin typeface="Cambria Math" panose="02040503050406030204" pitchFamily="18" charset="0"/>
+                        <a:ea typeface="Cambria Math" panose="02040503050406030204" pitchFamily="18" charset="0"/>
+                        <a:sym typeface="Wingdings" panose="05000000000000000000" pitchFamily="2" charset="2"/>
+                      </a:rPr>
+                      <m:t>𝑁</m:t>
+                    </m:r>
+                    <m:r>
+                      <a:rPr lang="de-DE" sz="1600" b="0" i="1" smtClean="0">
+                        <a:latin typeface="Cambria Math" panose="02040503050406030204" pitchFamily="18" charset="0"/>
+                        <a:ea typeface="Cambria Math" panose="02040503050406030204" pitchFamily="18" charset="0"/>
+                        <a:sym typeface="Wingdings" panose="05000000000000000000" pitchFamily="2" charset="2"/>
+                      </a:rPr>
+                      <m:t>,  </m:t>
+                    </m:r>
+                    <m:r>
+                      <a:rPr lang="de-DE" sz="1600" b="0" i="1" smtClean="0">
+                        <a:latin typeface="Cambria Math" panose="02040503050406030204" pitchFamily="18" charset="0"/>
+                        <a:ea typeface="Cambria Math" panose="02040503050406030204" pitchFamily="18" charset="0"/>
+                        <a:sym typeface="Wingdings" panose="05000000000000000000" pitchFamily="2" charset="2"/>
+                      </a:rPr>
+                      <m:t>𝑆</m:t>
+                    </m:r>
+                    <m:d>
+                      <m:dPr>
+                        <m:ctrlPr>
+                          <a:rPr lang="de-DE" sz="1600" b="0" i="1" smtClean="0">
+                            <a:latin typeface="Cambria Math" panose="02040503050406030204" pitchFamily="18" charset="0"/>
+                            <a:ea typeface="Cambria Math" panose="02040503050406030204" pitchFamily="18" charset="0"/>
+                            <a:sym typeface="Wingdings" panose="05000000000000000000" pitchFamily="2" charset="2"/>
+                          </a:rPr>
+                        </m:ctrlPr>
+                      </m:dPr>
+                      <m:e>
+                        <m:r>
+                          <a:rPr lang="de-DE" sz="1600" b="0" i="1" smtClean="0">
+                            <a:latin typeface="Cambria Math" panose="02040503050406030204" pitchFamily="18" charset="0"/>
+                            <a:ea typeface="Cambria Math" panose="02040503050406030204" pitchFamily="18" charset="0"/>
+                            <a:sym typeface="Wingdings" panose="05000000000000000000" pitchFamily="2" charset="2"/>
+                          </a:rPr>
+                          <m:t>0</m:t>
+                        </m:r>
+                      </m:e>
+                    </m:d>
+                    <m:r>
+                      <a:rPr lang="de-DE" sz="1600" b="0" i="1" smtClean="0">
+                        <a:latin typeface="Cambria Math" panose="02040503050406030204" pitchFamily="18" charset="0"/>
+                        <a:ea typeface="Cambria Math" panose="02040503050406030204" pitchFamily="18" charset="0"/>
+                        <a:sym typeface="Wingdings" panose="05000000000000000000" pitchFamily="2" charset="2"/>
+                      </a:rPr>
+                      <m:t>,  </m:t>
+                    </m:r>
+                    <m:r>
+                      <a:rPr lang="de-DE" sz="1600" b="0" i="1" smtClean="0">
+                        <a:latin typeface="Cambria Math" panose="02040503050406030204" pitchFamily="18" charset="0"/>
+                        <a:ea typeface="Cambria Math" panose="02040503050406030204" pitchFamily="18" charset="0"/>
+                        <a:sym typeface="Wingdings" panose="05000000000000000000" pitchFamily="2" charset="2"/>
+                      </a:rPr>
+                      <m:t>𝐼</m:t>
+                    </m:r>
+                    <m:d>
+                      <m:dPr>
+                        <m:ctrlPr>
+                          <a:rPr lang="de-DE" sz="1600" b="0" i="1" smtClean="0">
+                            <a:latin typeface="Cambria Math" panose="02040503050406030204" pitchFamily="18" charset="0"/>
+                            <a:ea typeface="Cambria Math" panose="02040503050406030204" pitchFamily="18" charset="0"/>
+                            <a:sym typeface="Wingdings" panose="05000000000000000000" pitchFamily="2" charset="2"/>
+                          </a:rPr>
+                        </m:ctrlPr>
+                      </m:dPr>
+                      <m:e>
+                        <m:r>
+                          <a:rPr lang="de-DE" sz="1600" b="0" i="1" smtClean="0">
+                            <a:latin typeface="Cambria Math" panose="02040503050406030204" pitchFamily="18" charset="0"/>
+                            <a:ea typeface="Cambria Math" panose="02040503050406030204" pitchFamily="18" charset="0"/>
+                            <a:sym typeface="Wingdings" panose="05000000000000000000" pitchFamily="2" charset="2"/>
+                          </a:rPr>
+                          <m:t>0</m:t>
+                        </m:r>
+                      </m:e>
+                    </m:d>
+                    <m:r>
+                      <a:rPr lang="de-DE" sz="1600" b="0" i="1" smtClean="0">
+                        <a:latin typeface="Cambria Math" panose="02040503050406030204" pitchFamily="18" charset="0"/>
+                        <a:ea typeface="Cambria Math" panose="02040503050406030204" pitchFamily="18" charset="0"/>
+                        <a:sym typeface="Wingdings" panose="05000000000000000000" pitchFamily="2" charset="2"/>
+                      </a:rPr>
+                      <m:t>,  </m:t>
+                    </m:r>
+                    <m:r>
+                      <a:rPr lang="de-DE" sz="1600" b="0" i="1" smtClean="0">
+                        <a:latin typeface="Cambria Math" panose="02040503050406030204" pitchFamily="18" charset="0"/>
+                        <a:ea typeface="Cambria Math" panose="02040503050406030204" pitchFamily="18" charset="0"/>
+                        <a:sym typeface="Wingdings" panose="05000000000000000000" pitchFamily="2" charset="2"/>
+                      </a:rPr>
+                      <m:t>𝑅</m:t>
+                    </m:r>
+                    <m:r>
+                      <a:rPr lang="de-DE" sz="1600" b="0" i="1" smtClean="0">
+                        <a:latin typeface="Cambria Math" panose="02040503050406030204" pitchFamily="18" charset="0"/>
+                        <a:ea typeface="Cambria Math" panose="02040503050406030204" pitchFamily="18" charset="0"/>
+                        <a:sym typeface="Wingdings" panose="05000000000000000000" pitchFamily="2" charset="2"/>
+                      </a:rPr>
+                      <m:t>(0)</m:t>
+                    </m:r>
+                  </m:oMath>
+                </a14:m>
+                <a:endParaRPr lang="de-DE" sz="1600" dirty="0"/>
+              </a:p>
+              <a:p>
+                <a:pPr algn="ctr"/>
                 <a:endParaRPr lang="de-DE" dirty="0"/>
               </a:p>
             </p:txBody>
           </p:sp>
         </mc:Choice>
-        <mc:Fallback>
+        <mc:Fallback xmlns="">
           <p:sp>
             <p:nvSpPr>
               <p:cNvPr id="11" name="Rechteck: abgerundete Ecken 10">
@@ -11179,6 +14006,443 @@
     <p:extLst>
       <p:ext uri="{BB962C8B-B14F-4D97-AF65-F5344CB8AC3E}">
         <p14:creationId xmlns:p14="http://schemas.microsoft.com/office/powerpoint/2010/main" val="3716703584"/>
+      </p:ext>
+    </p:extLst>
+  </p:cSld>
+  <p:clrMapOvr>
+    <a:masterClrMapping/>
+  </p:clrMapOvr>
+</p:sld>
+</file>
+
+<file path=ppt/slides/slide9.xml><?xml version="1.0" encoding="utf-8"?>
+<p:sld xmlns:a="http://schemas.openxmlformats.org/drawingml/2006/main" xmlns:r="http://schemas.openxmlformats.org/officeDocument/2006/relationships" xmlns:p="http://schemas.openxmlformats.org/presentationml/2006/main">
+  <p:cSld>
+    <p:spTree>
+      <p:nvGrpSpPr>
+        <p:cNvPr id="1" name=""/>
+        <p:cNvGrpSpPr/>
+        <p:nvPr/>
+      </p:nvGrpSpPr>
+      <p:grpSpPr>
+        <a:xfrm>
+          <a:off x="0" y="0"/>
+          <a:ext cx="0" cy="0"/>
+          <a:chOff x="0" y="0"/>
+          <a:chExt cx="0" cy="0"/>
+        </a:xfrm>
+      </p:grpSpPr>
+      <p:sp>
+        <p:nvSpPr>
+          <p:cNvPr id="2" name="Titel 1">
+            <a:extLst>
+              <a:ext uri="{FF2B5EF4-FFF2-40B4-BE49-F238E27FC236}">
+                <a16:creationId xmlns:a16="http://schemas.microsoft.com/office/drawing/2014/main" id="{A7F701A3-2404-A9B8-5FC9-0D63435EEFB5}"/>
+              </a:ext>
+            </a:extLst>
+          </p:cNvPr>
+          <p:cNvSpPr>
+            <a:spLocks noGrp="1"/>
+          </p:cNvSpPr>
+          <p:nvPr>
+            <p:ph type="title"/>
+          </p:nvPr>
+        </p:nvSpPr>
+        <p:spPr>
+          <a:xfrm>
+            <a:off x="478366" y="488950"/>
+            <a:ext cx="9506065" cy="838200"/>
+          </a:xfrm>
+        </p:spPr>
+        <p:txBody>
+          <a:bodyPr/>
+          <a:lstStyle/>
+          <a:p>
+            <a:r>
+              <a:rPr lang="en-US" dirty="0"/>
+              <a:t>Proposal for a Prediction Framework</a:t>
+            </a:r>
+          </a:p>
+        </p:txBody>
+      </p:sp>
+      <p:sp>
+        <p:nvSpPr>
+          <p:cNvPr id="11" name="Rechteck: abgerundete Ecken 10">
+            <a:extLst>
+              <a:ext uri="{FF2B5EF4-FFF2-40B4-BE49-F238E27FC236}">
+                <a16:creationId xmlns:a16="http://schemas.microsoft.com/office/drawing/2014/main" id="{B28EB07E-CC38-E24E-53EC-81F655433E4E}"/>
+              </a:ext>
+            </a:extLst>
+          </p:cNvPr>
+          <p:cNvSpPr/>
+          <p:nvPr/>
+        </p:nvSpPr>
+        <p:spPr>
+          <a:xfrm>
+            <a:off x="3359696" y="3163463"/>
+            <a:ext cx="2232248" cy="963726"/>
+          </a:xfrm>
+          <a:prstGeom prst="roundRect">
+            <a:avLst/>
+          </a:prstGeom>
+        </p:spPr>
+        <p:style>
+          <a:lnRef idx="2">
+            <a:schemeClr val="accent1"/>
+          </a:lnRef>
+          <a:fillRef idx="1">
+            <a:schemeClr val="lt1"/>
+          </a:fillRef>
+          <a:effectRef idx="0">
+            <a:schemeClr val="accent1"/>
+          </a:effectRef>
+          <a:fontRef idx="minor">
+            <a:schemeClr val="dk1"/>
+          </a:fontRef>
+        </p:style>
+        <p:txBody>
+          <a:bodyPr rot="0" spcFirstLastPara="0" vertOverflow="overflow" horzOverflow="overflow" vert="horz" wrap="square" lIns="91440" tIns="45720" rIns="91440" bIns="45720" numCol="1" spcCol="0" rtlCol="0" fromWordArt="0" anchor="ctr" anchorCtr="0" forceAA="0" compatLnSpc="1">
+            <a:prstTxWarp prst="textNoShape">
+              <a:avLst/>
+            </a:prstTxWarp>
+            <a:noAutofit/>
+          </a:bodyPr>
+          <a:lstStyle/>
+          <a:p>
+            <a:pPr algn="ctr"/>
+            <a:r>
+              <a:rPr lang="de-DE" dirty="0" err="1"/>
+              <a:t>Predict</a:t>
+            </a:r>
+            <a:r>
+              <a:rPr lang="de-DE" dirty="0"/>
+              <a:t> Model Parameters</a:t>
+            </a:r>
+          </a:p>
+        </p:txBody>
+      </p:sp>
+      <p:sp>
+        <p:nvSpPr>
+          <p:cNvPr id="16" name="Rechteck: abgerundete Ecken 15">
+            <a:extLst>
+              <a:ext uri="{FF2B5EF4-FFF2-40B4-BE49-F238E27FC236}">
+                <a16:creationId xmlns:a16="http://schemas.microsoft.com/office/drawing/2014/main" id="{BB0B4EA5-878D-8271-7D1C-1A082934784C}"/>
+              </a:ext>
+            </a:extLst>
+          </p:cNvPr>
+          <p:cNvSpPr/>
+          <p:nvPr/>
+        </p:nvSpPr>
+        <p:spPr>
+          <a:xfrm>
+            <a:off x="5935284" y="3163463"/>
+            <a:ext cx="2232248" cy="963726"/>
+          </a:xfrm>
+          <a:prstGeom prst="roundRect">
+            <a:avLst/>
+          </a:prstGeom>
+        </p:spPr>
+        <p:style>
+          <a:lnRef idx="2">
+            <a:schemeClr val="accent1"/>
+          </a:lnRef>
+          <a:fillRef idx="1">
+            <a:schemeClr val="lt1"/>
+          </a:fillRef>
+          <a:effectRef idx="0">
+            <a:schemeClr val="accent1"/>
+          </a:effectRef>
+          <a:fontRef idx="minor">
+            <a:schemeClr val="dk1"/>
+          </a:fontRef>
+        </p:style>
+        <p:txBody>
+          <a:bodyPr rot="0" spcFirstLastPara="0" vertOverflow="overflow" horzOverflow="overflow" vert="horz" wrap="square" lIns="91440" tIns="45720" rIns="91440" bIns="45720" numCol="1" spcCol="0" rtlCol="0" fromWordArt="0" anchor="ctr" anchorCtr="0" forceAA="0" compatLnSpc="1">
+            <a:prstTxWarp prst="textNoShape">
+              <a:avLst/>
+            </a:prstTxWarp>
+            <a:noAutofit/>
+          </a:bodyPr>
+          <a:lstStyle/>
+          <a:p>
+            <a:pPr algn="ctr"/>
+            <a:r>
+              <a:rPr lang="de-DE" dirty="0"/>
+              <a:t>Run Simulation</a:t>
+            </a:r>
+          </a:p>
+        </p:txBody>
+      </p:sp>
+      <p:sp>
+        <p:nvSpPr>
+          <p:cNvPr id="17" name="Rechteck: abgerundete Ecken 16">
+            <a:extLst>
+              <a:ext uri="{FF2B5EF4-FFF2-40B4-BE49-F238E27FC236}">
+                <a16:creationId xmlns:a16="http://schemas.microsoft.com/office/drawing/2014/main" id="{3449728B-672D-7AB6-C2EF-B996874FD672}"/>
+              </a:ext>
+            </a:extLst>
+          </p:cNvPr>
+          <p:cNvSpPr/>
+          <p:nvPr/>
+        </p:nvSpPr>
+        <p:spPr>
+          <a:xfrm>
+            <a:off x="8510872" y="3163463"/>
+            <a:ext cx="2825012" cy="963726"/>
+          </a:xfrm>
+          <a:prstGeom prst="roundRect">
+            <a:avLst/>
+          </a:prstGeom>
+        </p:spPr>
+        <p:style>
+          <a:lnRef idx="2">
+            <a:schemeClr val="accent1"/>
+          </a:lnRef>
+          <a:fillRef idx="1">
+            <a:schemeClr val="lt1"/>
+          </a:fillRef>
+          <a:effectRef idx="0">
+            <a:schemeClr val="accent1"/>
+          </a:effectRef>
+          <a:fontRef idx="minor">
+            <a:schemeClr val="dk1"/>
+          </a:fontRef>
+        </p:style>
+        <p:txBody>
+          <a:bodyPr rot="0" spcFirstLastPara="0" vertOverflow="overflow" horzOverflow="overflow" vert="horz" wrap="square" lIns="91440" tIns="45720" rIns="91440" bIns="45720" numCol="1" spcCol="0" rtlCol="0" fromWordArt="0" anchor="ctr" anchorCtr="0" forceAA="0" compatLnSpc="1">
+            <a:prstTxWarp prst="textNoShape">
+              <a:avLst/>
+            </a:prstTxWarp>
+            <a:noAutofit/>
+          </a:bodyPr>
+          <a:lstStyle/>
+          <a:p>
+            <a:pPr algn="ctr"/>
+            <a:r>
+              <a:rPr lang="de-DE" dirty="0"/>
+              <a:t>Power Demand </a:t>
+            </a:r>
+            <a:r>
+              <a:rPr lang="de-DE" dirty="0" err="1"/>
+              <a:t>critical</a:t>
+            </a:r>
+            <a:r>
+              <a:rPr lang="de-DE" dirty="0"/>
+              <a:t>?</a:t>
+            </a:r>
+          </a:p>
+          <a:p>
+            <a:pPr algn="ctr"/>
+            <a:r>
+              <a:rPr lang="de-DE" dirty="0"/>
+              <a:t>Yes/</a:t>
+            </a:r>
+            <a:r>
+              <a:rPr lang="de-DE" dirty="0" err="1"/>
+              <a:t>No</a:t>
+            </a:r>
+            <a:r>
+              <a:rPr lang="de-DE" dirty="0"/>
+              <a:t> </a:t>
+            </a:r>
+          </a:p>
+        </p:txBody>
+      </p:sp>
+      <p:cxnSp>
+        <p:nvCxnSpPr>
+          <p:cNvPr id="19" name="Gerade Verbindung mit Pfeil 18">
+            <a:extLst>
+              <a:ext uri="{FF2B5EF4-FFF2-40B4-BE49-F238E27FC236}">
+                <a16:creationId xmlns:a16="http://schemas.microsoft.com/office/drawing/2014/main" id="{A107CD90-56BD-70A1-F07C-BAEB2EE1908E}"/>
+              </a:ext>
+            </a:extLst>
+          </p:cNvPr>
+          <p:cNvCxnSpPr>
+            <a:stCxn id="11" idx="3"/>
+            <a:endCxn id="16" idx="1"/>
+          </p:cNvCxnSpPr>
+          <p:nvPr/>
+        </p:nvCxnSpPr>
+        <p:spPr>
+          <a:xfrm>
+            <a:off x="5591944" y="3645326"/>
+            <a:ext cx="343340" cy="0"/>
+          </a:xfrm>
+          <a:prstGeom prst="straightConnector1">
+            <a:avLst/>
+          </a:prstGeom>
+          <a:ln w="12700">
+            <a:tailEnd type="triangle"/>
+          </a:ln>
+        </p:spPr>
+        <p:style>
+          <a:lnRef idx="1">
+            <a:schemeClr val="accent1"/>
+          </a:lnRef>
+          <a:fillRef idx="0">
+            <a:schemeClr val="accent1"/>
+          </a:fillRef>
+          <a:effectRef idx="0">
+            <a:schemeClr val="accent1"/>
+          </a:effectRef>
+          <a:fontRef idx="minor">
+            <a:schemeClr val="tx1"/>
+          </a:fontRef>
+        </p:style>
+      </p:cxnSp>
+      <p:cxnSp>
+        <p:nvCxnSpPr>
+          <p:cNvPr id="20" name="Gerade Verbindung mit Pfeil 19">
+            <a:extLst>
+              <a:ext uri="{FF2B5EF4-FFF2-40B4-BE49-F238E27FC236}">
+                <a16:creationId xmlns:a16="http://schemas.microsoft.com/office/drawing/2014/main" id="{87012A44-74F4-634C-DE6C-BF6BEEF6118B}"/>
+              </a:ext>
+            </a:extLst>
+          </p:cNvPr>
+          <p:cNvCxnSpPr>
+            <a:cxnSpLocks/>
+            <a:stCxn id="16" idx="3"/>
+            <a:endCxn id="17" idx="1"/>
+          </p:cNvCxnSpPr>
+          <p:nvPr/>
+        </p:nvCxnSpPr>
+        <p:spPr>
+          <a:xfrm>
+            <a:off x="8167532" y="3645326"/>
+            <a:ext cx="343340" cy="0"/>
+          </a:xfrm>
+          <a:prstGeom prst="straightConnector1">
+            <a:avLst/>
+          </a:prstGeom>
+          <a:ln w="12700">
+            <a:tailEnd type="triangle"/>
+          </a:ln>
+        </p:spPr>
+        <p:style>
+          <a:lnRef idx="1">
+            <a:schemeClr val="accent1"/>
+          </a:lnRef>
+          <a:fillRef idx="0">
+            <a:schemeClr val="accent1"/>
+          </a:fillRef>
+          <a:effectRef idx="0">
+            <a:schemeClr val="accent1"/>
+          </a:effectRef>
+          <a:fontRef idx="minor">
+            <a:schemeClr val="tx1"/>
+          </a:fontRef>
+        </p:style>
+      </p:cxnSp>
+      <p:sp>
+        <p:nvSpPr>
+          <p:cNvPr id="9" name="Rechteck: abgerundete Ecken 8">
+            <a:extLst>
+              <a:ext uri="{FF2B5EF4-FFF2-40B4-BE49-F238E27FC236}">
+                <a16:creationId xmlns:a16="http://schemas.microsoft.com/office/drawing/2014/main" id="{BCF21B9B-E3F0-3CAD-6880-898CD2388701}"/>
+              </a:ext>
+            </a:extLst>
+          </p:cNvPr>
+          <p:cNvSpPr/>
+          <p:nvPr/>
+        </p:nvSpPr>
+        <p:spPr>
+          <a:xfrm>
+            <a:off x="784108" y="3163463"/>
+            <a:ext cx="2232248" cy="963726"/>
+          </a:xfrm>
+          <a:prstGeom prst="roundRect">
+            <a:avLst/>
+          </a:prstGeom>
+        </p:spPr>
+        <p:style>
+          <a:lnRef idx="2">
+            <a:schemeClr val="accent1"/>
+          </a:lnRef>
+          <a:fillRef idx="1">
+            <a:schemeClr val="lt1"/>
+          </a:fillRef>
+          <a:effectRef idx="0">
+            <a:schemeClr val="accent1"/>
+          </a:effectRef>
+          <a:fontRef idx="minor">
+            <a:schemeClr val="dk1"/>
+          </a:fontRef>
+        </p:style>
+        <p:txBody>
+          <a:bodyPr rot="0" spcFirstLastPara="0" vertOverflow="overflow" horzOverflow="overflow" vert="horz" wrap="square" lIns="91440" tIns="45720" rIns="91440" bIns="45720" numCol="1" spcCol="0" rtlCol="0" fromWordArt="0" anchor="ctr" anchorCtr="0" forceAA="0" compatLnSpc="1">
+            <a:prstTxWarp prst="textNoShape">
+              <a:avLst/>
+            </a:prstTxWarp>
+            <a:noAutofit/>
+          </a:bodyPr>
+          <a:lstStyle/>
+          <a:p>
+            <a:pPr algn="ctr"/>
+            <a:r>
+              <a:rPr lang="de-DE" dirty="0" err="1"/>
+              <a:t>Collect</a:t>
+            </a:r>
+            <a:r>
+              <a:rPr lang="de-DE" dirty="0"/>
+              <a:t> </a:t>
+            </a:r>
+            <a:r>
+              <a:rPr lang="de-DE" dirty="0" err="1"/>
+              <a:t>Social</a:t>
+            </a:r>
+            <a:r>
+              <a:rPr lang="de-DE" dirty="0"/>
+              <a:t> Media Posts</a:t>
+            </a:r>
+          </a:p>
+        </p:txBody>
+      </p:sp>
+      <p:cxnSp>
+        <p:nvCxnSpPr>
+          <p:cNvPr id="12" name="Gerade Verbindung mit Pfeil 11">
+            <a:extLst>
+              <a:ext uri="{FF2B5EF4-FFF2-40B4-BE49-F238E27FC236}">
+                <a16:creationId xmlns:a16="http://schemas.microsoft.com/office/drawing/2014/main" id="{C70F2CF7-B3EA-D2E6-B8EB-9E63240484BB}"/>
+              </a:ext>
+            </a:extLst>
+          </p:cNvPr>
+          <p:cNvCxnSpPr>
+            <a:stCxn id="9" idx="3"/>
+            <a:endCxn id="11" idx="1"/>
+          </p:cNvCxnSpPr>
+          <p:nvPr/>
+        </p:nvCxnSpPr>
+        <p:spPr>
+          <a:xfrm>
+            <a:off x="3016356" y="3645326"/>
+            <a:ext cx="343340" cy="0"/>
+          </a:xfrm>
+          <a:prstGeom prst="straightConnector1">
+            <a:avLst/>
+          </a:prstGeom>
+          <a:ln>
+            <a:tailEnd type="triangle"/>
+          </a:ln>
+        </p:spPr>
+        <p:style>
+          <a:lnRef idx="1">
+            <a:schemeClr val="accent1"/>
+          </a:lnRef>
+          <a:fillRef idx="0">
+            <a:schemeClr val="accent1"/>
+          </a:fillRef>
+          <a:effectRef idx="0">
+            <a:schemeClr val="accent1"/>
+          </a:effectRef>
+          <a:fontRef idx="minor">
+            <a:schemeClr val="tx1"/>
+          </a:fontRef>
+        </p:style>
+      </p:cxnSp>
+    </p:spTree>
+    <p:extLst>
+      <p:ext uri="{BB962C8B-B14F-4D97-AF65-F5344CB8AC3E}">
+        <p14:creationId xmlns:p14="http://schemas.microsoft.com/office/powerpoint/2010/main" val="1747414230"/>
       </p:ext>
     </p:extLst>
   </p:cSld>

--- a/presentations/Finale Präsentation.pptx
+++ b/presentations/Finale Präsentation.pptx
@@ -5,36 +5,37 @@
     <p:sldMasterId id="2147483648" r:id="rId1"/>
   </p:sldMasterIdLst>
   <p:notesMasterIdLst>
-    <p:notesMasterId r:id="rId21"/>
+    <p:notesMasterId r:id="rId22"/>
   </p:notesMasterIdLst>
   <p:handoutMasterIdLst>
-    <p:handoutMasterId r:id="rId22"/>
+    <p:handoutMasterId r:id="rId23"/>
   </p:handoutMasterIdLst>
   <p:sldIdLst>
     <p:sldId id="258" r:id="rId2"/>
     <p:sldId id="364" r:id="rId3"/>
-    <p:sldId id="388" r:id="rId4"/>
-    <p:sldId id="367" r:id="rId5"/>
-    <p:sldId id="376" r:id="rId6"/>
-    <p:sldId id="393" r:id="rId7"/>
-    <p:sldId id="378" r:id="rId8"/>
-    <p:sldId id="383" r:id="rId9"/>
-    <p:sldId id="375" r:id="rId10"/>
-    <p:sldId id="384" r:id="rId11"/>
-    <p:sldId id="385" r:id="rId12"/>
-    <p:sldId id="389" r:id="rId13"/>
-    <p:sldId id="386" r:id="rId14"/>
-    <p:sldId id="390" r:id="rId15"/>
-    <p:sldId id="387" r:id="rId16"/>
-    <p:sldId id="391" r:id="rId17"/>
-    <p:sldId id="392" r:id="rId18"/>
-    <p:sldId id="382" r:id="rId19"/>
-    <p:sldId id="371" r:id="rId20"/>
+    <p:sldId id="395" r:id="rId4"/>
+    <p:sldId id="388" r:id="rId5"/>
+    <p:sldId id="367" r:id="rId6"/>
+    <p:sldId id="376" r:id="rId7"/>
+    <p:sldId id="393" r:id="rId8"/>
+    <p:sldId id="378" r:id="rId9"/>
+    <p:sldId id="383" r:id="rId10"/>
+    <p:sldId id="375" r:id="rId11"/>
+    <p:sldId id="384" r:id="rId12"/>
+    <p:sldId id="394" r:id="rId13"/>
+    <p:sldId id="389" r:id="rId14"/>
+    <p:sldId id="386" r:id="rId15"/>
+    <p:sldId id="390" r:id="rId16"/>
+    <p:sldId id="387" r:id="rId17"/>
+    <p:sldId id="391" r:id="rId18"/>
+    <p:sldId id="392" r:id="rId19"/>
+    <p:sldId id="382" r:id="rId20"/>
+    <p:sldId id="371" r:id="rId21"/>
   </p:sldIdLst>
   <p:sldSz cx="12192000" cy="6858000"/>
   <p:notesSz cx="6799263" cy="9929813"/>
   <p:custDataLst>
-    <p:tags r:id="rId23"/>
+    <p:tags r:id="rId24"/>
   </p:custDataLst>
   <p:defaultTextStyle>
     <a:defPPr>
@@ -168,6 +169,7 @@
           <p14:sldIdLst>
             <p14:sldId id="258"/>
             <p14:sldId id="364"/>
+            <p14:sldId id="395"/>
             <p14:sldId id="388"/>
             <p14:sldId id="367"/>
             <p14:sldId id="376"/>
@@ -176,7 +178,7 @@
             <p14:sldId id="383"/>
             <p14:sldId id="375"/>
             <p14:sldId id="384"/>
-            <p14:sldId id="385"/>
+            <p14:sldId id="394"/>
             <p14:sldId id="389"/>
             <p14:sldId id="386"/>
             <p14:sldId id="390"/>
@@ -340,7 +342,7 @@
             <a:fld id="{A32DC80D-291A-4ABB-A78B-0417274A267C}" type="datetime4">
               <a:rPr lang="de-DE"/>
               <a:pPr/>
-              <a:t>11. Oktober 2023</a:t>
+              <a:t>15. Oktober 2023</a:t>
             </a:fld>
             <a:endParaRPr lang="de-DE"/>
           </a:p>
@@ -731,7 +733,7 @@
             <a:fld id="{065B079B-E513-489A-8A1B-D7C78493EA86}" type="datetime4">
               <a:rPr lang="de-DE"/>
               <a:pPr/>
-              <a:t>11. Oktober 2023</a:t>
+              <a:t>15. Oktober 2023</a:t>
             </a:fld>
             <a:endParaRPr lang="de-DE"/>
           </a:p>
@@ -1851,26 +1853,7 @@
           <a:p>
             <a:r>
               <a:rPr lang="de-DE" dirty="0"/>
-              <a:t>Ladeleistung </a:t>
-            </a:r>
-            <a:r>
-              <a:rPr lang="de-DE" dirty="0" err="1"/>
-              <a:t>erlkären</a:t>
-            </a:r>
-            <a:endParaRPr lang="de-DE" dirty="0"/>
-          </a:p>
-          <a:p>
-            <a:r>
-              <a:rPr lang="de-DE" dirty="0"/>
-              <a:t>Anzahl an </a:t>
-            </a:r>
-            <a:r>
-              <a:rPr lang="de-DE" dirty="0" err="1"/>
-              <a:t>entities</a:t>
-            </a:r>
-            <a:r>
-              <a:rPr lang="de-DE" dirty="0"/>
-              <a:t> nennen</a:t>
+              <a:t>Animation wegmachen :( </a:t>
             </a:r>
           </a:p>
         </p:txBody>
@@ -1893,7 +1876,7 @@
             <a:fld id="{065B079B-E513-489A-8A1B-D7C78493EA86}" type="datetime4">
               <a:rPr lang="de-DE" smtClean="0"/>
               <a:pPr/>
-              <a:t>11. Oktober 2023</a:t>
+              <a:t>15. Oktober 2023</a:t>
             </a:fld>
             <a:endParaRPr lang="de-DE"/>
           </a:p>
@@ -1943,7 +1926,7 @@
             <a:fld id="{C36AA9A4-5D0B-4134-89A6-D8B9DAA4F25C}" type="slidenum">
               <a:rPr lang="de-DE" smtClean="0"/>
               <a:pPr/>
-              <a:t>15</a:t>
+              <a:t>13</a:t>
             </a:fld>
             <a:endParaRPr lang="de-DE"/>
           </a:p>
@@ -1952,7 +1935,7 @@
     </p:spTree>
     <p:extLst>
       <p:ext uri="{BB962C8B-B14F-4D97-AF65-F5344CB8AC3E}">
-        <p14:creationId xmlns:p14="http://schemas.microsoft.com/office/powerpoint/2010/main" val="64939673"/>
+        <p14:creationId xmlns:p14="http://schemas.microsoft.com/office/powerpoint/2010/main" val="3877984825"/>
       </p:ext>
     </p:extLst>
   </p:cSld>
@@ -2006,7 +1989,29 @@
           <a:bodyPr/>
           <a:lstStyle/>
           <a:p>
+            <a:r>
+              <a:rPr lang="de-DE" dirty="0"/>
+              <a:t>Ladeleistung </a:t>
+            </a:r>
+            <a:r>
+              <a:rPr lang="de-DE" dirty="0" err="1"/>
+              <a:t>erlkären</a:t>
+            </a:r>
             <a:endParaRPr lang="de-DE" dirty="0"/>
+          </a:p>
+          <a:p>
+            <a:r>
+              <a:rPr lang="de-DE" dirty="0"/>
+              <a:t>Anzahl an </a:t>
+            </a:r>
+            <a:r>
+              <a:rPr lang="de-DE" dirty="0" err="1"/>
+              <a:t>entities</a:t>
+            </a:r>
+            <a:r>
+              <a:rPr lang="de-DE" dirty="0"/>
+              <a:t> nennen</a:t>
+            </a:r>
           </a:p>
         </p:txBody>
       </p:sp>
@@ -2028,7 +2033,7 @@
             <a:fld id="{065B079B-E513-489A-8A1B-D7C78493EA86}" type="datetime4">
               <a:rPr lang="de-DE" smtClean="0"/>
               <a:pPr/>
-              <a:t>11. Oktober 2023</a:t>
+              <a:t>15. Oktober 2023</a:t>
             </a:fld>
             <a:endParaRPr lang="de-DE"/>
           </a:p>
@@ -2078,7 +2083,142 @@
             <a:fld id="{C36AA9A4-5D0B-4134-89A6-D8B9DAA4F25C}" type="slidenum">
               <a:rPr lang="de-DE" smtClean="0"/>
               <a:pPr/>
-              <a:t>17</a:t>
+              <a:t>16</a:t>
+            </a:fld>
+            <a:endParaRPr lang="de-DE"/>
+          </a:p>
+        </p:txBody>
+      </p:sp>
+    </p:spTree>
+    <p:extLst>
+      <p:ext uri="{BB962C8B-B14F-4D97-AF65-F5344CB8AC3E}">
+        <p14:creationId xmlns:p14="http://schemas.microsoft.com/office/powerpoint/2010/main" val="64939673"/>
+      </p:ext>
+    </p:extLst>
+  </p:cSld>
+  <p:clrMapOvr>
+    <a:masterClrMapping/>
+  </p:clrMapOvr>
+</p:notes>
+</file>
+
+<file path=ppt/notesSlides/notesSlide12.xml><?xml version="1.0" encoding="utf-8"?>
+<p:notes xmlns:a="http://schemas.openxmlformats.org/drawingml/2006/main" xmlns:r="http://schemas.openxmlformats.org/officeDocument/2006/relationships" xmlns:p="http://schemas.openxmlformats.org/presentationml/2006/main">
+  <p:cSld>
+    <p:spTree>
+      <p:nvGrpSpPr>
+        <p:cNvPr id="1" name=""/>
+        <p:cNvGrpSpPr/>
+        <p:nvPr/>
+      </p:nvGrpSpPr>
+      <p:grpSpPr>
+        <a:xfrm>
+          <a:off x="0" y="0"/>
+          <a:ext cx="0" cy="0"/>
+          <a:chOff x="0" y="0"/>
+          <a:chExt cx="0" cy="0"/>
+        </a:xfrm>
+      </p:grpSpPr>
+      <p:sp>
+        <p:nvSpPr>
+          <p:cNvPr id="2" name="Folienbildplatzhalter 1"/>
+          <p:cNvSpPr>
+            <a:spLocks noGrp="1" noRot="1" noChangeAspect="1"/>
+          </p:cNvSpPr>
+          <p:nvPr>
+            <p:ph type="sldImg"/>
+          </p:nvPr>
+        </p:nvSpPr>
+        <p:spPr/>
+      </p:sp>
+      <p:sp>
+        <p:nvSpPr>
+          <p:cNvPr id="3" name="Notizenplatzhalter 2"/>
+          <p:cNvSpPr>
+            <a:spLocks noGrp="1"/>
+          </p:cNvSpPr>
+          <p:nvPr>
+            <p:ph type="body" idx="1"/>
+          </p:nvPr>
+        </p:nvSpPr>
+        <p:spPr/>
+        <p:txBody>
+          <a:bodyPr/>
+          <a:lstStyle/>
+          <a:p>
+            <a:endParaRPr lang="de-DE" dirty="0"/>
+          </a:p>
+        </p:txBody>
+      </p:sp>
+      <p:sp>
+        <p:nvSpPr>
+          <p:cNvPr id="4" name="Datumsplatzhalter 3"/>
+          <p:cNvSpPr>
+            <a:spLocks noGrp="1"/>
+          </p:cNvSpPr>
+          <p:nvPr>
+            <p:ph type="dt" idx="1"/>
+          </p:nvPr>
+        </p:nvSpPr>
+        <p:spPr/>
+        <p:txBody>
+          <a:bodyPr/>
+          <a:lstStyle/>
+          <a:p>
+            <a:fld id="{065B079B-E513-489A-8A1B-D7C78493EA86}" type="datetime4">
+              <a:rPr lang="de-DE" smtClean="0"/>
+              <a:pPr/>
+              <a:t>15. Oktober 2023</a:t>
+            </a:fld>
+            <a:endParaRPr lang="de-DE"/>
+          </a:p>
+        </p:txBody>
+      </p:sp>
+      <p:sp>
+        <p:nvSpPr>
+          <p:cNvPr id="5" name="Fußzeilenplatzhalter 4"/>
+          <p:cNvSpPr>
+            <a:spLocks noGrp="1"/>
+          </p:cNvSpPr>
+          <p:nvPr>
+            <p:ph type="ftr" sz="quarter" idx="4"/>
+          </p:nvPr>
+        </p:nvSpPr>
+        <p:spPr/>
+        <p:txBody>
+          <a:bodyPr/>
+          <a:lstStyle/>
+          <a:p>
+            <a:r>
+              <a:rPr lang="de-DE"/>
+              <a:t>|  </a:t>
+            </a:r>
+          </a:p>
+        </p:txBody>
+      </p:sp>
+      <p:sp>
+        <p:nvSpPr>
+          <p:cNvPr id="6" name="Foliennummernplatzhalter 5"/>
+          <p:cNvSpPr>
+            <a:spLocks noGrp="1"/>
+          </p:cNvSpPr>
+          <p:nvPr>
+            <p:ph type="sldNum" sz="quarter" idx="5"/>
+          </p:nvPr>
+        </p:nvSpPr>
+        <p:spPr/>
+        <p:txBody>
+          <a:bodyPr/>
+          <a:lstStyle/>
+          <a:p>
+            <a:r>
+              <a:rPr lang="de-DE"/>
+              <a:t>|  </a:t>
+            </a:r>
+            <a:fld id="{C36AA9A4-5D0B-4134-89A6-D8B9DAA4F25C}" type="slidenum">
+              <a:rPr lang="de-DE" smtClean="0"/>
+              <a:pPr/>
+              <a:t>18</a:t>
             </a:fld>
             <a:endParaRPr lang="de-DE"/>
           </a:p>
@@ -2171,7 +2311,7 @@
             <a:fld id="{065B079B-E513-489A-8A1B-D7C78493EA86}" type="datetime4">
               <a:rPr lang="de-DE" smtClean="0"/>
               <a:pPr/>
-              <a:t>11. Oktober 2023</a:t>
+              <a:t>15. Oktober 2023</a:t>
             </a:fld>
             <a:endParaRPr lang="de-DE"/>
           </a:p>
@@ -2284,6 +2424,14 @@
           <a:bodyPr/>
           <a:lstStyle/>
           <a:p>
+            <a:r>
+              <a:rPr lang="de-DE" dirty="0"/>
+              <a:t>Bessere </a:t>
+            </a:r>
+            <a:r>
+              <a:rPr lang="de-DE" dirty="0" err="1"/>
+              <a:t>storyline</a:t>
+            </a:r>
             <a:endParaRPr lang="de-DE" dirty="0"/>
           </a:p>
         </p:txBody>
@@ -2306,7 +2454,7 @@
             <a:fld id="{065B079B-E513-489A-8A1B-D7C78493EA86}" type="datetime4">
               <a:rPr lang="de-DE" smtClean="0"/>
               <a:pPr/>
-              <a:t>11. Oktober 2023</a:t>
+              <a:t>15. Oktober 2023</a:t>
             </a:fld>
             <a:endParaRPr lang="de-DE"/>
           </a:p>
@@ -2365,7 +2513,7 @@
     </p:spTree>
     <p:extLst>
       <p:ext uri="{BB962C8B-B14F-4D97-AF65-F5344CB8AC3E}">
-        <p14:creationId xmlns:p14="http://schemas.microsoft.com/office/powerpoint/2010/main" val="2987026827"/>
+        <p14:creationId xmlns:p14="http://schemas.microsoft.com/office/powerpoint/2010/main" val="1878831381"/>
       </p:ext>
     </p:extLst>
   </p:cSld>
@@ -2419,75 +2567,6 @@
           <a:bodyPr/>
           <a:lstStyle/>
           <a:p>
-            <a:r>
-              <a:rPr lang="de-DE" dirty="0"/>
-              <a:t>Modell genauer erklären -&gt; was ist meine </a:t>
-            </a:r>
-            <a:r>
-              <a:rPr lang="de-DE" dirty="0" err="1"/>
-              <a:t>contribution</a:t>
-            </a:r>
-            <a:endParaRPr lang="de-DE" dirty="0"/>
-          </a:p>
-          <a:p>
-            <a:endParaRPr lang="de-DE" dirty="0"/>
-          </a:p>
-          <a:p>
-            <a:r>
-              <a:rPr lang="de-DE" dirty="0" err="1"/>
-              <a:t>Gif</a:t>
-            </a:r>
-            <a:r>
-              <a:rPr lang="de-DE" dirty="0"/>
-              <a:t> von </a:t>
-            </a:r>
-            <a:r>
-              <a:rPr lang="de-DE" dirty="0" err="1"/>
-              <a:t>state</a:t>
-            </a:r>
-            <a:r>
-              <a:rPr lang="de-DE" dirty="0"/>
-              <a:t> </a:t>
-            </a:r>
-            <a:r>
-              <a:rPr lang="de-DE" dirty="0" err="1"/>
-              <a:t>changes</a:t>
-            </a:r>
-            <a:r>
-              <a:rPr lang="de-DE" dirty="0"/>
-              <a:t> </a:t>
-            </a:r>
-            <a:r>
-              <a:rPr lang="de-DE" dirty="0" err="1"/>
-              <a:t>sir</a:t>
-            </a:r>
-            <a:endParaRPr lang="de-DE" dirty="0"/>
-          </a:p>
-          <a:p>
-            <a:r>
-              <a:rPr lang="de-DE" dirty="0"/>
-              <a:t>Betonen: </a:t>
-            </a:r>
-            <a:r>
-              <a:rPr lang="de-DE" dirty="0" err="1"/>
-              <a:t>epidemologisches</a:t>
-            </a:r>
-            <a:r>
-              <a:rPr lang="de-DE" dirty="0"/>
-              <a:t> Modell -&gt; </a:t>
-            </a:r>
-            <a:r>
-              <a:rPr lang="de-DE" dirty="0" err="1"/>
-              <a:t>information</a:t>
-            </a:r>
-            <a:r>
-              <a:rPr lang="de-DE" dirty="0"/>
-              <a:t> ist eine </a:t>
-            </a:r>
-            <a:r>
-              <a:rPr lang="de-DE" dirty="0" err="1"/>
-              <a:t>infektion</a:t>
-            </a:r>
             <a:endParaRPr lang="de-DE" dirty="0"/>
           </a:p>
         </p:txBody>
@@ -2510,7 +2589,7 @@
             <a:fld id="{065B079B-E513-489A-8A1B-D7C78493EA86}" type="datetime4">
               <a:rPr lang="de-DE" smtClean="0"/>
               <a:pPr/>
-              <a:t>11. Oktober 2023</a:t>
+              <a:t>15. Oktober 2023</a:t>
             </a:fld>
             <a:endParaRPr lang="de-DE"/>
           </a:p>
@@ -2560,7 +2639,7 @@
             <a:fld id="{C36AA9A4-5D0B-4134-89A6-D8B9DAA4F25C}" type="slidenum">
               <a:rPr lang="de-DE" smtClean="0"/>
               <a:pPr/>
-              <a:t>5</a:t>
+              <a:t>4</a:t>
             </a:fld>
             <a:endParaRPr lang="de-DE"/>
           </a:p>
@@ -2569,7 +2648,7 @@
     </p:spTree>
     <p:extLst>
       <p:ext uri="{BB962C8B-B14F-4D97-AF65-F5344CB8AC3E}">
-        <p14:creationId xmlns:p14="http://schemas.microsoft.com/office/powerpoint/2010/main" val="179461611"/>
+        <p14:creationId xmlns:p14="http://schemas.microsoft.com/office/powerpoint/2010/main" val="2987026827"/>
       </p:ext>
     </p:extLst>
   </p:cSld>
@@ -2624,8 +2703,30 @@
           <a:lstStyle/>
           <a:p>
             <a:r>
+              <a:rPr lang="de-DE" dirty="0"/>
+              <a:t>Modell genauer erklären -&gt; was ist meine </a:t>
+            </a:r>
+            <a:r>
               <a:rPr lang="de-DE" dirty="0" err="1"/>
-              <a:t>Graphbasiertes</a:t>
+              <a:t>contribution</a:t>
+            </a:r>
+            <a:endParaRPr lang="de-DE" dirty="0"/>
+          </a:p>
+          <a:p>
+            <a:endParaRPr lang="de-DE" dirty="0"/>
+          </a:p>
+          <a:p>
+            <a:r>
+              <a:rPr lang="de-DE" dirty="0" err="1"/>
+              <a:t>Gif</a:t>
+            </a:r>
+            <a:r>
+              <a:rPr lang="de-DE" dirty="0"/>
+              <a:t> von </a:t>
+            </a:r>
+            <a:r>
+              <a:rPr lang="de-DE" dirty="0" err="1"/>
+              <a:t>state</a:t>
             </a:r>
             <a:r>
               <a:rPr lang="de-DE" dirty="0"/>
@@ -2633,12 +2734,44 @@
             </a:r>
             <a:r>
               <a:rPr lang="de-DE" dirty="0" err="1"/>
+              <a:t>changes</a:t>
+            </a:r>
+            <a:r>
+              <a:rPr lang="de-DE" dirty="0"/>
+              <a:t> </a:t>
+            </a:r>
+            <a:r>
+              <a:rPr lang="de-DE" dirty="0" err="1"/>
               <a:t>sir</a:t>
             </a:r>
+            <a:endParaRPr lang="de-DE" dirty="0"/>
+          </a:p>
+          <a:p>
             <a:r>
               <a:rPr lang="de-DE" dirty="0"/>
-              <a:t> erklären</a:t>
-            </a:r>
+              <a:t>Betonen: </a:t>
+            </a:r>
+            <a:r>
+              <a:rPr lang="de-DE" dirty="0" err="1"/>
+              <a:t>epidemologisches</a:t>
+            </a:r>
+            <a:r>
+              <a:rPr lang="de-DE" dirty="0"/>
+              <a:t> Modell -&gt; </a:t>
+            </a:r>
+            <a:r>
+              <a:rPr lang="de-DE" dirty="0" err="1"/>
+              <a:t>information</a:t>
+            </a:r>
+            <a:r>
+              <a:rPr lang="de-DE" dirty="0"/>
+              <a:t> ist eine </a:t>
+            </a:r>
+            <a:r>
+              <a:rPr lang="de-DE" dirty="0" err="1"/>
+              <a:t>infektion</a:t>
+            </a:r>
+            <a:endParaRPr lang="de-DE" dirty="0"/>
           </a:p>
         </p:txBody>
       </p:sp>
@@ -2660,7 +2793,7 @@
             <a:fld id="{065B079B-E513-489A-8A1B-D7C78493EA86}" type="datetime4">
               <a:rPr lang="de-DE" smtClean="0"/>
               <a:pPr/>
-              <a:t>11. Oktober 2023</a:t>
+              <a:t>15. Oktober 2023</a:t>
             </a:fld>
             <a:endParaRPr lang="de-DE"/>
           </a:p>
@@ -2719,7 +2852,7 @@
     </p:spTree>
     <p:extLst>
       <p:ext uri="{BB962C8B-B14F-4D97-AF65-F5344CB8AC3E}">
-        <p14:creationId xmlns:p14="http://schemas.microsoft.com/office/powerpoint/2010/main" val="904387550"/>
+        <p14:creationId xmlns:p14="http://schemas.microsoft.com/office/powerpoint/2010/main" val="179461611"/>
       </p:ext>
     </p:extLst>
   </p:cSld>
@@ -2774,44 +2907,20 @@
           <a:lstStyle/>
           <a:p>
             <a:r>
+              <a:rPr lang="de-DE" dirty="0" err="1"/>
+              <a:t>Graphbasiertes</a:t>
+            </a:r>
+            <a:r>
               <a:rPr lang="de-DE" dirty="0"/>
-              <a:t>Power </a:t>
+              <a:t> </a:t>
             </a:r>
             <a:r>
               <a:rPr lang="de-DE" dirty="0" err="1"/>
-              <a:t>calculation</a:t>
+              <a:t>sir</a:t>
             </a:r>
             <a:r>
               <a:rPr lang="de-DE" dirty="0"/>
-              <a:t> auch gut erklären</a:t>
-            </a:r>
-          </a:p>
-          <a:p>
-            <a:r>
-              <a:rPr lang="de-DE" dirty="0"/>
-              <a:t>Und </a:t>
-            </a:r>
-            <a:r>
-              <a:rPr lang="de-DE" dirty="0" err="1"/>
-              <a:t>assumption</a:t>
-            </a:r>
-            <a:endParaRPr lang="de-DE" dirty="0"/>
-          </a:p>
-          <a:p>
-            <a:endParaRPr lang="de-DE" dirty="0"/>
-          </a:p>
-          <a:p>
-            <a:r>
-              <a:rPr lang="de-DE" dirty="0"/>
-              <a:t>Zweite </a:t>
-            </a:r>
-            <a:r>
-              <a:rPr lang="de-DE" dirty="0" err="1"/>
-              <a:t>assumption</a:t>
-            </a:r>
-            <a:r>
-              <a:rPr lang="de-DE" dirty="0"/>
-              <a:t> nicht erklären</a:t>
+              <a:t> erklären</a:t>
             </a:r>
           </a:p>
         </p:txBody>
@@ -2834,7 +2943,7 @@
             <a:fld id="{065B079B-E513-489A-8A1B-D7C78493EA86}" type="datetime4">
               <a:rPr lang="de-DE" smtClean="0"/>
               <a:pPr/>
-              <a:t>11. Oktober 2023</a:t>
+              <a:t>15. Oktober 2023</a:t>
             </a:fld>
             <a:endParaRPr lang="de-DE"/>
           </a:p>
@@ -2893,7 +3002,7 @@
     </p:spTree>
     <p:extLst>
       <p:ext uri="{BB962C8B-B14F-4D97-AF65-F5344CB8AC3E}">
-        <p14:creationId xmlns:p14="http://schemas.microsoft.com/office/powerpoint/2010/main" val="528525115"/>
+        <p14:creationId xmlns:p14="http://schemas.microsoft.com/office/powerpoint/2010/main" val="904387550"/>
       </p:ext>
     </p:extLst>
   </p:cSld>
@@ -2949,21 +3058,44 @@
           <a:p>
             <a:r>
               <a:rPr lang="de-DE" dirty="0"/>
-              <a:t>Mean </a:t>
+              <a:t>Power </a:t>
             </a:r>
             <a:r>
               <a:rPr lang="de-DE" dirty="0" err="1"/>
-              <a:t>field</a:t>
+              <a:t>calculation</a:t>
             </a:r>
             <a:r>
               <a:rPr lang="de-DE" dirty="0"/>
-              <a:t> </a:t>
+              <a:t> auch gut erklären</a:t>
+            </a:r>
+          </a:p>
+          <a:p>
+            <a:r>
+              <a:rPr lang="de-DE" dirty="0"/>
+              <a:t>Und </a:t>
             </a:r>
             <a:r>
               <a:rPr lang="de-DE" dirty="0" err="1"/>
-              <a:t>theory</a:t>
+              <a:t>assumption</a:t>
             </a:r>
             <a:endParaRPr lang="de-DE" dirty="0"/>
+          </a:p>
+          <a:p>
+            <a:endParaRPr lang="de-DE" dirty="0"/>
+          </a:p>
+          <a:p>
+            <a:r>
+              <a:rPr lang="de-DE" dirty="0"/>
+              <a:t>Zweite </a:t>
+            </a:r>
+            <a:r>
+              <a:rPr lang="de-DE" dirty="0" err="1"/>
+              <a:t>assumption</a:t>
+            </a:r>
+            <a:r>
+              <a:rPr lang="de-DE" dirty="0"/>
+              <a:t> nicht erklären</a:t>
+            </a:r>
           </a:p>
         </p:txBody>
       </p:sp>
@@ -2985,7 +3117,7 @@
             <a:fld id="{065B079B-E513-489A-8A1B-D7C78493EA86}" type="datetime4">
               <a:rPr lang="de-DE" smtClean="0"/>
               <a:pPr/>
-              <a:t>11. Oktober 2023</a:t>
+              <a:t>15. Oktober 2023</a:t>
             </a:fld>
             <a:endParaRPr lang="de-DE"/>
           </a:p>
@@ -3044,7 +3176,7 @@
     </p:spTree>
     <p:extLst>
       <p:ext uri="{BB962C8B-B14F-4D97-AF65-F5344CB8AC3E}">
-        <p14:creationId xmlns:p14="http://schemas.microsoft.com/office/powerpoint/2010/main" val="3866831291"/>
+        <p14:creationId xmlns:p14="http://schemas.microsoft.com/office/powerpoint/2010/main" val="528525115"/>
       </p:ext>
     </p:extLst>
   </p:cSld>
@@ -3100,16 +3232,21 @@
           <a:p>
             <a:r>
               <a:rPr lang="de-DE" dirty="0"/>
-              <a:t>Twitter </a:t>
+              <a:t>Mean </a:t>
             </a:r>
             <a:r>
               <a:rPr lang="de-DE" dirty="0" err="1"/>
-              <a:t>posts</a:t>
+              <a:t>field</a:t>
             </a:r>
             <a:r>
               <a:rPr lang="de-DE" dirty="0"/>
-              <a:t> reinmachen</a:t>
-            </a:r>
+              <a:t> </a:t>
+            </a:r>
+            <a:r>
+              <a:rPr lang="de-DE" dirty="0" err="1"/>
+              <a:t>theory</a:t>
+            </a:r>
+            <a:endParaRPr lang="de-DE" dirty="0"/>
           </a:p>
         </p:txBody>
       </p:sp>
@@ -3131,7 +3268,7 @@
             <a:fld id="{065B079B-E513-489A-8A1B-D7C78493EA86}" type="datetime4">
               <a:rPr lang="de-DE" smtClean="0"/>
               <a:pPr/>
-              <a:t>11. Oktober 2023</a:t>
+              <a:t>15. Oktober 2023</a:t>
             </a:fld>
             <a:endParaRPr lang="de-DE"/>
           </a:p>
@@ -3181,7 +3318,7 @@
             <a:fld id="{C36AA9A4-5D0B-4134-89A6-D8B9DAA4F25C}" type="slidenum">
               <a:rPr lang="de-DE" smtClean="0"/>
               <a:pPr/>
-              <a:t>11</a:t>
+              <a:t>9</a:t>
             </a:fld>
             <a:endParaRPr lang="de-DE"/>
           </a:p>
@@ -3190,7 +3327,7 @@
     </p:spTree>
     <p:extLst>
       <p:ext uri="{BB962C8B-B14F-4D97-AF65-F5344CB8AC3E}">
-        <p14:creationId xmlns:p14="http://schemas.microsoft.com/office/powerpoint/2010/main" val="308804169"/>
+        <p14:creationId xmlns:p14="http://schemas.microsoft.com/office/powerpoint/2010/main" val="3866831291"/>
       </p:ext>
     </p:extLst>
   </p:cSld>
@@ -3246,7 +3383,26 @@
           <a:p>
             <a:r>
               <a:rPr lang="de-DE" dirty="0"/>
-              <a:t>Animation wegmachen :( </a:t>
+              <a:t>Ladeleistung </a:t>
+            </a:r>
+            <a:r>
+              <a:rPr lang="de-DE" dirty="0" err="1"/>
+              <a:t>erlkären</a:t>
+            </a:r>
+            <a:endParaRPr lang="de-DE" dirty="0"/>
+          </a:p>
+          <a:p>
+            <a:r>
+              <a:rPr lang="de-DE" dirty="0"/>
+              <a:t>Anzahl an </a:t>
+            </a:r>
+            <a:r>
+              <a:rPr lang="de-DE" dirty="0" err="1"/>
+              <a:t>entities</a:t>
+            </a:r>
+            <a:r>
+              <a:rPr lang="de-DE" dirty="0"/>
+              <a:t> nennen</a:t>
             </a:r>
           </a:p>
         </p:txBody>
@@ -3269,7 +3425,7 @@
             <a:fld id="{065B079B-E513-489A-8A1B-D7C78493EA86}" type="datetime4">
               <a:rPr lang="de-DE" smtClean="0"/>
               <a:pPr/>
-              <a:t>11. Oktober 2023</a:t>
+              <a:t>15. Oktober 2023</a:t>
             </a:fld>
             <a:endParaRPr lang="de-DE"/>
           </a:p>
@@ -3328,7 +3484,7 @@
     </p:spTree>
     <p:extLst>
       <p:ext uri="{BB962C8B-B14F-4D97-AF65-F5344CB8AC3E}">
-        <p14:creationId xmlns:p14="http://schemas.microsoft.com/office/powerpoint/2010/main" val="3877984825"/>
+        <p14:creationId xmlns:p14="http://schemas.microsoft.com/office/powerpoint/2010/main" val="3235889916"/>
       </p:ext>
     </p:extLst>
   </p:cSld>
@@ -5745,7 +5901,7 @@
           <p:cNvPr id="2" name="Titel 1">
             <a:extLst>
               <a:ext uri="{FF2B5EF4-FFF2-40B4-BE49-F238E27FC236}">
-                <a16:creationId xmlns:a16="http://schemas.microsoft.com/office/drawing/2014/main" id="{1B4E87CA-8FA7-CF05-AD3F-6B6FF62444A7}"/>
+                <a16:creationId xmlns:a16="http://schemas.microsoft.com/office/drawing/2014/main" id="{A7F701A3-2404-A9B8-5FC9-0D63435EEFB5}"/>
               </a:ext>
             </a:extLst>
           </p:cNvPr>
@@ -5758,32 +5914,399 @@
         </p:nvSpPr>
         <p:spPr>
           <a:xfrm>
-            <a:off x="839416" y="3044830"/>
-            <a:ext cx="8561940" cy="1362075"/>
+            <a:off x="478366" y="488950"/>
+            <a:ext cx="9506065" cy="838200"/>
           </a:xfrm>
         </p:spPr>
         <p:txBody>
           <a:bodyPr/>
           <a:lstStyle/>
           <a:p>
-            <a:br>
-              <a:rPr lang="de-DE" dirty="0"/>
-            </a:br>
-            <a:r>
-              <a:rPr lang="de-DE" dirty="0"/>
-              <a:t>Case Studies</a:t>
-            </a:r>
-            <a:br>
-              <a:rPr lang="de-DE" dirty="0"/>
-            </a:br>
-            <a:endParaRPr lang="en-US" dirty="0"/>
+            <a:r>
+              <a:rPr lang="en-US" dirty="0"/>
+              <a:t>Proposal for a Prediction Framework</a:t>
+            </a:r>
           </a:p>
         </p:txBody>
       </p:sp>
+      <p:sp>
+        <p:nvSpPr>
+          <p:cNvPr id="11" name="Rechteck: abgerundete Ecken 10">
+            <a:extLst>
+              <a:ext uri="{FF2B5EF4-FFF2-40B4-BE49-F238E27FC236}">
+                <a16:creationId xmlns:a16="http://schemas.microsoft.com/office/drawing/2014/main" id="{B28EB07E-CC38-E24E-53EC-81F655433E4E}"/>
+              </a:ext>
+            </a:extLst>
+          </p:cNvPr>
+          <p:cNvSpPr/>
+          <p:nvPr/>
+        </p:nvSpPr>
+        <p:spPr>
+          <a:xfrm>
+            <a:off x="3359696" y="3163463"/>
+            <a:ext cx="2232248" cy="963726"/>
+          </a:xfrm>
+          <a:prstGeom prst="roundRect">
+            <a:avLst/>
+          </a:prstGeom>
+        </p:spPr>
+        <p:style>
+          <a:lnRef idx="2">
+            <a:schemeClr val="accent1"/>
+          </a:lnRef>
+          <a:fillRef idx="1">
+            <a:schemeClr val="lt1"/>
+          </a:fillRef>
+          <a:effectRef idx="0">
+            <a:schemeClr val="accent1"/>
+          </a:effectRef>
+          <a:fontRef idx="minor">
+            <a:schemeClr val="dk1"/>
+          </a:fontRef>
+        </p:style>
+        <p:txBody>
+          <a:bodyPr rot="0" spcFirstLastPara="0" vertOverflow="overflow" horzOverflow="overflow" vert="horz" wrap="square" lIns="91440" tIns="45720" rIns="91440" bIns="45720" numCol="1" spcCol="0" rtlCol="0" fromWordArt="0" anchor="ctr" anchorCtr="0" forceAA="0" compatLnSpc="1">
+            <a:prstTxWarp prst="textNoShape">
+              <a:avLst/>
+            </a:prstTxWarp>
+            <a:noAutofit/>
+          </a:bodyPr>
+          <a:lstStyle/>
+          <a:p>
+            <a:pPr algn="ctr"/>
+            <a:r>
+              <a:rPr lang="de-DE" dirty="0" err="1"/>
+              <a:t>Predict</a:t>
+            </a:r>
+            <a:r>
+              <a:rPr lang="de-DE" dirty="0"/>
+              <a:t> Model Parameters</a:t>
+            </a:r>
+          </a:p>
+        </p:txBody>
+      </p:sp>
+      <p:sp>
+        <p:nvSpPr>
+          <p:cNvPr id="16" name="Rechteck: abgerundete Ecken 15">
+            <a:extLst>
+              <a:ext uri="{FF2B5EF4-FFF2-40B4-BE49-F238E27FC236}">
+                <a16:creationId xmlns:a16="http://schemas.microsoft.com/office/drawing/2014/main" id="{BB0B4EA5-878D-8271-7D1C-1A082934784C}"/>
+              </a:ext>
+            </a:extLst>
+          </p:cNvPr>
+          <p:cNvSpPr/>
+          <p:nvPr/>
+        </p:nvSpPr>
+        <p:spPr>
+          <a:xfrm>
+            <a:off x="5935284" y="3163463"/>
+            <a:ext cx="2232248" cy="963726"/>
+          </a:xfrm>
+          <a:prstGeom prst="roundRect">
+            <a:avLst/>
+          </a:prstGeom>
+        </p:spPr>
+        <p:style>
+          <a:lnRef idx="2">
+            <a:schemeClr val="accent1"/>
+          </a:lnRef>
+          <a:fillRef idx="1">
+            <a:schemeClr val="lt1"/>
+          </a:fillRef>
+          <a:effectRef idx="0">
+            <a:schemeClr val="accent1"/>
+          </a:effectRef>
+          <a:fontRef idx="minor">
+            <a:schemeClr val="dk1"/>
+          </a:fontRef>
+        </p:style>
+        <p:txBody>
+          <a:bodyPr rot="0" spcFirstLastPara="0" vertOverflow="overflow" horzOverflow="overflow" vert="horz" wrap="square" lIns="91440" tIns="45720" rIns="91440" bIns="45720" numCol="1" spcCol="0" rtlCol="0" fromWordArt="0" anchor="ctr" anchorCtr="0" forceAA="0" compatLnSpc="1">
+            <a:prstTxWarp prst="textNoShape">
+              <a:avLst/>
+            </a:prstTxWarp>
+            <a:noAutofit/>
+          </a:bodyPr>
+          <a:lstStyle/>
+          <a:p>
+            <a:pPr algn="ctr"/>
+            <a:r>
+              <a:rPr lang="de-DE" dirty="0"/>
+              <a:t>Run Simulation</a:t>
+            </a:r>
+          </a:p>
+        </p:txBody>
+      </p:sp>
+      <p:sp>
+        <p:nvSpPr>
+          <p:cNvPr id="17" name="Rechteck: abgerundete Ecken 16">
+            <a:extLst>
+              <a:ext uri="{FF2B5EF4-FFF2-40B4-BE49-F238E27FC236}">
+                <a16:creationId xmlns:a16="http://schemas.microsoft.com/office/drawing/2014/main" id="{3449728B-672D-7AB6-C2EF-B996874FD672}"/>
+              </a:ext>
+            </a:extLst>
+          </p:cNvPr>
+          <p:cNvSpPr/>
+          <p:nvPr/>
+        </p:nvSpPr>
+        <p:spPr>
+          <a:xfrm>
+            <a:off x="8510872" y="3163463"/>
+            <a:ext cx="2825012" cy="963726"/>
+          </a:xfrm>
+          <a:prstGeom prst="roundRect">
+            <a:avLst/>
+          </a:prstGeom>
+        </p:spPr>
+        <p:style>
+          <a:lnRef idx="2">
+            <a:schemeClr val="accent1"/>
+          </a:lnRef>
+          <a:fillRef idx="1">
+            <a:schemeClr val="lt1"/>
+          </a:fillRef>
+          <a:effectRef idx="0">
+            <a:schemeClr val="accent1"/>
+          </a:effectRef>
+          <a:fontRef idx="minor">
+            <a:schemeClr val="dk1"/>
+          </a:fontRef>
+        </p:style>
+        <p:txBody>
+          <a:bodyPr rot="0" spcFirstLastPara="0" vertOverflow="overflow" horzOverflow="overflow" vert="horz" wrap="square" lIns="91440" tIns="45720" rIns="91440" bIns="45720" numCol="1" spcCol="0" rtlCol="0" fromWordArt="0" anchor="ctr" anchorCtr="0" forceAA="0" compatLnSpc="1">
+            <a:prstTxWarp prst="textNoShape">
+              <a:avLst/>
+            </a:prstTxWarp>
+            <a:noAutofit/>
+          </a:bodyPr>
+          <a:lstStyle/>
+          <a:p>
+            <a:pPr algn="ctr"/>
+            <a:r>
+              <a:rPr lang="de-DE" dirty="0"/>
+              <a:t>Power Demand </a:t>
+            </a:r>
+            <a:r>
+              <a:rPr lang="de-DE" dirty="0" err="1"/>
+              <a:t>critical</a:t>
+            </a:r>
+            <a:r>
+              <a:rPr lang="de-DE" dirty="0"/>
+              <a:t>?</a:t>
+            </a:r>
+          </a:p>
+          <a:p>
+            <a:pPr algn="ctr"/>
+            <a:r>
+              <a:rPr lang="de-DE" dirty="0"/>
+              <a:t>Yes/</a:t>
+            </a:r>
+            <a:r>
+              <a:rPr lang="de-DE" dirty="0" err="1"/>
+              <a:t>No</a:t>
+            </a:r>
+            <a:r>
+              <a:rPr lang="de-DE" dirty="0"/>
+              <a:t> </a:t>
+            </a:r>
+          </a:p>
+        </p:txBody>
+      </p:sp>
+      <p:cxnSp>
+        <p:nvCxnSpPr>
+          <p:cNvPr id="19" name="Gerade Verbindung mit Pfeil 18">
+            <a:extLst>
+              <a:ext uri="{FF2B5EF4-FFF2-40B4-BE49-F238E27FC236}">
+                <a16:creationId xmlns:a16="http://schemas.microsoft.com/office/drawing/2014/main" id="{A107CD90-56BD-70A1-F07C-BAEB2EE1908E}"/>
+              </a:ext>
+            </a:extLst>
+          </p:cNvPr>
+          <p:cNvCxnSpPr>
+            <a:stCxn id="11" idx="3"/>
+            <a:endCxn id="16" idx="1"/>
+          </p:cNvCxnSpPr>
+          <p:nvPr/>
+        </p:nvCxnSpPr>
+        <p:spPr>
+          <a:xfrm>
+            <a:off x="5591944" y="3645326"/>
+            <a:ext cx="343340" cy="0"/>
+          </a:xfrm>
+          <a:prstGeom prst="straightConnector1">
+            <a:avLst/>
+          </a:prstGeom>
+          <a:ln w="12700">
+            <a:tailEnd type="triangle"/>
+          </a:ln>
+        </p:spPr>
+        <p:style>
+          <a:lnRef idx="1">
+            <a:schemeClr val="accent1"/>
+          </a:lnRef>
+          <a:fillRef idx="0">
+            <a:schemeClr val="accent1"/>
+          </a:fillRef>
+          <a:effectRef idx="0">
+            <a:schemeClr val="accent1"/>
+          </a:effectRef>
+          <a:fontRef idx="minor">
+            <a:schemeClr val="tx1"/>
+          </a:fontRef>
+        </p:style>
+      </p:cxnSp>
+      <p:cxnSp>
+        <p:nvCxnSpPr>
+          <p:cNvPr id="20" name="Gerade Verbindung mit Pfeil 19">
+            <a:extLst>
+              <a:ext uri="{FF2B5EF4-FFF2-40B4-BE49-F238E27FC236}">
+                <a16:creationId xmlns:a16="http://schemas.microsoft.com/office/drawing/2014/main" id="{87012A44-74F4-634C-DE6C-BF6BEEF6118B}"/>
+              </a:ext>
+            </a:extLst>
+          </p:cNvPr>
+          <p:cNvCxnSpPr>
+            <a:cxnSpLocks/>
+            <a:stCxn id="16" idx="3"/>
+            <a:endCxn id="17" idx="1"/>
+          </p:cNvCxnSpPr>
+          <p:nvPr/>
+        </p:nvCxnSpPr>
+        <p:spPr>
+          <a:xfrm>
+            <a:off x="8167532" y="3645326"/>
+            <a:ext cx="343340" cy="0"/>
+          </a:xfrm>
+          <a:prstGeom prst="straightConnector1">
+            <a:avLst/>
+          </a:prstGeom>
+          <a:ln w="12700">
+            <a:tailEnd type="triangle"/>
+          </a:ln>
+        </p:spPr>
+        <p:style>
+          <a:lnRef idx="1">
+            <a:schemeClr val="accent1"/>
+          </a:lnRef>
+          <a:fillRef idx="0">
+            <a:schemeClr val="accent1"/>
+          </a:fillRef>
+          <a:effectRef idx="0">
+            <a:schemeClr val="accent1"/>
+          </a:effectRef>
+          <a:fontRef idx="minor">
+            <a:schemeClr val="tx1"/>
+          </a:fontRef>
+        </p:style>
+      </p:cxnSp>
+      <p:sp>
+        <p:nvSpPr>
+          <p:cNvPr id="9" name="Rechteck: abgerundete Ecken 8">
+            <a:extLst>
+              <a:ext uri="{FF2B5EF4-FFF2-40B4-BE49-F238E27FC236}">
+                <a16:creationId xmlns:a16="http://schemas.microsoft.com/office/drawing/2014/main" id="{BCF21B9B-E3F0-3CAD-6880-898CD2388701}"/>
+              </a:ext>
+            </a:extLst>
+          </p:cNvPr>
+          <p:cNvSpPr/>
+          <p:nvPr/>
+        </p:nvSpPr>
+        <p:spPr>
+          <a:xfrm>
+            <a:off x="784108" y="3163463"/>
+            <a:ext cx="2232248" cy="963726"/>
+          </a:xfrm>
+          <a:prstGeom prst="roundRect">
+            <a:avLst/>
+          </a:prstGeom>
+        </p:spPr>
+        <p:style>
+          <a:lnRef idx="2">
+            <a:schemeClr val="accent1"/>
+          </a:lnRef>
+          <a:fillRef idx="1">
+            <a:schemeClr val="lt1"/>
+          </a:fillRef>
+          <a:effectRef idx="0">
+            <a:schemeClr val="accent1"/>
+          </a:effectRef>
+          <a:fontRef idx="minor">
+            <a:schemeClr val="dk1"/>
+          </a:fontRef>
+        </p:style>
+        <p:txBody>
+          <a:bodyPr rot="0" spcFirstLastPara="0" vertOverflow="overflow" horzOverflow="overflow" vert="horz" wrap="square" lIns="91440" tIns="45720" rIns="91440" bIns="45720" numCol="1" spcCol="0" rtlCol="0" fromWordArt="0" anchor="ctr" anchorCtr="0" forceAA="0" compatLnSpc="1">
+            <a:prstTxWarp prst="textNoShape">
+              <a:avLst/>
+            </a:prstTxWarp>
+            <a:noAutofit/>
+          </a:bodyPr>
+          <a:lstStyle/>
+          <a:p>
+            <a:pPr algn="ctr"/>
+            <a:r>
+              <a:rPr lang="de-DE" dirty="0" err="1"/>
+              <a:t>Collect</a:t>
+            </a:r>
+            <a:r>
+              <a:rPr lang="de-DE" dirty="0"/>
+              <a:t> </a:t>
+            </a:r>
+            <a:r>
+              <a:rPr lang="de-DE" dirty="0" err="1"/>
+              <a:t>Social</a:t>
+            </a:r>
+            <a:r>
+              <a:rPr lang="de-DE" dirty="0"/>
+              <a:t> Media Posts</a:t>
+            </a:r>
+          </a:p>
+        </p:txBody>
+      </p:sp>
+      <p:cxnSp>
+        <p:nvCxnSpPr>
+          <p:cNvPr id="12" name="Gerade Verbindung mit Pfeil 11">
+            <a:extLst>
+              <a:ext uri="{FF2B5EF4-FFF2-40B4-BE49-F238E27FC236}">
+                <a16:creationId xmlns:a16="http://schemas.microsoft.com/office/drawing/2014/main" id="{C70F2CF7-B3EA-D2E6-B8EB-9E63240484BB}"/>
+              </a:ext>
+            </a:extLst>
+          </p:cNvPr>
+          <p:cNvCxnSpPr>
+            <a:stCxn id="9" idx="3"/>
+            <a:endCxn id="11" idx="1"/>
+          </p:cNvCxnSpPr>
+          <p:nvPr/>
+        </p:nvCxnSpPr>
+        <p:spPr>
+          <a:xfrm>
+            <a:off x="3016356" y="3645326"/>
+            <a:ext cx="343340" cy="0"/>
+          </a:xfrm>
+          <a:prstGeom prst="straightConnector1">
+            <a:avLst/>
+          </a:prstGeom>
+          <a:ln>
+            <a:tailEnd type="triangle"/>
+          </a:ln>
+        </p:spPr>
+        <p:style>
+          <a:lnRef idx="1">
+            <a:schemeClr val="accent1"/>
+          </a:lnRef>
+          <a:fillRef idx="0">
+            <a:schemeClr val="accent1"/>
+          </a:fillRef>
+          <a:effectRef idx="0">
+            <a:schemeClr val="accent1"/>
+          </a:effectRef>
+          <a:fontRef idx="minor">
+            <a:schemeClr val="tx1"/>
+          </a:fontRef>
+        </p:style>
+      </p:cxnSp>
     </p:spTree>
     <p:extLst>
       <p:ext uri="{BB962C8B-B14F-4D97-AF65-F5344CB8AC3E}">
-        <p14:creationId xmlns:p14="http://schemas.microsoft.com/office/powerpoint/2010/main" val="1397596427"/>
+        <p14:creationId xmlns:p14="http://schemas.microsoft.com/office/powerpoint/2010/main" val="1747414230"/>
       </p:ext>
     </p:extLst>
   </p:cSld>
@@ -5815,7 +6338,77 @@
           <p:cNvPr id="2" name="Titel 1">
             <a:extLst>
               <a:ext uri="{FF2B5EF4-FFF2-40B4-BE49-F238E27FC236}">
-                <a16:creationId xmlns:a16="http://schemas.microsoft.com/office/drawing/2014/main" id="{2167283E-B13C-D7A0-C0E6-63BAA8FC9A3E}"/>
+                <a16:creationId xmlns:a16="http://schemas.microsoft.com/office/drawing/2014/main" id="{1B4E87CA-8FA7-CF05-AD3F-6B6FF62444A7}"/>
+              </a:ext>
+            </a:extLst>
+          </p:cNvPr>
+          <p:cNvSpPr>
+            <a:spLocks noGrp="1"/>
+          </p:cNvSpPr>
+          <p:nvPr>
+            <p:ph type="title"/>
+          </p:nvPr>
+        </p:nvSpPr>
+        <p:spPr>
+          <a:xfrm>
+            <a:off x="839416" y="3044830"/>
+            <a:ext cx="8561940" cy="1362075"/>
+          </a:xfrm>
+        </p:spPr>
+        <p:txBody>
+          <a:bodyPr/>
+          <a:lstStyle/>
+          <a:p>
+            <a:br>
+              <a:rPr lang="de-DE" dirty="0"/>
+            </a:br>
+            <a:r>
+              <a:rPr lang="de-DE" dirty="0"/>
+              <a:t>Case Studies</a:t>
+            </a:r>
+            <a:br>
+              <a:rPr lang="de-DE" dirty="0"/>
+            </a:br>
+            <a:endParaRPr lang="en-US" dirty="0"/>
+          </a:p>
+        </p:txBody>
+      </p:sp>
+    </p:spTree>
+    <p:extLst>
+      <p:ext uri="{BB962C8B-B14F-4D97-AF65-F5344CB8AC3E}">
+        <p14:creationId xmlns:p14="http://schemas.microsoft.com/office/powerpoint/2010/main" val="1397596427"/>
+      </p:ext>
+    </p:extLst>
+  </p:cSld>
+  <p:clrMapOvr>
+    <a:masterClrMapping/>
+  </p:clrMapOvr>
+</p:sld>
+</file>
+
+<file path=ppt/slides/slide12.xml><?xml version="1.0" encoding="utf-8"?>
+<p:sld xmlns:a="http://schemas.openxmlformats.org/drawingml/2006/main" xmlns:r="http://schemas.openxmlformats.org/officeDocument/2006/relationships" xmlns:p="http://schemas.openxmlformats.org/presentationml/2006/main">
+  <p:cSld>
+    <p:spTree>
+      <p:nvGrpSpPr>
+        <p:cNvPr id="1" name=""/>
+        <p:cNvGrpSpPr/>
+        <p:nvPr/>
+      </p:nvGrpSpPr>
+      <p:grpSpPr>
+        <a:xfrm>
+          <a:off x="0" y="0"/>
+          <a:ext cx="0" cy="0"/>
+          <a:chOff x="0" y="0"/>
+          <a:chExt cx="0" cy="0"/>
+        </a:xfrm>
+      </p:grpSpPr>
+      <p:sp>
+        <p:nvSpPr>
+          <p:cNvPr id="2" name="Titel 1">
+            <a:extLst>
+              <a:ext uri="{FF2B5EF4-FFF2-40B4-BE49-F238E27FC236}">
+                <a16:creationId xmlns:a16="http://schemas.microsoft.com/office/drawing/2014/main" id="{907813E5-8118-30EB-C377-B19CF76B1068}"/>
               </a:ext>
             </a:extLst>
           </p:cNvPr>
@@ -5851,7 +6444,7 @@
           <p:cNvPr id="5" name="Rechteck: abgerundete Ecken 4">
             <a:extLst>
               <a:ext uri="{FF2B5EF4-FFF2-40B4-BE49-F238E27FC236}">
-                <a16:creationId xmlns:a16="http://schemas.microsoft.com/office/drawing/2014/main" id="{800B1B94-8F1F-F96B-98A2-A38B461F6DF3}"/>
+                <a16:creationId xmlns:a16="http://schemas.microsoft.com/office/drawing/2014/main" id="{7110DCA3-FC31-510C-09A8-0B196149E5B9}"/>
               </a:ext>
             </a:extLst>
           </p:cNvPr>
@@ -5860,8 +6453,8 @@
         </p:nvSpPr>
         <p:spPr>
           <a:xfrm>
-            <a:off x="464433" y="1988840"/>
-            <a:ext cx="2808312" cy="3987324"/>
+            <a:off x="5159896" y="1988840"/>
+            <a:ext cx="6408712" cy="3987324"/>
           </a:xfrm>
           <a:prstGeom prst="roundRect">
             <a:avLst/>
@@ -5909,11 +6502,7 @@
                 <a:spcPts val="230"/>
               </a:spcAft>
             </a:pPr>
-            <a:r>
-              <a:rPr lang="en-US" sz="1800" b="1" dirty="0"/>
-              <a:t>Demand Response Scenario: </a:t>
-            </a:r>
-            <a:endParaRPr lang="en-US" dirty="0"/>
+            <a:endParaRPr lang="en-US" sz="1800" b="1" dirty="0"/>
           </a:p>
           <a:p>
             <a:pPr marL="180000">
@@ -5924,109 +6513,7 @@
                 <a:spcPts val="230"/>
               </a:spcAft>
             </a:pPr>
-            <a:r>
-              <a:rPr lang="en-US" sz="1800" b="0" dirty="0"/>
-              <a:t>A false advertisement for reduced electricity price for a limited time </a:t>
-            </a:r>
-            <a:r>
-              <a:rPr lang="en-US" dirty="0"/>
-              <a:t>spreads through social media.</a:t>
-            </a:r>
-          </a:p>
-          <a:p>
-            <a:pPr marL="180000">
-              <a:spcBef>
-                <a:spcPts val="200"/>
-              </a:spcBef>
-              <a:spcAft>
-                <a:spcPts val="230"/>
-              </a:spcAft>
-            </a:pPr>
-            <a:endParaRPr lang="de-DE" sz="1800" b="0" dirty="0"/>
-          </a:p>
-          <a:p>
-            <a:pPr marL="285750" indent="-285750">
-              <a:buFont typeface="Wingdings" panose="05000000000000000000" pitchFamily="2" charset="2"/>
-              <a:buChar char="è"/>
-            </a:pPr>
-            <a:endParaRPr lang="de-DE" dirty="0"/>
-          </a:p>
-          <a:p>
-            <a:pPr marL="285750" indent="-285750">
-              <a:buFont typeface="Wingdings" panose="05000000000000000000" pitchFamily="2" charset="2"/>
-              <a:buChar char="è"/>
-            </a:pPr>
-            <a:endParaRPr lang="de-DE" dirty="0"/>
-          </a:p>
-          <a:p>
-            <a:pPr marL="285750" indent="-285750">
-              <a:buFont typeface="Wingdings" panose="05000000000000000000" pitchFamily="2" charset="2"/>
-              <a:buChar char="è"/>
-            </a:pPr>
-            <a:endParaRPr lang="de-DE" sz="1800" b="0" dirty="0"/>
-          </a:p>
-          <a:p>
-            <a:pPr marL="285750" indent="-285750">
-              <a:buFont typeface="Wingdings" panose="05000000000000000000" pitchFamily="2" charset="2"/>
-              <a:buChar char="è"/>
-            </a:pPr>
-            <a:endParaRPr lang="de-DE" sz="1800" b="0" dirty="0"/>
-          </a:p>
-        </p:txBody>
-      </p:sp>
-      <p:sp>
-        <p:nvSpPr>
-          <p:cNvPr id="6" name="Rechteck: abgerundete Ecken 5">
-            <a:extLst>
-              <a:ext uri="{FF2B5EF4-FFF2-40B4-BE49-F238E27FC236}">
-                <a16:creationId xmlns:a16="http://schemas.microsoft.com/office/drawing/2014/main" id="{B14AAEB7-AE9A-CED3-5CB3-B73B8C9A10D3}"/>
-              </a:ext>
-            </a:extLst>
-          </p:cNvPr>
-          <p:cNvSpPr/>
-          <p:nvPr/>
-        </p:nvSpPr>
-        <p:spPr>
-          <a:xfrm>
-            <a:off x="3950703" y="1988840"/>
-            <a:ext cx="7617905" cy="3987324"/>
-          </a:xfrm>
-          <a:prstGeom prst="roundRect">
-            <a:avLst/>
-          </a:prstGeom>
-        </p:spPr>
-        <p:style>
-          <a:lnRef idx="2">
-            <a:schemeClr val="accent1"/>
-          </a:lnRef>
-          <a:fillRef idx="1">
-            <a:schemeClr val="lt1"/>
-          </a:fillRef>
-          <a:effectRef idx="0">
-            <a:schemeClr val="accent1"/>
-          </a:effectRef>
-          <a:fontRef idx="minor">
-            <a:schemeClr val="dk1"/>
-          </a:fontRef>
-        </p:style>
-        <p:txBody>
-          <a:bodyPr rot="0" spcFirstLastPara="0" vertOverflow="overflow" horzOverflow="overflow" vert="horz" wrap="square" lIns="91440" tIns="45720" rIns="91440" bIns="45720" numCol="1" spcCol="0" rtlCol="0" fromWordArt="0" anchor="ctr" anchorCtr="0" forceAA="0" compatLnSpc="1">
-            <a:prstTxWarp prst="textNoShape">
-              <a:avLst/>
-            </a:prstTxWarp>
-            <a:noAutofit/>
-          </a:bodyPr>
-          <a:lstStyle/>
-          <a:p>
-            <a:pPr marL="180000">
-              <a:spcBef>
-                <a:spcPts val="200"/>
-              </a:spcBef>
-              <a:spcAft>
-                <a:spcPts val="230"/>
-              </a:spcAft>
-            </a:pPr>
-            <a:endParaRPr lang="en-US" sz="1800" b="0" dirty="0"/>
+            <a:endParaRPr lang="en-US" b="1" dirty="0"/>
           </a:p>
           <a:p>
             <a:pPr marL="180000">
@@ -6038,28 +6525,6 @@
               </a:spcAft>
             </a:pPr>
             <a:endParaRPr lang="en-US" sz="1800" b="1" dirty="0"/>
-          </a:p>
-          <a:p>
-            <a:pPr marL="180000">
-              <a:spcBef>
-                <a:spcPts val="200"/>
-              </a:spcBef>
-              <a:spcAft>
-                <a:spcPts val="230"/>
-              </a:spcAft>
-            </a:pPr>
-            <a:endParaRPr lang="en-US" sz="1800" b="1" dirty="0"/>
-          </a:p>
-          <a:p>
-            <a:pPr marL="180000">
-              <a:spcBef>
-                <a:spcPts val="200"/>
-              </a:spcBef>
-              <a:spcAft>
-                <a:spcPts val="230"/>
-              </a:spcAft>
-            </a:pPr>
-            <a:endParaRPr lang="en-US" b="1" dirty="0"/>
           </a:p>
           <a:p>
             <a:pPr marL="180000">
@@ -6207,10 +6672,10 @@
       </p:sp>
       <p:sp>
         <p:nvSpPr>
-          <p:cNvPr id="7" name="Pfeil: nach rechts 6">
+          <p:cNvPr id="8" name="Pfeil: nach rechts 7">
             <a:extLst>
               <a:ext uri="{FF2B5EF4-FFF2-40B4-BE49-F238E27FC236}">
-                <a16:creationId xmlns:a16="http://schemas.microsoft.com/office/drawing/2014/main" id="{EE71F729-7DAA-E052-E530-770FA729F4A5}"/>
+                <a16:creationId xmlns:a16="http://schemas.microsoft.com/office/drawing/2014/main" id="{2CE2FE08-82E4-9D65-7C8A-815C99A49BCD}"/>
               </a:ext>
             </a:extLst>
           </p:cNvPr>
@@ -6219,7 +6684,7 @@
         </p:nvSpPr>
         <p:spPr>
           <a:xfrm>
-            <a:off x="3359696" y="3714024"/>
+            <a:off x="4569479" y="4770786"/>
             <a:ext cx="504056" cy="432048"/>
           </a:xfrm>
           <a:prstGeom prst="rightArrow">
@@ -6256,10 +6721,192 @@
           </a:p>
         </p:txBody>
       </p:sp>
+      <p:pic>
+        <p:nvPicPr>
+          <p:cNvPr id="7" name="Grafik 6" descr="Ein Bild, das Text, Screenshot, Schrift, Zahl enthält.&#10;&#10;Automatisch generierte Beschreibung">
+            <a:extLst>
+              <a:ext uri="{FF2B5EF4-FFF2-40B4-BE49-F238E27FC236}">
+                <a16:creationId xmlns:a16="http://schemas.microsoft.com/office/drawing/2014/main" id="{23B00DB0-7FA5-8472-3F6E-5EBFA5085A4B}"/>
+              </a:ext>
+            </a:extLst>
+          </p:cNvPr>
+          <p:cNvPicPr>
+            <a:picLocks noChangeAspect="1"/>
+          </p:cNvPicPr>
+          <p:nvPr/>
+        </p:nvPicPr>
+        <p:blipFill rotWithShape="1">
+          <a:blip r:embed="rId3">
+            <a:extLst>
+              <a:ext uri="{28A0092B-C50C-407E-A947-70E740481C1C}">
+                <a14:useLocalDpi xmlns:a14="http://schemas.microsoft.com/office/drawing/2010/main" val="0"/>
+              </a:ext>
+            </a:extLst>
+          </a:blip>
+          <a:srcRect b="18431"/>
+          <a:stretch/>
+        </p:blipFill>
+        <p:spPr>
+          <a:xfrm>
+            <a:off x="267389" y="1857577"/>
+            <a:ext cx="4605998" cy="2291503"/>
+          </a:xfrm>
+          <a:prstGeom prst="rect">
+            <a:avLst/>
+          </a:prstGeom>
+          <a:solidFill>
+            <a:srgbClr val="FFFFFF">
+              <a:shade val="85000"/>
+            </a:srgbClr>
+          </a:solidFill>
+          <a:ln w="88900" cap="sq">
+            <a:solidFill>
+              <a:srgbClr val="FFFFFF"/>
+            </a:solidFill>
+            <a:miter lim="800000"/>
+          </a:ln>
+          <a:effectLst>
+            <a:outerShdw blurRad="55000" dist="18000" dir="5400000" algn="tl" rotWithShape="0">
+              <a:srgbClr val="000000">
+                <a:alpha val="40000"/>
+              </a:srgbClr>
+            </a:outerShdw>
+          </a:effectLst>
+          <a:scene3d>
+            <a:camera prst="orthographicFront"/>
+            <a:lightRig rig="twoPt" dir="t">
+              <a:rot lat="0" lon="0" rev="7200000"/>
+            </a:lightRig>
+          </a:scene3d>
+          <a:sp3d>
+            <a:bevelT w="25400" h="19050"/>
+            <a:contourClr>
+              <a:srgbClr val="FFFFFF"/>
+            </a:contourClr>
+          </a:sp3d>
+        </p:spPr>
+      </p:pic>
+      <p:sp>
+        <p:nvSpPr>
+          <p:cNvPr id="9" name="Rechteck: abgerundete Ecken 8">
+            <a:extLst>
+              <a:ext uri="{FF2B5EF4-FFF2-40B4-BE49-F238E27FC236}">
+                <a16:creationId xmlns:a16="http://schemas.microsoft.com/office/drawing/2014/main" id="{D08AB990-FF26-09C9-59FB-A864E6F28C25}"/>
+              </a:ext>
+            </a:extLst>
+          </p:cNvPr>
+          <p:cNvSpPr/>
+          <p:nvPr/>
+        </p:nvSpPr>
+        <p:spPr>
+          <a:xfrm>
+            <a:off x="457843" y="4302962"/>
+            <a:ext cx="4018686" cy="1673202"/>
+          </a:xfrm>
+          <a:prstGeom prst="roundRect">
+            <a:avLst/>
+          </a:prstGeom>
+        </p:spPr>
+        <p:style>
+          <a:lnRef idx="2">
+            <a:schemeClr val="accent1"/>
+          </a:lnRef>
+          <a:fillRef idx="1">
+            <a:schemeClr val="lt1"/>
+          </a:fillRef>
+          <a:effectRef idx="0">
+            <a:schemeClr val="accent1"/>
+          </a:effectRef>
+          <a:fontRef idx="minor">
+            <a:schemeClr val="dk1"/>
+          </a:fontRef>
+        </p:style>
+        <p:txBody>
+          <a:bodyPr rot="0" spcFirstLastPara="0" vertOverflow="overflow" horzOverflow="overflow" vert="horz" wrap="square" lIns="91440" tIns="45720" rIns="91440" bIns="45720" numCol="1" spcCol="0" rtlCol="0" fromWordArt="0" anchor="ctr" anchorCtr="0" forceAA="0" compatLnSpc="1">
+            <a:prstTxWarp prst="textNoShape">
+              <a:avLst/>
+            </a:prstTxWarp>
+            <a:noAutofit/>
+          </a:bodyPr>
+          <a:lstStyle/>
+          <a:p>
+            <a:pPr marL="180000">
+              <a:spcBef>
+                <a:spcPts val="200"/>
+              </a:spcBef>
+              <a:spcAft>
+                <a:spcPts val="230"/>
+              </a:spcAft>
+            </a:pPr>
+            <a:endParaRPr lang="en-US" sz="1800" b="0" dirty="0"/>
+          </a:p>
+          <a:p>
+            <a:pPr marL="180000">
+              <a:spcBef>
+                <a:spcPts val="200"/>
+              </a:spcBef>
+              <a:spcAft>
+                <a:spcPts val="230"/>
+              </a:spcAft>
+            </a:pPr>
+            <a:endParaRPr lang="en-US" b="1" dirty="0"/>
+          </a:p>
+          <a:p>
+            <a:pPr marL="180000">
+              <a:spcBef>
+                <a:spcPts val="200"/>
+              </a:spcBef>
+              <a:spcAft>
+                <a:spcPts val="230"/>
+              </a:spcAft>
+            </a:pPr>
+            <a:r>
+              <a:rPr lang="en-US" sz="1800" b="1" dirty="0"/>
+              <a:t>Demand Response Scenario: </a:t>
+            </a:r>
+            <a:endParaRPr lang="en-US" dirty="0"/>
+          </a:p>
+          <a:p>
+            <a:pPr marL="180000">
+              <a:spcBef>
+                <a:spcPts val="200"/>
+              </a:spcBef>
+              <a:spcAft>
+                <a:spcPts val="230"/>
+              </a:spcAft>
+            </a:pPr>
+            <a:r>
+              <a:rPr lang="en-US" sz="1800" b="0" dirty="0"/>
+              <a:t>A false advertisement for reduced electricity price for a limited time </a:t>
+            </a:r>
+            <a:r>
+              <a:rPr lang="en-US" dirty="0"/>
+              <a:t>spreads through social media.</a:t>
+            </a:r>
+          </a:p>
+          <a:p>
+            <a:endParaRPr lang="de-DE" sz="1800" b="0" dirty="0"/>
+          </a:p>
+          <a:p>
+            <a:pPr marL="285750" indent="-285750">
+              <a:buFont typeface="Wingdings" panose="05000000000000000000" pitchFamily="2" charset="2"/>
+              <a:buChar char="è"/>
+            </a:pPr>
+            <a:endParaRPr lang="de-DE" sz="1800" b="0" dirty="0"/>
+          </a:p>
+          <a:p>
+            <a:pPr marL="285750" indent="-285750">
+              <a:buFont typeface="Wingdings" panose="05000000000000000000" pitchFamily="2" charset="2"/>
+              <a:buChar char="è"/>
+            </a:pPr>
+            <a:endParaRPr lang="de-DE" sz="1800" b="0" dirty="0"/>
+          </a:p>
+        </p:txBody>
+      </p:sp>
     </p:spTree>
     <p:extLst>
       <p:ext uri="{BB962C8B-B14F-4D97-AF65-F5344CB8AC3E}">
-        <p14:creationId xmlns:p14="http://schemas.microsoft.com/office/powerpoint/2010/main" val="2861065865"/>
+        <p14:creationId xmlns:p14="http://schemas.microsoft.com/office/powerpoint/2010/main" val="686737986"/>
       </p:ext>
     </p:extLst>
   </p:cSld>
@@ -6269,7 +6916,7 @@
 </p:sld>
 </file>
 
-<file path=ppt/slides/slide12.xml><?xml version="1.0" encoding="utf-8"?>
+<file path=ppt/slides/slide13.xml><?xml version="1.0" encoding="utf-8"?>
 <p:sld xmlns:a="http://schemas.openxmlformats.org/drawingml/2006/main" xmlns:r="http://schemas.openxmlformats.org/officeDocument/2006/relationships" xmlns:p="http://schemas.openxmlformats.org/presentationml/2006/main">
   <p:cSld>
     <p:spTree>
@@ -6370,7 +7017,7 @@
 </p:sld>
 </file>
 
-<file path=ppt/slides/slide13.xml><?xml version="1.0" encoding="utf-8"?>
+<file path=ppt/slides/slide14.xml><?xml version="1.0" encoding="utf-8"?>
 <p:sld xmlns:a="http://schemas.openxmlformats.org/drawingml/2006/main" xmlns:r="http://schemas.openxmlformats.org/officeDocument/2006/relationships" xmlns:p="http://schemas.openxmlformats.org/presentationml/2006/main" show="0">
   <p:cSld>
     <p:spTree>
@@ -6803,7 +7450,7 @@
 </p:sld>
 </file>
 
-<file path=ppt/slides/slide14.xml><?xml version="1.0" encoding="utf-8"?>
+<file path=ppt/slides/slide15.xml><?xml version="1.0" encoding="utf-8"?>
 <p:sld xmlns:a="http://schemas.openxmlformats.org/drawingml/2006/main" xmlns:r="http://schemas.openxmlformats.org/officeDocument/2006/relationships" xmlns:p="http://schemas.openxmlformats.org/presentationml/2006/main" show="0">
   <p:cSld>
     <p:spTree>
@@ -7041,7 +7688,7 @@
 </p:sld>
 </file>
 
-<file path=ppt/slides/slide15.xml><?xml version="1.0" encoding="utf-8"?>
+<file path=ppt/slides/slide16.xml><?xml version="1.0" encoding="utf-8"?>
 <p:sld xmlns:a="http://schemas.openxmlformats.org/drawingml/2006/main" xmlns:r="http://schemas.openxmlformats.org/officeDocument/2006/relationships" xmlns:p="http://schemas.openxmlformats.org/presentationml/2006/main">
   <p:cSld>
     <p:spTree>
@@ -7109,8 +7756,8 @@
         </p:nvSpPr>
         <p:spPr>
           <a:xfrm>
-            <a:off x="464432" y="1988840"/>
-            <a:ext cx="3471327" cy="1944216"/>
+            <a:off x="457843" y="4302962"/>
+            <a:ext cx="4018686" cy="1673202"/>
           </a:xfrm>
           <a:prstGeom prst="roundRect">
             <a:avLst/>
@@ -7212,8 +7859,8 @@
           </a:p>
         </p:txBody>
       </p:sp>
-      <mc:AlternateContent xmlns:mc="http://schemas.openxmlformats.org/markup-compatibility/2006">
-        <mc:Choice xmlns:a14="http://schemas.microsoft.com/office/drawing/2010/main" Requires="a14">
+      <mc:AlternateContent xmlns:mc="http://schemas.openxmlformats.org/markup-compatibility/2006" xmlns:a14="http://schemas.microsoft.com/office/drawing/2010/main">
+        <mc:Choice Requires="a14">
           <p:sp>
             <p:nvSpPr>
               <p:cNvPr id="5" name="Rechteck: abgerundete Ecken 4">
@@ -7228,8 +7875,8 @@
             </p:nvSpPr>
             <p:spPr>
               <a:xfrm>
-                <a:off x="4943872" y="1988840"/>
-                <a:ext cx="6624736" cy="3987324"/>
+                <a:off x="5159896" y="1988840"/>
+                <a:ext cx="6408712" cy="3987324"/>
               </a:xfrm>
               <a:prstGeom prst="roundRect">
                 <a:avLst/>
@@ -7392,8 +8039,13 @@
                 </a14:m>
                 <a:r>
                   <a:rPr lang="en-US" dirty="0"/>
-                  <a:t> of all households have an electric car</a:t>
+                  <a:t> of all households have an electric car. </a:t>
                 </a:r>
+                <a:r>
+                  <a:rPr lang="en-US"/>
+                  <a:t>Load: 1,75kWh per 15 mins</a:t>
+                </a:r>
+                <a:endParaRPr lang="en-US" dirty="0"/>
               </a:p>
               <a:p>
                 <a:pPr marL="465750" indent="-285750">
@@ -7478,7 +8130,7 @@
             </p:txBody>
           </p:sp>
         </mc:Choice>
-        <mc:Fallback>
+        <mc:Fallback xmlns="">
           <p:sp>
             <p:nvSpPr>
               <p:cNvPr id="5" name="Rechteck: abgerundete Ecken 4">
@@ -7495,8 +8147,8 @@
             </p:nvSpPr>
             <p:spPr>
               <a:xfrm>
-                <a:off x="4943872" y="1988840"/>
-                <a:ext cx="6624736" cy="3987324"/>
+                <a:off x="5159896" y="1988840"/>
+                <a:ext cx="6408712" cy="3987324"/>
               </a:xfrm>
               <a:prstGeom prst="roundRect">
                 <a:avLst/>
@@ -7537,7 +8189,7 @@
         </p:nvSpPr>
         <p:spPr>
           <a:xfrm>
-            <a:off x="4264224" y="2727678"/>
+            <a:off x="4562890" y="4770786"/>
             <a:ext cx="504056" cy="432048"/>
           </a:xfrm>
           <a:prstGeom prst="rightArrow">
@@ -7601,12 +8253,42 @@
         </p:blipFill>
         <p:spPr>
           <a:xfrm>
-            <a:off x="262382" y="4157675"/>
-            <a:ext cx="4487807" cy="2211375"/>
+            <a:off x="255793" y="1857724"/>
+            <a:ext cx="4616071" cy="2274577"/>
           </a:xfrm>
           <a:prstGeom prst="rect">
             <a:avLst/>
           </a:prstGeom>
+          <a:solidFill>
+            <a:srgbClr val="FFFFFF">
+              <a:shade val="85000"/>
+            </a:srgbClr>
+          </a:solidFill>
+          <a:ln w="88900" cap="sq">
+            <a:solidFill>
+              <a:srgbClr val="FFFFFF"/>
+            </a:solidFill>
+            <a:miter lim="800000"/>
+          </a:ln>
+          <a:effectLst>
+            <a:outerShdw blurRad="55000" dist="18000" dir="5400000" algn="tl" rotWithShape="0">
+              <a:srgbClr val="000000">
+                <a:alpha val="40000"/>
+              </a:srgbClr>
+            </a:outerShdw>
+          </a:effectLst>
+          <a:scene3d>
+            <a:camera prst="orthographicFront"/>
+            <a:lightRig rig="twoPt" dir="t">
+              <a:rot lat="0" lon="0" rev="7200000"/>
+            </a:lightRig>
+          </a:scene3d>
+          <a:sp3d>
+            <a:bevelT w="25400" h="19050"/>
+            <a:contourClr>
+              <a:srgbClr val="FFFFFF"/>
+            </a:contourClr>
+          </a:sp3d>
         </p:spPr>
       </p:pic>
     </p:spTree>
@@ -7622,7 +8304,7 @@
 </p:sld>
 </file>
 
-<file path=ppt/slides/slide16.xml><?xml version="1.0" encoding="utf-8"?>
+<file path=ppt/slides/slide17.xml><?xml version="1.0" encoding="utf-8"?>
 <p:sld xmlns:a="http://schemas.openxmlformats.org/drawingml/2006/main" xmlns:r="http://schemas.openxmlformats.org/officeDocument/2006/relationships" xmlns:p="http://schemas.openxmlformats.org/presentationml/2006/main">
   <p:cSld>
     <p:spTree>
@@ -7724,7 +8406,7 @@
 </p:sld>
 </file>
 
-<file path=ppt/slides/slide17.xml><?xml version="1.0" encoding="utf-8"?>
+<file path=ppt/slides/slide18.xml><?xml version="1.0" encoding="utf-8"?>
 <p:sld xmlns:a="http://schemas.openxmlformats.org/drawingml/2006/main" xmlns:r="http://schemas.openxmlformats.org/officeDocument/2006/relationships" xmlns:p="http://schemas.openxmlformats.org/presentationml/2006/main">
   <p:cSld>
     <p:spTree>
@@ -7820,7 +8502,7 @@
 </p:sld>
 </file>
 
-<file path=ppt/slides/slide18.xml><?xml version="1.0" encoding="utf-8"?>
+<file path=ppt/slides/slide19.xml><?xml version="1.0" encoding="utf-8"?>
 <p:sld xmlns:a="http://schemas.openxmlformats.org/drawingml/2006/main" xmlns:r="http://schemas.openxmlformats.org/officeDocument/2006/relationships" xmlns:p="http://schemas.openxmlformats.org/presentationml/2006/main">
   <p:cSld>
     <p:spTree>
@@ -7973,76 +8655,6 @@
     <p:extLst>
       <p:ext uri="{BB962C8B-B14F-4D97-AF65-F5344CB8AC3E}">
         <p14:creationId xmlns:p14="http://schemas.microsoft.com/office/powerpoint/2010/main" val="2159354423"/>
-      </p:ext>
-    </p:extLst>
-  </p:cSld>
-  <p:clrMapOvr>
-    <a:masterClrMapping/>
-  </p:clrMapOvr>
-</p:sld>
-</file>
-
-<file path=ppt/slides/slide19.xml><?xml version="1.0" encoding="utf-8"?>
-<p:sld xmlns:a="http://schemas.openxmlformats.org/drawingml/2006/main" xmlns:r="http://schemas.openxmlformats.org/officeDocument/2006/relationships" xmlns:p="http://schemas.openxmlformats.org/presentationml/2006/main">
-  <p:cSld>
-    <p:spTree>
-      <p:nvGrpSpPr>
-        <p:cNvPr id="1" name=""/>
-        <p:cNvGrpSpPr/>
-        <p:nvPr/>
-      </p:nvGrpSpPr>
-      <p:grpSpPr>
-        <a:xfrm>
-          <a:off x="0" y="0"/>
-          <a:ext cx="0" cy="0"/>
-          <a:chOff x="0" y="0"/>
-          <a:chExt cx="0" cy="0"/>
-        </a:xfrm>
-      </p:grpSpPr>
-      <p:sp>
-        <p:nvSpPr>
-          <p:cNvPr id="2" name="Titel 1">
-            <a:extLst>
-              <a:ext uri="{FF2B5EF4-FFF2-40B4-BE49-F238E27FC236}">
-                <a16:creationId xmlns:a16="http://schemas.microsoft.com/office/drawing/2014/main" id="{1B4E87CA-8FA7-CF05-AD3F-6B6FF62444A7}"/>
-              </a:ext>
-            </a:extLst>
-          </p:cNvPr>
-          <p:cNvSpPr>
-            <a:spLocks noGrp="1"/>
-          </p:cNvSpPr>
-          <p:nvPr>
-            <p:ph type="title"/>
-          </p:nvPr>
-        </p:nvSpPr>
-        <p:spPr>
-          <a:xfrm>
-            <a:off x="839416" y="3044830"/>
-            <a:ext cx="8561940" cy="1362075"/>
-          </a:xfrm>
-        </p:spPr>
-        <p:txBody>
-          <a:bodyPr/>
-          <a:lstStyle/>
-          <a:p>
-            <a:br>
-              <a:rPr lang="de-DE" dirty="0"/>
-            </a:br>
-            <a:r>
-              <a:rPr lang="de-DE" dirty="0"/>
-              <a:t>Questions?</a:t>
-            </a:r>
-            <a:br>
-              <a:rPr lang="de-DE" dirty="0"/>
-            </a:br>
-            <a:endParaRPr lang="en-US" dirty="0"/>
-          </a:p>
-        </p:txBody>
-      </p:sp>
-    </p:spTree>
-    <p:extLst>
-      <p:ext uri="{BB962C8B-B14F-4D97-AF65-F5344CB8AC3E}">
-        <p14:creationId xmlns:p14="http://schemas.microsoft.com/office/powerpoint/2010/main" val="657650649"/>
       </p:ext>
     </p:extLst>
   </p:cSld>
@@ -8325,7 +8937,451 @@
 </p:sld>
 </file>
 
+<file path=ppt/slides/slide20.xml><?xml version="1.0" encoding="utf-8"?>
+<p:sld xmlns:a="http://schemas.openxmlformats.org/drawingml/2006/main" xmlns:r="http://schemas.openxmlformats.org/officeDocument/2006/relationships" xmlns:p="http://schemas.openxmlformats.org/presentationml/2006/main">
+  <p:cSld>
+    <p:spTree>
+      <p:nvGrpSpPr>
+        <p:cNvPr id="1" name=""/>
+        <p:cNvGrpSpPr/>
+        <p:nvPr/>
+      </p:nvGrpSpPr>
+      <p:grpSpPr>
+        <a:xfrm>
+          <a:off x="0" y="0"/>
+          <a:ext cx="0" cy="0"/>
+          <a:chOff x="0" y="0"/>
+          <a:chExt cx="0" cy="0"/>
+        </a:xfrm>
+      </p:grpSpPr>
+      <p:sp>
+        <p:nvSpPr>
+          <p:cNvPr id="2" name="Titel 1">
+            <a:extLst>
+              <a:ext uri="{FF2B5EF4-FFF2-40B4-BE49-F238E27FC236}">
+                <a16:creationId xmlns:a16="http://schemas.microsoft.com/office/drawing/2014/main" id="{1B4E87CA-8FA7-CF05-AD3F-6B6FF62444A7}"/>
+              </a:ext>
+            </a:extLst>
+          </p:cNvPr>
+          <p:cNvSpPr>
+            <a:spLocks noGrp="1"/>
+          </p:cNvSpPr>
+          <p:nvPr>
+            <p:ph type="title"/>
+          </p:nvPr>
+        </p:nvSpPr>
+        <p:spPr>
+          <a:xfrm>
+            <a:off x="839416" y="3044830"/>
+            <a:ext cx="8561940" cy="1362075"/>
+          </a:xfrm>
+        </p:spPr>
+        <p:txBody>
+          <a:bodyPr/>
+          <a:lstStyle/>
+          <a:p>
+            <a:br>
+              <a:rPr lang="de-DE" dirty="0"/>
+            </a:br>
+            <a:r>
+              <a:rPr lang="de-DE" dirty="0"/>
+              <a:t>Questions?</a:t>
+            </a:r>
+            <a:br>
+              <a:rPr lang="de-DE" dirty="0"/>
+            </a:br>
+            <a:endParaRPr lang="en-US" dirty="0"/>
+          </a:p>
+        </p:txBody>
+      </p:sp>
+    </p:spTree>
+    <p:extLst>
+      <p:ext uri="{BB962C8B-B14F-4D97-AF65-F5344CB8AC3E}">
+        <p14:creationId xmlns:p14="http://schemas.microsoft.com/office/powerpoint/2010/main" val="657650649"/>
+      </p:ext>
+    </p:extLst>
+  </p:cSld>
+  <p:clrMapOvr>
+    <a:masterClrMapping/>
+  </p:clrMapOvr>
+</p:sld>
+</file>
+
 <file path=ppt/slides/slide3.xml><?xml version="1.0" encoding="utf-8"?>
+<p:sld xmlns:a="http://schemas.openxmlformats.org/drawingml/2006/main" xmlns:r="http://schemas.openxmlformats.org/officeDocument/2006/relationships" xmlns:p="http://schemas.openxmlformats.org/presentationml/2006/main">
+  <p:cSld>
+    <p:spTree>
+      <p:nvGrpSpPr>
+        <p:cNvPr id="1" name=""/>
+        <p:cNvGrpSpPr/>
+        <p:nvPr/>
+      </p:nvGrpSpPr>
+      <p:grpSpPr>
+        <a:xfrm>
+          <a:off x="0" y="0"/>
+          <a:ext cx="0" cy="0"/>
+          <a:chOff x="0" y="0"/>
+          <a:chExt cx="0" cy="0"/>
+        </a:xfrm>
+      </p:grpSpPr>
+      <p:sp>
+        <p:nvSpPr>
+          <p:cNvPr id="2" name="Titel 1">
+            <a:extLst>
+              <a:ext uri="{FF2B5EF4-FFF2-40B4-BE49-F238E27FC236}">
+                <a16:creationId xmlns:a16="http://schemas.microsoft.com/office/drawing/2014/main" id="{F219042D-D10F-65B9-7E07-2A8582B8C134}"/>
+              </a:ext>
+            </a:extLst>
+          </p:cNvPr>
+          <p:cNvSpPr>
+            <a:spLocks noGrp="1"/>
+          </p:cNvSpPr>
+          <p:nvPr>
+            <p:ph type="title"/>
+          </p:nvPr>
+        </p:nvSpPr>
+        <p:spPr>
+          <a:xfrm>
+            <a:off x="478367" y="488950"/>
+            <a:ext cx="8856156" cy="838200"/>
+          </a:xfrm>
+        </p:spPr>
+        <p:txBody>
+          <a:bodyPr wrap="square" anchor="ctr">
+            <a:normAutofit/>
+          </a:bodyPr>
+          <a:lstStyle/>
+          <a:p>
+            <a:r>
+              <a:rPr lang="en-US" dirty="0"/>
+              <a:t>Could Social Media affect Power Demand?</a:t>
+            </a:r>
+          </a:p>
+        </p:txBody>
+      </p:sp>
+      <p:sp>
+        <p:nvSpPr>
+          <p:cNvPr id="3" name="Rechteck 2">
+            <a:extLst>
+              <a:ext uri="{FF2B5EF4-FFF2-40B4-BE49-F238E27FC236}">
+                <a16:creationId xmlns:a16="http://schemas.microsoft.com/office/drawing/2014/main" id="{8B35637B-BF00-FF5A-55D9-1D8C33789625}"/>
+              </a:ext>
+            </a:extLst>
+          </p:cNvPr>
+          <p:cNvSpPr/>
+          <p:nvPr/>
+        </p:nvSpPr>
+        <p:spPr>
+          <a:xfrm>
+            <a:off x="256974" y="5698275"/>
+            <a:ext cx="3456384" cy="216024"/>
+          </a:xfrm>
+          <a:prstGeom prst="rect">
+            <a:avLst/>
+          </a:prstGeom>
+        </p:spPr>
+        <p:style>
+          <a:lnRef idx="2">
+            <a:schemeClr val="accent3"/>
+          </a:lnRef>
+          <a:fillRef idx="1">
+            <a:schemeClr val="lt1"/>
+          </a:fillRef>
+          <a:effectRef idx="0">
+            <a:schemeClr val="accent3"/>
+          </a:effectRef>
+          <a:fontRef idx="minor">
+            <a:schemeClr val="dk1"/>
+          </a:fontRef>
+        </p:style>
+        <p:txBody>
+          <a:bodyPr rot="0" spcFirstLastPara="0" vertOverflow="overflow" horzOverflow="overflow" vert="horz" wrap="square" lIns="91440" tIns="45720" rIns="91440" bIns="45720" numCol="1" spcCol="0" rtlCol="0" fromWordArt="0" anchor="ctr" anchorCtr="0" forceAA="0" compatLnSpc="1">
+            <a:prstTxWarp prst="textNoShape">
+              <a:avLst/>
+            </a:prstTxWarp>
+            <a:noAutofit/>
+          </a:bodyPr>
+          <a:lstStyle/>
+          <a:p>
+            <a:pPr algn="ctr"/>
+            <a:endParaRPr lang="de-DE"/>
+          </a:p>
+        </p:txBody>
+      </p:sp>
+      <p:pic>
+        <p:nvPicPr>
+          <p:cNvPr id="8" name="Grafik 7" descr="Ein Bild, das Text, Screenshot, Schrift, Zahl enthält.&#10;&#10;Automatisch generierte Beschreibung">
+            <a:extLst>
+              <a:ext uri="{FF2B5EF4-FFF2-40B4-BE49-F238E27FC236}">
+                <a16:creationId xmlns:a16="http://schemas.microsoft.com/office/drawing/2014/main" id="{C8C9F853-D6E3-A263-AE8E-1B5EA3717B69}"/>
+              </a:ext>
+            </a:extLst>
+          </p:cNvPr>
+          <p:cNvPicPr>
+            <a:picLocks noChangeAspect="1"/>
+          </p:cNvPicPr>
+          <p:nvPr/>
+        </p:nvPicPr>
+        <p:blipFill rotWithShape="1">
+          <a:blip r:embed="rId3">
+            <a:extLst>
+              <a:ext uri="{28A0092B-C50C-407E-A947-70E740481C1C}">
+                <a14:useLocalDpi xmlns:a14="http://schemas.microsoft.com/office/drawing/2010/main" val="0"/>
+              </a:ext>
+            </a:extLst>
+          </a:blip>
+          <a:srcRect b="18431"/>
+          <a:stretch/>
+        </p:blipFill>
+        <p:spPr>
+          <a:xfrm>
+            <a:off x="666131" y="1612575"/>
+            <a:ext cx="4632145" cy="2304511"/>
+          </a:xfrm>
+          <a:prstGeom prst="rect">
+            <a:avLst/>
+          </a:prstGeom>
+          <a:solidFill>
+            <a:srgbClr val="FFFFFF">
+              <a:shade val="85000"/>
+            </a:srgbClr>
+          </a:solidFill>
+          <a:ln w="88900" cap="sq">
+            <a:solidFill>
+              <a:srgbClr val="FFFFFF"/>
+            </a:solidFill>
+            <a:miter lim="800000"/>
+          </a:ln>
+          <a:effectLst>
+            <a:outerShdw blurRad="55000" dist="18000" dir="5400000" algn="tl" rotWithShape="0">
+              <a:srgbClr val="000000">
+                <a:alpha val="40000"/>
+              </a:srgbClr>
+            </a:outerShdw>
+          </a:effectLst>
+          <a:scene3d>
+            <a:camera prst="orthographicFront"/>
+            <a:lightRig rig="twoPt" dir="t">
+              <a:rot lat="0" lon="0" rev="7200000"/>
+            </a:lightRig>
+          </a:scene3d>
+          <a:sp3d>
+            <a:bevelT w="25400" h="19050"/>
+            <a:contourClr>
+              <a:srgbClr val="FFFFFF"/>
+            </a:contourClr>
+          </a:sp3d>
+        </p:spPr>
+      </p:pic>
+      <p:pic>
+        <p:nvPicPr>
+          <p:cNvPr id="11" name="Grafik 10" descr="Ein Bild, das Text, Screenshot, Schrift enthält.&#10;&#10;Automatisch generierte Beschreibung">
+            <a:extLst>
+              <a:ext uri="{FF2B5EF4-FFF2-40B4-BE49-F238E27FC236}">
+                <a16:creationId xmlns:a16="http://schemas.microsoft.com/office/drawing/2014/main" id="{EC01CE59-15DC-CAAE-6208-3A4B5E449754}"/>
+              </a:ext>
+            </a:extLst>
+          </p:cNvPr>
+          <p:cNvPicPr>
+            <a:picLocks noChangeAspect="1"/>
+          </p:cNvPicPr>
+          <p:nvPr/>
+        </p:nvPicPr>
+        <p:blipFill rotWithShape="1">
+          <a:blip r:embed="rId4">
+            <a:extLst>
+              <a:ext uri="{28A0092B-C50C-407E-A947-70E740481C1C}">
+                <a14:useLocalDpi xmlns:a14="http://schemas.microsoft.com/office/drawing/2010/main" val="0"/>
+              </a:ext>
+            </a:extLst>
+          </a:blip>
+          <a:srcRect l="-488" t="99" r="488" b="19111"/>
+          <a:stretch/>
+        </p:blipFill>
+        <p:spPr>
+          <a:xfrm>
+            <a:off x="5879976" y="1612575"/>
+            <a:ext cx="4632144" cy="2282497"/>
+          </a:xfrm>
+          <a:prstGeom prst="rect">
+            <a:avLst/>
+          </a:prstGeom>
+          <a:solidFill>
+            <a:srgbClr val="FFFFFF">
+              <a:shade val="85000"/>
+            </a:srgbClr>
+          </a:solidFill>
+          <a:ln w="88900" cap="sq">
+            <a:solidFill>
+              <a:srgbClr val="FFFFFF"/>
+            </a:solidFill>
+            <a:miter lim="800000"/>
+          </a:ln>
+          <a:effectLst>
+            <a:outerShdw blurRad="55000" dist="18000" dir="5400000" algn="tl" rotWithShape="0">
+              <a:srgbClr val="000000">
+                <a:alpha val="40000"/>
+              </a:srgbClr>
+            </a:outerShdw>
+          </a:effectLst>
+          <a:scene3d>
+            <a:camera prst="orthographicFront"/>
+            <a:lightRig rig="twoPt" dir="t">
+              <a:rot lat="0" lon="0" rev="7200000"/>
+            </a:lightRig>
+          </a:scene3d>
+          <a:sp3d>
+            <a:bevelT w="25400" h="19050"/>
+            <a:contourClr>
+              <a:srgbClr val="FFFFFF"/>
+            </a:contourClr>
+          </a:sp3d>
+        </p:spPr>
+      </p:pic>
+      <p:pic>
+        <p:nvPicPr>
+          <p:cNvPr id="13" name="Grafik 12" descr="Ein Bild, das Text, Screenshot, Schrift enthält.&#10;&#10;Automatisch generierte Beschreibung">
+            <a:extLst>
+              <a:ext uri="{FF2B5EF4-FFF2-40B4-BE49-F238E27FC236}">
+                <a16:creationId xmlns:a16="http://schemas.microsoft.com/office/drawing/2014/main" id="{344A2065-6BDB-6F36-0CC6-B4087A5F5230}"/>
+              </a:ext>
+            </a:extLst>
+          </p:cNvPr>
+          <p:cNvPicPr>
+            <a:picLocks noChangeAspect="1"/>
+          </p:cNvPicPr>
+          <p:nvPr/>
+        </p:nvPicPr>
+        <p:blipFill rotWithShape="1">
+          <a:blip r:embed="rId5">
+            <a:extLst>
+              <a:ext uri="{28A0092B-C50C-407E-A947-70E740481C1C}">
+                <a14:useLocalDpi xmlns:a14="http://schemas.microsoft.com/office/drawing/2010/main" val="0"/>
+              </a:ext>
+            </a:extLst>
+          </a:blip>
+          <a:srcRect b="17040"/>
+          <a:stretch/>
+        </p:blipFill>
+        <p:spPr>
+          <a:xfrm>
+            <a:off x="5911552" y="4240179"/>
+            <a:ext cx="4248472" cy="2324503"/>
+          </a:xfrm>
+          <a:prstGeom prst="rect">
+            <a:avLst/>
+          </a:prstGeom>
+          <a:solidFill>
+            <a:srgbClr val="FFFFFF">
+              <a:shade val="85000"/>
+            </a:srgbClr>
+          </a:solidFill>
+          <a:ln w="88900" cap="sq">
+            <a:solidFill>
+              <a:srgbClr val="FFFFFF"/>
+            </a:solidFill>
+            <a:miter lim="800000"/>
+          </a:ln>
+          <a:effectLst>
+            <a:outerShdw blurRad="55000" dist="18000" dir="5400000" algn="tl" rotWithShape="0">
+              <a:srgbClr val="000000">
+                <a:alpha val="40000"/>
+              </a:srgbClr>
+            </a:outerShdw>
+          </a:effectLst>
+          <a:scene3d>
+            <a:camera prst="orthographicFront"/>
+            <a:lightRig rig="twoPt" dir="t">
+              <a:rot lat="0" lon="0" rev="7200000"/>
+            </a:lightRig>
+          </a:scene3d>
+          <a:sp3d>
+            <a:bevelT w="25400" h="19050"/>
+            <a:contourClr>
+              <a:srgbClr val="FFFFFF"/>
+            </a:contourClr>
+          </a:sp3d>
+        </p:spPr>
+      </p:pic>
+      <p:pic>
+        <p:nvPicPr>
+          <p:cNvPr id="15" name="Grafik 14" descr="Ein Bild, das Text, Screenshot, Schrift enthält.&#10;&#10;Automatisch generierte Beschreibung">
+            <a:extLst>
+              <a:ext uri="{FF2B5EF4-FFF2-40B4-BE49-F238E27FC236}">
+                <a16:creationId xmlns:a16="http://schemas.microsoft.com/office/drawing/2014/main" id="{3E1999E9-352E-1400-FE79-6609B6649DB6}"/>
+              </a:ext>
+            </a:extLst>
+          </p:cNvPr>
+          <p:cNvPicPr>
+            <a:picLocks noChangeAspect="1"/>
+          </p:cNvPicPr>
+          <p:nvPr/>
+        </p:nvPicPr>
+        <p:blipFill rotWithShape="1">
+          <a:blip r:embed="rId6">
+            <a:extLst>
+              <a:ext uri="{28A0092B-C50C-407E-A947-70E740481C1C}">
+                <a14:useLocalDpi xmlns:a14="http://schemas.microsoft.com/office/drawing/2010/main" val="0"/>
+              </a:ext>
+            </a:extLst>
+          </a:blip>
+          <a:srcRect b="18431"/>
+          <a:stretch/>
+        </p:blipFill>
+        <p:spPr>
+          <a:xfrm>
+            <a:off x="657133" y="4144929"/>
+            <a:ext cx="4632144" cy="2304511"/>
+          </a:xfrm>
+          <a:prstGeom prst="rect">
+            <a:avLst/>
+          </a:prstGeom>
+          <a:solidFill>
+            <a:srgbClr val="FFFFFF">
+              <a:shade val="85000"/>
+            </a:srgbClr>
+          </a:solidFill>
+          <a:ln w="88900" cap="sq">
+            <a:solidFill>
+              <a:srgbClr val="FFFFFF"/>
+            </a:solidFill>
+            <a:miter lim="800000"/>
+          </a:ln>
+          <a:effectLst>
+            <a:outerShdw blurRad="55000" dist="18000" dir="5400000" algn="tl" rotWithShape="0">
+              <a:srgbClr val="000000">
+                <a:alpha val="40000"/>
+              </a:srgbClr>
+            </a:outerShdw>
+          </a:effectLst>
+          <a:scene3d>
+            <a:camera prst="orthographicFront"/>
+            <a:lightRig rig="twoPt" dir="t">
+              <a:rot lat="0" lon="0" rev="7200000"/>
+            </a:lightRig>
+          </a:scene3d>
+          <a:sp3d>
+            <a:bevelT w="25400" h="19050"/>
+            <a:contourClr>
+              <a:srgbClr val="FFFFFF"/>
+            </a:contourClr>
+          </a:sp3d>
+        </p:spPr>
+      </p:pic>
+    </p:spTree>
+    <p:extLst>
+      <p:ext uri="{BB962C8B-B14F-4D97-AF65-F5344CB8AC3E}">
+        <p14:creationId xmlns:p14="http://schemas.microsoft.com/office/powerpoint/2010/main" val="4122060442"/>
+      </p:ext>
+    </p:extLst>
+  </p:cSld>
+  <p:clrMapOvr>
+    <a:masterClrMapping/>
+  </p:clrMapOvr>
+</p:sld>
+</file>
+
+<file path=ppt/slides/slide4.xml><?xml version="1.0" encoding="utf-8"?>
 <p:sld xmlns:a="http://schemas.openxmlformats.org/drawingml/2006/main" xmlns:r="http://schemas.openxmlformats.org/officeDocument/2006/relationships" xmlns:p="http://schemas.openxmlformats.org/presentationml/2006/main">
   <p:cSld>
     <p:spTree>
@@ -8364,12 +9420,8 @@
           <a:lstStyle/>
           <a:p>
             <a:r>
-              <a:rPr lang="de-DE" dirty="0"/>
-              <a:t>A </a:t>
-            </a:r>
-            <a:r>
               <a:rPr lang="de-DE" dirty="0" err="1"/>
-              <a:t>few</a:t>
+              <a:t>Some</a:t>
             </a:r>
             <a:r>
               <a:rPr lang="de-DE" dirty="0"/>
@@ -8401,7 +9453,7 @@
             </a:r>
             <a:r>
               <a:rPr lang="de-DE" dirty="0" err="1"/>
-              <a:t>Consumption</a:t>
+              <a:t>Electricity</a:t>
             </a:r>
             <a:r>
               <a:rPr lang="de-DE" dirty="0"/>
@@ -8409,7 +9461,7 @@
             </a:r>
             <a:r>
               <a:rPr lang="de-DE" dirty="0" err="1"/>
-              <a:t>lead</a:t>
+              <a:t>Consumption</a:t>
             </a:r>
             <a:r>
               <a:rPr lang="de-DE" dirty="0"/>
@@ -8417,7 +9469,7 @@
             </a:r>
             <a:r>
               <a:rPr lang="de-DE" dirty="0" err="1"/>
-              <a:t>by</a:t>
+              <a:t>lead</a:t>
             </a:r>
             <a:r>
               <a:rPr lang="de-DE" dirty="0"/>
@@ -8425,15 +9477,7 @@
             </a:r>
             <a:r>
               <a:rPr lang="de-DE" dirty="0" err="1"/>
-              <a:t>Social</a:t>
-            </a:r>
-            <a:r>
-              <a:rPr lang="de-DE" dirty="0"/>
-              <a:t> Media </a:t>
-            </a:r>
-            <a:r>
-              <a:rPr lang="de-DE" dirty="0" err="1"/>
-              <a:t>affecting</a:t>
+              <a:t>by</a:t>
             </a:r>
             <a:r>
               <a:rPr lang="de-DE" dirty="0"/>
@@ -8441,17 +9485,12 @@
             </a:r>
             <a:r>
               <a:rPr lang="de-DE" dirty="0" err="1"/>
-              <a:t>the</a:t>
+              <a:t>Social</a:t>
             </a:r>
             <a:r>
               <a:rPr lang="de-DE" dirty="0"/>
-              <a:t> Power </a:t>
-            </a:r>
-            <a:r>
-              <a:rPr lang="de-DE" dirty="0" err="1"/>
-              <a:t>Grid</a:t>
-            </a:r>
-            <a:endParaRPr lang="de-DE" dirty="0"/>
+              <a:t> Media</a:t>
+            </a:r>
           </a:p>
         </p:txBody>
       </p:sp>
@@ -8930,7 +9969,7 @@
 </p:sld>
 </file>
 
-<file path=ppt/slides/slide4.xml><?xml version="1.0" encoding="utf-8"?>
+<file path=ppt/slides/slide5.xml><?xml version="1.0" encoding="utf-8"?>
 <p:sld xmlns:a="http://schemas.openxmlformats.org/drawingml/2006/main" xmlns:r="http://schemas.openxmlformats.org/officeDocument/2006/relationships" xmlns:p="http://schemas.openxmlformats.org/presentationml/2006/main">
   <p:cSld>
     <p:spTree>
@@ -9448,7 +10487,7 @@
 </p:sld>
 </file>
 
-<file path=ppt/slides/slide5.xml><?xml version="1.0" encoding="utf-8"?>
+<file path=ppt/slides/slide6.xml><?xml version="1.0" encoding="utf-8"?>
 <p:sld xmlns:a="http://schemas.openxmlformats.org/drawingml/2006/main" xmlns:r="http://schemas.openxmlformats.org/officeDocument/2006/relationships" xmlns:p="http://schemas.openxmlformats.org/presentationml/2006/main">
   <p:cSld>
     <p:spTree>
@@ -10422,7 +11461,7 @@
 </p:sld>
 </file>
 
-<file path=ppt/slides/slide6.xml><?xml version="1.0" encoding="utf-8"?>
+<file path=ppt/slides/slide7.xml><?xml version="1.0" encoding="utf-8"?>
 <p:sld xmlns:a="http://schemas.openxmlformats.org/drawingml/2006/main" xmlns:r="http://schemas.openxmlformats.org/officeDocument/2006/relationships" xmlns:p="http://schemas.openxmlformats.org/presentationml/2006/main">
   <p:cSld>
     <p:spTree>
@@ -10439,6 +11478,84 @@
           <a:chExt cx="0" cy="0"/>
         </a:xfrm>
       </p:grpSpPr>
+      <p:sp>
+        <p:nvSpPr>
+          <p:cNvPr id="30" name="Rechteck: abgerundete Ecken 29">
+            <a:extLst>
+              <a:ext uri="{FF2B5EF4-FFF2-40B4-BE49-F238E27FC236}">
+                <a16:creationId xmlns:a16="http://schemas.microsoft.com/office/drawing/2014/main" id="{9CB7D189-4D61-F942-9D1A-A1B61FB9A304}"/>
+              </a:ext>
+            </a:extLst>
+          </p:cNvPr>
+          <p:cNvSpPr/>
+          <p:nvPr/>
+        </p:nvSpPr>
+        <p:spPr>
+          <a:xfrm>
+            <a:off x="459229" y="1526055"/>
+            <a:ext cx="8779840" cy="3243249"/>
+          </a:xfrm>
+          <a:prstGeom prst="roundRect">
+            <a:avLst/>
+          </a:prstGeom>
+        </p:spPr>
+        <p:style>
+          <a:lnRef idx="2">
+            <a:schemeClr val="accent1"/>
+          </a:lnRef>
+          <a:fillRef idx="1">
+            <a:schemeClr val="lt1"/>
+          </a:fillRef>
+          <a:effectRef idx="0">
+            <a:schemeClr val="accent1"/>
+          </a:effectRef>
+          <a:fontRef idx="minor">
+            <a:schemeClr val="dk1"/>
+          </a:fontRef>
+        </p:style>
+        <p:txBody>
+          <a:bodyPr rot="0" spcFirstLastPara="0" vertOverflow="overflow" horzOverflow="overflow" vert="horz" wrap="square" lIns="91440" tIns="45720" rIns="91440" bIns="45720" numCol="1" spcCol="0" rtlCol="0" fromWordArt="0" anchor="ctr" anchorCtr="0" forceAA="0" compatLnSpc="1">
+            <a:prstTxWarp prst="textNoShape">
+              <a:avLst/>
+            </a:prstTxWarp>
+            <a:noAutofit/>
+          </a:bodyPr>
+          <a:lstStyle/>
+          <a:p>
+            <a:r>
+              <a:rPr lang="de-DE" dirty="0"/>
+              <a:t>State Chart:</a:t>
+            </a:r>
+          </a:p>
+          <a:p>
+            <a:endParaRPr lang="de-DE" dirty="0"/>
+          </a:p>
+          <a:p>
+            <a:endParaRPr lang="de-DE" dirty="0"/>
+          </a:p>
+          <a:p>
+            <a:endParaRPr lang="de-DE" dirty="0"/>
+          </a:p>
+          <a:p>
+            <a:endParaRPr lang="de-DE" dirty="0"/>
+          </a:p>
+          <a:p>
+            <a:endParaRPr lang="de-DE" dirty="0"/>
+          </a:p>
+          <a:p>
+            <a:endParaRPr lang="de-DE" dirty="0"/>
+          </a:p>
+          <a:p>
+            <a:endParaRPr lang="de-DE" dirty="0"/>
+          </a:p>
+          <a:p>
+            <a:endParaRPr lang="de-DE" dirty="0"/>
+          </a:p>
+          <a:p>
+            <a:endParaRPr lang="de-DE" dirty="0"/>
+          </a:p>
+        </p:txBody>
+      </p:sp>
       <p:sp>
         <p:nvSpPr>
           <p:cNvPr id="14" name="Rechteck: abgerundete Ecken 13">
@@ -10584,7 +11701,7 @@
           <a:p>
             <a:r>
               <a:rPr lang="en-US" dirty="0"/>
-              <a:t>The Social Media Network Graph is modelled via Random Graph Algorithms</a:t>
+              <a:t>Formulas of the SIR model</a:t>
             </a:r>
           </a:p>
         </p:txBody>
@@ -10611,13 +11728,13 @@
           </a:prstGeom>
         </p:spPr>
         <p:style>
-          <a:lnRef idx="1">
+          <a:lnRef idx="2">
             <a:schemeClr val="accent1"/>
           </a:lnRef>
-          <a:fillRef idx="2">
-            <a:schemeClr val="accent1"/>
+          <a:fillRef idx="1">
+            <a:schemeClr val="lt1"/>
           </a:fillRef>
-          <a:effectRef idx="1">
+          <a:effectRef idx="0">
             <a:schemeClr val="accent1"/>
           </a:effectRef>
           <a:fontRef idx="minor">
@@ -10790,215 +11907,6 @@
           </a:p>
         </p:txBody>
       </p:sp>
-      <p:sp>
-        <p:nvSpPr>
-          <p:cNvPr id="18" name="Rechteck: abgerundete Ecken 17">
-            <a:extLst>
-              <a:ext uri="{FF2B5EF4-FFF2-40B4-BE49-F238E27FC236}">
-                <a16:creationId xmlns:a16="http://schemas.microsoft.com/office/drawing/2014/main" id="{FAA4862C-BC49-EBC0-36B1-DC7DD94D1D91}"/>
-              </a:ext>
-            </a:extLst>
-          </p:cNvPr>
-          <p:cNvSpPr/>
-          <p:nvPr/>
-        </p:nvSpPr>
-        <p:spPr>
-          <a:xfrm>
-            <a:off x="478368" y="1546538"/>
-            <a:ext cx="8856156" cy="1616955"/>
-          </a:xfrm>
-          <a:prstGeom prst="roundRect">
-            <a:avLst/>
-          </a:prstGeom>
-        </p:spPr>
-        <p:style>
-          <a:lnRef idx="2">
-            <a:schemeClr val="accent1"/>
-          </a:lnRef>
-          <a:fillRef idx="1">
-            <a:schemeClr val="lt1"/>
-          </a:fillRef>
-          <a:effectRef idx="0">
-            <a:schemeClr val="accent1"/>
-          </a:effectRef>
-          <a:fontRef idx="minor">
-            <a:schemeClr val="dk1"/>
-          </a:fontRef>
-        </p:style>
-        <p:txBody>
-          <a:bodyPr rot="0" spcFirstLastPara="0" vertOverflow="overflow" horzOverflow="overflow" vert="horz" wrap="square" lIns="91440" tIns="45720" rIns="91440" bIns="45720" numCol="1" spcCol="0" rtlCol="0" fromWordArt="0" anchor="ctr" anchorCtr="0" forceAA="0" compatLnSpc="1">
-            <a:prstTxWarp prst="textNoShape">
-              <a:avLst/>
-            </a:prstTxWarp>
-            <a:noAutofit/>
-          </a:bodyPr>
-          <a:lstStyle/>
-          <a:p>
-            <a:pPr marL="180000">
-              <a:spcBef>
-                <a:spcPts val="200"/>
-              </a:spcBef>
-              <a:spcAft>
-                <a:spcPts val="230"/>
-              </a:spcAft>
-            </a:pPr>
-            <a:r>
-              <a:rPr lang="de-DE" dirty="0"/>
-              <a:t>Graph </a:t>
-            </a:r>
-            <a:r>
-              <a:rPr lang="de-DE" dirty="0" err="1"/>
-              <a:t>model</a:t>
-            </a:r>
-            <a:r>
-              <a:rPr lang="de-DE" dirty="0"/>
-              <a:t> </a:t>
-            </a:r>
-            <a:r>
-              <a:rPr lang="de-DE" dirty="0" err="1"/>
-              <a:t>used</a:t>
-            </a:r>
-            <a:r>
-              <a:rPr lang="de-DE" dirty="0"/>
-              <a:t> </a:t>
-            </a:r>
-            <a:r>
-              <a:rPr lang="de-DE" dirty="0" err="1"/>
-              <a:t>to</a:t>
-            </a:r>
-            <a:r>
-              <a:rPr lang="de-DE" dirty="0"/>
-              <a:t> </a:t>
-            </a:r>
-            <a:r>
-              <a:rPr lang="de-DE" dirty="0" err="1"/>
-              <a:t>model</a:t>
-            </a:r>
-            <a:r>
-              <a:rPr lang="de-DE" dirty="0"/>
-              <a:t> social </a:t>
-            </a:r>
-            <a:r>
-              <a:rPr lang="de-DE" dirty="0" err="1"/>
-              <a:t>media</a:t>
-            </a:r>
-            <a:r>
-              <a:rPr lang="de-DE" dirty="0"/>
-              <a:t> </a:t>
-            </a:r>
-            <a:r>
-              <a:rPr lang="de-DE" dirty="0" err="1"/>
-              <a:t>networks</a:t>
-            </a:r>
-            <a:r>
-              <a:rPr lang="de-DE" dirty="0"/>
-              <a:t> </a:t>
-            </a:r>
-            <a:r>
-              <a:rPr lang="de-DE" dirty="0">
-                <a:sym typeface="Wingdings" panose="05000000000000000000" pitchFamily="2" charset="2"/>
-              </a:rPr>
-              <a:t> </a:t>
-            </a:r>
-            <a:r>
-              <a:rPr lang="de-DE" dirty="0" err="1"/>
-              <a:t>Barabási</a:t>
-            </a:r>
-            <a:r>
-              <a:rPr lang="de-DE" dirty="0"/>
-              <a:t>–Albert </a:t>
-            </a:r>
-            <a:r>
-              <a:rPr lang="de-DE" dirty="0" err="1"/>
-              <a:t>model</a:t>
-            </a:r>
-            <a:endParaRPr lang="de-DE" dirty="0"/>
-          </a:p>
-          <a:p>
-            <a:pPr marL="522900" indent="-342900">
-              <a:spcBef>
-                <a:spcPts val="200"/>
-              </a:spcBef>
-              <a:spcAft>
-                <a:spcPts val="230"/>
-              </a:spcAft>
-              <a:buFont typeface="Arial" panose="020B0604020202020204" pitchFamily="34" charset="0"/>
-              <a:buChar char="•"/>
-            </a:pPr>
-            <a:r>
-              <a:rPr lang="de-DE" sz="1800" b="0" dirty="0"/>
-              <a:t>Small </a:t>
-            </a:r>
-            <a:r>
-              <a:rPr lang="de-DE" sz="1800" b="0" dirty="0" err="1"/>
-              <a:t>world</a:t>
-            </a:r>
-            <a:r>
-              <a:rPr lang="de-DE" sz="1800" b="0" dirty="0"/>
-              <a:t> </a:t>
-            </a:r>
-            <a:r>
-              <a:rPr lang="de-DE" dirty="0" err="1"/>
-              <a:t>c</a:t>
-            </a:r>
-            <a:r>
-              <a:rPr lang="de-DE" sz="1800" b="0" dirty="0" err="1"/>
-              <a:t>haracteristic</a:t>
-            </a:r>
-            <a:endParaRPr lang="de-DE" sz="1800" b="0" dirty="0"/>
-          </a:p>
-          <a:p>
-            <a:pPr marL="522900" indent="-342900">
-              <a:spcBef>
-                <a:spcPts val="200"/>
-              </a:spcBef>
-              <a:spcAft>
-                <a:spcPts val="230"/>
-              </a:spcAft>
-              <a:buFont typeface="Arial" panose="020B0604020202020204" pitchFamily="34" charset="0"/>
-              <a:buChar char="•"/>
-            </a:pPr>
-            <a:r>
-              <a:rPr lang="de-DE" dirty="0" err="1"/>
-              <a:t>Scale-free</a:t>
-            </a:r>
-            <a:r>
-              <a:rPr lang="de-DE" dirty="0"/>
-              <a:t> </a:t>
-            </a:r>
-            <a:r>
-              <a:rPr lang="de-DE" dirty="0" err="1"/>
-              <a:t>networks</a:t>
-            </a:r>
-            <a:endParaRPr lang="de-DE" dirty="0"/>
-          </a:p>
-          <a:p>
-            <a:pPr marL="522900" indent="-342900">
-              <a:spcBef>
-                <a:spcPts val="200"/>
-              </a:spcBef>
-              <a:spcAft>
-                <a:spcPts val="230"/>
-              </a:spcAft>
-              <a:buFont typeface="Arial" panose="020B0604020202020204" pitchFamily="34" charset="0"/>
-              <a:buChar char="•"/>
-            </a:pPr>
-            <a:r>
-              <a:rPr lang="de-DE" sz="1800" b="0" dirty="0" err="1"/>
-              <a:t>Highly</a:t>
-            </a:r>
-            <a:r>
-              <a:rPr lang="de-DE" sz="1800" b="0" dirty="0"/>
-              <a:t> </a:t>
-            </a:r>
-            <a:r>
-              <a:rPr lang="de-DE" sz="1800" b="0" dirty="0" err="1"/>
-              <a:t>clustered</a:t>
-            </a:r>
-            <a:endParaRPr lang="de-DE" dirty="0"/>
-          </a:p>
-        </p:txBody>
-      </p:sp>
       <p:pic>
         <p:nvPicPr>
           <p:cNvPr id="19" name="Grafik 18">
@@ -11037,317 +11945,6 @@
           </a:prstGeom>
         </p:spPr>
       </p:pic>
-      <p:sp>
-        <p:nvSpPr>
-          <p:cNvPr id="3" name="Rechteck: abgerundete Ecken 2">
-            <a:extLst>
-              <a:ext uri="{FF2B5EF4-FFF2-40B4-BE49-F238E27FC236}">
-                <a16:creationId xmlns:a16="http://schemas.microsoft.com/office/drawing/2014/main" id="{8D0A52D9-2255-0C97-2367-73B8C4249C9D}"/>
-              </a:ext>
-            </a:extLst>
-          </p:cNvPr>
-          <p:cNvSpPr/>
-          <p:nvPr/>
-        </p:nvSpPr>
-        <p:spPr>
-          <a:xfrm>
-            <a:off x="478368" y="3284985"/>
-            <a:ext cx="8856156" cy="2943044"/>
-          </a:xfrm>
-          <a:prstGeom prst="roundRect">
-            <a:avLst/>
-          </a:prstGeom>
-        </p:spPr>
-        <p:style>
-          <a:lnRef idx="2">
-            <a:schemeClr val="accent1"/>
-          </a:lnRef>
-          <a:fillRef idx="1">
-            <a:schemeClr val="lt1"/>
-          </a:fillRef>
-          <a:effectRef idx="0">
-            <a:schemeClr val="accent1"/>
-          </a:effectRef>
-          <a:fontRef idx="minor">
-            <a:schemeClr val="dk1"/>
-          </a:fontRef>
-        </p:style>
-        <p:txBody>
-          <a:bodyPr rot="0" spcFirstLastPara="0" vertOverflow="overflow" horzOverflow="overflow" vert="horz" wrap="square" lIns="91440" tIns="45720" rIns="91440" bIns="45720" numCol="1" spcCol="0" rtlCol="0" fromWordArt="0" anchor="ctr" anchorCtr="0" forceAA="0" compatLnSpc="1">
-            <a:prstTxWarp prst="textNoShape">
-              <a:avLst/>
-            </a:prstTxWarp>
-            <a:noAutofit/>
-          </a:bodyPr>
-          <a:lstStyle/>
-          <a:p>
-            <a:pPr>
-              <a:spcBef>
-                <a:spcPts val="200"/>
-              </a:spcBef>
-              <a:spcAft>
-                <a:spcPts val="230"/>
-              </a:spcAft>
-            </a:pPr>
-            <a:r>
-              <a:rPr lang="de-DE" dirty="0"/>
-              <a:t>The SIR </a:t>
-            </a:r>
-            <a:r>
-              <a:rPr lang="de-DE" dirty="0" err="1"/>
-              <a:t>model</a:t>
-            </a:r>
-            <a:r>
-              <a:rPr lang="de-DE" dirty="0"/>
-              <a:t> </a:t>
-            </a:r>
-            <a:r>
-              <a:rPr lang="de-DE" dirty="0" err="1"/>
-              <a:t>is</a:t>
-            </a:r>
-            <a:r>
-              <a:rPr lang="de-DE" dirty="0"/>
-              <a:t> </a:t>
-            </a:r>
-            <a:r>
-              <a:rPr lang="de-DE" dirty="0" err="1"/>
-              <a:t>used</a:t>
-            </a:r>
-            <a:r>
-              <a:rPr lang="de-DE" dirty="0"/>
-              <a:t> </a:t>
-            </a:r>
-            <a:r>
-              <a:rPr lang="de-DE" dirty="0" err="1"/>
-              <a:t>to</a:t>
-            </a:r>
-            <a:r>
-              <a:rPr lang="de-DE" dirty="0"/>
-              <a:t> </a:t>
-            </a:r>
-            <a:r>
-              <a:rPr lang="de-DE" dirty="0" err="1"/>
-              <a:t>model</a:t>
-            </a:r>
-            <a:r>
-              <a:rPr lang="de-DE" dirty="0"/>
-              <a:t> </a:t>
-            </a:r>
-            <a:r>
-              <a:rPr lang="de-DE" dirty="0" err="1"/>
-              <a:t>the</a:t>
-            </a:r>
-            <a:r>
-              <a:rPr lang="de-DE" dirty="0"/>
-              <a:t> </a:t>
-            </a:r>
-            <a:r>
-              <a:rPr lang="de-DE" dirty="0" err="1"/>
-              <a:t>information</a:t>
-            </a:r>
-            <a:r>
-              <a:rPr lang="de-DE" dirty="0"/>
-              <a:t> </a:t>
-            </a:r>
-            <a:r>
-              <a:rPr lang="de-DE" dirty="0" err="1"/>
-              <a:t>propagation</a:t>
-            </a:r>
-            <a:r>
-              <a:rPr lang="de-DE" dirty="0"/>
-              <a:t> </a:t>
-            </a:r>
-            <a:r>
-              <a:rPr lang="de-DE" dirty="0" err="1"/>
-              <a:t>process</a:t>
-            </a:r>
-            <a:r>
-              <a:rPr lang="de-DE" dirty="0"/>
-              <a:t>:</a:t>
-            </a:r>
-            <a:endParaRPr lang="de-DE" sz="1800" b="0" dirty="0"/>
-          </a:p>
-          <a:p>
-            <a:pPr marL="522900" indent="-342900">
-              <a:spcBef>
-                <a:spcPts val="200"/>
-              </a:spcBef>
-              <a:spcAft>
-                <a:spcPts val="230"/>
-              </a:spcAft>
-              <a:buFont typeface="Arial" panose="020B0604020202020204" pitchFamily="34" charset="0"/>
-              <a:buChar char="•"/>
-            </a:pPr>
-            <a:r>
-              <a:rPr lang="de-DE" sz="1800" b="0" dirty="0" err="1"/>
-              <a:t>Three</a:t>
-            </a:r>
-            <a:r>
-              <a:rPr lang="de-DE" sz="1800" b="0" dirty="0"/>
-              <a:t> </a:t>
-            </a:r>
-            <a:r>
-              <a:rPr lang="de-DE" sz="1800" b="0" dirty="0" err="1"/>
-              <a:t>states</a:t>
-            </a:r>
-            <a:r>
-              <a:rPr lang="de-DE" sz="1800" b="0" dirty="0"/>
-              <a:t>:</a:t>
-            </a:r>
-          </a:p>
-          <a:p>
-            <a:pPr marL="980100" lvl="1" indent="-342900">
-              <a:spcBef>
-                <a:spcPts val="200"/>
-              </a:spcBef>
-              <a:spcAft>
-                <a:spcPts val="230"/>
-              </a:spcAft>
-              <a:buFont typeface="Arial" panose="020B0604020202020204" pitchFamily="34" charset="0"/>
-              <a:buChar char="•"/>
-            </a:pPr>
-            <a:r>
-              <a:rPr lang="de-DE" dirty="0" err="1">
-                <a:solidFill>
-                  <a:schemeClr val="tx1">
-                    <a:lumMod val="65000"/>
-                    <a:lumOff val="35000"/>
-                  </a:schemeClr>
-                </a:solidFill>
-              </a:rPr>
-              <a:t>Susceptible</a:t>
-            </a:r>
-            <a:r>
-              <a:rPr lang="de-DE" dirty="0">
-                <a:solidFill>
-                  <a:schemeClr val="tx1">
-                    <a:lumMod val="65000"/>
-                    <a:lumOff val="35000"/>
-                  </a:schemeClr>
-                </a:solidFill>
-              </a:rPr>
-              <a:t> (S)</a:t>
-            </a:r>
-          </a:p>
-          <a:p>
-            <a:pPr marL="980100" lvl="1" indent="-342900">
-              <a:spcBef>
-                <a:spcPts val="200"/>
-              </a:spcBef>
-              <a:spcAft>
-                <a:spcPts val="230"/>
-              </a:spcAft>
-              <a:buFont typeface="Arial" panose="020B0604020202020204" pitchFamily="34" charset="0"/>
-              <a:buChar char="•"/>
-            </a:pPr>
-            <a:r>
-              <a:rPr lang="de-DE" b="0" dirty="0" err="1">
-                <a:solidFill>
-                  <a:srgbClr val="FF0000"/>
-                </a:solidFill>
-              </a:rPr>
-              <a:t>Infected</a:t>
-            </a:r>
-            <a:r>
-              <a:rPr lang="de-DE" b="0" dirty="0">
-                <a:solidFill>
-                  <a:srgbClr val="FF0000"/>
-                </a:solidFill>
-              </a:rPr>
-              <a:t> (I)</a:t>
-            </a:r>
-          </a:p>
-          <a:p>
-            <a:pPr marL="980100" lvl="1" indent="-342900">
-              <a:spcBef>
-                <a:spcPts val="200"/>
-              </a:spcBef>
-              <a:spcAft>
-                <a:spcPts val="230"/>
-              </a:spcAft>
-              <a:buFont typeface="Arial" panose="020B0604020202020204" pitchFamily="34" charset="0"/>
-              <a:buChar char="•"/>
-            </a:pPr>
-            <a:r>
-              <a:rPr lang="de-DE" dirty="0" err="1">
-                <a:solidFill>
-                  <a:schemeClr val="tx1"/>
-                </a:solidFill>
-              </a:rPr>
-              <a:t>Recovered</a:t>
-            </a:r>
-            <a:r>
-              <a:rPr lang="de-DE" dirty="0">
-                <a:solidFill>
-                  <a:schemeClr val="tx1"/>
-                </a:solidFill>
-              </a:rPr>
-              <a:t> (R)</a:t>
-            </a:r>
-            <a:endParaRPr lang="en-US" b="0" dirty="0">
-              <a:solidFill>
-                <a:schemeClr val="tx1"/>
-              </a:solidFill>
-            </a:endParaRPr>
-          </a:p>
-          <a:p>
-            <a:pPr marL="522900" indent="-342900">
-              <a:spcBef>
-                <a:spcPts val="200"/>
-              </a:spcBef>
-              <a:spcAft>
-                <a:spcPts val="230"/>
-              </a:spcAft>
-              <a:buFont typeface="Arial" panose="020B0604020202020204" pitchFamily="34" charset="0"/>
-              <a:buChar char="•"/>
-            </a:pPr>
-            <a:r>
-              <a:rPr lang="en-US" dirty="0"/>
-              <a:t>N</a:t>
-            </a:r>
-            <a:r>
-              <a:rPr lang="en-US" sz="1800" b="0" dirty="0"/>
-              <a:t>eighbors are predominantly infected </a:t>
-            </a:r>
-            <a:r>
-              <a:rPr lang="en-US" sz="1800" b="0" dirty="0">
-                <a:sym typeface="Wingdings" panose="05000000000000000000" pitchFamily="2" charset="2"/>
-              </a:rPr>
-              <a:t> node becomes infected</a:t>
-            </a:r>
-          </a:p>
-          <a:p>
-            <a:pPr marL="522900" indent="-342900">
-              <a:spcBef>
-                <a:spcPts val="200"/>
-              </a:spcBef>
-              <a:spcAft>
-                <a:spcPts val="230"/>
-              </a:spcAft>
-              <a:buFont typeface="Arial" panose="020B0604020202020204" pitchFamily="34" charset="0"/>
-              <a:buChar char="•"/>
-            </a:pPr>
-            <a:r>
-              <a:rPr lang="en-US" dirty="0"/>
-              <a:t>N</a:t>
-            </a:r>
-            <a:r>
-              <a:rPr lang="en-US" sz="1800" b="0" dirty="0"/>
-              <a:t>eighbors are predominantly recovered </a:t>
-            </a:r>
-            <a:r>
-              <a:rPr lang="en-US" sz="1800" b="0" dirty="0">
-                <a:sym typeface="Wingdings" panose="05000000000000000000" pitchFamily="2" charset="2"/>
-              </a:rPr>
-              <a:t> node recovers</a:t>
-            </a:r>
-            <a:endParaRPr lang="en-US" sz="1800" b="0" dirty="0"/>
-          </a:p>
-          <a:p>
-            <a:endParaRPr lang="de-DE" sz="1800" b="0" dirty="0"/>
-          </a:p>
-        </p:txBody>
-      </p:sp>
       <p:pic>
         <p:nvPicPr>
           <p:cNvPr id="7" name="Grafik 6" descr="Ein Bild, das Dunkelheit enthält.&#10;&#10;Automatisch generierte Beschreibung">
@@ -11383,6 +11980,2597 @@
           </a:prstGeom>
         </p:spPr>
       </p:pic>
+      <p:sp>
+        <p:nvSpPr>
+          <p:cNvPr id="6" name="Rechteck: abgerundete Ecken 5">
+            <a:extLst>
+              <a:ext uri="{FF2B5EF4-FFF2-40B4-BE49-F238E27FC236}">
+                <a16:creationId xmlns:a16="http://schemas.microsoft.com/office/drawing/2014/main" id="{6B8BFAB4-42EB-F363-4E3D-940777AC794C}"/>
+              </a:ext>
+            </a:extLst>
+          </p:cNvPr>
+          <p:cNvSpPr/>
+          <p:nvPr/>
+        </p:nvSpPr>
+        <p:spPr>
+          <a:xfrm>
+            <a:off x="1989881" y="3474773"/>
+            <a:ext cx="1785256" cy="606489"/>
+          </a:xfrm>
+          <a:prstGeom prst="roundRect">
+            <a:avLst/>
+          </a:prstGeom>
+        </p:spPr>
+        <p:style>
+          <a:lnRef idx="2">
+            <a:schemeClr val="dk1"/>
+          </a:lnRef>
+          <a:fillRef idx="1">
+            <a:schemeClr val="lt1"/>
+          </a:fillRef>
+          <a:effectRef idx="0">
+            <a:schemeClr val="dk1"/>
+          </a:effectRef>
+          <a:fontRef idx="minor">
+            <a:schemeClr val="dk1"/>
+          </a:fontRef>
+        </p:style>
+        <p:txBody>
+          <a:bodyPr rtlCol="0" anchor="ctr"/>
+          <a:lstStyle/>
+          <a:p>
+            <a:pPr algn="ctr"/>
+            <a:r>
+              <a:rPr lang="en-US" dirty="0"/>
+              <a:t>Recovered</a:t>
+            </a:r>
+          </a:p>
+        </p:txBody>
+      </p:sp>
+      <p:sp>
+        <p:nvSpPr>
+          <p:cNvPr id="8" name="Rechteck: abgerundete Ecken 7">
+            <a:extLst>
+              <a:ext uri="{FF2B5EF4-FFF2-40B4-BE49-F238E27FC236}">
+                <a16:creationId xmlns:a16="http://schemas.microsoft.com/office/drawing/2014/main" id="{179AA309-136D-2EBB-E665-565910C6EA56}"/>
+              </a:ext>
+            </a:extLst>
+          </p:cNvPr>
+          <p:cNvSpPr/>
+          <p:nvPr/>
+        </p:nvSpPr>
+        <p:spPr>
+          <a:xfrm>
+            <a:off x="5839106" y="3474772"/>
+            <a:ext cx="1785256" cy="606489"/>
+          </a:xfrm>
+          <a:prstGeom prst="roundRect">
+            <a:avLst/>
+          </a:prstGeom>
+        </p:spPr>
+        <p:style>
+          <a:lnRef idx="2">
+            <a:schemeClr val="dk1"/>
+          </a:lnRef>
+          <a:fillRef idx="1">
+            <a:schemeClr val="lt1"/>
+          </a:fillRef>
+          <a:effectRef idx="0">
+            <a:schemeClr val="dk1"/>
+          </a:effectRef>
+          <a:fontRef idx="minor">
+            <a:schemeClr val="dk1"/>
+          </a:fontRef>
+        </p:style>
+        <p:txBody>
+          <a:bodyPr rtlCol="0" anchor="ctr"/>
+          <a:lstStyle/>
+          <a:p>
+            <a:pPr algn="ctr"/>
+            <a:r>
+              <a:rPr lang="en-US" dirty="0"/>
+              <a:t>Infected</a:t>
+            </a:r>
+          </a:p>
+        </p:txBody>
+      </p:sp>
+      <p:sp>
+        <p:nvSpPr>
+          <p:cNvPr id="9" name="Rechteck: abgerundete Ecken 8">
+            <a:extLst>
+              <a:ext uri="{FF2B5EF4-FFF2-40B4-BE49-F238E27FC236}">
+                <a16:creationId xmlns:a16="http://schemas.microsoft.com/office/drawing/2014/main" id="{6CEE0C86-3CFA-8A29-E219-8E9966E8E966}"/>
+              </a:ext>
+            </a:extLst>
+          </p:cNvPr>
+          <p:cNvSpPr/>
+          <p:nvPr/>
+        </p:nvSpPr>
+        <p:spPr>
+          <a:xfrm>
+            <a:off x="4036220" y="2344090"/>
+            <a:ext cx="1785256" cy="606489"/>
+          </a:xfrm>
+          <a:prstGeom prst="roundRect">
+            <a:avLst/>
+          </a:prstGeom>
+        </p:spPr>
+        <p:style>
+          <a:lnRef idx="2">
+            <a:schemeClr val="dk1"/>
+          </a:lnRef>
+          <a:fillRef idx="1">
+            <a:schemeClr val="lt1"/>
+          </a:fillRef>
+          <a:effectRef idx="0">
+            <a:schemeClr val="dk1"/>
+          </a:effectRef>
+          <a:fontRef idx="minor">
+            <a:schemeClr val="dk1"/>
+          </a:fontRef>
+        </p:style>
+        <p:txBody>
+          <a:bodyPr rtlCol="0" anchor="ctr"/>
+          <a:lstStyle/>
+          <a:p>
+            <a:pPr algn="ctr"/>
+            <a:r>
+              <a:rPr lang="en-US" dirty="0"/>
+              <a:t>Susceptible</a:t>
+            </a:r>
+          </a:p>
+        </p:txBody>
+      </p:sp>
+      <p:cxnSp>
+        <p:nvCxnSpPr>
+          <p:cNvPr id="10" name="Gerade Verbindung mit Pfeil 9">
+            <a:extLst>
+              <a:ext uri="{FF2B5EF4-FFF2-40B4-BE49-F238E27FC236}">
+                <a16:creationId xmlns:a16="http://schemas.microsoft.com/office/drawing/2014/main" id="{8C6DA360-A527-CFA3-B285-8C5F244EF2C5}"/>
+              </a:ext>
+            </a:extLst>
+          </p:cNvPr>
+          <p:cNvCxnSpPr>
+            <a:cxnSpLocks/>
+            <a:endCxn id="6" idx="0"/>
+          </p:cNvCxnSpPr>
+          <p:nvPr/>
+        </p:nvCxnSpPr>
+        <p:spPr>
+          <a:xfrm flipH="1">
+            <a:off x="2882509" y="2950579"/>
+            <a:ext cx="1337345" cy="524194"/>
+          </a:xfrm>
+          <a:prstGeom prst="straightConnector1">
+            <a:avLst/>
+          </a:prstGeom>
+          <a:ln>
+            <a:tailEnd type="triangle"/>
+          </a:ln>
+        </p:spPr>
+        <p:style>
+          <a:lnRef idx="1">
+            <a:schemeClr val="dk1"/>
+          </a:lnRef>
+          <a:fillRef idx="0">
+            <a:schemeClr val="dk1"/>
+          </a:fillRef>
+          <a:effectRef idx="0">
+            <a:schemeClr val="dk1"/>
+          </a:effectRef>
+          <a:fontRef idx="minor">
+            <a:schemeClr val="tx1"/>
+          </a:fontRef>
+        </p:style>
+      </p:cxnSp>
+      <mc:AlternateContent xmlns:mc="http://schemas.openxmlformats.org/markup-compatibility/2006" xmlns:a14="http://schemas.microsoft.com/office/drawing/2010/main">
+        <mc:Choice Requires="a14">
+          <p:sp>
+            <p:nvSpPr>
+              <p:cNvPr id="11" name="Textfeld 10">
+                <a:extLst>
+                  <a:ext uri="{FF2B5EF4-FFF2-40B4-BE49-F238E27FC236}">
+                    <a16:creationId xmlns:a16="http://schemas.microsoft.com/office/drawing/2014/main" id="{DD711E57-E807-6C4D-01B7-F80023CBF8EC}"/>
+                  </a:ext>
+                </a:extLst>
+              </p:cNvPr>
+              <p:cNvSpPr txBox="1"/>
+              <p:nvPr/>
+            </p:nvSpPr>
+            <p:spPr>
+              <a:xfrm>
+                <a:off x="2596982" y="3020448"/>
+                <a:ext cx="813492" cy="232949"/>
+              </a:xfrm>
+              <a:prstGeom prst="rect">
+                <a:avLst/>
+              </a:prstGeom>
+              <a:noFill/>
+            </p:spPr>
+            <p:txBody>
+              <a:bodyPr wrap="none" lIns="0" tIns="0" rIns="0" bIns="0" rtlCol="0">
+                <a:spAutoFit/>
+              </a:bodyPr>
+              <a:lstStyle/>
+              <a:p>
+                <a:pPr/>
+                <a14:m>
+                  <m:oMathPara xmlns:m="http://schemas.openxmlformats.org/officeDocument/2006/math">
+                    <m:oMathParaPr>
+                      <m:jc m:val="centerGroup"/>
+                    </m:oMathParaPr>
+                    <m:oMath xmlns:m="http://schemas.openxmlformats.org/officeDocument/2006/math">
+                      <m:sSub>
+                        <m:sSubPr>
+                          <m:ctrlPr>
+                            <a:rPr lang="de-DE" sz="1400" b="0" i="1" smtClean="0">
+                              <a:latin typeface="Cambria Math" panose="02040503050406030204" pitchFamily="18" charset="0"/>
+                            </a:rPr>
+                          </m:ctrlPr>
+                        </m:sSubPr>
+                        <m:e>
+                          <m:r>
+                            <a:rPr lang="de-DE" sz="1400" b="0" i="1" smtClean="0">
+                              <a:latin typeface="Cambria Math" panose="02040503050406030204" pitchFamily="18" charset="0"/>
+                            </a:rPr>
+                            <m:t>𝑔</m:t>
+                          </m:r>
+                        </m:e>
+                        <m:sub>
+                          <m:r>
+                            <a:rPr lang="de-DE" sz="1400" b="0" i="1" smtClean="0">
+                              <a:latin typeface="Cambria Math" panose="02040503050406030204" pitchFamily="18" charset="0"/>
+                            </a:rPr>
+                            <m:t>𝑛𝑒𝑖𝑔h𝑏𝑜𝑟𝑠</m:t>
+                          </m:r>
+                        </m:sub>
+                      </m:sSub>
+                    </m:oMath>
+                  </m:oMathPara>
+                </a14:m>
+                <a:endParaRPr lang="de-DE" sz="1400" dirty="0"/>
+              </a:p>
+            </p:txBody>
+          </p:sp>
+        </mc:Choice>
+        <mc:Fallback xmlns="">
+          <p:sp>
+            <p:nvSpPr>
+              <p:cNvPr id="11" name="Textfeld 10">
+                <a:extLst>
+                  <a:ext uri="{FF2B5EF4-FFF2-40B4-BE49-F238E27FC236}">
+                    <a16:creationId xmlns:a16="http://schemas.microsoft.com/office/drawing/2014/main" id="{DD711E57-E807-6C4D-01B7-F80023CBF8EC}"/>
+                  </a:ext>
+                </a:extLst>
+              </p:cNvPr>
+              <p:cNvSpPr txBox="1">
+                <a:spLocks noRot="1" noChangeAspect="1" noMove="1" noResize="1" noEditPoints="1" noAdjustHandles="1" noChangeArrowheads="1" noChangeShapeType="1" noTextEdit="1"/>
+              </p:cNvSpPr>
+              <p:nvPr/>
+            </p:nvSpPr>
+            <p:spPr>
+              <a:xfrm>
+                <a:off x="2596982" y="3020448"/>
+                <a:ext cx="813492" cy="232949"/>
+              </a:xfrm>
+              <a:prstGeom prst="rect">
+                <a:avLst/>
+              </a:prstGeom>
+              <a:blipFill>
+                <a:blip r:embed="rId8"/>
+                <a:stretch>
+                  <a:fillRect l="-4511" r="-3008" b="-23077"/>
+                </a:stretch>
+              </a:blipFill>
+            </p:spPr>
+            <p:txBody>
+              <a:bodyPr/>
+              <a:lstStyle/>
+              <a:p>
+                <a:r>
+                  <a:rPr lang="de-DE">
+                    <a:noFill/>
+                  </a:rPr>
+                  <a:t> </a:t>
+                </a:r>
+              </a:p>
+            </p:txBody>
+          </p:sp>
+        </mc:Fallback>
+      </mc:AlternateContent>
+      <p:cxnSp>
+        <p:nvCxnSpPr>
+          <p:cNvPr id="12" name="Gerade Verbindung mit Pfeil 11">
+            <a:extLst>
+              <a:ext uri="{FF2B5EF4-FFF2-40B4-BE49-F238E27FC236}">
+                <a16:creationId xmlns:a16="http://schemas.microsoft.com/office/drawing/2014/main" id="{AD27C170-4914-8708-A70D-F2AEA0ABCC3E}"/>
+              </a:ext>
+            </a:extLst>
+          </p:cNvPr>
+          <p:cNvCxnSpPr>
+            <a:cxnSpLocks/>
+            <a:endCxn id="8" idx="0"/>
+          </p:cNvCxnSpPr>
+          <p:nvPr/>
+        </p:nvCxnSpPr>
+        <p:spPr>
+          <a:xfrm>
+            <a:off x="5479040" y="2921164"/>
+            <a:ext cx="1252694" cy="553608"/>
+          </a:xfrm>
+          <a:prstGeom prst="straightConnector1">
+            <a:avLst/>
+          </a:prstGeom>
+          <a:ln>
+            <a:tailEnd type="triangle"/>
+          </a:ln>
+        </p:spPr>
+        <p:style>
+          <a:lnRef idx="1">
+            <a:schemeClr val="dk1"/>
+          </a:lnRef>
+          <a:fillRef idx="0">
+            <a:schemeClr val="dk1"/>
+          </a:fillRef>
+          <a:effectRef idx="0">
+            <a:schemeClr val="dk1"/>
+          </a:effectRef>
+          <a:fontRef idx="minor">
+            <a:schemeClr val="tx1"/>
+          </a:fontRef>
+        </p:style>
+      </p:cxnSp>
+      <p:cxnSp>
+        <p:nvCxnSpPr>
+          <p:cNvPr id="17" name="Gerade Verbindung mit Pfeil 16">
+            <a:extLst>
+              <a:ext uri="{FF2B5EF4-FFF2-40B4-BE49-F238E27FC236}">
+                <a16:creationId xmlns:a16="http://schemas.microsoft.com/office/drawing/2014/main" id="{C3448360-CF42-EE7C-091E-6371DBC93DC1}"/>
+              </a:ext>
+            </a:extLst>
+          </p:cNvPr>
+          <p:cNvCxnSpPr>
+            <a:cxnSpLocks/>
+            <a:stCxn id="8" idx="1"/>
+          </p:cNvCxnSpPr>
+          <p:nvPr/>
+        </p:nvCxnSpPr>
+        <p:spPr>
+          <a:xfrm flipH="1">
+            <a:off x="3775137" y="3778017"/>
+            <a:ext cx="2063969" cy="0"/>
+          </a:xfrm>
+          <a:prstGeom prst="straightConnector1">
+            <a:avLst/>
+          </a:prstGeom>
+          <a:ln>
+            <a:tailEnd type="triangle"/>
+          </a:ln>
+        </p:spPr>
+        <p:style>
+          <a:lnRef idx="1">
+            <a:schemeClr val="dk1"/>
+          </a:lnRef>
+          <a:fillRef idx="0">
+            <a:schemeClr val="dk1"/>
+          </a:fillRef>
+          <a:effectRef idx="0">
+            <a:schemeClr val="dk1"/>
+          </a:effectRef>
+          <a:fontRef idx="minor">
+            <a:schemeClr val="tx1"/>
+          </a:fontRef>
+        </p:style>
+      </p:cxnSp>
+      <mc:AlternateContent xmlns:mc="http://schemas.openxmlformats.org/markup-compatibility/2006" xmlns:a14="http://schemas.microsoft.com/office/drawing/2010/main">
+        <mc:Choice Requires="a14">
+          <p:sp>
+            <p:nvSpPr>
+              <p:cNvPr id="20" name="Textfeld 19">
+                <a:extLst>
+                  <a:ext uri="{FF2B5EF4-FFF2-40B4-BE49-F238E27FC236}">
+                    <a16:creationId xmlns:a16="http://schemas.microsoft.com/office/drawing/2014/main" id="{C1A5AAA6-4103-4D63-E5DA-9617B1295E99}"/>
+                  </a:ext>
+                </a:extLst>
+              </p:cNvPr>
+              <p:cNvSpPr txBox="1"/>
+              <p:nvPr/>
+            </p:nvSpPr>
+            <p:spPr>
+              <a:xfrm>
+                <a:off x="4655077" y="3818685"/>
+                <a:ext cx="565989" cy="232692"/>
+              </a:xfrm>
+              <a:prstGeom prst="rect">
+                <a:avLst/>
+              </a:prstGeom>
+              <a:noFill/>
+            </p:spPr>
+            <p:txBody>
+              <a:bodyPr wrap="none" lIns="0" tIns="0" rIns="0" bIns="0" rtlCol="0">
+                <a:spAutoFit/>
+              </a:bodyPr>
+              <a:lstStyle/>
+              <a:p>
+                <a:pPr/>
+                <a14:m>
+                  <m:oMathPara xmlns:m="http://schemas.openxmlformats.org/officeDocument/2006/math">
+                    <m:oMathParaPr>
+                      <m:jc m:val="centerGroup"/>
+                    </m:oMathParaPr>
+                    <m:oMath xmlns:m="http://schemas.openxmlformats.org/officeDocument/2006/math">
+                      <m:sSub>
+                        <m:sSubPr>
+                          <m:ctrlPr>
+                            <a:rPr lang="de-DE" sz="1400" b="0" i="1" smtClean="0">
+                              <a:latin typeface="Cambria Math" panose="02040503050406030204" pitchFamily="18" charset="0"/>
+                            </a:rPr>
+                          </m:ctrlPr>
+                        </m:sSubPr>
+                        <m:e>
+                          <m:r>
+                            <a:rPr lang="de-DE" sz="1400" b="0" i="1" smtClean="0">
+                              <a:latin typeface="Cambria Math" panose="02040503050406030204" pitchFamily="18" charset="0"/>
+                            </a:rPr>
+                            <m:t>𝑝</m:t>
+                          </m:r>
+                        </m:e>
+                        <m:sub>
+                          <m:r>
+                            <a:rPr lang="de-DE" sz="1400" b="0" i="1" smtClean="0">
+                              <a:latin typeface="Cambria Math" panose="02040503050406030204" pitchFamily="18" charset="0"/>
+                            </a:rPr>
+                            <m:t>𝑣𝑒𝑟𝑖𝑓𝑦</m:t>
+                          </m:r>
+                        </m:sub>
+                      </m:sSub>
+                    </m:oMath>
+                  </m:oMathPara>
+                </a14:m>
+                <a:endParaRPr lang="de-DE" sz="1400" dirty="0"/>
+              </a:p>
+            </p:txBody>
+          </p:sp>
+        </mc:Choice>
+        <mc:Fallback xmlns="">
+          <p:sp>
+            <p:nvSpPr>
+              <p:cNvPr id="20" name="Textfeld 19">
+                <a:extLst>
+                  <a:ext uri="{FF2B5EF4-FFF2-40B4-BE49-F238E27FC236}">
+                    <a16:creationId xmlns:a16="http://schemas.microsoft.com/office/drawing/2014/main" id="{C1A5AAA6-4103-4D63-E5DA-9617B1295E99}"/>
+                  </a:ext>
+                </a:extLst>
+              </p:cNvPr>
+              <p:cNvSpPr txBox="1">
+                <a:spLocks noRot="1" noChangeAspect="1" noMove="1" noResize="1" noEditPoints="1" noAdjustHandles="1" noChangeArrowheads="1" noChangeShapeType="1" noTextEdit="1"/>
+              </p:cNvSpPr>
+              <p:nvPr/>
+            </p:nvSpPr>
+            <p:spPr>
+              <a:xfrm>
+                <a:off x="4655077" y="3818685"/>
+                <a:ext cx="565989" cy="232692"/>
+              </a:xfrm>
+              <a:prstGeom prst="rect">
+                <a:avLst/>
+              </a:prstGeom>
+              <a:blipFill>
+                <a:blip r:embed="rId9"/>
+                <a:stretch>
+                  <a:fillRect l="-7609" r="-3261" b="-23077"/>
+                </a:stretch>
+              </a:blipFill>
+            </p:spPr>
+            <p:txBody>
+              <a:bodyPr/>
+              <a:lstStyle/>
+              <a:p>
+                <a:r>
+                  <a:rPr lang="de-DE">
+                    <a:noFill/>
+                  </a:rPr>
+                  <a:t> </a:t>
+                </a:r>
+              </a:p>
+            </p:txBody>
+          </p:sp>
+        </mc:Fallback>
+      </mc:AlternateContent>
+      <p:cxnSp>
+        <p:nvCxnSpPr>
+          <p:cNvPr id="21" name="Verbinder: gewinkelt 20">
+            <a:extLst>
+              <a:ext uri="{FF2B5EF4-FFF2-40B4-BE49-F238E27FC236}">
+                <a16:creationId xmlns:a16="http://schemas.microsoft.com/office/drawing/2014/main" id="{5A63D097-0CD5-3737-68E7-97F7383D2D80}"/>
+              </a:ext>
+            </a:extLst>
+          </p:cNvPr>
+          <p:cNvCxnSpPr>
+            <a:stCxn id="6" idx="2"/>
+            <a:endCxn id="6" idx="1"/>
+          </p:cNvCxnSpPr>
+          <p:nvPr/>
+        </p:nvCxnSpPr>
+        <p:spPr>
+          <a:xfrm rot="5400000" flipH="1">
+            <a:off x="2284573" y="3483326"/>
+            <a:ext cx="303244" cy="892628"/>
+          </a:xfrm>
+          <a:prstGeom prst="bentConnector4">
+            <a:avLst>
+              <a:gd name="adj1" fmla="val -75385"/>
+              <a:gd name="adj2" fmla="val 125610"/>
+            </a:avLst>
+          </a:prstGeom>
+          <a:ln>
+            <a:tailEnd type="triangle"/>
+          </a:ln>
+        </p:spPr>
+        <p:style>
+          <a:lnRef idx="1">
+            <a:schemeClr val="dk1"/>
+          </a:lnRef>
+          <a:fillRef idx="0">
+            <a:schemeClr val="dk1"/>
+          </a:fillRef>
+          <a:effectRef idx="0">
+            <a:schemeClr val="dk1"/>
+          </a:effectRef>
+          <a:fontRef idx="minor">
+            <a:schemeClr val="tx1"/>
+          </a:fontRef>
+        </p:style>
+      </p:cxnSp>
+      <mc:AlternateContent xmlns:mc="http://schemas.openxmlformats.org/markup-compatibility/2006" xmlns:a14="http://schemas.microsoft.com/office/drawing/2010/main">
+        <mc:Choice Requires="a14">
+          <p:sp>
+            <p:nvSpPr>
+              <p:cNvPr id="22" name="Textfeld 21">
+                <a:extLst>
+                  <a:ext uri="{FF2B5EF4-FFF2-40B4-BE49-F238E27FC236}">
+                    <a16:creationId xmlns:a16="http://schemas.microsoft.com/office/drawing/2014/main" id="{CB960D08-A23D-0E09-B7FD-9E85576127EE}"/>
+                  </a:ext>
+                </a:extLst>
+              </p:cNvPr>
+              <p:cNvSpPr txBox="1"/>
+              <p:nvPr/>
+            </p:nvSpPr>
+            <p:spPr>
+              <a:xfrm>
+                <a:off x="6194781" y="2953286"/>
+                <a:ext cx="780406" cy="232949"/>
+              </a:xfrm>
+              <a:prstGeom prst="rect">
+                <a:avLst/>
+              </a:prstGeom>
+              <a:noFill/>
+            </p:spPr>
+            <p:txBody>
+              <a:bodyPr wrap="none" lIns="0" tIns="0" rIns="0" bIns="0" rtlCol="0">
+                <a:spAutoFit/>
+              </a:bodyPr>
+              <a:lstStyle/>
+              <a:p>
+                <a:pPr/>
+                <a14:m>
+                  <m:oMathPara xmlns:m="http://schemas.openxmlformats.org/officeDocument/2006/math">
+                    <m:oMathParaPr>
+                      <m:jc m:val="centerGroup"/>
+                    </m:oMathParaPr>
+                    <m:oMath xmlns:m="http://schemas.openxmlformats.org/officeDocument/2006/math">
+                      <m:sSub>
+                        <m:sSubPr>
+                          <m:ctrlPr>
+                            <a:rPr lang="de-DE" sz="1400" b="0" i="1" smtClean="0">
+                              <a:latin typeface="Cambria Math" panose="02040503050406030204" pitchFamily="18" charset="0"/>
+                            </a:rPr>
+                          </m:ctrlPr>
+                        </m:sSubPr>
+                        <m:e>
+                          <m:r>
+                            <a:rPr lang="de-DE" sz="1400" b="0" i="1" smtClean="0">
+                              <a:latin typeface="Cambria Math" panose="02040503050406030204" pitchFamily="18" charset="0"/>
+                            </a:rPr>
+                            <m:t>𝑓</m:t>
+                          </m:r>
+                        </m:e>
+                        <m:sub>
+                          <m:r>
+                            <a:rPr lang="de-DE" sz="1400" b="0" i="1" smtClean="0">
+                              <a:latin typeface="Cambria Math" panose="02040503050406030204" pitchFamily="18" charset="0"/>
+                            </a:rPr>
+                            <m:t>𝑛𝑒𝑖𝑔h𝑏𝑜𝑟𝑠</m:t>
+                          </m:r>
+                        </m:sub>
+                      </m:sSub>
+                    </m:oMath>
+                  </m:oMathPara>
+                </a14:m>
+                <a:endParaRPr lang="de-DE" sz="1400" dirty="0"/>
+              </a:p>
+            </p:txBody>
+          </p:sp>
+        </mc:Choice>
+        <mc:Fallback xmlns="">
+          <p:sp>
+            <p:nvSpPr>
+              <p:cNvPr id="22" name="Textfeld 21">
+                <a:extLst>
+                  <a:ext uri="{FF2B5EF4-FFF2-40B4-BE49-F238E27FC236}">
+                    <a16:creationId xmlns:a16="http://schemas.microsoft.com/office/drawing/2014/main" id="{CB960D08-A23D-0E09-B7FD-9E85576127EE}"/>
+                  </a:ext>
+                </a:extLst>
+              </p:cNvPr>
+              <p:cNvSpPr txBox="1">
+                <a:spLocks noRot="1" noChangeAspect="1" noMove="1" noResize="1" noEditPoints="1" noAdjustHandles="1" noChangeArrowheads="1" noChangeShapeType="1" noTextEdit="1"/>
+              </p:cNvSpPr>
+              <p:nvPr/>
+            </p:nvSpPr>
+            <p:spPr>
+              <a:xfrm>
+                <a:off x="6194781" y="2953286"/>
+                <a:ext cx="780406" cy="232949"/>
+              </a:xfrm>
+              <a:prstGeom prst="rect">
+                <a:avLst/>
+              </a:prstGeom>
+              <a:blipFill>
+                <a:blip r:embed="rId10"/>
+                <a:stretch>
+                  <a:fillRect l="-7031" r="-2344" b="-23077"/>
+                </a:stretch>
+              </a:blipFill>
+            </p:spPr>
+            <p:txBody>
+              <a:bodyPr/>
+              <a:lstStyle/>
+              <a:p>
+                <a:r>
+                  <a:rPr lang="de-DE">
+                    <a:noFill/>
+                  </a:rPr>
+                  <a:t> </a:t>
+                </a:r>
+              </a:p>
+            </p:txBody>
+          </p:sp>
+        </mc:Fallback>
+      </mc:AlternateContent>
+      <mc:AlternateContent xmlns:mc="http://schemas.openxmlformats.org/markup-compatibility/2006" xmlns:a14="http://schemas.microsoft.com/office/drawing/2010/main">
+        <mc:Choice Requires="a14">
+          <p:sp>
+            <p:nvSpPr>
+              <p:cNvPr id="23" name="Textfeld 22">
+                <a:extLst>
+                  <a:ext uri="{FF2B5EF4-FFF2-40B4-BE49-F238E27FC236}">
+                    <a16:creationId xmlns:a16="http://schemas.microsoft.com/office/drawing/2014/main" id="{CFC1D5D3-FE6A-01AA-76A1-A168B4134ED1}"/>
+                  </a:ext>
+                </a:extLst>
+              </p:cNvPr>
+              <p:cNvSpPr txBox="1"/>
+              <p:nvPr/>
+            </p:nvSpPr>
+            <p:spPr>
+              <a:xfrm>
+                <a:off x="1793211" y="4384507"/>
+                <a:ext cx="139461" cy="215444"/>
+              </a:xfrm>
+              <a:prstGeom prst="rect">
+                <a:avLst/>
+              </a:prstGeom>
+              <a:noFill/>
+            </p:spPr>
+            <p:txBody>
+              <a:bodyPr wrap="none" lIns="0" tIns="0" rIns="0" bIns="0" rtlCol="0">
+                <a:spAutoFit/>
+              </a:bodyPr>
+              <a:lstStyle/>
+              <a:p>
+                <a:pPr/>
+                <a14:m>
+                  <m:oMathPara xmlns:m="http://schemas.openxmlformats.org/officeDocument/2006/math">
+                    <m:oMathParaPr>
+                      <m:jc m:val="centerGroup"/>
+                    </m:oMathParaPr>
+                    <m:oMath xmlns:m="http://schemas.openxmlformats.org/officeDocument/2006/math">
+                      <m:r>
+                        <a:rPr lang="de-DE" sz="1400" b="0" i="1" smtClean="0">
+                          <a:latin typeface="Cambria Math" panose="02040503050406030204" pitchFamily="18" charset="0"/>
+                        </a:rPr>
+                        <m:t>1</m:t>
+                      </m:r>
+                    </m:oMath>
+                  </m:oMathPara>
+                </a14:m>
+                <a:endParaRPr lang="de-DE" sz="1400" dirty="0"/>
+              </a:p>
+            </p:txBody>
+          </p:sp>
+        </mc:Choice>
+        <mc:Fallback xmlns="">
+          <p:sp>
+            <p:nvSpPr>
+              <p:cNvPr id="23" name="Textfeld 22">
+                <a:extLst>
+                  <a:ext uri="{FF2B5EF4-FFF2-40B4-BE49-F238E27FC236}">
+                    <a16:creationId xmlns:a16="http://schemas.microsoft.com/office/drawing/2014/main" id="{CFC1D5D3-FE6A-01AA-76A1-A168B4134ED1}"/>
+                  </a:ext>
+                </a:extLst>
+              </p:cNvPr>
+              <p:cNvSpPr txBox="1">
+                <a:spLocks noRot="1" noChangeAspect="1" noMove="1" noResize="1" noEditPoints="1" noAdjustHandles="1" noChangeArrowheads="1" noChangeShapeType="1" noTextEdit="1"/>
+              </p:cNvSpPr>
+              <p:nvPr/>
+            </p:nvSpPr>
+            <p:spPr>
+              <a:xfrm>
+                <a:off x="1793211" y="4384507"/>
+                <a:ext cx="139461" cy="215444"/>
+              </a:xfrm>
+              <a:prstGeom prst="rect">
+                <a:avLst/>
+              </a:prstGeom>
+              <a:blipFill>
+                <a:blip r:embed="rId11"/>
+                <a:stretch>
+                  <a:fillRect l="-30435" r="-26087" b="-5556"/>
+                </a:stretch>
+              </a:blipFill>
+            </p:spPr>
+            <p:txBody>
+              <a:bodyPr/>
+              <a:lstStyle/>
+              <a:p>
+                <a:r>
+                  <a:rPr lang="de-DE">
+                    <a:noFill/>
+                  </a:rPr>
+                  <a:t> </a:t>
+                </a:r>
+              </a:p>
+            </p:txBody>
+          </p:sp>
+        </mc:Fallback>
+      </mc:AlternateContent>
+      <p:cxnSp>
+        <p:nvCxnSpPr>
+          <p:cNvPr id="24" name="Verbinder: gewinkelt 23">
+            <a:extLst>
+              <a:ext uri="{FF2B5EF4-FFF2-40B4-BE49-F238E27FC236}">
+                <a16:creationId xmlns:a16="http://schemas.microsoft.com/office/drawing/2014/main" id="{39475066-16B1-97A5-2CFF-3D49F056AB48}"/>
+              </a:ext>
+            </a:extLst>
+          </p:cNvPr>
+          <p:cNvCxnSpPr>
+            <a:stCxn id="9" idx="1"/>
+            <a:endCxn id="9" idx="0"/>
+          </p:cNvCxnSpPr>
+          <p:nvPr/>
+        </p:nvCxnSpPr>
+        <p:spPr>
+          <a:xfrm rot="10800000" flipH="1">
+            <a:off x="4036220" y="2344091"/>
+            <a:ext cx="892628" cy="303245"/>
+          </a:xfrm>
+          <a:prstGeom prst="bentConnector4">
+            <a:avLst>
+              <a:gd name="adj1" fmla="val -25610"/>
+              <a:gd name="adj2" fmla="val 175385"/>
+            </a:avLst>
+          </a:prstGeom>
+          <a:ln>
+            <a:tailEnd type="triangle"/>
+          </a:ln>
+        </p:spPr>
+        <p:style>
+          <a:lnRef idx="1">
+            <a:schemeClr val="dk1"/>
+          </a:lnRef>
+          <a:fillRef idx="0">
+            <a:schemeClr val="dk1"/>
+          </a:fillRef>
+          <a:effectRef idx="0">
+            <a:schemeClr val="dk1"/>
+          </a:effectRef>
+          <a:fontRef idx="minor">
+            <a:schemeClr val="tx1"/>
+          </a:fontRef>
+        </p:style>
+      </p:cxnSp>
+      <p:cxnSp>
+        <p:nvCxnSpPr>
+          <p:cNvPr id="25" name="Verbinder: gewinkelt 24">
+            <a:extLst>
+              <a:ext uri="{FF2B5EF4-FFF2-40B4-BE49-F238E27FC236}">
+                <a16:creationId xmlns:a16="http://schemas.microsoft.com/office/drawing/2014/main" id="{9DCC9BB9-110C-87A4-9428-51031A5941CF}"/>
+              </a:ext>
+            </a:extLst>
+          </p:cNvPr>
+          <p:cNvCxnSpPr>
+            <a:stCxn id="8" idx="3"/>
+            <a:endCxn id="8" idx="2"/>
+          </p:cNvCxnSpPr>
+          <p:nvPr/>
+        </p:nvCxnSpPr>
+        <p:spPr>
+          <a:xfrm flipH="1">
+            <a:off x="6731734" y="3778017"/>
+            <a:ext cx="892628" cy="303244"/>
+          </a:xfrm>
+          <a:prstGeom prst="bentConnector4">
+            <a:avLst>
+              <a:gd name="adj1" fmla="val -25610"/>
+              <a:gd name="adj2" fmla="val 175385"/>
+            </a:avLst>
+          </a:prstGeom>
+          <a:ln>
+            <a:tailEnd type="triangle"/>
+          </a:ln>
+        </p:spPr>
+        <p:style>
+          <a:lnRef idx="1">
+            <a:schemeClr val="dk1"/>
+          </a:lnRef>
+          <a:fillRef idx="0">
+            <a:schemeClr val="dk1"/>
+          </a:fillRef>
+          <a:effectRef idx="0">
+            <a:schemeClr val="dk1"/>
+          </a:effectRef>
+          <a:fontRef idx="minor">
+            <a:schemeClr val="tx1"/>
+          </a:fontRef>
+        </p:style>
+      </p:cxnSp>
+      <mc:AlternateContent xmlns:mc="http://schemas.openxmlformats.org/markup-compatibility/2006" xmlns:a14="http://schemas.microsoft.com/office/drawing/2010/main">
+        <mc:Choice Requires="a14">
+          <p:sp>
+            <p:nvSpPr>
+              <p:cNvPr id="26" name="Textfeld 25">
+                <a:extLst>
+                  <a:ext uri="{FF2B5EF4-FFF2-40B4-BE49-F238E27FC236}">
+                    <a16:creationId xmlns:a16="http://schemas.microsoft.com/office/drawing/2014/main" id="{B9DB97AE-69E5-E8C2-F576-72D02A6299DB}"/>
+                  </a:ext>
+                </a:extLst>
+              </p:cNvPr>
+              <p:cNvSpPr txBox="1"/>
+              <p:nvPr/>
+            </p:nvSpPr>
+            <p:spPr>
+              <a:xfrm>
+                <a:off x="3443726" y="1751907"/>
+                <a:ext cx="2082045" cy="232949"/>
+              </a:xfrm>
+              <a:prstGeom prst="rect">
+                <a:avLst/>
+              </a:prstGeom>
+              <a:noFill/>
+            </p:spPr>
+            <p:txBody>
+              <a:bodyPr wrap="none" lIns="0" tIns="0" rIns="0" bIns="0" rtlCol="0">
+                <a:spAutoFit/>
+              </a:bodyPr>
+              <a:lstStyle/>
+              <a:p>
+                <a:pPr/>
+                <a14:m>
+                  <m:oMathPara xmlns:m="http://schemas.openxmlformats.org/officeDocument/2006/math">
+                    <m:oMathParaPr>
+                      <m:jc m:val="centerGroup"/>
+                    </m:oMathParaPr>
+                    <m:oMath xmlns:m="http://schemas.openxmlformats.org/officeDocument/2006/math">
+                      <m:sSub>
+                        <m:sSubPr>
+                          <m:ctrlPr>
+                            <a:rPr lang="de-DE" sz="1400" b="0" i="1" smtClean="0">
+                              <a:latin typeface="Cambria Math" panose="02040503050406030204" pitchFamily="18" charset="0"/>
+                            </a:rPr>
+                          </m:ctrlPr>
+                        </m:sSubPr>
+                        <m:e>
+                          <m:r>
+                            <a:rPr lang="de-DE" sz="1400" b="0" i="1" smtClean="0">
+                              <a:latin typeface="Cambria Math" panose="02040503050406030204" pitchFamily="18" charset="0"/>
+                            </a:rPr>
+                            <m:t>1−</m:t>
+                          </m:r>
+                          <m:r>
+                            <a:rPr lang="de-DE" sz="1400" b="0" i="1" smtClean="0">
+                              <a:latin typeface="Cambria Math" panose="02040503050406030204" pitchFamily="18" charset="0"/>
+                            </a:rPr>
+                            <m:t>𝑔</m:t>
+                          </m:r>
+                        </m:e>
+                        <m:sub>
+                          <m:r>
+                            <a:rPr lang="de-DE" sz="1400" b="0" i="1" smtClean="0">
+                              <a:latin typeface="Cambria Math" panose="02040503050406030204" pitchFamily="18" charset="0"/>
+                            </a:rPr>
+                            <m:t>𝑛𝑒𝑖𝑔h𝑏𝑜𝑟𝑠</m:t>
+                          </m:r>
+                        </m:sub>
+                      </m:sSub>
+                      <m:r>
+                        <a:rPr lang="de-DE" sz="1400" b="0" i="1" smtClean="0">
+                          <a:latin typeface="Cambria Math" panose="02040503050406030204" pitchFamily="18" charset="0"/>
+                        </a:rPr>
+                        <m:t>−</m:t>
+                      </m:r>
+                      <m:sSub>
+                        <m:sSubPr>
+                          <m:ctrlPr>
+                            <a:rPr lang="de-DE" sz="1400" b="0" i="1" smtClean="0">
+                              <a:latin typeface="Cambria Math" panose="02040503050406030204" pitchFamily="18" charset="0"/>
+                            </a:rPr>
+                          </m:ctrlPr>
+                        </m:sSubPr>
+                        <m:e>
+                          <m:r>
+                            <a:rPr lang="de-DE" sz="1400" b="0" i="1" smtClean="0">
+                              <a:latin typeface="Cambria Math" panose="02040503050406030204" pitchFamily="18" charset="0"/>
+                            </a:rPr>
+                            <m:t>𝑓</m:t>
+                          </m:r>
+                        </m:e>
+                        <m:sub>
+                          <m:r>
+                            <a:rPr lang="de-DE" sz="1400" b="0" i="1" smtClean="0">
+                              <a:latin typeface="Cambria Math" panose="02040503050406030204" pitchFamily="18" charset="0"/>
+                            </a:rPr>
+                            <m:t>𝑛𝑒𝑖𝑔h𝑏𝑜𝑟𝑠</m:t>
+                          </m:r>
+                        </m:sub>
+                      </m:sSub>
+                    </m:oMath>
+                  </m:oMathPara>
+                </a14:m>
+                <a:endParaRPr lang="de-DE" sz="1400" dirty="0"/>
+              </a:p>
+            </p:txBody>
+          </p:sp>
+        </mc:Choice>
+        <mc:Fallback xmlns="">
+          <p:sp>
+            <p:nvSpPr>
+              <p:cNvPr id="26" name="Textfeld 25">
+                <a:extLst>
+                  <a:ext uri="{FF2B5EF4-FFF2-40B4-BE49-F238E27FC236}">
+                    <a16:creationId xmlns:a16="http://schemas.microsoft.com/office/drawing/2014/main" id="{B9DB97AE-69E5-E8C2-F576-72D02A6299DB}"/>
+                  </a:ext>
+                </a:extLst>
+              </p:cNvPr>
+              <p:cNvSpPr txBox="1">
+                <a:spLocks noRot="1" noChangeAspect="1" noMove="1" noResize="1" noEditPoints="1" noAdjustHandles="1" noChangeArrowheads="1" noChangeShapeType="1" noTextEdit="1"/>
+              </p:cNvSpPr>
+              <p:nvPr/>
+            </p:nvSpPr>
+            <p:spPr>
+              <a:xfrm>
+                <a:off x="3443726" y="1751907"/>
+                <a:ext cx="2082045" cy="232949"/>
+              </a:xfrm>
+              <a:prstGeom prst="rect">
+                <a:avLst/>
+              </a:prstGeom>
+              <a:blipFill>
+                <a:blip r:embed="rId12"/>
+                <a:stretch>
+                  <a:fillRect l="-1466" r="-587" b="-23077"/>
+                </a:stretch>
+              </a:blipFill>
+            </p:spPr>
+            <p:txBody>
+              <a:bodyPr/>
+              <a:lstStyle/>
+              <a:p>
+                <a:r>
+                  <a:rPr lang="de-DE">
+                    <a:noFill/>
+                  </a:rPr>
+                  <a:t> </a:t>
+                </a:r>
+              </a:p>
+            </p:txBody>
+          </p:sp>
+        </mc:Fallback>
+      </mc:AlternateContent>
+      <mc:AlternateContent xmlns:mc="http://schemas.openxmlformats.org/markup-compatibility/2006" xmlns:a14="http://schemas.microsoft.com/office/drawing/2010/main">
+        <mc:Choice Requires="a14">
+          <p:sp>
+            <p:nvSpPr>
+              <p:cNvPr id="27" name="Textfeld 26">
+                <a:extLst>
+                  <a:ext uri="{FF2B5EF4-FFF2-40B4-BE49-F238E27FC236}">
+                    <a16:creationId xmlns:a16="http://schemas.microsoft.com/office/drawing/2014/main" id="{E247341B-839A-22F3-1983-3AE426FD528C}"/>
+                  </a:ext>
+                </a:extLst>
+              </p:cNvPr>
+              <p:cNvSpPr txBox="1"/>
+              <p:nvPr/>
+            </p:nvSpPr>
+            <p:spPr>
+              <a:xfrm>
+                <a:off x="6805964" y="4407833"/>
+                <a:ext cx="879792" cy="232692"/>
+              </a:xfrm>
+              <a:prstGeom prst="rect">
+                <a:avLst/>
+              </a:prstGeom>
+              <a:noFill/>
+            </p:spPr>
+            <p:txBody>
+              <a:bodyPr wrap="none" lIns="0" tIns="0" rIns="0" bIns="0" rtlCol="0">
+                <a:spAutoFit/>
+              </a:bodyPr>
+              <a:lstStyle/>
+              <a:p>
+                <a:pPr/>
+                <a14:m>
+                  <m:oMathPara xmlns:m="http://schemas.openxmlformats.org/officeDocument/2006/math">
+                    <m:oMathParaPr>
+                      <m:jc m:val="centerGroup"/>
+                    </m:oMathParaPr>
+                    <m:oMath xmlns:m="http://schemas.openxmlformats.org/officeDocument/2006/math">
+                      <m:r>
+                        <a:rPr lang="de-DE" sz="1400" b="0" i="1" smtClean="0">
+                          <a:latin typeface="Cambria Math" panose="02040503050406030204" pitchFamily="18" charset="0"/>
+                        </a:rPr>
+                        <m:t>1−</m:t>
+                      </m:r>
+                      <m:sSub>
+                        <m:sSubPr>
+                          <m:ctrlPr>
+                            <a:rPr lang="de-DE" sz="1400" b="0" i="1" smtClean="0">
+                              <a:latin typeface="Cambria Math" panose="02040503050406030204" pitchFamily="18" charset="0"/>
+                            </a:rPr>
+                          </m:ctrlPr>
+                        </m:sSubPr>
+                        <m:e>
+                          <m:r>
+                            <a:rPr lang="de-DE" sz="1400" b="0" i="1" smtClean="0">
+                              <a:latin typeface="Cambria Math" panose="02040503050406030204" pitchFamily="18" charset="0"/>
+                            </a:rPr>
+                            <m:t>𝑝</m:t>
+                          </m:r>
+                        </m:e>
+                        <m:sub>
+                          <m:r>
+                            <a:rPr lang="de-DE" sz="1400" b="0" i="1" smtClean="0">
+                              <a:latin typeface="Cambria Math" panose="02040503050406030204" pitchFamily="18" charset="0"/>
+                            </a:rPr>
+                            <m:t>𝑣𝑒𝑟𝑖𝑓𝑦</m:t>
+                          </m:r>
+                        </m:sub>
+                      </m:sSub>
+                    </m:oMath>
+                  </m:oMathPara>
+                </a14:m>
+                <a:endParaRPr lang="de-DE" sz="1400" dirty="0"/>
+              </a:p>
+            </p:txBody>
+          </p:sp>
+        </mc:Choice>
+        <mc:Fallback xmlns="">
+          <p:sp>
+            <p:nvSpPr>
+              <p:cNvPr id="27" name="Textfeld 26">
+                <a:extLst>
+                  <a:ext uri="{FF2B5EF4-FFF2-40B4-BE49-F238E27FC236}">
+                    <a16:creationId xmlns:a16="http://schemas.microsoft.com/office/drawing/2014/main" id="{E247341B-839A-22F3-1983-3AE426FD528C}"/>
+                  </a:ext>
+                </a:extLst>
+              </p:cNvPr>
+              <p:cNvSpPr txBox="1">
+                <a:spLocks noRot="1" noChangeAspect="1" noMove="1" noResize="1" noEditPoints="1" noAdjustHandles="1" noChangeArrowheads="1" noChangeShapeType="1" noTextEdit="1"/>
+              </p:cNvSpPr>
+              <p:nvPr/>
+            </p:nvSpPr>
+            <p:spPr>
+              <a:xfrm>
+                <a:off x="6805964" y="4407833"/>
+                <a:ext cx="879792" cy="232692"/>
+              </a:xfrm>
+              <a:prstGeom prst="rect">
+                <a:avLst/>
+              </a:prstGeom>
+              <a:blipFill>
+                <a:blip r:embed="rId13"/>
+                <a:stretch>
+                  <a:fillRect l="-4138" r="-2069" b="-26316"/>
+                </a:stretch>
+              </a:blipFill>
+            </p:spPr>
+            <p:txBody>
+              <a:bodyPr/>
+              <a:lstStyle/>
+              <a:p>
+                <a:r>
+                  <a:rPr lang="de-DE">
+                    <a:noFill/>
+                  </a:rPr>
+                  <a:t> </a:t>
+                </a:r>
+              </a:p>
+            </p:txBody>
+          </p:sp>
+        </mc:Fallback>
+      </mc:AlternateContent>
+      <p:sp>
+        <p:nvSpPr>
+          <p:cNvPr id="34" name="Rechteck: abgerundete Ecken 33">
+            <a:extLst>
+              <a:ext uri="{FF2B5EF4-FFF2-40B4-BE49-F238E27FC236}">
+                <a16:creationId xmlns:a16="http://schemas.microsoft.com/office/drawing/2014/main" id="{C0275421-97A8-F4ED-0C4F-90681A10BFED}"/>
+              </a:ext>
+            </a:extLst>
+          </p:cNvPr>
+          <p:cNvSpPr/>
+          <p:nvPr/>
+        </p:nvSpPr>
+        <p:spPr>
+          <a:xfrm>
+            <a:off x="459229" y="4863846"/>
+            <a:ext cx="8779840" cy="1492704"/>
+          </a:xfrm>
+          <a:prstGeom prst="roundRect">
+            <a:avLst/>
+          </a:prstGeom>
+        </p:spPr>
+        <p:style>
+          <a:lnRef idx="2">
+            <a:schemeClr val="accent1"/>
+          </a:lnRef>
+          <a:fillRef idx="1">
+            <a:schemeClr val="lt1"/>
+          </a:fillRef>
+          <a:effectRef idx="0">
+            <a:schemeClr val="accent1"/>
+          </a:effectRef>
+          <a:fontRef idx="minor">
+            <a:schemeClr val="dk1"/>
+          </a:fontRef>
+        </p:style>
+        <p:txBody>
+          <a:bodyPr rot="0" spcFirstLastPara="0" vertOverflow="overflow" horzOverflow="overflow" vert="horz" wrap="square" lIns="91440" tIns="45720" rIns="91440" bIns="45720" numCol="1" spcCol="0" rtlCol="0" fromWordArt="0" anchor="ctr" anchorCtr="0" forceAA="0" compatLnSpc="1">
+            <a:prstTxWarp prst="textNoShape">
+              <a:avLst/>
+            </a:prstTxWarp>
+            <a:noAutofit/>
+          </a:bodyPr>
+          <a:lstStyle/>
+          <a:p>
+            <a:endParaRPr lang="de-DE" dirty="0"/>
+          </a:p>
+          <a:p>
+            <a:endParaRPr lang="de-DE" dirty="0"/>
+          </a:p>
+          <a:p>
+            <a:endParaRPr lang="de-DE" dirty="0"/>
+          </a:p>
+          <a:p>
+            <a:endParaRPr lang="de-DE" dirty="0"/>
+          </a:p>
+        </p:txBody>
+      </p:sp>
+      <mc:AlternateContent xmlns:mc="http://schemas.openxmlformats.org/markup-compatibility/2006" xmlns:a14="http://schemas.microsoft.com/office/drawing/2010/main">
+        <mc:Choice Requires="a14">
+          <p:sp>
+            <p:nvSpPr>
+              <p:cNvPr id="35" name="Textfeld 34">
+                <a:extLst>
+                  <a:ext uri="{FF2B5EF4-FFF2-40B4-BE49-F238E27FC236}">
+                    <a16:creationId xmlns:a16="http://schemas.microsoft.com/office/drawing/2014/main" id="{6906AF7F-1A2B-5CF9-34CD-7EFDADA681BB}"/>
+                  </a:ext>
+                </a:extLst>
+              </p:cNvPr>
+              <p:cNvSpPr txBox="1"/>
+              <p:nvPr/>
+            </p:nvSpPr>
+            <p:spPr>
+              <a:xfrm>
+                <a:off x="545416" y="5161510"/>
+                <a:ext cx="4529450" cy="945067"/>
+              </a:xfrm>
+              <a:prstGeom prst="rect">
+                <a:avLst/>
+              </a:prstGeom>
+              <a:noFill/>
+            </p:spPr>
+            <p:txBody>
+              <a:bodyPr wrap="square" rtlCol="0">
+                <a:spAutoFit/>
+              </a:bodyPr>
+              <a:lstStyle/>
+              <a:p>
+                <a:pPr/>
+                <a14:m>
+                  <m:oMathPara xmlns:m="http://schemas.openxmlformats.org/officeDocument/2006/math">
+                    <m:oMathParaPr>
+                      <m:jc m:val="centerGroup"/>
+                    </m:oMathParaPr>
+                    <m:oMath xmlns:m="http://schemas.openxmlformats.org/officeDocument/2006/math">
+                      <m:sSubSup>
+                        <m:sSubSupPr>
+                          <m:ctrlPr>
+                            <a:rPr lang="de-DE" sz="1600" i="1" smtClean="0">
+                              <a:latin typeface="Cambria Math" panose="02040503050406030204" pitchFamily="18" charset="0"/>
+                            </a:rPr>
+                          </m:ctrlPr>
+                        </m:sSubSupPr>
+                        <m:e>
+                          <m:r>
+                            <a:rPr lang="de-DE" sz="1600" b="0" i="1" smtClean="0">
+                              <a:latin typeface="Cambria Math" panose="02040503050406030204" pitchFamily="18" charset="0"/>
+                            </a:rPr>
+                            <m:t>𝑝</m:t>
+                          </m:r>
+                        </m:e>
+                        <m:sub>
+                          <m:r>
+                            <a:rPr lang="de-DE" sz="1600" i="1">
+                              <a:latin typeface="Cambria Math" panose="02040503050406030204" pitchFamily="18" charset="0"/>
+                            </a:rPr>
+                            <m:t>𝑖</m:t>
+                          </m:r>
+                        </m:sub>
+                        <m:sup>
+                          <m:r>
+                            <a:rPr lang="de-DE" sz="1600" b="0" i="1" smtClean="0">
+                              <a:latin typeface="Cambria Math" panose="02040503050406030204" pitchFamily="18" charset="0"/>
+                            </a:rPr>
+                            <m:t>𝑆</m:t>
+                          </m:r>
+                        </m:sup>
+                      </m:sSubSup>
+                      <m:r>
+                        <a:rPr lang="de-DE" sz="1600" i="1">
+                          <a:latin typeface="Cambria Math" panose="02040503050406030204" pitchFamily="18" charset="0"/>
+                        </a:rPr>
+                        <m:t> </m:t>
+                      </m:r>
+                      <m:d>
+                        <m:dPr>
+                          <m:ctrlPr>
+                            <a:rPr lang="de-DE" sz="1600" b="0" i="1" smtClean="0">
+                              <a:latin typeface="Cambria Math" panose="02040503050406030204" pitchFamily="18" charset="0"/>
+                            </a:rPr>
+                          </m:ctrlPr>
+                        </m:dPr>
+                        <m:e>
+                          <m:r>
+                            <a:rPr lang="de-DE" sz="1600" b="0" i="1" smtClean="0">
+                              <a:latin typeface="Cambria Math" panose="02040503050406030204" pitchFamily="18" charset="0"/>
+                            </a:rPr>
+                            <m:t>𝑡</m:t>
+                          </m:r>
+                          <m:r>
+                            <a:rPr lang="de-DE" sz="1600" b="0" i="1" smtClean="0">
+                              <a:latin typeface="Cambria Math" panose="02040503050406030204" pitchFamily="18" charset="0"/>
+                            </a:rPr>
+                            <m:t>+1</m:t>
+                          </m:r>
+                        </m:e>
+                      </m:d>
+                      <m:r>
+                        <a:rPr lang="de-DE" sz="1600" b="0" i="1" smtClean="0">
+                          <a:latin typeface="Cambria Math" panose="02040503050406030204" pitchFamily="18" charset="0"/>
+                        </a:rPr>
+                        <m:t>=</m:t>
+                      </m:r>
+                      <m:d>
+                        <m:dPr>
+                          <m:ctrlPr>
+                            <a:rPr lang="de-DE" sz="1600" b="0" i="1" smtClean="0">
+                              <a:latin typeface="Cambria Math" panose="02040503050406030204" pitchFamily="18" charset="0"/>
+                            </a:rPr>
+                          </m:ctrlPr>
+                        </m:dPr>
+                        <m:e>
+                          <m:r>
+                            <a:rPr lang="de-DE" sz="1600" b="0" i="1" smtClean="0">
+                              <a:latin typeface="Cambria Math" panose="02040503050406030204" pitchFamily="18" charset="0"/>
+                            </a:rPr>
+                            <m:t>1−</m:t>
+                          </m:r>
+                          <m:sSub>
+                            <m:sSubPr>
+                              <m:ctrlPr>
+                                <a:rPr lang="de-DE" sz="1600" b="0" i="1" smtClean="0">
+                                  <a:latin typeface="Cambria Math" panose="02040503050406030204" pitchFamily="18" charset="0"/>
+                                </a:rPr>
+                              </m:ctrlPr>
+                            </m:sSubPr>
+                            <m:e>
+                              <m:r>
+                                <a:rPr lang="de-DE" sz="1600" b="0" i="1" smtClean="0">
+                                  <a:latin typeface="Cambria Math" panose="02040503050406030204" pitchFamily="18" charset="0"/>
+                                </a:rPr>
+                                <m:t>𝑓</m:t>
+                              </m:r>
+                            </m:e>
+                            <m:sub>
+                              <m:r>
+                                <a:rPr lang="de-DE" sz="1600" b="0" i="1" smtClean="0">
+                                  <a:latin typeface="Cambria Math" panose="02040503050406030204" pitchFamily="18" charset="0"/>
+                                </a:rPr>
+                                <m:t>𝑖</m:t>
+                              </m:r>
+                            </m:sub>
+                          </m:sSub>
+                          <m:r>
+                            <a:rPr lang="de-DE" sz="1600" b="0" i="1" smtClean="0">
+                              <a:latin typeface="Cambria Math" panose="02040503050406030204" pitchFamily="18" charset="0"/>
+                            </a:rPr>
+                            <m:t>−</m:t>
+                          </m:r>
+                          <m:sSub>
+                            <m:sSubPr>
+                              <m:ctrlPr>
+                                <a:rPr lang="de-DE" sz="1600" b="0" i="1" smtClean="0">
+                                  <a:latin typeface="Cambria Math" panose="02040503050406030204" pitchFamily="18" charset="0"/>
+                                </a:rPr>
+                              </m:ctrlPr>
+                            </m:sSubPr>
+                            <m:e>
+                              <m:r>
+                                <a:rPr lang="de-DE" sz="1600" b="0" i="1" smtClean="0">
+                                  <a:latin typeface="Cambria Math" panose="02040503050406030204" pitchFamily="18" charset="0"/>
+                                </a:rPr>
+                                <m:t>𝑔</m:t>
+                              </m:r>
+                            </m:e>
+                            <m:sub>
+                              <m:r>
+                                <a:rPr lang="de-DE" sz="1600" b="0" i="1" smtClean="0">
+                                  <a:latin typeface="Cambria Math" panose="02040503050406030204" pitchFamily="18" charset="0"/>
+                                </a:rPr>
+                                <m:t>𝑖</m:t>
+                              </m:r>
+                            </m:sub>
+                          </m:sSub>
+                        </m:e>
+                      </m:d>
+                      <m:sSubSup>
+                        <m:sSubSupPr>
+                          <m:ctrlPr>
+                            <a:rPr lang="de-DE" sz="1600" i="1">
+                              <a:latin typeface="Cambria Math" panose="02040503050406030204" pitchFamily="18" charset="0"/>
+                            </a:rPr>
+                          </m:ctrlPr>
+                        </m:sSubSupPr>
+                        <m:e>
+                          <m:r>
+                            <a:rPr lang="de-DE" sz="1600" i="1">
+                              <a:latin typeface="Cambria Math" panose="02040503050406030204" pitchFamily="18" charset="0"/>
+                            </a:rPr>
+                            <m:t>𝑠</m:t>
+                          </m:r>
+                        </m:e>
+                        <m:sub>
+                          <m:r>
+                            <a:rPr lang="de-DE" sz="1600" i="1">
+                              <a:latin typeface="Cambria Math" panose="02040503050406030204" pitchFamily="18" charset="0"/>
+                            </a:rPr>
+                            <m:t>𝑖</m:t>
+                          </m:r>
+                        </m:sub>
+                        <m:sup>
+                          <m:r>
+                            <a:rPr lang="de-DE" sz="1600" i="1">
+                              <a:latin typeface="Cambria Math" panose="02040503050406030204" pitchFamily="18" charset="0"/>
+                            </a:rPr>
+                            <m:t>𝑆</m:t>
+                          </m:r>
+                        </m:sup>
+                      </m:sSubSup>
+                      <m:r>
+                        <a:rPr lang="de-DE" sz="1600" b="0" i="1" smtClean="0">
+                          <a:latin typeface="Cambria Math" panose="02040503050406030204" pitchFamily="18" charset="0"/>
+                        </a:rPr>
+                        <m:t>(</m:t>
+                      </m:r>
+                      <m:r>
+                        <a:rPr lang="de-DE" sz="1600" b="0" i="1" smtClean="0">
+                          <a:latin typeface="Cambria Math" panose="02040503050406030204" pitchFamily="18" charset="0"/>
+                        </a:rPr>
+                        <m:t>𝑡</m:t>
+                      </m:r>
+                      <m:r>
+                        <a:rPr lang="de-DE" sz="1600" b="0" i="1" smtClean="0">
+                          <a:latin typeface="Cambria Math" panose="02040503050406030204" pitchFamily="18" charset="0"/>
+                        </a:rPr>
+                        <m:t>)</m:t>
+                      </m:r>
+                    </m:oMath>
+                  </m:oMathPara>
+                </a14:m>
+                <a:endParaRPr lang="de-DE" sz="1600" dirty="0"/>
+              </a:p>
+              <a:p>
+                <a:pPr/>
+                <a14:m>
+                  <m:oMathPara xmlns:m="http://schemas.openxmlformats.org/officeDocument/2006/math">
+                    <m:oMathParaPr>
+                      <m:jc m:val="centerGroup"/>
+                    </m:oMathParaPr>
+                    <m:oMath xmlns:m="http://schemas.openxmlformats.org/officeDocument/2006/math">
+                      <m:sSubSup>
+                        <m:sSubSupPr>
+                          <m:ctrlPr>
+                            <a:rPr lang="de-DE" sz="1600" i="1">
+                              <a:latin typeface="Cambria Math" panose="02040503050406030204" pitchFamily="18" charset="0"/>
+                            </a:rPr>
+                          </m:ctrlPr>
+                        </m:sSubSupPr>
+                        <m:e>
+                          <m:r>
+                            <a:rPr lang="de-DE" sz="1600" i="1">
+                              <a:latin typeface="Cambria Math" panose="02040503050406030204" pitchFamily="18" charset="0"/>
+                            </a:rPr>
+                            <m:t>𝑝</m:t>
+                          </m:r>
+                        </m:e>
+                        <m:sub>
+                          <m:r>
+                            <a:rPr lang="de-DE" sz="1600" i="1">
+                              <a:latin typeface="Cambria Math" panose="02040503050406030204" pitchFamily="18" charset="0"/>
+                            </a:rPr>
+                            <m:t>𝑖</m:t>
+                          </m:r>
+                        </m:sub>
+                        <m:sup>
+                          <m:r>
+                            <a:rPr lang="de-DE" sz="1600" b="0" i="1" smtClean="0">
+                              <a:latin typeface="Cambria Math" panose="02040503050406030204" pitchFamily="18" charset="0"/>
+                            </a:rPr>
+                            <m:t>𝐼</m:t>
+                          </m:r>
+                        </m:sup>
+                      </m:sSubSup>
+                      <m:d>
+                        <m:dPr>
+                          <m:ctrlPr>
+                            <a:rPr lang="de-DE" sz="1600" b="0" i="1" smtClean="0">
+                              <a:latin typeface="Cambria Math" panose="02040503050406030204" pitchFamily="18" charset="0"/>
+                            </a:rPr>
+                          </m:ctrlPr>
+                        </m:dPr>
+                        <m:e>
+                          <m:r>
+                            <a:rPr lang="de-DE" sz="1600" b="0" i="1" smtClean="0">
+                              <a:latin typeface="Cambria Math" panose="02040503050406030204" pitchFamily="18" charset="0"/>
+                            </a:rPr>
+                            <m:t>𝑡</m:t>
+                          </m:r>
+                          <m:r>
+                            <a:rPr lang="de-DE" sz="1600" b="0" i="1" smtClean="0">
+                              <a:latin typeface="Cambria Math" panose="02040503050406030204" pitchFamily="18" charset="0"/>
+                            </a:rPr>
+                            <m:t>+1</m:t>
+                          </m:r>
+                        </m:e>
+                      </m:d>
+                      <m:r>
+                        <a:rPr lang="de-DE" sz="1600" b="0" i="1" smtClean="0">
+                          <a:latin typeface="Cambria Math" panose="02040503050406030204" pitchFamily="18" charset="0"/>
+                        </a:rPr>
+                        <m:t>=</m:t>
+                      </m:r>
+                      <m:sSub>
+                        <m:sSubPr>
+                          <m:ctrlPr>
+                            <a:rPr lang="de-DE" sz="1600" i="1">
+                              <a:latin typeface="Cambria Math" panose="02040503050406030204" pitchFamily="18" charset="0"/>
+                            </a:rPr>
+                          </m:ctrlPr>
+                        </m:sSubPr>
+                        <m:e>
+                          <m:r>
+                            <a:rPr lang="de-DE" sz="1600" i="1">
+                              <a:latin typeface="Cambria Math" panose="02040503050406030204" pitchFamily="18" charset="0"/>
+                            </a:rPr>
+                            <m:t>𝑓</m:t>
+                          </m:r>
+                        </m:e>
+                        <m:sub>
+                          <m:r>
+                            <a:rPr lang="de-DE" sz="1600" i="1">
+                              <a:latin typeface="Cambria Math" panose="02040503050406030204" pitchFamily="18" charset="0"/>
+                            </a:rPr>
+                            <m:t>𝑖</m:t>
+                          </m:r>
+                        </m:sub>
+                      </m:sSub>
+                      <m:sSubSup>
+                        <m:sSubSupPr>
+                          <m:ctrlPr>
+                            <a:rPr lang="de-DE" sz="1600" i="1">
+                              <a:latin typeface="Cambria Math" panose="02040503050406030204" pitchFamily="18" charset="0"/>
+                            </a:rPr>
+                          </m:ctrlPr>
+                        </m:sSubSupPr>
+                        <m:e>
+                          <m:r>
+                            <a:rPr lang="de-DE" sz="1600" i="1">
+                              <a:latin typeface="Cambria Math" panose="02040503050406030204" pitchFamily="18" charset="0"/>
+                            </a:rPr>
+                            <m:t>𝑠</m:t>
+                          </m:r>
+                        </m:e>
+                        <m:sub>
+                          <m:r>
+                            <a:rPr lang="de-DE" sz="1600" i="1">
+                              <a:latin typeface="Cambria Math" panose="02040503050406030204" pitchFamily="18" charset="0"/>
+                            </a:rPr>
+                            <m:t>𝑖</m:t>
+                          </m:r>
+                        </m:sub>
+                        <m:sup>
+                          <m:r>
+                            <a:rPr lang="de-DE" sz="1600" i="1">
+                              <a:latin typeface="Cambria Math" panose="02040503050406030204" pitchFamily="18" charset="0"/>
+                            </a:rPr>
+                            <m:t>𝑆</m:t>
+                          </m:r>
+                        </m:sup>
+                      </m:sSubSup>
+                      <m:r>
+                        <a:rPr lang="de-DE" sz="1600" i="1">
+                          <a:latin typeface="Cambria Math" panose="02040503050406030204" pitchFamily="18" charset="0"/>
+                        </a:rPr>
+                        <m:t>(</m:t>
+                      </m:r>
+                      <m:r>
+                        <a:rPr lang="de-DE" sz="1600" i="1">
+                          <a:latin typeface="Cambria Math" panose="02040503050406030204" pitchFamily="18" charset="0"/>
+                        </a:rPr>
+                        <m:t>𝑡</m:t>
+                      </m:r>
+                      <m:r>
+                        <a:rPr lang="de-DE" sz="1600" i="1">
+                          <a:latin typeface="Cambria Math" panose="02040503050406030204" pitchFamily="18" charset="0"/>
+                        </a:rPr>
+                        <m:t>)+(1−</m:t>
+                      </m:r>
+                      <m:sSub>
+                        <m:sSubPr>
+                          <m:ctrlPr>
+                            <a:rPr lang="de-DE" sz="1600" b="0" i="1" smtClean="0">
+                              <a:latin typeface="Cambria Math" panose="02040503050406030204" pitchFamily="18" charset="0"/>
+                            </a:rPr>
+                          </m:ctrlPr>
+                        </m:sSubPr>
+                        <m:e>
+                          <m:r>
+                            <a:rPr lang="de-DE" sz="1600" b="0" i="1" smtClean="0">
+                              <a:latin typeface="Cambria Math" panose="02040503050406030204" pitchFamily="18" charset="0"/>
+                            </a:rPr>
+                            <m:t>𝑝</m:t>
+                          </m:r>
+                        </m:e>
+                        <m:sub>
+                          <m:r>
+                            <a:rPr lang="de-DE" sz="1600" b="0" i="1" smtClean="0">
+                              <a:latin typeface="Cambria Math" panose="02040503050406030204" pitchFamily="18" charset="0"/>
+                            </a:rPr>
+                            <m:t>𝑣𝑒𝑟𝑖𝑓𝑦</m:t>
+                          </m:r>
+                        </m:sub>
+                      </m:sSub>
+                      <m:r>
+                        <a:rPr lang="de-DE" sz="1600" i="1">
+                          <a:latin typeface="Cambria Math" panose="02040503050406030204" pitchFamily="18" charset="0"/>
+                        </a:rPr>
+                        <m:t>)</m:t>
+                      </m:r>
+                      <m:sSubSup>
+                        <m:sSubSupPr>
+                          <m:ctrlPr>
+                            <a:rPr lang="de-DE" sz="1600" i="1">
+                              <a:latin typeface="Cambria Math" panose="02040503050406030204" pitchFamily="18" charset="0"/>
+                            </a:rPr>
+                          </m:ctrlPr>
+                        </m:sSubSupPr>
+                        <m:e>
+                          <m:r>
+                            <a:rPr lang="de-DE" sz="1600" i="1">
+                              <a:latin typeface="Cambria Math" panose="02040503050406030204" pitchFamily="18" charset="0"/>
+                            </a:rPr>
+                            <m:t>𝑠</m:t>
+                          </m:r>
+                        </m:e>
+                        <m:sub>
+                          <m:r>
+                            <a:rPr lang="de-DE" sz="1600" i="1">
+                              <a:latin typeface="Cambria Math" panose="02040503050406030204" pitchFamily="18" charset="0"/>
+                            </a:rPr>
+                            <m:t>𝑖</m:t>
+                          </m:r>
+                        </m:sub>
+                        <m:sup>
+                          <m:r>
+                            <a:rPr lang="de-DE" sz="1600" b="0" i="1" smtClean="0">
+                              <a:latin typeface="Cambria Math" panose="02040503050406030204" pitchFamily="18" charset="0"/>
+                            </a:rPr>
+                            <m:t>𝐼</m:t>
+                          </m:r>
+                        </m:sup>
+                      </m:sSubSup>
+                      <m:r>
+                        <a:rPr lang="de-DE" sz="1600" b="0" i="1" smtClean="0">
+                          <a:latin typeface="Cambria Math" panose="02040503050406030204" pitchFamily="18" charset="0"/>
+                        </a:rPr>
+                        <m:t>(</m:t>
+                      </m:r>
+                      <m:r>
+                        <a:rPr lang="de-DE" sz="1600" b="0" i="1" smtClean="0">
+                          <a:latin typeface="Cambria Math" panose="02040503050406030204" pitchFamily="18" charset="0"/>
+                        </a:rPr>
+                        <m:t>𝑡</m:t>
+                      </m:r>
+                      <m:r>
+                        <a:rPr lang="de-DE" sz="1600" b="0" i="1" smtClean="0">
+                          <a:latin typeface="Cambria Math" panose="02040503050406030204" pitchFamily="18" charset="0"/>
+                        </a:rPr>
+                        <m:t>)</m:t>
+                      </m:r>
+                    </m:oMath>
+                  </m:oMathPara>
+                </a14:m>
+                <a:endParaRPr lang="de-DE" sz="1600" dirty="0"/>
+              </a:p>
+              <a:p>
+                <a:pPr/>
+                <a14:m>
+                  <m:oMathPara xmlns:m="http://schemas.openxmlformats.org/officeDocument/2006/math">
+                    <m:oMathParaPr>
+                      <m:jc m:val="centerGroup"/>
+                    </m:oMathParaPr>
+                    <m:oMath xmlns:m="http://schemas.openxmlformats.org/officeDocument/2006/math">
+                      <m:sSubSup>
+                        <m:sSubSupPr>
+                          <m:ctrlPr>
+                            <a:rPr lang="de-DE" sz="1600" i="1">
+                              <a:latin typeface="Cambria Math" panose="02040503050406030204" pitchFamily="18" charset="0"/>
+                            </a:rPr>
+                          </m:ctrlPr>
+                        </m:sSubSupPr>
+                        <m:e>
+                          <m:r>
+                            <a:rPr lang="de-DE" sz="1600" i="1">
+                              <a:latin typeface="Cambria Math" panose="02040503050406030204" pitchFamily="18" charset="0"/>
+                            </a:rPr>
+                            <m:t>𝑝</m:t>
+                          </m:r>
+                        </m:e>
+                        <m:sub>
+                          <m:r>
+                            <a:rPr lang="de-DE" sz="1600" i="1">
+                              <a:latin typeface="Cambria Math" panose="02040503050406030204" pitchFamily="18" charset="0"/>
+                            </a:rPr>
+                            <m:t>𝑖</m:t>
+                          </m:r>
+                        </m:sub>
+                        <m:sup>
+                          <m:r>
+                            <a:rPr lang="de-DE" sz="1600" b="0" i="1" smtClean="0">
+                              <a:latin typeface="Cambria Math" panose="02040503050406030204" pitchFamily="18" charset="0"/>
+                            </a:rPr>
+                            <m:t>𝑅</m:t>
+                          </m:r>
+                        </m:sup>
+                      </m:sSubSup>
+                      <m:d>
+                        <m:dPr>
+                          <m:ctrlPr>
+                            <a:rPr lang="de-DE" sz="1600" b="0" i="1" smtClean="0">
+                              <a:latin typeface="Cambria Math" panose="02040503050406030204" pitchFamily="18" charset="0"/>
+                            </a:rPr>
+                          </m:ctrlPr>
+                        </m:dPr>
+                        <m:e>
+                          <m:r>
+                            <a:rPr lang="de-DE" sz="1600" b="0" i="1" smtClean="0">
+                              <a:latin typeface="Cambria Math" panose="02040503050406030204" pitchFamily="18" charset="0"/>
+                            </a:rPr>
+                            <m:t>𝑡</m:t>
+                          </m:r>
+                          <m:r>
+                            <a:rPr lang="de-DE" sz="1600" b="0" i="1" smtClean="0">
+                              <a:latin typeface="Cambria Math" panose="02040503050406030204" pitchFamily="18" charset="0"/>
+                            </a:rPr>
+                            <m:t>+1</m:t>
+                          </m:r>
+                        </m:e>
+                      </m:d>
+                      <m:r>
+                        <a:rPr lang="de-DE" sz="1600" b="0" i="1" smtClean="0">
+                          <a:latin typeface="Cambria Math" panose="02040503050406030204" pitchFamily="18" charset="0"/>
+                        </a:rPr>
+                        <m:t>=</m:t>
+                      </m:r>
+                      <m:sSub>
+                        <m:sSubPr>
+                          <m:ctrlPr>
+                            <a:rPr lang="de-DE" sz="1600" i="1">
+                              <a:latin typeface="Cambria Math" panose="02040503050406030204" pitchFamily="18" charset="0"/>
+                            </a:rPr>
+                          </m:ctrlPr>
+                        </m:sSubPr>
+                        <m:e>
+                          <m:r>
+                            <a:rPr lang="de-DE" sz="1600" b="0" i="1" smtClean="0">
+                              <a:latin typeface="Cambria Math" panose="02040503050406030204" pitchFamily="18" charset="0"/>
+                            </a:rPr>
+                            <m:t>𝑔</m:t>
+                          </m:r>
+                        </m:e>
+                        <m:sub>
+                          <m:r>
+                            <a:rPr lang="de-DE" sz="1600" i="1">
+                              <a:latin typeface="Cambria Math" panose="02040503050406030204" pitchFamily="18" charset="0"/>
+                            </a:rPr>
+                            <m:t>𝑖</m:t>
+                          </m:r>
+                        </m:sub>
+                      </m:sSub>
+                      <m:sSubSup>
+                        <m:sSubSupPr>
+                          <m:ctrlPr>
+                            <a:rPr lang="de-DE" sz="1600" i="1">
+                              <a:latin typeface="Cambria Math" panose="02040503050406030204" pitchFamily="18" charset="0"/>
+                            </a:rPr>
+                          </m:ctrlPr>
+                        </m:sSubSupPr>
+                        <m:e>
+                          <m:r>
+                            <a:rPr lang="de-DE" sz="1600" b="0" i="1" smtClean="0">
+                              <a:latin typeface="Cambria Math" panose="02040503050406030204" pitchFamily="18" charset="0"/>
+                            </a:rPr>
+                            <m:t>𝑠</m:t>
+                          </m:r>
+                        </m:e>
+                        <m:sub>
+                          <m:r>
+                            <a:rPr lang="de-DE" sz="1600" i="1">
+                              <a:latin typeface="Cambria Math" panose="02040503050406030204" pitchFamily="18" charset="0"/>
+                            </a:rPr>
+                            <m:t>𝑖</m:t>
+                          </m:r>
+                        </m:sub>
+                        <m:sup>
+                          <m:r>
+                            <a:rPr lang="de-DE" sz="1600" i="1">
+                              <a:latin typeface="Cambria Math" panose="02040503050406030204" pitchFamily="18" charset="0"/>
+                            </a:rPr>
+                            <m:t>𝑆</m:t>
+                          </m:r>
+                        </m:sup>
+                      </m:sSubSup>
+                      <m:d>
+                        <m:dPr>
+                          <m:ctrlPr>
+                            <a:rPr lang="de-DE" sz="1600" i="1">
+                              <a:latin typeface="Cambria Math" panose="02040503050406030204" pitchFamily="18" charset="0"/>
+                            </a:rPr>
+                          </m:ctrlPr>
+                        </m:dPr>
+                        <m:e>
+                          <m:r>
+                            <a:rPr lang="de-DE" sz="1600" i="1">
+                              <a:latin typeface="Cambria Math" panose="02040503050406030204" pitchFamily="18" charset="0"/>
+                            </a:rPr>
+                            <m:t>𝑡</m:t>
+                          </m:r>
+                        </m:e>
+                      </m:d>
+                      <m:r>
+                        <a:rPr lang="de-DE" sz="1600" i="1">
+                          <a:latin typeface="Cambria Math" panose="02040503050406030204" pitchFamily="18" charset="0"/>
+                        </a:rPr>
+                        <m:t>+</m:t>
+                      </m:r>
+                      <m:sSub>
+                        <m:sSubPr>
+                          <m:ctrlPr>
+                            <a:rPr lang="de-DE" sz="1600" i="1">
+                              <a:latin typeface="Cambria Math" panose="02040503050406030204" pitchFamily="18" charset="0"/>
+                            </a:rPr>
+                          </m:ctrlPr>
+                        </m:sSubPr>
+                        <m:e>
+                          <m:r>
+                            <a:rPr lang="de-DE" sz="1600" i="1">
+                              <a:latin typeface="Cambria Math" panose="02040503050406030204" pitchFamily="18" charset="0"/>
+                            </a:rPr>
+                            <m:t>𝑝</m:t>
+                          </m:r>
+                        </m:e>
+                        <m:sub>
+                          <m:r>
+                            <a:rPr lang="de-DE" sz="1600" i="1">
+                              <a:latin typeface="Cambria Math" panose="02040503050406030204" pitchFamily="18" charset="0"/>
+                            </a:rPr>
+                            <m:t>𝑣𝑒𝑟𝑖𝑓𝑦</m:t>
+                          </m:r>
+                        </m:sub>
+                      </m:sSub>
+                      <m:r>
+                        <m:rPr>
+                          <m:nor/>
+                        </m:rPr>
+                        <a:rPr lang="de-DE" sz="1600" dirty="0"/>
+                        <m:t> </m:t>
+                      </m:r>
+                      <m:sSup>
+                        <m:sSupPr>
+                          <m:ctrlPr>
+                            <a:rPr lang="de-DE" sz="1600" i="1">
+                              <a:latin typeface="Cambria Math" panose="02040503050406030204" pitchFamily="18" charset="0"/>
+                            </a:rPr>
+                          </m:ctrlPr>
+                        </m:sSupPr>
+                        <m:e>
+                          <m:sSub>
+                            <m:sSubPr>
+                              <m:ctrlPr>
+                                <a:rPr lang="de-DE" sz="1600" i="1">
+                                  <a:latin typeface="Cambria Math" panose="02040503050406030204" pitchFamily="18" charset="0"/>
+                                </a:rPr>
+                              </m:ctrlPr>
+                            </m:sSubPr>
+                            <m:e>
+                              <m:r>
+                                <a:rPr lang="de-DE" sz="1600" i="1">
+                                  <a:latin typeface="Cambria Math" panose="02040503050406030204" pitchFamily="18" charset="0"/>
+                                </a:rPr>
+                                <m:t>𝑠</m:t>
+                              </m:r>
+                            </m:e>
+                            <m:sub>
+                              <m:r>
+                                <a:rPr lang="de-DE" sz="1600" i="1">
+                                  <a:latin typeface="Cambria Math" panose="02040503050406030204" pitchFamily="18" charset="0"/>
+                                </a:rPr>
+                                <m:t>𝑖</m:t>
+                              </m:r>
+                            </m:sub>
+                          </m:sSub>
+                        </m:e>
+                        <m:sup>
+                          <m:r>
+                            <a:rPr lang="de-DE" sz="1600" i="1">
+                              <a:latin typeface="Cambria Math" panose="02040503050406030204" pitchFamily="18" charset="0"/>
+                            </a:rPr>
+                            <m:t>𝐼</m:t>
+                          </m:r>
+                        </m:sup>
+                      </m:sSup>
+                      <m:d>
+                        <m:dPr>
+                          <m:ctrlPr>
+                            <a:rPr lang="de-DE" sz="1600" i="1">
+                              <a:latin typeface="Cambria Math" panose="02040503050406030204" pitchFamily="18" charset="0"/>
+                            </a:rPr>
+                          </m:ctrlPr>
+                        </m:dPr>
+                        <m:e>
+                          <m:r>
+                            <a:rPr lang="de-DE" sz="1600" i="1">
+                              <a:latin typeface="Cambria Math" panose="02040503050406030204" pitchFamily="18" charset="0"/>
+                            </a:rPr>
+                            <m:t>𝑡</m:t>
+                          </m:r>
+                        </m:e>
+                      </m:d>
+                      <m:r>
+                        <a:rPr lang="de-DE" sz="1600" b="0" i="1" smtClean="0">
+                          <a:latin typeface="Cambria Math" panose="02040503050406030204" pitchFamily="18" charset="0"/>
+                        </a:rPr>
+                        <m:t>+</m:t>
+                      </m:r>
+                      <m:sSubSup>
+                        <m:sSubSupPr>
+                          <m:ctrlPr>
+                            <a:rPr lang="de-DE" sz="1600" i="1">
+                              <a:latin typeface="Cambria Math" panose="02040503050406030204" pitchFamily="18" charset="0"/>
+                            </a:rPr>
+                          </m:ctrlPr>
+                        </m:sSubSupPr>
+                        <m:e>
+                          <m:r>
+                            <a:rPr lang="de-DE" sz="1600" i="1">
+                              <a:latin typeface="Cambria Math" panose="02040503050406030204" pitchFamily="18" charset="0"/>
+                            </a:rPr>
+                            <m:t>𝑠</m:t>
+                          </m:r>
+                        </m:e>
+                        <m:sub>
+                          <m:r>
+                            <a:rPr lang="de-DE" sz="1600" i="1">
+                              <a:latin typeface="Cambria Math" panose="02040503050406030204" pitchFamily="18" charset="0"/>
+                            </a:rPr>
+                            <m:t>𝑖</m:t>
+                          </m:r>
+                        </m:sub>
+                        <m:sup>
+                          <m:r>
+                            <a:rPr lang="de-DE" sz="1600" b="0" i="1" smtClean="0">
+                              <a:latin typeface="Cambria Math" panose="02040503050406030204" pitchFamily="18" charset="0"/>
+                            </a:rPr>
+                            <m:t>𝑅</m:t>
+                          </m:r>
+                        </m:sup>
+                      </m:sSubSup>
+                      <m:r>
+                        <a:rPr lang="de-DE" sz="1600" i="1">
+                          <a:latin typeface="Cambria Math" panose="02040503050406030204" pitchFamily="18" charset="0"/>
+                        </a:rPr>
+                        <m:t>(</m:t>
+                      </m:r>
+                      <m:r>
+                        <a:rPr lang="de-DE" sz="1600" i="1">
+                          <a:latin typeface="Cambria Math" panose="02040503050406030204" pitchFamily="18" charset="0"/>
+                        </a:rPr>
+                        <m:t>𝑡</m:t>
+                      </m:r>
+                      <m:r>
+                        <a:rPr lang="de-DE" sz="1600" i="1">
+                          <a:latin typeface="Cambria Math" panose="02040503050406030204" pitchFamily="18" charset="0"/>
+                        </a:rPr>
+                        <m:t>)</m:t>
+                      </m:r>
+                    </m:oMath>
+                  </m:oMathPara>
+                </a14:m>
+                <a:endParaRPr lang="de-DE" sz="1600" dirty="0"/>
+              </a:p>
+            </p:txBody>
+          </p:sp>
+        </mc:Choice>
+        <mc:Fallback xmlns="">
+          <p:sp>
+            <p:nvSpPr>
+              <p:cNvPr id="35" name="Textfeld 34">
+                <a:extLst>
+                  <a:ext uri="{FF2B5EF4-FFF2-40B4-BE49-F238E27FC236}">
+                    <a16:creationId xmlns:a16="http://schemas.microsoft.com/office/drawing/2014/main" id="{6906AF7F-1A2B-5CF9-34CD-7EFDADA681BB}"/>
+                  </a:ext>
+                </a:extLst>
+              </p:cNvPr>
+              <p:cNvSpPr txBox="1">
+                <a:spLocks noRot="1" noChangeAspect="1" noMove="1" noResize="1" noEditPoints="1" noAdjustHandles="1" noChangeArrowheads="1" noChangeShapeType="1" noTextEdit="1"/>
+              </p:cNvSpPr>
+              <p:nvPr/>
+            </p:nvSpPr>
+            <p:spPr>
+              <a:xfrm>
+                <a:off x="545416" y="5161510"/>
+                <a:ext cx="4529450" cy="945067"/>
+              </a:xfrm>
+              <a:prstGeom prst="rect">
+                <a:avLst/>
+              </a:prstGeom>
+              <a:blipFill>
+                <a:blip r:embed="rId14"/>
+                <a:stretch>
+                  <a:fillRect/>
+                </a:stretch>
+              </a:blipFill>
+            </p:spPr>
+            <p:txBody>
+              <a:bodyPr/>
+              <a:lstStyle/>
+              <a:p>
+                <a:r>
+                  <a:rPr lang="de-DE">
+                    <a:noFill/>
+                  </a:rPr>
+                  <a:t> </a:t>
+                </a:r>
+              </a:p>
+            </p:txBody>
+          </p:sp>
+        </mc:Fallback>
+      </mc:AlternateContent>
+      <mc:AlternateContent xmlns:mc="http://schemas.openxmlformats.org/markup-compatibility/2006" xmlns:a14="http://schemas.microsoft.com/office/drawing/2010/main">
+        <mc:Choice Requires="a14">
+          <p:sp>
+            <p:nvSpPr>
+              <p:cNvPr id="36" name="Textfeld 35">
+                <a:extLst>
+                  <a:ext uri="{FF2B5EF4-FFF2-40B4-BE49-F238E27FC236}">
+                    <a16:creationId xmlns:a16="http://schemas.microsoft.com/office/drawing/2014/main" id="{CC9BE522-09E7-9FA3-EFCF-8A9EC102F0EA}"/>
+                  </a:ext>
+                </a:extLst>
+              </p:cNvPr>
+              <p:cNvSpPr txBox="1"/>
+              <p:nvPr/>
+            </p:nvSpPr>
+            <p:spPr>
+              <a:xfrm>
+                <a:off x="4835349" y="4989918"/>
+                <a:ext cx="4529450" cy="1248547"/>
+              </a:xfrm>
+              <a:prstGeom prst="rect">
+                <a:avLst/>
+              </a:prstGeom>
+              <a:noFill/>
+            </p:spPr>
+            <p:txBody>
+              <a:bodyPr wrap="square" rtlCol="0">
+                <a:spAutoFit/>
+              </a:bodyPr>
+              <a:lstStyle/>
+              <a:p>
+                <a:pPr/>
+                <a14:m>
+                  <m:oMathPara xmlns:m="http://schemas.openxmlformats.org/officeDocument/2006/math">
+                    <m:oMathParaPr>
+                      <m:jc m:val="centerGroup"/>
+                    </m:oMathParaPr>
+                    <m:oMath xmlns:m="http://schemas.openxmlformats.org/officeDocument/2006/math">
+                      <m:sSub>
+                        <m:sSubPr>
+                          <m:ctrlPr>
+                            <a:rPr lang="de-DE" sz="1600" i="1" smtClean="0">
+                              <a:latin typeface="Cambria Math" panose="02040503050406030204" pitchFamily="18" charset="0"/>
+                            </a:rPr>
+                          </m:ctrlPr>
+                        </m:sSubPr>
+                        <m:e>
+                          <m:r>
+                            <a:rPr lang="de-DE" sz="1600" i="1">
+                              <a:latin typeface="Cambria Math" panose="02040503050406030204" pitchFamily="18" charset="0"/>
+                            </a:rPr>
+                            <m:t>𝑓</m:t>
+                          </m:r>
+                        </m:e>
+                        <m:sub>
+                          <m:r>
+                            <a:rPr lang="de-DE" sz="1600" i="1">
+                              <a:latin typeface="Cambria Math" panose="02040503050406030204" pitchFamily="18" charset="0"/>
+                            </a:rPr>
+                            <m:t>𝑖</m:t>
+                          </m:r>
+                        </m:sub>
+                      </m:sSub>
+                      <m:d>
+                        <m:dPr>
+                          <m:ctrlPr>
+                            <a:rPr lang="de-DE" sz="1600" b="0" i="1" smtClean="0">
+                              <a:latin typeface="Cambria Math" panose="02040503050406030204" pitchFamily="18" charset="0"/>
+                            </a:rPr>
+                          </m:ctrlPr>
+                        </m:dPr>
+                        <m:e>
+                          <m:r>
+                            <a:rPr lang="de-DE" sz="1600" b="0" i="1" smtClean="0">
+                              <a:latin typeface="Cambria Math" panose="02040503050406030204" pitchFamily="18" charset="0"/>
+                            </a:rPr>
+                            <m:t>𝑡</m:t>
+                          </m:r>
+                        </m:e>
+                      </m:d>
+                      <m:r>
+                        <a:rPr lang="de-DE" sz="1600" b="0" i="1" smtClean="0">
+                          <a:latin typeface="Cambria Math" panose="02040503050406030204" pitchFamily="18" charset="0"/>
+                        </a:rPr>
+                        <m:t>=</m:t>
+                      </m:r>
+                      <m:r>
+                        <a:rPr lang="de-DE" sz="1600" b="0" i="1" smtClean="0">
+                          <a:latin typeface="Cambria Math" panose="02040503050406030204" pitchFamily="18" charset="0"/>
+                          <a:ea typeface="Cambria Math" panose="02040503050406030204" pitchFamily="18" charset="0"/>
+                        </a:rPr>
+                        <m:t>𝛽</m:t>
+                      </m:r>
+                      <m:f>
+                        <m:fPr>
+                          <m:ctrlPr>
+                            <a:rPr lang="de-DE" sz="1600" b="0" i="1" smtClean="0">
+                              <a:latin typeface="Cambria Math" panose="02040503050406030204" pitchFamily="18" charset="0"/>
+                            </a:rPr>
+                          </m:ctrlPr>
+                        </m:fPr>
+                        <m:num>
+                          <m:sSubSup>
+                            <m:sSubSupPr>
+                              <m:ctrlPr>
+                                <a:rPr lang="de-DE" sz="1600" b="0" i="1" smtClean="0">
+                                  <a:latin typeface="Cambria Math" panose="02040503050406030204" pitchFamily="18" charset="0"/>
+                                </a:rPr>
+                              </m:ctrlPr>
+                            </m:sSubSupPr>
+                            <m:e>
+                              <m:r>
+                                <a:rPr lang="de-DE" sz="1600" b="0" i="1" smtClean="0">
+                                  <a:latin typeface="Cambria Math" panose="02040503050406030204" pitchFamily="18" charset="0"/>
+                                </a:rPr>
+                                <m:t>𝑛</m:t>
+                              </m:r>
+                            </m:e>
+                            <m:sub>
+                              <m:r>
+                                <a:rPr lang="de-DE" sz="1600" b="0" i="1" smtClean="0">
+                                  <a:latin typeface="Cambria Math" panose="02040503050406030204" pitchFamily="18" charset="0"/>
+                                </a:rPr>
+                                <m:t>𝑖</m:t>
+                              </m:r>
+                            </m:sub>
+                            <m:sup>
+                              <m:r>
+                                <a:rPr lang="de-DE" sz="1600" b="0" i="1" smtClean="0">
+                                  <a:latin typeface="Cambria Math" panose="02040503050406030204" pitchFamily="18" charset="0"/>
+                                </a:rPr>
+                                <m:t>𝐼</m:t>
+                              </m:r>
+                            </m:sup>
+                          </m:sSubSup>
+                          <m:r>
+                            <a:rPr lang="de-DE" sz="1600" i="1">
+                              <a:latin typeface="Cambria Math" panose="02040503050406030204" pitchFamily="18" charset="0"/>
+                            </a:rPr>
+                            <m:t>(1+</m:t>
+                          </m:r>
+                          <m:r>
+                            <a:rPr lang="de-DE" sz="1600" i="1">
+                              <a:latin typeface="Cambria Math" panose="02040503050406030204" pitchFamily="18" charset="0"/>
+                              <a:ea typeface="Cambria Math" panose="02040503050406030204" pitchFamily="18" charset="0"/>
+                            </a:rPr>
+                            <m:t>𝛼</m:t>
+                          </m:r>
+                          <m:r>
+                            <a:rPr lang="de-DE" sz="1600" i="1">
+                              <a:latin typeface="Cambria Math" panose="02040503050406030204" pitchFamily="18" charset="0"/>
+                              <a:ea typeface="Cambria Math" panose="02040503050406030204" pitchFamily="18" charset="0"/>
+                            </a:rPr>
+                            <m:t>)</m:t>
+                          </m:r>
+                        </m:num>
+                        <m:den>
+                          <m:sSubSup>
+                            <m:sSubSupPr>
+                              <m:ctrlPr>
+                                <a:rPr lang="de-DE" sz="1600" i="1">
+                                  <a:latin typeface="Cambria Math" panose="02040503050406030204" pitchFamily="18" charset="0"/>
+                                </a:rPr>
+                              </m:ctrlPr>
+                            </m:sSubSupPr>
+                            <m:e>
+                              <m:r>
+                                <a:rPr lang="de-DE" sz="1600" i="1">
+                                  <a:latin typeface="Cambria Math" panose="02040503050406030204" pitchFamily="18" charset="0"/>
+                                </a:rPr>
+                                <m:t>𝑛</m:t>
+                              </m:r>
+                            </m:e>
+                            <m:sub>
+                              <m:r>
+                                <a:rPr lang="de-DE" sz="1600" i="1">
+                                  <a:latin typeface="Cambria Math" panose="02040503050406030204" pitchFamily="18" charset="0"/>
+                                </a:rPr>
+                                <m:t>𝑖</m:t>
+                              </m:r>
+                            </m:sub>
+                            <m:sup>
+                              <m:r>
+                                <a:rPr lang="de-DE" sz="1600" i="1">
+                                  <a:latin typeface="Cambria Math" panose="02040503050406030204" pitchFamily="18" charset="0"/>
+                                </a:rPr>
+                                <m:t>𝐼</m:t>
+                              </m:r>
+                            </m:sup>
+                          </m:sSubSup>
+                          <m:d>
+                            <m:dPr>
+                              <m:ctrlPr>
+                                <a:rPr lang="de-DE" sz="1600" i="1">
+                                  <a:latin typeface="Cambria Math" panose="02040503050406030204" pitchFamily="18" charset="0"/>
+                                </a:rPr>
+                              </m:ctrlPr>
+                            </m:dPr>
+                            <m:e>
+                              <m:r>
+                                <a:rPr lang="de-DE" sz="1600" i="1">
+                                  <a:latin typeface="Cambria Math" panose="02040503050406030204" pitchFamily="18" charset="0"/>
+                                </a:rPr>
+                                <m:t>1+</m:t>
+                              </m:r>
+                              <m:r>
+                                <a:rPr lang="de-DE" sz="1600" i="1">
+                                  <a:latin typeface="Cambria Math" panose="02040503050406030204" pitchFamily="18" charset="0"/>
+                                  <a:ea typeface="Cambria Math" panose="02040503050406030204" pitchFamily="18" charset="0"/>
+                                </a:rPr>
+                                <m:t>𝛼</m:t>
+                              </m:r>
+                            </m:e>
+                          </m:d>
+                          <m:r>
+                            <a:rPr lang="de-DE" sz="1600" b="0" i="1" smtClean="0">
+                              <a:latin typeface="Cambria Math" panose="02040503050406030204" pitchFamily="18" charset="0"/>
+                              <a:ea typeface="Cambria Math" panose="02040503050406030204" pitchFamily="18" charset="0"/>
+                            </a:rPr>
+                            <m:t>+</m:t>
+                          </m:r>
+                          <m:sSubSup>
+                            <m:sSubSupPr>
+                              <m:ctrlPr>
+                                <a:rPr lang="de-DE" sz="1600" i="1">
+                                  <a:latin typeface="Cambria Math" panose="02040503050406030204" pitchFamily="18" charset="0"/>
+                                </a:rPr>
+                              </m:ctrlPr>
+                            </m:sSubSupPr>
+                            <m:e>
+                              <m:r>
+                                <a:rPr lang="de-DE" sz="1600" i="1">
+                                  <a:latin typeface="Cambria Math" panose="02040503050406030204" pitchFamily="18" charset="0"/>
+                                </a:rPr>
+                                <m:t>𝑛</m:t>
+                              </m:r>
+                            </m:e>
+                            <m:sub>
+                              <m:r>
+                                <a:rPr lang="de-DE" sz="1600" i="1">
+                                  <a:latin typeface="Cambria Math" panose="02040503050406030204" pitchFamily="18" charset="0"/>
+                                </a:rPr>
+                                <m:t>𝑖</m:t>
+                              </m:r>
+                            </m:sub>
+                            <m:sup>
+                              <m:r>
+                                <a:rPr lang="de-DE" sz="1600" b="0" i="1" smtClean="0">
+                                  <a:latin typeface="Cambria Math" panose="02040503050406030204" pitchFamily="18" charset="0"/>
+                                </a:rPr>
+                                <m:t>𝑅</m:t>
+                              </m:r>
+                            </m:sup>
+                          </m:sSubSup>
+                          <m:r>
+                            <a:rPr lang="de-DE" sz="1600" i="1">
+                              <a:latin typeface="Cambria Math" panose="02040503050406030204" pitchFamily="18" charset="0"/>
+                            </a:rPr>
+                            <m:t>(1</m:t>
+                          </m:r>
+                          <m:r>
+                            <a:rPr lang="de-DE" sz="1600" b="0" i="1" smtClean="0">
+                              <a:latin typeface="Cambria Math" panose="02040503050406030204" pitchFamily="18" charset="0"/>
+                            </a:rPr>
+                            <m:t>−</m:t>
+                          </m:r>
+                          <m:r>
+                            <a:rPr lang="de-DE" sz="1600" i="1">
+                              <a:latin typeface="Cambria Math" panose="02040503050406030204" pitchFamily="18" charset="0"/>
+                              <a:ea typeface="Cambria Math" panose="02040503050406030204" pitchFamily="18" charset="0"/>
+                            </a:rPr>
+                            <m:t>𝛼</m:t>
+                          </m:r>
+                          <m:r>
+                            <a:rPr lang="de-DE" sz="1600" i="1">
+                              <a:latin typeface="Cambria Math" panose="02040503050406030204" pitchFamily="18" charset="0"/>
+                              <a:ea typeface="Cambria Math" panose="02040503050406030204" pitchFamily="18" charset="0"/>
+                            </a:rPr>
+                            <m:t>)</m:t>
+                          </m:r>
+                        </m:den>
+                      </m:f>
+                    </m:oMath>
+                  </m:oMathPara>
+                </a14:m>
+                <a:endParaRPr lang="de-DE" sz="1600" dirty="0"/>
+              </a:p>
+              <a:p>
+                <a:pPr/>
+                <a14:m>
+                  <m:oMathPara xmlns:m="http://schemas.openxmlformats.org/officeDocument/2006/math">
+                    <m:oMathParaPr>
+                      <m:jc m:val="centerGroup"/>
+                    </m:oMathParaPr>
+                    <m:oMath xmlns:m="http://schemas.openxmlformats.org/officeDocument/2006/math">
+                      <m:sSub>
+                        <m:sSubPr>
+                          <m:ctrlPr>
+                            <a:rPr lang="de-DE" sz="1600" i="1" smtClean="0">
+                              <a:latin typeface="Cambria Math" panose="02040503050406030204" pitchFamily="18" charset="0"/>
+                            </a:rPr>
+                          </m:ctrlPr>
+                        </m:sSubPr>
+                        <m:e>
+                          <m:r>
+                            <a:rPr lang="de-DE" sz="1600" b="0" i="1" smtClean="0">
+                              <a:latin typeface="Cambria Math" panose="02040503050406030204" pitchFamily="18" charset="0"/>
+                            </a:rPr>
+                            <m:t>𝑔</m:t>
+                          </m:r>
+                        </m:e>
+                        <m:sub>
+                          <m:r>
+                            <a:rPr lang="de-DE" sz="1600" i="1">
+                              <a:latin typeface="Cambria Math" panose="02040503050406030204" pitchFamily="18" charset="0"/>
+                            </a:rPr>
+                            <m:t>𝑖</m:t>
+                          </m:r>
+                        </m:sub>
+                      </m:sSub>
+                      <m:d>
+                        <m:dPr>
+                          <m:ctrlPr>
+                            <a:rPr lang="de-DE" sz="1600" b="0" i="1" smtClean="0">
+                              <a:latin typeface="Cambria Math" panose="02040503050406030204" pitchFamily="18" charset="0"/>
+                            </a:rPr>
+                          </m:ctrlPr>
+                        </m:dPr>
+                        <m:e>
+                          <m:r>
+                            <a:rPr lang="de-DE" sz="1600" b="0" i="1" smtClean="0">
+                              <a:latin typeface="Cambria Math" panose="02040503050406030204" pitchFamily="18" charset="0"/>
+                            </a:rPr>
+                            <m:t>𝑡</m:t>
+                          </m:r>
+                        </m:e>
+                      </m:d>
+                      <m:r>
+                        <a:rPr lang="de-DE" sz="1600" b="0" i="1" smtClean="0">
+                          <a:latin typeface="Cambria Math" panose="02040503050406030204" pitchFamily="18" charset="0"/>
+                        </a:rPr>
+                        <m:t>=</m:t>
+                      </m:r>
+                      <m:r>
+                        <a:rPr lang="de-DE" sz="1600" b="0" i="1" smtClean="0">
+                          <a:latin typeface="Cambria Math" panose="02040503050406030204" pitchFamily="18" charset="0"/>
+                          <a:ea typeface="Cambria Math" panose="02040503050406030204" pitchFamily="18" charset="0"/>
+                        </a:rPr>
+                        <m:t>𝛽</m:t>
+                      </m:r>
+                      <m:f>
+                        <m:fPr>
+                          <m:ctrlPr>
+                            <a:rPr lang="de-DE" sz="1600" b="0" i="1" smtClean="0">
+                              <a:latin typeface="Cambria Math" panose="02040503050406030204" pitchFamily="18" charset="0"/>
+                            </a:rPr>
+                          </m:ctrlPr>
+                        </m:fPr>
+                        <m:num>
+                          <m:sSubSup>
+                            <m:sSubSupPr>
+                              <m:ctrlPr>
+                                <a:rPr lang="de-DE" sz="1600" b="0" i="1" smtClean="0">
+                                  <a:latin typeface="Cambria Math" panose="02040503050406030204" pitchFamily="18" charset="0"/>
+                                </a:rPr>
+                              </m:ctrlPr>
+                            </m:sSubSupPr>
+                            <m:e>
+                              <m:r>
+                                <a:rPr lang="de-DE" sz="1600" b="0" i="1" smtClean="0">
+                                  <a:latin typeface="Cambria Math" panose="02040503050406030204" pitchFamily="18" charset="0"/>
+                                </a:rPr>
+                                <m:t>𝑛</m:t>
+                              </m:r>
+                            </m:e>
+                            <m:sub>
+                              <m:r>
+                                <a:rPr lang="de-DE" sz="1600" b="0" i="1" smtClean="0">
+                                  <a:latin typeface="Cambria Math" panose="02040503050406030204" pitchFamily="18" charset="0"/>
+                                </a:rPr>
+                                <m:t>𝑖</m:t>
+                              </m:r>
+                            </m:sub>
+                            <m:sup>
+                              <m:r>
+                                <a:rPr lang="de-DE" sz="1600" b="0" i="1" smtClean="0">
+                                  <a:latin typeface="Cambria Math" panose="02040503050406030204" pitchFamily="18" charset="0"/>
+                                </a:rPr>
+                                <m:t>𝑅</m:t>
+                              </m:r>
+                            </m:sup>
+                          </m:sSubSup>
+                          <m:r>
+                            <a:rPr lang="de-DE" sz="1600" i="1">
+                              <a:latin typeface="Cambria Math" panose="02040503050406030204" pitchFamily="18" charset="0"/>
+                            </a:rPr>
+                            <m:t>(1</m:t>
+                          </m:r>
+                          <m:r>
+                            <a:rPr lang="de-DE" sz="1600" b="0" i="1" smtClean="0">
+                              <a:latin typeface="Cambria Math" panose="02040503050406030204" pitchFamily="18" charset="0"/>
+                            </a:rPr>
+                            <m:t>−</m:t>
+                          </m:r>
+                          <m:r>
+                            <a:rPr lang="de-DE" sz="1600" i="1">
+                              <a:latin typeface="Cambria Math" panose="02040503050406030204" pitchFamily="18" charset="0"/>
+                              <a:ea typeface="Cambria Math" panose="02040503050406030204" pitchFamily="18" charset="0"/>
+                            </a:rPr>
+                            <m:t>𝛼</m:t>
+                          </m:r>
+                          <m:r>
+                            <a:rPr lang="de-DE" sz="1600" i="1">
+                              <a:latin typeface="Cambria Math" panose="02040503050406030204" pitchFamily="18" charset="0"/>
+                              <a:ea typeface="Cambria Math" panose="02040503050406030204" pitchFamily="18" charset="0"/>
+                            </a:rPr>
+                            <m:t>)</m:t>
+                          </m:r>
+                        </m:num>
+                        <m:den>
+                          <m:sSubSup>
+                            <m:sSubSupPr>
+                              <m:ctrlPr>
+                                <a:rPr lang="de-DE" sz="1600" i="1">
+                                  <a:latin typeface="Cambria Math" panose="02040503050406030204" pitchFamily="18" charset="0"/>
+                                </a:rPr>
+                              </m:ctrlPr>
+                            </m:sSubSupPr>
+                            <m:e>
+                              <m:r>
+                                <a:rPr lang="de-DE" sz="1600" i="1">
+                                  <a:latin typeface="Cambria Math" panose="02040503050406030204" pitchFamily="18" charset="0"/>
+                                </a:rPr>
+                                <m:t>𝑛</m:t>
+                              </m:r>
+                            </m:e>
+                            <m:sub>
+                              <m:r>
+                                <a:rPr lang="de-DE" sz="1600" i="1">
+                                  <a:latin typeface="Cambria Math" panose="02040503050406030204" pitchFamily="18" charset="0"/>
+                                </a:rPr>
+                                <m:t>𝑖</m:t>
+                              </m:r>
+                            </m:sub>
+                            <m:sup>
+                              <m:r>
+                                <a:rPr lang="de-DE" sz="1600" i="1">
+                                  <a:latin typeface="Cambria Math" panose="02040503050406030204" pitchFamily="18" charset="0"/>
+                                </a:rPr>
+                                <m:t>𝐼</m:t>
+                              </m:r>
+                            </m:sup>
+                          </m:sSubSup>
+                          <m:d>
+                            <m:dPr>
+                              <m:ctrlPr>
+                                <a:rPr lang="de-DE" sz="1600" i="1">
+                                  <a:latin typeface="Cambria Math" panose="02040503050406030204" pitchFamily="18" charset="0"/>
+                                </a:rPr>
+                              </m:ctrlPr>
+                            </m:dPr>
+                            <m:e>
+                              <m:r>
+                                <a:rPr lang="de-DE" sz="1600" i="1">
+                                  <a:latin typeface="Cambria Math" panose="02040503050406030204" pitchFamily="18" charset="0"/>
+                                </a:rPr>
+                                <m:t>1+</m:t>
+                              </m:r>
+                              <m:r>
+                                <a:rPr lang="de-DE" sz="1600" i="1">
+                                  <a:latin typeface="Cambria Math" panose="02040503050406030204" pitchFamily="18" charset="0"/>
+                                  <a:ea typeface="Cambria Math" panose="02040503050406030204" pitchFamily="18" charset="0"/>
+                                </a:rPr>
+                                <m:t>𝛼</m:t>
+                              </m:r>
+                            </m:e>
+                          </m:d>
+                          <m:r>
+                            <a:rPr lang="de-DE" sz="1600" b="0" i="1" smtClean="0">
+                              <a:latin typeface="Cambria Math" panose="02040503050406030204" pitchFamily="18" charset="0"/>
+                              <a:ea typeface="Cambria Math" panose="02040503050406030204" pitchFamily="18" charset="0"/>
+                            </a:rPr>
+                            <m:t>+</m:t>
+                          </m:r>
+                          <m:sSubSup>
+                            <m:sSubSupPr>
+                              <m:ctrlPr>
+                                <a:rPr lang="de-DE" sz="1600" i="1">
+                                  <a:latin typeface="Cambria Math" panose="02040503050406030204" pitchFamily="18" charset="0"/>
+                                </a:rPr>
+                              </m:ctrlPr>
+                            </m:sSubSupPr>
+                            <m:e>
+                              <m:r>
+                                <a:rPr lang="de-DE" sz="1600" i="1">
+                                  <a:latin typeface="Cambria Math" panose="02040503050406030204" pitchFamily="18" charset="0"/>
+                                </a:rPr>
+                                <m:t>𝑛</m:t>
+                              </m:r>
+                            </m:e>
+                            <m:sub>
+                              <m:r>
+                                <a:rPr lang="de-DE" sz="1600" i="1">
+                                  <a:latin typeface="Cambria Math" panose="02040503050406030204" pitchFamily="18" charset="0"/>
+                                </a:rPr>
+                                <m:t>𝑖</m:t>
+                              </m:r>
+                            </m:sub>
+                            <m:sup>
+                              <m:r>
+                                <a:rPr lang="de-DE" sz="1600" b="0" i="1" smtClean="0">
+                                  <a:latin typeface="Cambria Math" panose="02040503050406030204" pitchFamily="18" charset="0"/>
+                                </a:rPr>
+                                <m:t>𝑅</m:t>
+                              </m:r>
+                            </m:sup>
+                          </m:sSubSup>
+                          <m:r>
+                            <a:rPr lang="de-DE" sz="1600" i="1">
+                              <a:latin typeface="Cambria Math" panose="02040503050406030204" pitchFamily="18" charset="0"/>
+                            </a:rPr>
+                            <m:t>(1</m:t>
+                          </m:r>
+                          <m:r>
+                            <a:rPr lang="de-DE" sz="1600" b="0" i="1" smtClean="0">
+                              <a:latin typeface="Cambria Math" panose="02040503050406030204" pitchFamily="18" charset="0"/>
+                            </a:rPr>
+                            <m:t>−</m:t>
+                          </m:r>
+                          <m:r>
+                            <a:rPr lang="de-DE" sz="1600" i="1">
+                              <a:latin typeface="Cambria Math" panose="02040503050406030204" pitchFamily="18" charset="0"/>
+                              <a:ea typeface="Cambria Math" panose="02040503050406030204" pitchFamily="18" charset="0"/>
+                            </a:rPr>
+                            <m:t>𝛼</m:t>
+                          </m:r>
+                          <m:r>
+                            <a:rPr lang="de-DE" sz="1600" i="1">
+                              <a:latin typeface="Cambria Math" panose="02040503050406030204" pitchFamily="18" charset="0"/>
+                              <a:ea typeface="Cambria Math" panose="02040503050406030204" pitchFamily="18" charset="0"/>
+                            </a:rPr>
+                            <m:t>)</m:t>
+                          </m:r>
+                        </m:den>
+                      </m:f>
+                    </m:oMath>
+                  </m:oMathPara>
+                </a14:m>
+                <a:endParaRPr lang="de-DE" sz="1600" dirty="0"/>
+              </a:p>
+            </p:txBody>
+          </p:sp>
+        </mc:Choice>
+        <mc:Fallback xmlns="">
+          <p:sp>
+            <p:nvSpPr>
+              <p:cNvPr id="36" name="Textfeld 35">
+                <a:extLst>
+                  <a:ext uri="{FF2B5EF4-FFF2-40B4-BE49-F238E27FC236}">
+                    <a16:creationId xmlns:a16="http://schemas.microsoft.com/office/drawing/2014/main" id="{CC9BE522-09E7-9FA3-EFCF-8A9EC102F0EA}"/>
+                  </a:ext>
+                </a:extLst>
+              </p:cNvPr>
+              <p:cNvSpPr txBox="1">
+                <a:spLocks noRot="1" noChangeAspect="1" noMove="1" noResize="1" noEditPoints="1" noAdjustHandles="1" noChangeArrowheads="1" noChangeShapeType="1" noTextEdit="1"/>
+              </p:cNvSpPr>
+              <p:nvPr/>
+            </p:nvSpPr>
+            <p:spPr>
+              <a:xfrm>
+                <a:off x="4835349" y="4989918"/>
+                <a:ext cx="4529450" cy="1248547"/>
+              </a:xfrm>
+              <a:prstGeom prst="rect">
+                <a:avLst/>
+              </a:prstGeom>
+              <a:blipFill>
+                <a:blip r:embed="rId15"/>
+                <a:stretch>
+                  <a:fillRect/>
+                </a:stretch>
+              </a:blipFill>
+            </p:spPr>
+            <p:txBody>
+              <a:bodyPr/>
+              <a:lstStyle/>
+              <a:p>
+                <a:r>
+                  <a:rPr lang="de-DE">
+                    <a:noFill/>
+                  </a:rPr>
+                  <a:t> </a:t>
+                </a:r>
+              </a:p>
+            </p:txBody>
+          </p:sp>
+        </mc:Fallback>
+      </mc:AlternateContent>
     </p:spTree>
     <p:extLst>
       <p:ext uri="{BB962C8B-B14F-4D97-AF65-F5344CB8AC3E}">
@@ -11396,7 +14584,7 @@
 </p:sld>
 </file>
 
-<file path=ppt/slides/slide7.xml><?xml version="1.0" encoding="utf-8"?>
+<file path=ppt/slides/slide8.xml><?xml version="1.0" encoding="utf-8"?>
 <p:sld xmlns:a="http://schemas.openxmlformats.org/drawingml/2006/main" xmlns:r="http://schemas.openxmlformats.org/officeDocument/2006/relationships" xmlns:p="http://schemas.openxmlformats.org/presentationml/2006/main">
   <p:cSld>
     <p:spTree>
@@ -12144,7 +15332,7 @@
 </p:sld>
 </file>
 
-<file path=ppt/slides/slide8.xml><?xml version="1.0" encoding="utf-8"?>
+<file path=ppt/slides/slide9.xml><?xml version="1.0" encoding="utf-8"?>
 <p:sld xmlns:a="http://schemas.openxmlformats.org/drawingml/2006/main" xmlns:r="http://schemas.openxmlformats.org/officeDocument/2006/relationships" xmlns:p="http://schemas.openxmlformats.org/presentationml/2006/main">
   <p:cSld>
     <p:spTree>
@@ -14015,443 +17203,6 @@
 </p:sld>
 </file>
 
-<file path=ppt/slides/slide9.xml><?xml version="1.0" encoding="utf-8"?>
-<p:sld xmlns:a="http://schemas.openxmlformats.org/drawingml/2006/main" xmlns:r="http://schemas.openxmlformats.org/officeDocument/2006/relationships" xmlns:p="http://schemas.openxmlformats.org/presentationml/2006/main">
-  <p:cSld>
-    <p:spTree>
-      <p:nvGrpSpPr>
-        <p:cNvPr id="1" name=""/>
-        <p:cNvGrpSpPr/>
-        <p:nvPr/>
-      </p:nvGrpSpPr>
-      <p:grpSpPr>
-        <a:xfrm>
-          <a:off x="0" y="0"/>
-          <a:ext cx="0" cy="0"/>
-          <a:chOff x="0" y="0"/>
-          <a:chExt cx="0" cy="0"/>
-        </a:xfrm>
-      </p:grpSpPr>
-      <p:sp>
-        <p:nvSpPr>
-          <p:cNvPr id="2" name="Titel 1">
-            <a:extLst>
-              <a:ext uri="{FF2B5EF4-FFF2-40B4-BE49-F238E27FC236}">
-                <a16:creationId xmlns:a16="http://schemas.microsoft.com/office/drawing/2014/main" id="{A7F701A3-2404-A9B8-5FC9-0D63435EEFB5}"/>
-              </a:ext>
-            </a:extLst>
-          </p:cNvPr>
-          <p:cNvSpPr>
-            <a:spLocks noGrp="1"/>
-          </p:cNvSpPr>
-          <p:nvPr>
-            <p:ph type="title"/>
-          </p:nvPr>
-        </p:nvSpPr>
-        <p:spPr>
-          <a:xfrm>
-            <a:off x="478366" y="488950"/>
-            <a:ext cx="9506065" cy="838200"/>
-          </a:xfrm>
-        </p:spPr>
-        <p:txBody>
-          <a:bodyPr/>
-          <a:lstStyle/>
-          <a:p>
-            <a:r>
-              <a:rPr lang="en-US" dirty="0"/>
-              <a:t>Proposal for a Prediction Framework</a:t>
-            </a:r>
-          </a:p>
-        </p:txBody>
-      </p:sp>
-      <p:sp>
-        <p:nvSpPr>
-          <p:cNvPr id="11" name="Rechteck: abgerundete Ecken 10">
-            <a:extLst>
-              <a:ext uri="{FF2B5EF4-FFF2-40B4-BE49-F238E27FC236}">
-                <a16:creationId xmlns:a16="http://schemas.microsoft.com/office/drawing/2014/main" id="{B28EB07E-CC38-E24E-53EC-81F655433E4E}"/>
-              </a:ext>
-            </a:extLst>
-          </p:cNvPr>
-          <p:cNvSpPr/>
-          <p:nvPr/>
-        </p:nvSpPr>
-        <p:spPr>
-          <a:xfrm>
-            <a:off x="3359696" y="3163463"/>
-            <a:ext cx="2232248" cy="963726"/>
-          </a:xfrm>
-          <a:prstGeom prst="roundRect">
-            <a:avLst/>
-          </a:prstGeom>
-        </p:spPr>
-        <p:style>
-          <a:lnRef idx="2">
-            <a:schemeClr val="accent1"/>
-          </a:lnRef>
-          <a:fillRef idx="1">
-            <a:schemeClr val="lt1"/>
-          </a:fillRef>
-          <a:effectRef idx="0">
-            <a:schemeClr val="accent1"/>
-          </a:effectRef>
-          <a:fontRef idx="minor">
-            <a:schemeClr val="dk1"/>
-          </a:fontRef>
-        </p:style>
-        <p:txBody>
-          <a:bodyPr rot="0" spcFirstLastPara="0" vertOverflow="overflow" horzOverflow="overflow" vert="horz" wrap="square" lIns="91440" tIns="45720" rIns="91440" bIns="45720" numCol="1" spcCol="0" rtlCol="0" fromWordArt="0" anchor="ctr" anchorCtr="0" forceAA="0" compatLnSpc="1">
-            <a:prstTxWarp prst="textNoShape">
-              <a:avLst/>
-            </a:prstTxWarp>
-            <a:noAutofit/>
-          </a:bodyPr>
-          <a:lstStyle/>
-          <a:p>
-            <a:pPr algn="ctr"/>
-            <a:r>
-              <a:rPr lang="de-DE" dirty="0" err="1"/>
-              <a:t>Predict</a:t>
-            </a:r>
-            <a:r>
-              <a:rPr lang="de-DE" dirty="0"/>
-              <a:t> Model Parameters</a:t>
-            </a:r>
-          </a:p>
-        </p:txBody>
-      </p:sp>
-      <p:sp>
-        <p:nvSpPr>
-          <p:cNvPr id="16" name="Rechteck: abgerundete Ecken 15">
-            <a:extLst>
-              <a:ext uri="{FF2B5EF4-FFF2-40B4-BE49-F238E27FC236}">
-                <a16:creationId xmlns:a16="http://schemas.microsoft.com/office/drawing/2014/main" id="{BB0B4EA5-878D-8271-7D1C-1A082934784C}"/>
-              </a:ext>
-            </a:extLst>
-          </p:cNvPr>
-          <p:cNvSpPr/>
-          <p:nvPr/>
-        </p:nvSpPr>
-        <p:spPr>
-          <a:xfrm>
-            <a:off x="5935284" y="3163463"/>
-            <a:ext cx="2232248" cy="963726"/>
-          </a:xfrm>
-          <a:prstGeom prst="roundRect">
-            <a:avLst/>
-          </a:prstGeom>
-        </p:spPr>
-        <p:style>
-          <a:lnRef idx="2">
-            <a:schemeClr val="accent1"/>
-          </a:lnRef>
-          <a:fillRef idx="1">
-            <a:schemeClr val="lt1"/>
-          </a:fillRef>
-          <a:effectRef idx="0">
-            <a:schemeClr val="accent1"/>
-          </a:effectRef>
-          <a:fontRef idx="minor">
-            <a:schemeClr val="dk1"/>
-          </a:fontRef>
-        </p:style>
-        <p:txBody>
-          <a:bodyPr rot="0" spcFirstLastPara="0" vertOverflow="overflow" horzOverflow="overflow" vert="horz" wrap="square" lIns="91440" tIns="45720" rIns="91440" bIns="45720" numCol="1" spcCol="0" rtlCol="0" fromWordArt="0" anchor="ctr" anchorCtr="0" forceAA="0" compatLnSpc="1">
-            <a:prstTxWarp prst="textNoShape">
-              <a:avLst/>
-            </a:prstTxWarp>
-            <a:noAutofit/>
-          </a:bodyPr>
-          <a:lstStyle/>
-          <a:p>
-            <a:pPr algn="ctr"/>
-            <a:r>
-              <a:rPr lang="de-DE" dirty="0"/>
-              <a:t>Run Simulation</a:t>
-            </a:r>
-          </a:p>
-        </p:txBody>
-      </p:sp>
-      <p:sp>
-        <p:nvSpPr>
-          <p:cNvPr id="17" name="Rechteck: abgerundete Ecken 16">
-            <a:extLst>
-              <a:ext uri="{FF2B5EF4-FFF2-40B4-BE49-F238E27FC236}">
-                <a16:creationId xmlns:a16="http://schemas.microsoft.com/office/drawing/2014/main" id="{3449728B-672D-7AB6-C2EF-B996874FD672}"/>
-              </a:ext>
-            </a:extLst>
-          </p:cNvPr>
-          <p:cNvSpPr/>
-          <p:nvPr/>
-        </p:nvSpPr>
-        <p:spPr>
-          <a:xfrm>
-            <a:off x="8510872" y="3163463"/>
-            <a:ext cx="2825012" cy="963726"/>
-          </a:xfrm>
-          <a:prstGeom prst="roundRect">
-            <a:avLst/>
-          </a:prstGeom>
-        </p:spPr>
-        <p:style>
-          <a:lnRef idx="2">
-            <a:schemeClr val="accent1"/>
-          </a:lnRef>
-          <a:fillRef idx="1">
-            <a:schemeClr val="lt1"/>
-          </a:fillRef>
-          <a:effectRef idx="0">
-            <a:schemeClr val="accent1"/>
-          </a:effectRef>
-          <a:fontRef idx="minor">
-            <a:schemeClr val="dk1"/>
-          </a:fontRef>
-        </p:style>
-        <p:txBody>
-          <a:bodyPr rot="0" spcFirstLastPara="0" vertOverflow="overflow" horzOverflow="overflow" vert="horz" wrap="square" lIns="91440" tIns="45720" rIns="91440" bIns="45720" numCol="1" spcCol="0" rtlCol="0" fromWordArt="0" anchor="ctr" anchorCtr="0" forceAA="0" compatLnSpc="1">
-            <a:prstTxWarp prst="textNoShape">
-              <a:avLst/>
-            </a:prstTxWarp>
-            <a:noAutofit/>
-          </a:bodyPr>
-          <a:lstStyle/>
-          <a:p>
-            <a:pPr algn="ctr"/>
-            <a:r>
-              <a:rPr lang="de-DE" dirty="0"/>
-              <a:t>Power Demand </a:t>
-            </a:r>
-            <a:r>
-              <a:rPr lang="de-DE" dirty="0" err="1"/>
-              <a:t>critical</a:t>
-            </a:r>
-            <a:r>
-              <a:rPr lang="de-DE" dirty="0"/>
-              <a:t>?</a:t>
-            </a:r>
-          </a:p>
-          <a:p>
-            <a:pPr algn="ctr"/>
-            <a:r>
-              <a:rPr lang="de-DE" dirty="0"/>
-              <a:t>Yes/</a:t>
-            </a:r>
-            <a:r>
-              <a:rPr lang="de-DE" dirty="0" err="1"/>
-              <a:t>No</a:t>
-            </a:r>
-            <a:r>
-              <a:rPr lang="de-DE" dirty="0"/>
-              <a:t> </a:t>
-            </a:r>
-          </a:p>
-        </p:txBody>
-      </p:sp>
-      <p:cxnSp>
-        <p:nvCxnSpPr>
-          <p:cNvPr id="19" name="Gerade Verbindung mit Pfeil 18">
-            <a:extLst>
-              <a:ext uri="{FF2B5EF4-FFF2-40B4-BE49-F238E27FC236}">
-                <a16:creationId xmlns:a16="http://schemas.microsoft.com/office/drawing/2014/main" id="{A107CD90-56BD-70A1-F07C-BAEB2EE1908E}"/>
-              </a:ext>
-            </a:extLst>
-          </p:cNvPr>
-          <p:cNvCxnSpPr>
-            <a:stCxn id="11" idx="3"/>
-            <a:endCxn id="16" idx="1"/>
-          </p:cNvCxnSpPr>
-          <p:nvPr/>
-        </p:nvCxnSpPr>
-        <p:spPr>
-          <a:xfrm>
-            <a:off x="5591944" y="3645326"/>
-            <a:ext cx="343340" cy="0"/>
-          </a:xfrm>
-          <a:prstGeom prst="straightConnector1">
-            <a:avLst/>
-          </a:prstGeom>
-          <a:ln w="12700">
-            <a:tailEnd type="triangle"/>
-          </a:ln>
-        </p:spPr>
-        <p:style>
-          <a:lnRef idx="1">
-            <a:schemeClr val="accent1"/>
-          </a:lnRef>
-          <a:fillRef idx="0">
-            <a:schemeClr val="accent1"/>
-          </a:fillRef>
-          <a:effectRef idx="0">
-            <a:schemeClr val="accent1"/>
-          </a:effectRef>
-          <a:fontRef idx="minor">
-            <a:schemeClr val="tx1"/>
-          </a:fontRef>
-        </p:style>
-      </p:cxnSp>
-      <p:cxnSp>
-        <p:nvCxnSpPr>
-          <p:cNvPr id="20" name="Gerade Verbindung mit Pfeil 19">
-            <a:extLst>
-              <a:ext uri="{FF2B5EF4-FFF2-40B4-BE49-F238E27FC236}">
-                <a16:creationId xmlns:a16="http://schemas.microsoft.com/office/drawing/2014/main" id="{87012A44-74F4-634C-DE6C-BF6BEEF6118B}"/>
-              </a:ext>
-            </a:extLst>
-          </p:cNvPr>
-          <p:cNvCxnSpPr>
-            <a:cxnSpLocks/>
-            <a:stCxn id="16" idx="3"/>
-            <a:endCxn id="17" idx="1"/>
-          </p:cNvCxnSpPr>
-          <p:nvPr/>
-        </p:nvCxnSpPr>
-        <p:spPr>
-          <a:xfrm>
-            <a:off x="8167532" y="3645326"/>
-            <a:ext cx="343340" cy="0"/>
-          </a:xfrm>
-          <a:prstGeom prst="straightConnector1">
-            <a:avLst/>
-          </a:prstGeom>
-          <a:ln w="12700">
-            <a:tailEnd type="triangle"/>
-          </a:ln>
-        </p:spPr>
-        <p:style>
-          <a:lnRef idx="1">
-            <a:schemeClr val="accent1"/>
-          </a:lnRef>
-          <a:fillRef idx="0">
-            <a:schemeClr val="accent1"/>
-          </a:fillRef>
-          <a:effectRef idx="0">
-            <a:schemeClr val="accent1"/>
-          </a:effectRef>
-          <a:fontRef idx="minor">
-            <a:schemeClr val="tx1"/>
-          </a:fontRef>
-        </p:style>
-      </p:cxnSp>
-      <p:sp>
-        <p:nvSpPr>
-          <p:cNvPr id="9" name="Rechteck: abgerundete Ecken 8">
-            <a:extLst>
-              <a:ext uri="{FF2B5EF4-FFF2-40B4-BE49-F238E27FC236}">
-                <a16:creationId xmlns:a16="http://schemas.microsoft.com/office/drawing/2014/main" id="{BCF21B9B-E3F0-3CAD-6880-898CD2388701}"/>
-              </a:ext>
-            </a:extLst>
-          </p:cNvPr>
-          <p:cNvSpPr/>
-          <p:nvPr/>
-        </p:nvSpPr>
-        <p:spPr>
-          <a:xfrm>
-            <a:off x="784108" y="3163463"/>
-            <a:ext cx="2232248" cy="963726"/>
-          </a:xfrm>
-          <a:prstGeom prst="roundRect">
-            <a:avLst/>
-          </a:prstGeom>
-        </p:spPr>
-        <p:style>
-          <a:lnRef idx="2">
-            <a:schemeClr val="accent1"/>
-          </a:lnRef>
-          <a:fillRef idx="1">
-            <a:schemeClr val="lt1"/>
-          </a:fillRef>
-          <a:effectRef idx="0">
-            <a:schemeClr val="accent1"/>
-          </a:effectRef>
-          <a:fontRef idx="minor">
-            <a:schemeClr val="dk1"/>
-          </a:fontRef>
-        </p:style>
-        <p:txBody>
-          <a:bodyPr rot="0" spcFirstLastPara="0" vertOverflow="overflow" horzOverflow="overflow" vert="horz" wrap="square" lIns="91440" tIns="45720" rIns="91440" bIns="45720" numCol="1" spcCol="0" rtlCol="0" fromWordArt="0" anchor="ctr" anchorCtr="0" forceAA="0" compatLnSpc="1">
-            <a:prstTxWarp prst="textNoShape">
-              <a:avLst/>
-            </a:prstTxWarp>
-            <a:noAutofit/>
-          </a:bodyPr>
-          <a:lstStyle/>
-          <a:p>
-            <a:pPr algn="ctr"/>
-            <a:r>
-              <a:rPr lang="de-DE" dirty="0" err="1"/>
-              <a:t>Collect</a:t>
-            </a:r>
-            <a:r>
-              <a:rPr lang="de-DE" dirty="0"/>
-              <a:t> </a:t>
-            </a:r>
-            <a:r>
-              <a:rPr lang="de-DE" dirty="0" err="1"/>
-              <a:t>Social</a:t>
-            </a:r>
-            <a:r>
-              <a:rPr lang="de-DE" dirty="0"/>
-              <a:t> Media Posts</a:t>
-            </a:r>
-          </a:p>
-        </p:txBody>
-      </p:sp>
-      <p:cxnSp>
-        <p:nvCxnSpPr>
-          <p:cNvPr id="12" name="Gerade Verbindung mit Pfeil 11">
-            <a:extLst>
-              <a:ext uri="{FF2B5EF4-FFF2-40B4-BE49-F238E27FC236}">
-                <a16:creationId xmlns:a16="http://schemas.microsoft.com/office/drawing/2014/main" id="{C70F2CF7-B3EA-D2E6-B8EB-9E63240484BB}"/>
-              </a:ext>
-            </a:extLst>
-          </p:cNvPr>
-          <p:cNvCxnSpPr>
-            <a:stCxn id="9" idx="3"/>
-            <a:endCxn id="11" idx="1"/>
-          </p:cNvCxnSpPr>
-          <p:nvPr/>
-        </p:nvCxnSpPr>
-        <p:spPr>
-          <a:xfrm>
-            <a:off x="3016356" y="3645326"/>
-            <a:ext cx="343340" cy="0"/>
-          </a:xfrm>
-          <a:prstGeom prst="straightConnector1">
-            <a:avLst/>
-          </a:prstGeom>
-          <a:ln>
-            <a:tailEnd type="triangle"/>
-          </a:ln>
-        </p:spPr>
-        <p:style>
-          <a:lnRef idx="1">
-            <a:schemeClr val="accent1"/>
-          </a:lnRef>
-          <a:fillRef idx="0">
-            <a:schemeClr val="accent1"/>
-          </a:fillRef>
-          <a:effectRef idx="0">
-            <a:schemeClr val="accent1"/>
-          </a:effectRef>
-          <a:fontRef idx="minor">
-            <a:schemeClr val="tx1"/>
-          </a:fontRef>
-        </p:style>
-      </p:cxnSp>
-    </p:spTree>
-    <p:extLst>
-      <p:ext uri="{BB962C8B-B14F-4D97-AF65-F5344CB8AC3E}">
-        <p14:creationId xmlns:p14="http://schemas.microsoft.com/office/powerpoint/2010/main" val="1747414230"/>
-      </p:ext>
-    </p:extLst>
-  </p:cSld>
-  <p:clrMapOvr>
-    <a:masterClrMapping/>
-  </p:clrMapOvr>
-</p:sld>
-</file>
-
 <file path=ppt/tags/tag1.xml><?xml version="1.0" encoding="utf-8"?>
 <p:tagLst xmlns:a="http://schemas.openxmlformats.org/drawingml/2006/main" xmlns:r="http://schemas.openxmlformats.org/officeDocument/2006/relationships" xmlns:p="http://schemas.openxmlformats.org/presentationml/2006/main">
   <p:tag name="EE4P_STYLE_ID" val="6cd991bf-f022-4378-96e7-2c338aeb3f5a"/>

--- a/presentations/Finale Präsentation.pptx
+++ b/presentations/Finale Präsentation.pptx
@@ -342,7 +342,7 @@
             <a:fld id="{A32DC80D-291A-4ABB-A78B-0417274A267C}" type="datetime4">
               <a:rPr lang="de-DE"/>
               <a:pPr/>
-              <a:t>15. Oktober 2023</a:t>
+              <a:t>18. Oktober 2023</a:t>
             </a:fld>
             <a:endParaRPr lang="de-DE"/>
           </a:p>
@@ -733,7 +733,7 @@
             <a:fld id="{065B079B-E513-489A-8A1B-D7C78493EA86}" type="datetime4">
               <a:rPr lang="de-DE"/>
               <a:pPr/>
-              <a:t>15. Oktober 2023</a:t>
+              <a:t>18. Oktober 2023</a:t>
             </a:fld>
             <a:endParaRPr lang="de-DE"/>
           </a:p>
@@ -1876,7 +1876,7 @@
             <a:fld id="{065B079B-E513-489A-8A1B-D7C78493EA86}" type="datetime4">
               <a:rPr lang="de-DE" smtClean="0"/>
               <a:pPr/>
-              <a:t>15. Oktober 2023</a:t>
+              <a:t>18. Oktober 2023</a:t>
             </a:fld>
             <a:endParaRPr lang="de-DE"/>
           </a:p>
@@ -2033,7 +2033,7 @@
             <a:fld id="{065B079B-E513-489A-8A1B-D7C78493EA86}" type="datetime4">
               <a:rPr lang="de-DE" smtClean="0"/>
               <a:pPr/>
-              <a:t>15. Oktober 2023</a:t>
+              <a:t>18. Oktober 2023</a:t>
             </a:fld>
             <a:endParaRPr lang="de-DE"/>
           </a:p>
@@ -2168,7 +2168,7 @@
             <a:fld id="{065B079B-E513-489A-8A1B-D7C78493EA86}" type="datetime4">
               <a:rPr lang="de-DE" smtClean="0"/>
               <a:pPr/>
-              <a:t>15. Oktober 2023</a:t>
+              <a:t>18. Oktober 2023</a:t>
             </a:fld>
             <a:endParaRPr lang="de-DE"/>
           </a:p>
@@ -2311,7 +2311,7 @@
             <a:fld id="{065B079B-E513-489A-8A1B-D7C78493EA86}" type="datetime4">
               <a:rPr lang="de-DE" smtClean="0"/>
               <a:pPr/>
-              <a:t>15. Oktober 2023</a:t>
+              <a:t>18. Oktober 2023</a:t>
             </a:fld>
             <a:endParaRPr lang="de-DE"/>
           </a:p>
@@ -2454,7 +2454,7 @@
             <a:fld id="{065B079B-E513-489A-8A1B-D7C78493EA86}" type="datetime4">
               <a:rPr lang="de-DE" smtClean="0"/>
               <a:pPr/>
-              <a:t>15. Oktober 2023</a:t>
+              <a:t>18. Oktober 2023</a:t>
             </a:fld>
             <a:endParaRPr lang="de-DE"/>
           </a:p>
@@ -2589,7 +2589,7 @@
             <a:fld id="{065B079B-E513-489A-8A1B-D7C78493EA86}" type="datetime4">
               <a:rPr lang="de-DE" smtClean="0"/>
               <a:pPr/>
-              <a:t>15. Oktober 2023</a:t>
+              <a:t>18. Oktober 2023</a:t>
             </a:fld>
             <a:endParaRPr lang="de-DE"/>
           </a:p>
@@ -2793,7 +2793,7 @@
             <a:fld id="{065B079B-E513-489A-8A1B-D7C78493EA86}" type="datetime4">
               <a:rPr lang="de-DE" smtClean="0"/>
               <a:pPr/>
-              <a:t>15. Oktober 2023</a:t>
+              <a:t>18. Oktober 2023</a:t>
             </a:fld>
             <a:endParaRPr lang="de-DE"/>
           </a:p>
@@ -2943,7 +2943,7 @@
             <a:fld id="{065B079B-E513-489A-8A1B-D7C78493EA86}" type="datetime4">
               <a:rPr lang="de-DE" smtClean="0"/>
               <a:pPr/>
-              <a:t>15. Oktober 2023</a:t>
+              <a:t>18. Oktober 2023</a:t>
             </a:fld>
             <a:endParaRPr lang="de-DE"/>
           </a:p>
@@ -3117,7 +3117,7 @@
             <a:fld id="{065B079B-E513-489A-8A1B-D7C78493EA86}" type="datetime4">
               <a:rPr lang="de-DE" smtClean="0"/>
               <a:pPr/>
-              <a:t>15. Oktober 2023</a:t>
+              <a:t>18. Oktober 2023</a:t>
             </a:fld>
             <a:endParaRPr lang="de-DE"/>
           </a:p>
@@ -3268,7 +3268,7 @@
             <a:fld id="{065B079B-E513-489A-8A1B-D7C78493EA86}" type="datetime4">
               <a:rPr lang="de-DE" smtClean="0"/>
               <a:pPr/>
-              <a:t>15. Oktober 2023</a:t>
+              <a:t>18. Oktober 2023</a:t>
             </a:fld>
             <a:endParaRPr lang="de-DE"/>
           </a:p>
@@ -3425,7 +3425,7 @@
             <a:fld id="{065B079B-E513-489A-8A1B-D7C78493EA86}" type="datetime4">
               <a:rPr lang="de-DE" smtClean="0"/>
               <a:pPr/>
-              <a:t>15. Oktober 2023</a:t>
+              <a:t>18. Oktober 2023</a:t>
             </a:fld>
             <a:endParaRPr lang="de-DE"/>
           </a:p>
@@ -7728,7 +7728,7 @@
           <a:p>
             <a:r>
               <a:rPr lang="de-DE" dirty="0"/>
-              <a:t>Scenario 3: </a:t>
+              <a:t>Scenario 2: </a:t>
             </a:r>
             <a:r>
               <a:rPr lang="en-US" b="1" dirty="0"/>
@@ -8344,7 +8344,7 @@
           <a:p>
             <a:r>
               <a:rPr lang="de-DE" dirty="0"/>
-              <a:t>Scenario 3: </a:t>
+              <a:t>Scenario 2: </a:t>
             </a:r>
             <a:r>
               <a:rPr lang="en-US" b="1" dirty="0"/>
@@ -8446,7 +8446,7 @@
           <a:p>
             <a:r>
               <a:rPr lang="de-DE" dirty="0"/>
-              <a:t>Scenario 3: </a:t>
+              <a:t>Scenario 2: </a:t>
             </a:r>
             <a:r>
               <a:rPr lang="en-US" b="1" dirty="0"/>
@@ -10066,7 +10066,7 @@
             <a:pPr algn="ctr"/>
             <a:r>
               <a:rPr lang="en-US" dirty="0"/>
-              <a:t>Create Social Media Graph</a:t>
+              <a:t>Social Media Graph</a:t>
             </a:r>
           </a:p>
           <a:p>
@@ -10216,15 +10216,7 @@
             <a:pPr algn="ctr"/>
             <a:r>
               <a:rPr lang="de-DE" dirty="0"/>
-              <a:t>Model </a:t>
-            </a:r>
-            <a:r>
-              <a:rPr lang="de-DE" dirty="0" err="1"/>
-              <a:t>the</a:t>
-            </a:r>
-            <a:r>
-              <a:rPr lang="de-DE" dirty="0"/>
-              <a:t> Information Diffusion</a:t>
+              <a:t>Information Diffusion Model</a:t>
             </a:r>
           </a:p>
           <a:p>
@@ -10336,11 +10328,8 @@
             <a:pPr algn="ctr"/>
             <a:r>
               <a:rPr lang="en-US" dirty="0"/>
-              <a:t>Estimate the Power Demand</a:t>
-            </a:r>
-          </a:p>
-          <a:p>
-            <a:pPr algn="ctr"/>
+              <a:t>Power Demand Simulation Rules</a:t>
+            </a:r>
             <a:endParaRPr lang="de-DE" dirty="0"/>
           </a:p>
           <a:p>
@@ -10870,7 +10859,7 @@
         <p:spPr>
           <a:xfrm>
             <a:off x="478368" y="1546538"/>
-            <a:ext cx="8856156" cy="1616955"/>
+            <a:ext cx="8856156" cy="2098486"/>
           </a:xfrm>
           <a:prstGeom prst="roundRect">
             <a:avLst/>
@@ -10997,18 +10986,6 @@
             <a:r>
               <a:rPr lang="de-DE" sz="1800" b="0" dirty="0" err="1"/>
               <a:t>world</a:t>
-            </a:r>
-            <a:r>
-              <a:rPr lang="de-DE" sz="1800" b="0" dirty="0"/>
-              <a:t> </a:t>
-            </a:r>
-            <a:r>
-              <a:rPr lang="de-DE" dirty="0" err="1"/>
-              <a:t>c</a:t>
-            </a:r>
-            <a:r>
-              <a:rPr lang="de-DE" sz="1800" b="0" dirty="0" err="1"/>
-              <a:t>haracteristic</a:t>
             </a:r>
             <a:endParaRPr lang="de-DE" sz="1800" b="0" dirty="0"/>
           </a:p>
@@ -11116,8 +11093,8 @@
         </p:nvSpPr>
         <p:spPr>
           <a:xfrm>
-            <a:off x="478368" y="3284985"/>
-            <a:ext cx="8856156" cy="2943044"/>
+            <a:off x="478368" y="3789039"/>
+            <a:ext cx="8856156" cy="2438989"/>
           </a:xfrm>
           <a:prstGeom prst="roundRect">
             <a:avLst/>
@@ -11354,59 +11331,6 @@
                 <a:schemeClr val="tx1"/>
               </a:solidFill>
             </a:endParaRPr>
-          </a:p>
-          <a:p>
-            <a:pPr marL="522900" indent="-342900">
-              <a:spcBef>
-                <a:spcPts val="200"/>
-              </a:spcBef>
-              <a:spcAft>
-                <a:spcPts val="230"/>
-              </a:spcAft>
-              <a:buFont typeface="Arial" panose="020B0604020202020204" pitchFamily="34" charset="0"/>
-              <a:buChar char="•"/>
-            </a:pPr>
-            <a:r>
-              <a:rPr lang="en-US" dirty="0"/>
-              <a:t>N</a:t>
-            </a:r>
-            <a:r>
-              <a:rPr lang="en-US" sz="1800" b="0" dirty="0"/>
-              <a:t>eighbors are predominantly infected </a:t>
-            </a:r>
-            <a:r>
-              <a:rPr lang="en-US" sz="1800" b="0" dirty="0">
-                <a:sym typeface="Wingdings" panose="05000000000000000000" pitchFamily="2" charset="2"/>
-              </a:rPr>
-              <a:t> node becomes infected</a:t>
-            </a:r>
-          </a:p>
-          <a:p>
-            <a:pPr marL="522900" indent="-342900">
-              <a:spcBef>
-                <a:spcPts val="200"/>
-              </a:spcBef>
-              <a:spcAft>
-                <a:spcPts val="230"/>
-              </a:spcAft>
-              <a:buFont typeface="Arial" panose="020B0604020202020204" pitchFamily="34" charset="0"/>
-              <a:buChar char="•"/>
-            </a:pPr>
-            <a:r>
-              <a:rPr lang="en-US" dirty="0"/>
-              <a:t>N</a:t>
-            </a:r>
-            <a:r>
-              <a:rPr lang="en-US" sz="1800" b="0" dirty="0"/>
-              <a:t>eighbors are predominantly recovered </a:t>
-            </a:r>
-            <a:r>
-              <a:rPr lang="en-US" sz="1800" b="0" dirty="0">
-                <a:sym typeface="Wingdings" panose="05000000000000000000" pitchFamily="2" charset="2"/>
-              </a:rPr>
-              <a:t> node recovers</a:t>
-            </a:r>
-            <a:endParaRPr lang="en-US" sz="1800" b="0" dirty="0"/>
           </a:p>
           <a:p>
             <a:endParaRPr lang="de-DE" sz="1800" b="0" dirty="0"/>
@@ -12295,8 +12219,8 @@
         </p:nvCxnSpPr>
         <p:spPr>
           <a:xfrm>
-            <a:off x="5479040" y="2921164"/>
-            <a:ext cx="1252694" cy="553608"/>
+            <a:off x="5525771" y="2953286"/>
+            <a:ext cx="1205963" cy="521486"/>
           </a:xfrm>
           <a:prstGeom prst="straightConnector1">
             <a:avLst/>
@@ -15832,8 +15756,8 @@
           </a:fontRef>
         </p:style>
       </p:cxnSp>
-      <mc:AlternateContent xmlns:mc="http://schemas.openxmlformats.org/markup-compatibility/2006" xmlns:a14="http://schemas.microsoft.com/office/drawing/2010/main">
-        <mc:Choice Requires="a14">
+      <mc:AlternateContent xmlns:mc="http://schemas.openxmlformats.org/markup-compatibility/2006">
+        <mc:Choice xmlns:a14="http://schemas.microsoft.com/office/drawing/2010/main" Requires="a14">
           <p:sp>
             <p:nvSpPr>
               <p:cNvPr id="11" name="Rechteck: abgerundete Ecken 10">
@@ -16301,7 +16225,7 @@
                           <a:latin typeface="Cambria Math" panose="02040503050406030204" pitchFamily="18" charset="0"/>
                           <a:ea typeface="Cambria Math" panose="02040503050406030204" pitchFamily="18" charset="0"/>
                         </a:rPr>
-                        <m:t>𝑅</m:t>
+                        <m:t>𝑆</m:t>
                       </m:r>
                       <m:d>
                         <m:dPr>
@@ -16677,11 +16601,11 @@
                         <m:t>∙</m:t>
                       </m:r>
                       <m:r>
-                        <a:rPr lang="de-DE" sz="1600" i="1">
+                        <a:rPr lang="de-DE" sz="1600" b="0" i="1" smtClean="0">
                           <a:latin typeface="Cambria Math" panose="02040503050406030204" pitchFamily="18" charset="0"/>
                           <a:ea typeface="Cambria Math" panose="02040503050406030204" pitchFamily="18" charset="0"/>
                         </a:rPr>
-                        <m:t>𝑅</m:t>
+                        <m:t>𝑆</m:t>
                       </m:r>
                       <m:d>
                         <m:dPr>
@@ -16927,43 +16851,6 @@
                         <a:ea typeface="Cambria Math" panose="02040503050406030204" pitchFamily="18" charset="0"/>
                         <a:sym typeface="Wingdings" panose="05000000000000000000" pitchFamily="2" charset="2"/>
                       </a:rPr>
-                      <m:t>𝑆</m:t>
-                    </m:r>
-                    <m:d>
-                      <m:dPr>
-                        <m:ctrlPr>
-                          <a:rPr lang="de-DE" sz="1600" b="0" i="1" smtClean="0">
-                            <a:latin typeface="Cambria Math" panose="02040503050406030204" pitchFamily="18" charset="0"/>
-                            <a:ea typeface="Cambria Math" panose="02040503050406030204" pitchFamily="18" charset="0"/>
-                            <a:sym typeface="Wingdings" panose="05000000000000000000" pitchFamily="2" charset="2"/>
-                          </a:rPr>
-                        </m:ctrlPr>
-                      </m:dPr>
-                      <m:e>
-                        <m:r>
-                          <a:rPr lang="de-DE" sz="1600" b="0" i="1" smtClean="0">
-                            <a:latin typeface="Cambria Math" panose="02040503050406030204" pitchFamily="18" charset="0"/>
-                            <a:ea typeface="Cambria Math" panose="02040503050406030204" pitchFamily="18" charset="0"/>
-                            <a:sym typeface="Wingdings" panose="05000000000000000000" pitchFamily="2" charset="2"/>
-                          </a:rPr>
-                          <m:t>0</m:t>
-                        </m:r>
-                      </m:e>
-                    </m:d>
-                    <m:r>
-                      <a:rPr lang="de-DE" sz="1600" b="0" i="1" smtClean="0">
-                        <a:latin typeface="Cambria Math" panose="02040503050406030204" pitchFamily="18" charset="0"/>
-                        <a:ea typeface="Cambria Math" panose="02040503050406030204" pitchFamily="18" charset="0"/>
-                        <a:sym typeface="Wingdings" panose="05000000000000000000" pitchFamily="2" charset="2"/>
-                      </a:rPr>
-                      <m:t>,  </m:t>
-                    </m:r>
-                    <m:r>
-                      <a:rPr lang="de-DE" sz="1600" b="0" i="1" smtClean="0">
-                        <a:latin typeface="Cambria Math" panose="02040503050406030204" pitchFamily="18" charset="0"/>
-                        <a:ea typeface="Cambria Math" panose="02040503050406030204" pitchFamily="18" charset="0"/>
-                        <a:sym typeface="Wingdings" panose="05000000000000000000" pitchFamily="2" charset="2"/>
-                      </a:rPr>
                       <m:t>𝐼</m:t>
                     </m:r>
                     <m:d>
@@ -17022,7 +16909,7 @@
             </p:txBody>
           </p:sp>
         </mc:Choice>
-        <mc:Fallback xmlns="">
+        <mc:Fallback>
           <p:sp>
             <p:nvSpPr>
               <p:cNvPr id="11" name="Rechteck: abgerundete Ecken 10">

--- a/presentations/Finale Präsentation.pptx
+++ b/presentations/Finale Präsentation.pptx
@@ -342,7 +342,7 @@
             <a:fld id="{A32DC80D-291A-4ABB-A78B-0417274A267C}" type="datetime4">
               <a:rPr lang="de-DE"/>
               <a:pPr/>
-              <a:t>18. Oktober 2023</a:t>
+              <a:t>14. Januar 2024</a:t>
             </a:fld>
             <a:endParaRPr lang="de-DE"/>
           </a:p>
@@ -733,7 +733,7 @@
             <a:fld id="{065B079B-E513-489A-8A1B-D7C78493EA86}" type="datetime4">
               <a:rPr lang="de-DE"/>
               <a:pPr/>
-              <a:t>18. Oktober 2023</a:t>
+              <a:t>14. Januar 2024</a:t>
             </a:fld>
             <a:endParaRPr lang="de-DE"/>
           </a:p>
@@ -1876,7 +1876,7 @@
             <a:fld id="{065B079B-E513-489A-8A1B-D7C78493EA86}" type="datetime4">
               <a:rPr lang="de-DE" smtClean="0"/>
               <a:pPr/>
-              <a:t>18. Oktober 2023</a:t>
+              <a:t>14. Januar 2024</a:t>
             </a:fld>
             <a:endParaRPr lang="de-DE"/>
           </a:p>
@@ -2033,7 +2033,7 @@
             <a:fld id="{065B079B-E513-489A-8A1B-D7C78493EA86}" type="datetime4">
               <a:rPr lang="de-DE" smtClean="0"/>
               <a:pPr/>
-              <a:t>18. Oktober 2023</a:t>
+              <a:t>14. Januar 2024</a:t>
             </a:fld>
             <a:endParaRPr lang="de-DE"/>
           </a:p>
@@ -2168,7 +2168,7 @@
             <a:fld id="{065B079B-E513-489A-8A1B-D7C78493EA86}" type="datetime4">
               <a:rPr lang="de-DE" smtClean="0"/>
               <a:pPr/>
-              <a:t>18. Oktober 2023</a:t>
+              <a:t>14. Januar 2024</a:t>
             </a:fld>
             <a:endParaRPr lang="de-DE"/>
           </a:p>
@@ -2311,7 +2311,7 @@
             <a:fld id="{065B079B-E513-489A-8A1B-D7C78493EA86}" type="datetime4">
               <a:rPr lang="de-DE" smtClean="0"/>
               <a:pPr/>
-              <a:t>18. Oktober 2023</a:t>
+              <a:t>14. Januar 2024</a:t>
             </a:fld>
             <a:endParaRPr lang="de-DE"/>
           </a:p>
@@ -2454,7 +2454,7 @@
             <a:fld id="{065B079B-E513-489A-8A1B-D7C78493EA86}" type="datetime4">
               <a:rPr lang="de-DE" smtClean="0"/>
               <a:pPr/>
-              <a:t>18. Oktober 2023</a:t>
+              <a:t>14. Januar 2024</a:t>
             </a:fld>
             <a:endParaRPr lang="de-DE"/>
           </a:p>
@@ -2589,7 +2589,7 @@
             <a:fld id="{065B079B-E513-489A-8A1B-D7C78493EA86}" type="datetime4">
               <a:rPr lang="de-DE" smtClean="0"/>
               <a:pPr/>
-              <a:t>18. Oktober 2023</a:t>
+              <a:t>14. Januar 2024</a:t>
             </a:fld>
             <a:endParaRPr lang="de-DE"/>
           </a:p>
@@ -2793,7 +2793,7 @@
             <a:fld id="{065B079B-E513-489A-8A1B-D7C78493EA86}" type="datetime4">
               <a:rPr lang="de-DE" smtClean="0"/>
               <a:pPr/>
-              <a:t>18. Oktober 2023</a:t>
+              <a:t>14. Januar 2024</a:t>
             </a:fld>
             <a:endParaRPr lang="de-DE"/>
           </a:p>
@@ -2943,7 +2943,7 @@
             <a:fld id="{065B079B-E513-489A-8A1B-D7C78493EA86}" type="datetime4">
               <a:rPr lang="de-DE" smtClean="0"/>
               <a:pPr/>
-              <a:t>18. Oktober 2023</a:t>
+              <a:t>14. Januar 2024</a:t>
             </a:fld>
             <a:endParaRPr lang="de-DE"/>
           </a:p>
@@ -3117,7 +3117,7 @@
             <a:fld id="{065B079B-E513-489A-8A1B-D7C78493EA86}" type="datetime4">
               <a:rPr lang="de-DE" smtClean="0"/>
               <a:pPr/>
-              <a:t>18. Oktober 2023</a:t>
+              <a:t>14. Januar 2024</a:t>
             </a:fld>
             <a:endParaRPr lang="de-DE"/>
           </a:p>
@@ -3268,7 +3268,7 @@
             <a:fld id="{065B079B-E513-489A-8A1B-D7C78493EA86}" type="datetime4">
               <a:rPr lang="de-DE" smtClean="0"/>
               <a:pPr/>
-              <a:t>18. Oktober 2023</a:t>
+              <a:t>14. Januar 2024</a:t>
             </a:fld>
             <a:endParaRPr lang="de-DE"/>
           </a:p>
@@ -3425,7 +3425,7 @@
             <a:fld id="{065B079B-E513-489A-8A1B-D7C78493EA86}" type="datetime4">
               <a:rPr lang="de-DE" smtClean="0"/>
               <a:pPr/>
-              <a:t>18. Oktober 2023</a:t>
+              <a:t>14. Januar 2024</a:t>
             </a:fld>
             <a:endParaRPr lang="de-DE"/>
           </a:p>
@@ -15756,8 +15756,8 @@
           </a:fontRef>
         </p:style>
       </p:cxnSp>
-      <mc:AlternateContent xmlns:mc="http://schemas.openxmlformats.org/markup-compatibility/2006">
-        <mc:Choice xmlns:a14="http://schemas.microsoft.com/office/drawing/2010/main" Requires="a14">
+      <mc:AlternateContent xmlns:mc="http://schemas.openxmlformats.org/markup-compatibility/2006" xmlns:a14="http://schemas.microsoft.com/office/drawing/2010/main">
+        <mc:Choice Requires="a14">
           <p:sp>
             <p:nvSpPr>
               <p:cNvPr id="11" name="Rechteck: abgerundete Ecken 10">
@@ -16909,7 +16909,7 @@
             </p:txBody>
           </p:sp>
         </mc:Choice>
-        <mc:Fallback>
+        <mc:Fallback xmlns="">
           <p:sp>
             <p:nvSpPr>
               <p:cNvPr id="11" name="Rechteck: abgerundete Ecken 10">
